--- a/Presentation/Final presentation anim.pptx
+++ b/Presentation/Final presentation anim.pptx
@@ -5,26 +5,26 @@
     <p:sldMasterId id="2147483766" r:id="rId1"/>
   </p:sldMasterIdLst>
   <p:notesMasterIdLst>
-    <p:notesMasterId r:id="rId34"/>
+    <p:notesMasterId r:id="rId35"/>
   </p:notesMasterIdLst>
   <p:sldIdLst>
     <p:sldId id="277" r:id="rId2"/>
     <p:sldId id="276" r:id="rId3"/>
     <p:sldId id="279" r:id="rId4"/>
-    <p:sldId id="289" r:id="rId5"/>
+    <p:sldId id="290" r:id="rId5"/>
     <p:sldId id="257" r:id="rId6"/>
     <p:sldId id="263" r:id="rId7"/>
-    <p:sldId id="290" r:id="rId8"/>
+    <p:sldId id="291" r:id="rId8"/>
     <p:sldId id="280" r:id="rId9"/>
-    <p:sldId id="291" r:id="rId10"/>
+    <p:sldId id="281" r:id="rId10"/>
     <p:sldId id="293" r:id="rId11"/>
     <p:sldId id="292" r:id="rId12"/>
     <p:sldId id="265" r:id="rId13"/>
-    <p:sldId id="294" r:id="rId14"/>
-    <p:sldId id="275" r:id="rId15"/>
-    <p:sldId id="295" r:id="rId16"/>
+    <p:sldId id="275" r:id="rId14"/>
+    <p:sldId id="294" r:id="rId15"/>
+    <p:sldId id="286" r:id="rId16"/>
     <p:sldId id="296" r:id="rId17"/>
-    <p:sldId id="286" r:id="rId18"/>
+    <p:sldId id="295" r:id="rId18"/>
     <p:sldId id="287" r:id="rId19"/>
     <p:sldId id="297" r:id="rId20"/>
     <p:sldId id="288" r:id="rId21"/>
@@ -39,7 +39,8 @@
     <p:sldId id="300" r:id="rId30"/>
     <p:sldId id="285" r:id="rId31"/>
     <p:sldId id="271" r:id="rId32"/>
-    <p:sldId id="282" r:id="rId33"/>
+    <p:sldId id="289" r:id="rId33"/>
+    <p:sldId id="282" r:id="rId34"/>
   </p:sldIdLst>
   <p:sldSz cx="12192000" cy="6858000"/>
   <p:notesSz cx="6858000" cy="9144000"/>
@@ -228,7 +229,7 @@
           <a:p>
             <a:fld id="{4EB363BB-F7AF-A242-B335-207FB1BAC411}" type="datetimeFigureOut">
               <a:rPr lang="fr-FR" smtClean="0"/>
-              <a:t>13/02/2025</a:t>
+              <a:t>14/02/2025</a:t>
             </a:fld>
             <a:endParaRPr lang="fr-FR"/>
           </a:p>
@@ -816,7 +817,7 @@
     </p:spTree>
     <p:extLst>
       <p:ext uri="{BB962C8B-B14F-4D97-AF65-F5344CB8AC3E}">
-        <p14:creationId xmlns:p14="http://schemas.microsoft.com/office/powerpoint/2010/main" val="2191887430"/>
+        <p14:creationId xmlns:p14="http://schemas.microsoft.com/office/powerpoint/2010/main" val="1862813279"/>
       </p:ext>
     </p:extLst>
   </p:cSld>
@@ -1440,7 +1441,7 @@
           <a:p>
             <a:fld id="{2616AA14-A50A-6F42-8D80-B13DBABE446C}" type="datetimeFigureOut">
               <a:rPr lang="fr-FR" smtClean="0"/>
-              <a:t>13/02/2025</a:t>
+              <a:t>14/02/2025</a:t>
             </a:fld>
             <a:endParaRPr lang="fr-FR"/>
           </a:p>
@@ -1876,7 +1877,7 @@
           <a:p>
             <a:fld id="{2616AA14-A50A-6F42-8D80-B13DBABE446C}" type="datetimeFigureOut">
               <a:rPr lang="fr-FR" smtClean="0"/>
-              <a:t>13/02/2025</a:t>
+              <a:t>14/02/2025</a:t>
             </a:fld>
             <a:endParaRPr lang="fr-FR"/>
           </a:p>
@@ -2126,7 +2127,7 @@
           <a:p>
             <a:fld id="{2616AA14-A50A-6F42-8D80-B13DBABE446C}" type="datetimeFigureOut">
               <a:rPr lang="fr-FR" smtClean="0"/>
-              <a:t>13/02/2025</a:t>
+              <a:t>14/02/2025</a:t>
             </a:fld>
             <a:endParaRPr lang="fr-FR"/>
           </a:p>
@@ -2434,7 +2435,7 @@
           <a:p>
             <a:fld id="{2616AA14-A50A-6F42-8D80-B13DBABE446C}" type="datetimeFigureOut">
               <a:rPr lang="fr-FR" smtClean="0"/>
-              <a:t>13/02/2025</a:t>
+              <a:t>14/02/2025</a:t>
             </a:fld>
             <a:endParaRPr lang="fr-FR"/>
           </a:p>
@@ -2752,7 +2753,7 @@
           <a:p>
             <a:fld id="{2616AA14-A50A-6F42-8D80-B13DBABE446C}" type="datetimeFigureOut">
               <a:rPr lang="fr-FR" smtClean="0"/>
-              <a:t>13/02/2025</a:t>
+              <a:t>14/02/2025</a:t>
             </a:fld>
             <a:endParaRPr lang="fr-FR"/>
           </a:p>
@@ -3054,7 +3055,7 @@
           <a:p>
             <a:fld id="{2616AA14-A50A-6F42-8D80-B13DBABE446C}" type="datetimeFigureOut">
               <a:rPr lang="fr-FR" smtClean="0"/>
-              <a:t>13/02/2025</a:t>
+              <a:t>14/02/2025</a:t>
             </a:fld>
             <a:endParaRPr lang="fr-FR"/>
           </a:p>
@@ -3421,7 +3422,7 @@
           <a:p>
             <a:fld id="{2616AA14-A50A-6F42-8D80-B13DBABE446C}" type="datetimeFigureOut">
               <a:rPr lang="fr-FR" smtClean="0"/>
-              <a:t>13/02/2025</a:t>
+              <a:t>14/02/2025</a:t>
             </a:fld>
             <a:endParaRPr lang="fr-FR"/>
           </a:p>
@@ -3595,7 +3596,7 @@
           <a:p>
             <a:fld id="{2616AA14-A50A-6F42-8D80-B13DBABE446C}" type="datetimeFigureOut">
               <a:rPr lang="fr-FR" smtClean="0"/>
-              <a:t>13/02/2025</a:t>
+              <a:t>14/02/2025</a:t>
             </a:fld>
             <a:endParaRPr lang="fr-FR"/>
           </a:p>
@@ -3775,7 +3776,7 @@
           <a:p>
             <a:fld id="{2616AA14-A50A-6F42-8D80-B13DBABE446C}" type="datetimeFigureOut">
               <a:rPr lang="fr-FR" smtClean="0"/>
-              <a:t>13/02/2025</a:t>
+              <a:t>14/02/2025</a:t>
             </a:fld>
             <a:endParaRPr lang="fr-FR"/>
           </a:p>
@@ -3945,7 +3946,7 @@
           <a:p>
             <a:fld id="{2616AA14-A50A-6F42-8D80-B13DBABE446C}" type="datetimeFigureOut">
               <a:rPr lang="fr-FR" smtClean="0"/>
-              <a:t>13/02/2025</a:t>
+              <a:t>14/02/2025</a:t>
             </a:fld>
             <a:endParaRPr lang="fr-FR"/>
           </a:p>
@@ -4195,7 +4196,7 @@
           <a:p>
             <a:fld id="{2616AA14-A50A-6F42-8D80-B13DBABE446C}" type="datetimeFigureOut">
               <a:rPr lang="fr-FR" smtClean="0"/>
-              <a:t>13/02/2025</a:t>
+              <a:t>14/02/2025</a:t>
             </a:fld>
             <a:endParaRPr lang="fr-FR"/>
           </a:p>
@@ -4431,7 +4432,7 @@
           <a:p>
             <a:fld id="{2616AA14-A50A-6F42-8D80-B13DBABE446C}" type="datetimeFigureOut">
               <a:rPr lang="fr-FR" smtClean="0"/>
-              <a:t>13/02/2025</a:t>
+              <a:t>14/02/2025</a:t>
             </a:fld>
             <a:endParaRPr lang="fr-FR"/>
           </a:p>
@@ -4813,7 +4814,7 @@
           <a:p>
             <a:fld id="{2616AA14-A50A-6F42-8D80-B13DBABE446C}" type="datetimeFigureOut">
               <a:rPr lang="fr-FR" smtClean="0"/>
-              <a:t>13/02/2025</a:t>
+              <a:t>14/02/2025</a:t>
             </a:fld>
             <a:endParaRPr lang="fr-FR"/>
           </a:p>
@@ -4931,7 +4932,7 @@
           <a:p>
             <a:fld id="{2616AA14-A50A-6F42-8D80-B13DBABE446C}" type="datetimeFigureOut">
               <a:rPr lang="fr-FR" smtClean="0"/>
-              <a:t>13/02/2025</a:t>
+              <a:t>14/02/2025</a:t>
             </a:fld>
             <a:endParaRPr lang="fr-FR"/>
           </a:p>
@@ -5026,7 +5027,7 @@
           <a:p>
             <a:fld id="{2616AA14-A50A-6F42-8D80-B13DBABE446C}" type="datetimeFigureOut">
               <a:rPr lang="fr-FR" smtClean="0"/>
-              <a:t>13/02/2025</a:t>
+              <a:t>14/02/2025</a:t>
             </a:fld>
             <a:endParaRPr lang="fr-FR"/>
           </a:p>
@@ -5281,7 +5282,7 @@
           <a:p>
             <a:fld id="{2616AA14-A50A-6F42-8D80-B13DBABE446C}" type="datetimeFigureOut">
               <a:rPr lang="fr-FR" smtClean="0"/>
-              <a:t>13/02/2025</a:t>
+              <a:t>14/02/2025</a:t>
             </a:fld>
             <a:endParaRPr lang="fr-FR"/>
           </a:p>
@@ -5564,7 +5565,7 @@
           <a:p>
             <a:fld id="{2616AA14-A50A-6F42-8D80-B13DBABE446C}" type="datetimeFigureOut">
               <a:rPr lang="fr-FR" smtClean="0"/>
-              <a:t>13/02/2025</a:t>
+              <a:t>14/02/2025</a:t>
             </a:fld>
             <a:endParaRPr lang="fr-FR"/>
           </a:p>
@@ -5987,7 +5988,7 @@
           <a:p>
             <a:fld id="{2616AA14-A50A-6F42-8D80-B13DBABE446C}" type="datetimeFigureOut">
               <a:rPr lang="fr-FR" smtClean="0"/>
-              <a:t>13/02/2025</a:t>
+              <a:t>14/02/2025</a:t>
             </a:fld>
             <a:endParaRPr lang="fr-FR"/>
           </a:p>
@@ -6758,50 +6759,6 @@
           </a:p>
         </p:txBody>
       </p:sp>
-      <p:pic>
-        <p:nvPicPr>
-          <p:cNvPr id="9" name="Image 8">
-            <a:extLst>
-              <a:ext uri="{FF2B5EF4-FFF2-40B4-BE49-F238E27FC236}">
-                <a16:creationId xmlns:a16="http://schemas.microsoft.com/office/drawing/2014/main" id="{B3ACFA8B-C09C-453C-98EC-172632D61782}"/>
-              </a:ext>
-            </a:extLst>
-          </p:cNvPr>
-          <p:cNvPicPr>
-            <a:picLocks noChangeAspect="1"/>
-          </p:cNvPicPr>
-          <p:nvPr/>
-        </p:nvPicPr>
-        <p:blipFill>
-          <a:blip r:embed="rId5"/>
-          <a:stretch>
-            <a:fillRect/>
-          </a:stretch>
-        </p:blipFill>
-        <p:spPr>
-          <a:xfrm>
-            <a:off x="3577417" y="4397284"/>
-            <a:ext cx="8468907" cy="838317"/>
-          </a:xfrm>
-          <a:prstGeom prst="rect">
-            <a:avLst/>
-          </a:prstGeom>
-          <a:ln w="38100" cap="sq">
-            <a:solidFill>
-              <a:srgbClr val="000000"/>
-            </a:solidFill>
-            <a:prstDash val="solid"/>
-            <a:miter lim="800000"/>
-          </a:ln>
-          <a:effectLst>
-            <a:outerShdw blurRad="50800" dist="38100" dir="2700000" algn="tl" rotWithShape="0">
-              <a:srgbClr val="000000">
-                <a:alpha val="43000"/>
-              </a:srgbClr>
-            </a:outerShdw>
-          </a:effectLst>
-        </p:spPr>
-      </p:pic>
       <p:sp>
         <p:nvSpPr>
           <p:cNvPr id="10" name="Flèche : angle droit 9">
@@ -6816,7 +6773,7 @@
         </p:nvSpPr>
         <p:spPr>
           <a:xfrm rot="5400000">
-            <a:off x="1858284" y="3515861"/>
+            <a:off x="2095678" y="3515862"/>
             <a:ext cx="1434275" cy="1879806"/>
           </a:xfrm>
           <a:prstGeom prst="bentUpArrow">
@@ -6862,10 +6819,10 @@
       </p:sp>
       <p:pic>
         <p:nvPicPr>
-          <p:cNvPr id="8" name="Image 7">
+          <p:cNvPr id="11" name="Picture 4" descr="A black symbols with letters&#10;&#10;AI-generated content may be incorrect.">
             <a:extLst>
               <a:ext uri="{FF2B5EF4-FFF2-40B4-BE49-F238E27FC236}">
-                <a16:creationId xmlns:a16="http://schemas.microsoft.com/office/drawing/2014/main" id="{07278988-7219-4AD9-8B97-9076D9F9AB36}"/>
+                <a16:creationId xmlns:a16="http://schemas.microsoft.com/office/drawing/2014/main" id="{73BA3E1D-FBD0-4ECE-8E42-7C6D5AE4D37F}"/>
               </a:ext>
             </a:extLst>
           </p:cNvPr>
@@ -6874,16 +6831,15 @@
           </p:cNvPicPr>
           <p:nvPr/>
         </p:nvPicPr>
-        <p:blipFill>
-          <a:blip r:embed="rId6"/>
-          <a:stretch>
-            <a:fillRect/>
-          </a:stretch>
+        <p:blipFill rotWithShape="1">
+          <a:blip r:embed="rId5"/>
+          <a:srcRect r="33757"/>
+          <a:stretch/>
         </p:blipFill>
         <p:spPr>
           <a:xfrm>
-            <a:off x="64993" y="2700754"/>
-            <a:ext cx="5391902" cy="1219370"/>
+            <a:off x="358588" y="2474520"/>
+            <a:ext cx="4814047" cy="1547234"/>
           </a:xfrm>
           <a:prstGeom prst="rect">
             <a:avLst/>
@@ -6904,6 +6860,236 @@
           </a:effectLst>
         </p:spPr>
       </p:pic>
+      <p:sp>
+        <p:nvSpPr>
+          <p:cNvPr id="12" name="TextBox 9">
+            <a:extLst>
+              <a:ext uri="{FF2B5EF4-FFF2-40B4-BE49-F238E27FC236}">
+                <a16:creationId xmlns:a16="http://schemas.microsoft.com/office/drawing/2014/main" id="{AB627027-D6C7-4FAA-9D81-A49D8739F1CB}"/>
+              </a:ext>
+            </a:extLst>
+          </p:cNvPr>
+          <p:cNvSpPr txBox="1"/>
+          <p:nvPr/>
+        </p:nvSpPr>
+        <p:spPr>
+          <a:xfrm>
+            <a:off x="3818965" y="4297598"/>
+            <a:ext cx="8181056" cy="875304"/>
+          </a:xfrm>
+          <a:prstGeom prst="rect">
+            <a:avLst/>
+          </a:prstGeom>
+          <a:solidFill>
+            <a:schemeClr val="tx1"/>
+          </a:solidFill>
+          <a:ln w="38100">
+            <a:solidFill>
+              <a:schemeClr val="bg1"/>
+            </a:solidFill>
+          </a:ln>
+        </p:spPr>
+        <p:txBody>
+          <a:bodyPr wrap="square" rtlCol="0">
+            <a:spAutoFit/>
+          </a:bodyPr>
+          <a:lstStyle/>
+          <a:p>
+            <a:pPr>
+              <a:lnSpc>
+                <a:spcPct val="150000"/>
+              </a:lnSpc>
+            </a:pPr>
+            <a:r>
+              <a:rPr lang="fr-FR" dirty="0">
+                <a:solidFill>
+                  <a:schemeClr val="bg1"/>
+                </a:solidFill>
+                <a:latin typeface="Cascadia Code" panose="020B0609020000020004" pitchFamily="49" charset="0"/>
+                <a:ea typeface="Cascadia Code" panose="020B0609020000020004" pitchFamily="49" charset="0"/>
+                <a:cs typeface="Cascadia Code" panose="020B0609020000020004" pitchFamily="49" charset="0"/>
+              </a:rPr>
+              <a:t>\</a:t>
+            </a:r>
+            <a:r>
+              <a:rPr lang="fr-FR" dirty="0" err="1">
+                <a:solidFill>
+                  <a:schemeClr val="bg1"/>
+                </a:solidFill>
+                <a:latin typeface="Cascadia Code" panose="020B0609020000020004" pitchFamily="49" charset="0"/>
+                <a:ea typeface="Cascadia Code" panose="020B0609020000020004" pitchFamily="49" charset="0"/>
+                <a:cs typeface="Cascadia Code" panose="020B0609020000020004" pitchFamily="49" charset="0"/>
+              </a:rPr>
+              <a:t>det</a:t>
+            </a:r>
+            <a:r>
+              <a:rPr lang="fr-FR" dirty="0">
+                <a:solidFill>
+                  <a:schemeClr val="bg1"/>
+                </a:solidFill>
+                <a:latin typeface="Cascadia Code" panose="020B0609020000020004" pitchFamily="49" charset="0"/>
+                <a:ea typeface="Cascadia Code" panose="020B0609020000020004" pitchFamily="49" charset="0"/>
+                <a:cs typeface="Cascadia Code" panose="020B0609020000020004" pitchFamily="49" charset="0"/>
+              </a:rPr>
+              <a:t>\</a:t>
+            </a:r>
+            <a:r>
+              <a:rPr lang="fr-FR" dirty="0" err="1">
+                <a:solidFill>
+                  <a:schemeClr val="bg1"/>
+                </a:solidFill>
+                <a:latin typeface="Cascadia Code" panose="020B0609020000020004" pitchFamily="49" charset="0"/>
+                <a:ea typeface="Cascadia Code" panose="020B0609020000020004" pitchFamily="49" charset="0"/>
+                <a:cs typeface="Cascadia Code" panose="020B0609020000020004" pitchFamily="49" charset="0"/>
+              </a:rPr>
+              <a:t>left</a:t>
+            </a:r>
+            <a:r>
+              <a:rPr lang="fr-FR" dirty="0">
+                <a:solidFill>
+                  <a:schemeClr val="bg1"/>
+                </a:solidFill>
+                <a:latin typeface="Cascadia Code" panose="020B0609020000020004" pitchFamily="49" charset="0"/>
+                <a:ea typeface="Cascadia Code" panose="020B0609020000020004" pitchFamily="49" charset="0"/>
+                <a:cs typeface="Cascadia Code" panose="020B0609020000020004" pitchFamily="49" charset="0"/>
+              </a:rPr>
+              <a:t>( \frac{\partial^2 F}{\partial </a:t>
+            </a:r>
+            <a:r>
+              <a:rPr lang="fr-FR" dirty="0" err="1">
+                <a:solidFill>
+                  <a:schemeClr val="bg1"/>
+                </a:solidFill>
+                <a:latin typeface="Cascadia Code" panose="020B0609020000020004" pitchFamily="49" charset="0"/>
+                <a:ea typeface="Cascadia Code" panose="020B0609020000020004" pitchFamily="49" charset="0"/>
+                <a:cs typeface="Cascadia Code" panose="020B0609020000020004" pitchFamily="49" charset="0"/>
+              </a:rPr>
+              <a:t>x_i</a:t>
+            </a:r>
+            <a:r>
+              <a:rPr lang="fr-FR" dirty="0">
+                <a:solidFill>
+                  <a:schemeClr val="bg1"/>
+                </a:solidFill>
+                <a:latin typeface="Cascadia Code" panose="020B0609020000020004" pitchFamily="49" charset="0"/>
+                <a:ea typeface="Cascadia Code" panose="020B0609020000020004" pitchFamily="49" charset="0"/>
+                <a:cs typeface="Cascadia Code" panose="020B0609020000020004" pitchFamily="49" charset="0"/>
+              </a:rPr>
+              <a:t> \partial </a:t>
+            </a:r>
+            <a:r>
+              <a:rPr lang="fr-FR" dirty="0" err="1">
+                <a:solidFill>
+                  <a:schemeClr val="bg1"/>
+                </a:solidFill>
+                <a:latin typeface="Cascadia Code" panose="020B0609020000020004" pitchFamily="49" charset="0"/>
+                <a:ea typeface="Cascadia Code" panose="020B0609020000020004" pitchFamily="49" charset="0"/>
+                <a:cs typeface="Cascadia Code" panose="020B0609020000020004" pitchFamily="49" charset="0"/>
+              </a:rPr>
+              <a:t>x_j</a:t>
+            </a:r>
+            <a:r>
+              <a:rPr lang="fr-FR" dirty="0">
+                <a:solidFill>
+                  <a:schemeClr val="bg1"/>
+                </a:solidFill>
+                <a:latin typeface="Cascadia Code" panose="020B0609020000020004" pitchFamily="49" charset="0"/>
+                <a:ea typeface="Cascadia Code" panose="020B0609020000020004" pitchFamily="49" charset="0"/>
+                <a:cs typeface="Cascadia Code" panose="020B0609020000020004" pitchFamily="49" charset="0"/>
+              </a:rPr>
+              <a:t>} \right) = \</a:t>
+            </a:r>
+            <a:r>
+              <a:rPr lang="fr-FR" dirty="0" err="1">
+                <a:solidFill>
+                  <a:schemeClr val="bg1"/>
+                </a:solidFill>
+                <a:latin typeface="Cascadia Code" panose="020B0609020000020004" pitchFamily="49" charset="0"/>
+                <a:ea typeface="Cascadia Code" panose="020B0609020000020004" pitchFamily="49" charset="0"/>
+                <a:cs typeface="Cascadia Code" panose="020B0609020000020004" pitchFamily="49" charset="0"/>
+              </a:rPr>
+              <a:t>sum</a:t>
+            </a:r>
+            <a:r>
+              <a:rPr lang="fr-FR" dirty="0">
+                <a:solidFill>
+                  <a:schemeClr val="bg1"/>
+                </a:solidFill>
+                <a:latin typeface="Cascadia Code" panose="020B0609020000020004" pitchFamily="49" charset="0"/>
+                <a:ea typeface="Cascadia Code" panose="020B0609020000020004" pitchFamily="49" charset="0"/>
+                <a:cs typeface="Cascadia Code" panose="020B0609020000020004" pitchFamily="49" charset="0"/>
+              </a:rPr>
+              <a:t>_{\sigma \in </a:t>
+            </a:r>
+            <a:r>
+              <a:rPr lang="fr-FR" dirty="0" err="1">
+                <a:solidFill>
+                  <a:schemeClr val="bg1"/>
+                </a:solidFill>
+                <a:latin typeface="Cascadia Code" panose="020B0609020000020004" pitchFamily="49" charset="0"/>
+                <a:ea typeface="Cascadia Code" panose="020B0609020000020004" pitchFamily="49" charset="0"/>
+                <a:cs typeface="Cascadia Code" panose="020B0609020000020004" pitchFamily="49" charset="0"/>
+              </a:rPr>
+              <a:t>S_n</a:t>
+            </a:r>
+            <a:r>
+              <a:rPr lang="fr-FR" dirty="0">
+                <a:solidFill>
+                  <a:schemeClr val="bg1"/>
+                </a:solidFill>
+                <a:latin typeface="Cascadia Code" panose="020B0609020000020004" pitchFamily="49" charset="0"/>
+                <a:ea typeface="Cascadia Code" panose="020B0609020000020004" pitchFamily="49" charset="0"/>
+                <a:cs typeface="Cascadia Code" panose="020B0609020000020004" pitchFamily="49" charset="0"/>
+              </a:rPr>
+              <a:t>} \</a:t>
+            </a:r>
+            <a:r>
+              <a:rPr lang="fr-FR" dirty="0" err="1">
+                <a:solidFill>
+                  <a:schemeClr val="bg1"/>
+                </a:solidFill>
+                <a:latin typeface="Cascadia Code" panose="020B0609020000020004" pitchFamily="49" charset="0"/>
+                <a:ea typeface="Cascadia Code" panose="020B0609020000020004" pitchFamily="49" charset="0"/>
+                <a:cs typeface="Cascadia Code" panose="020B0609020000020004" pitchFamily="49" charset="0"/>
+              </a:rPr>
+              <a:t>text</a:t>
+            </a:r>
+            <a:r>
+              <a:rPr lang="fr-FR" dirty="0">
+                <a:solidFill>
+                  <a:schemeClr val="bg1"/>
+                </a:solidFill>
+                <a:latin typeface="Cascadia Code" panose="020B0609020000020004" pitchFamily="49" charset="0"/>
+                <a:ea typeface="Cascadia Code" panose="020B0609020000020004" pitchFamily="49" charset="0"/>
+                <a:cs typeface="Cascadia Code" panose="020B0609020000020004" pitchFamily="49" charset="0"/>
+              </a:rPr>
+              <a:t>{</a:t>
+            </a:r>
+            <a:r>
+              <a:rPr lang="fr-FR" dirty="0" err="1">
+                <a:solidFill>
+                  <a:schemeClr val="bg1"/>
+                </a:solidFill>
+                <a:latin typeface="Cascadia Code" panose="020B0609020000020004" pitchFamily="49" charset="0"/>
+                <a:ea typeface="Cascadia Code" panose="020B0609020000020004" pitchFamily="49" charset="0"/>
+                <a:cs typeface="Cascadia Code" panose="020B0609020000020004" pitchFamily="49" charset="0"/>
+              </a:rPr>
+              <a:t>sgn</a:t>
+            </a:r>
+            <a:r>
+              <a:rPr lang="fr-FR" dirty="0">
+                <a:solidFill>
+                  <a:schemeClr val="bg1"/>
+                </a:solidFill>
+                <a:latin typeface="Cascadia Code" panose="020B0609020000020004" pitchFamily="49" charset="0"/>
+                <a:ea typeface="Cascadia Code" panose="020B0609020000020004" pitchFamily="49" charset="0"/>
+                <a:cs typeface="Cascadia Code" panose="020B0609020000020004" pitchFamily="49" charset="0"/>
+              </a:rPr>
+              <a:t>}(\sigma)</a:t>
+            </a:r>
+          </a:p>
+        </p:txBody>
+      </p:sp>
     </p:spTree>
     <p:extLst>
       <p:ext uri="{BB962C8B-B14F-4D97-AF65-F5344CB8AC3E}">
@@ -7827,7 +8013,7 @@
     </p:spTree>
     <p:extLst>
       <p:ext uri="{BB962C8B-B14F-4D97-AF65-F5344CB8AC3E}">
-        <p14:creationId xmlns:p14="http://schemas.microsoft.com/office/powerpoint/2010/main" val="3667717035"/>
+        <p14:creationId xmlns:p14="http://schemas.microsoft.com/office/powerpoint/2010/main" val="191446490"/>
       </p:ext>
     </p:extLst>
   </p:cSld>
@@ -9224,7 +9410,7 @@
     </p:spTree>
     <p:extLst>
       <p:ext uri="{BB962C8B-B14F-4D97-AF65-F5344CB8AC3E}">
-        <p14:creationId xmlns:p14="http://schemas.microsoft.com/office/powerpoint/2010/main" val="825837934"/>
+        <p14:creationId xmlns:p14="http://schemas.microsoft.com/office/powerpoint/2010/main" val="2224793469"/>
       </p:ext>
     </p:extLst>
   </p:cSld>
@@ -10396,7 +10582,7 @@
     </p:spTree>
     <p:extLst>
       <p:ext uri="{BB962C8B-B14F-4D97-AF65-F5344CB8AC3E}">
-        <p14:creationId xmlns:p14="http://schemas.microsoft.com/office/powerpoint/2010/main" val="1526375199"/>
+        <p14:creationId xmlns:p14="http://schemas.microsoft.com/office/powerpoint/2010/main" val="1558743619"/>
       </p:ext>
     </p:extLst>
   </p:cSld>
@@ -11083,7 +11269,7 @@
     </p:spTree>
     <p:extLst>
       <p:ext uri="{BB962C8B-B14F-4D97-AF65-F5344CB8AC3E}">
-        <p14:creationId xmlns:p14="http://schemas.microsoft.com/office/powerpoint/2010/main" val="1558743619"/>
+        <p14:creationId xmlns:p14="http://schemas.microsoft.com/office/powerpoint/2010/main" val="1776750674"/>
       </p:ext>
     </p:extLst>
   </p:cSld>
@@ -11577,7 +11763,7 @@
     </p:spTree>
     <p:extLst>
       <p:ext uri="{BB962C8B-B14F-4D97-AF65-F5344CB8AC3E}">
-        <p14:creationId xmlns:p14="http://schemas.microsoft.com/office/powerpoint/2010/main" val="3302974508"/>
+        <p14:creationId xmlns:p14="http://schemas.microsoft.com/office/powerpoint/2010/main" val="3122266429"/>
       </p:ext>
     </p:extLst>
   </p:cSld>
@@ -12453,7 +12639,7 @@
     </p:spTree>
     <p:extLst>
       <p:ext uri="{BB962C8B-B14F-4D97-AF65-F5344CB8AC3E}">
-        <p14:creationId xmlns:p14="http://schemas.microsoft.com/office/powerpoint/2010/main" val="979577915"/>
+        <p14:creationId xmlns:p14="http://schemas.microsoft.com/office/powerpoint/2010/main" val="1911154298"/>
       </p:ext>
     </p:extLst>
   </p:cSld>
@@ -13662,7 +13848,7 @@
     </p:spTree>
     <p:extLst>
       <p:ext uri="{BB962C8B-B14F-4D97-AF65-F5344CB8AC3E}">
-        <p14:creationId xmlns:p14="http://schemas.microsoft.com/office/powerpoint/2010/main" val="3122266429"/>
+        <p14:creationId xmlns:p14="http://schemas.microsoft.com/office/powerpoint/2010/main" val="4267611882"/>
       </p:ext>
     </p:extLst>
   </p:cSld>
@@ -13756,12 +13942,345 @@
           </a:p>
         </p:txBody>
       </p:sp>
+      <p:sp>
+        <p:nvSpPr>
+          <p:cNvPr id="14" name="TextBox 4">
+            <a:extLst>
+              <a:ext uri="{FF2B5EF4-FFF2-40B4-BE49-F238E27FC236}">
+                <a16:creationId xmlns:a16="http://schemas.microsoft.com/office/drawing/2014/main" id="{1ED38DAD-8918-4318-A6AC-928A6C0C8F1D}"/>
+              </a:ext>
+            </a:extLst>
+          </p:cNvPr>
+          <p:cNvSpPr txBox="1"/>
+          <p:nvPr/>
+        </p:nvSpPr>
+        <p:spPr>
+          <a:xfrm>
+            <a:off x="385058" y="1772224"/>
+            <a:ext cx="4312447" cy="817981"/>
+          </a:xfrm>
+          <a:prstGeom prst="rect">
+            <a:avLst/>
+          </a:prstGeom>
+          <a:noFill/>
+        </p:spPr>
+        <p:txBody>
+          <a:bodyPr wrap="square" rtlCol="0">
+            <a:spAutoFit/>
+          </a:bodyPr>
+          <a:lstStyle/>
+          <a:p>
+            <a:pPr>
+              <a:lnSpc>
+                <a:spcPct val="150000"/>
+              </a:lnSpc>
+            </a:pPr>
+            <a:r>
+              <a:rPr lang="en-GB" sz="3600" dirty="0"/>
+              <a:t>Modified n-grams:</a:t>
+            </a:r>
+          </a:p>
+        </p:txBody>
+      </p:sp>
+      <p:sp>
+        <p:nvSpPr>
+          <p:cNvPr id="9" name="Espace réservé du contenu 2">
+            <a:extLst>
+              <a:ext uri="{FF2B5EF4-FFF2-40B4-BE49-F238E27FC236}">
+                <a16:creationId xmlns:a16="http://schemas.microsoft.com/office/drawing/2014/main" id="{38CB20F3-0134-44F3-A27D-59BE0642CBBF}"/>
+              </a:ext>
+            </a:extLst>
+          </p:cNvPr>
+          <p:cNvSpPr txBox="1">
+            <a:spLocks/>
+          </p:cNvSpPr>
+          <p:nvPr/>
+        </p:nvSpPr>
+        <p:spPr>
+          <a:xfrm>
+            <a:off x="25901" y="6131351"/>
+            <a:ext cx="988105" cy="788419"/>
+          </a:xfrm>
+          <a:prstGeom prst="rect">
+            <a:avLst/>
+          </a:prstGeom>
+        </p:spPr>
+        <p:txBody>
+          <a:bodyPr vert="horz" lIns="91440" tIns="45720" rIns="91440" bIns="45720" rtlCol="0" anchor="ctr">
+            <a:normAutofit/>
+          </a:bodyPr>
+          <a:lstStyle>
+            <a:lvl1pPr marL="285750" indent="-285750" algn="l" defTabSz="457200" rtl="0" eaLnBrk="1" latinLnBrk="0" hangingPunct="1">
+              <a:spcBef>
+                <a:spcPct val="20000"/>
+              </a:spcBef>
+              <a:spcAft>
+                <a:spcPts val="600"/>
+              </a:spcAft>
+              <a:buClr>
+                <a:schemeClr val="tx1"/>
+              </a:buClr>
+              <a:buSzPct val="80000"/>
+              <a:buFont typeface="Wingdings 3" panose="05040102010807070707" pitchFamily="18" charset="2"/>
+              <a:buChar char=""/>
+              <a:defRPr sz="2000" kern="1200" cap="none">
+                <a:solidFill>
+                  <a:schemeClr val="bg2">
+                    <a:lumMod val="75000"/>
+                  </a:schemeClr>
+                </a:solidFill>
+                <a:effectLst/>
+                <a:latin typeface="+mn-lt"/>
+                <a:ea typeface="+mn-ea"/>
+                <a:cs typeface="+mn-cs"/>
+              </a:defRPr>
+            </a:lvl1pPr>
+            <a:lvl2pPr marL="742950" indent="-285750" algn="l" defTabSz="457200" rtl="0" eaLnBrk="1" latinLnBrk="0" hangingPunct="1">
+              <a:spcBef>
+                <a:spcPct val="20000"/>
+              </a:spcBef>
+              <a:spcAft>
+                <a:spcPts val="600"/>
+              </a:spcAft>
+              <a:buClr>
+                <a:schemeClr val="tx1"/>
+              </a:buClr>
+              <a:buSzPct val="80000"/>
+              <a:buFont typeface="Wingdings 3" panose="05040102010807070707" pitchFamily="18" charset="2"/>
+              <a:buChar char=""/>
+              <a:defRPr sz="1800" kern="1200" cap="none">
+                <a:solidFill>
+                  <a:schemeClr val="bg2">
+                    <a:lumMod val="75000"/>
+                  </a:schemeClr>
+                </a:solidFill>
+                <a:effectLst/>
+                <a:latin typeface="+mn-lt"/>
+                <a:ea typeface="+mn-ea"/>
+                <a:cs typeface="+mn-cs"/>
+              </a:defRPr>
+            </a:lvl2pPr>
+            <a:lvl3pPr marL="1200150" indent="-285750" algn="l" defTabSz="457200" rtl="0" eaLnBrk="1" latinLnBrk="0" hangingPunct="1">
+              <a:spcBef>
+                <a:spcPct val="20000"/>
+              </a:spcBef>
+              <a:spcAft>
+                <a:spcPts val="600"/>
+              </a:spcAft>
+              <a:buClr>
+                <a:schemeClr val="tx1"/>
+              </a:buClr>
+              <a:buSzPct val="80000"/>
+              <a:buFont typeface="Wingdings 3" panose="05040102010807070707" pitchFamily="18" charset="2"/>
+              <a:buChar char=""/>
+              <a:defRPr sz="1600" kern="1200" cap="none">
+                <a:solidFill>
+                  <a:schemeClr val="bg2">
+                    <a:lumMod val="75000"/>
+                  </a:schemeClr>
+                </a:solidFill>
+                <a:effectLst/>
+                <a:latin typeface="+mn-lt"/>
+                <a:ea typeface="+mn-ea"/>
+                <a:cs typeface="+mn-cs"/>
+              </a:defRPr>
+            </a:lvl3pPr>
+            <a:lvl4pPr marL="1543050" indent="-171450" algn="l" defTabSz="457200" rtl="0" eaLnBrk="1" latinLnBrk="0" hangingPunct="1">
+              <a:spcBef>
+                <a:spcPct val="20000"/>
+              </a:spcBef>
+              <a:spcAft>
+                <a:spcPts val="600"/>
+              </a:spcAft>
+              <a:buClr>
+                <a:schemeClr val="tx1"/>
+              </a:buClr>
+              <a:buSzPct val="80000"/>
+              <a:buFont typeface="Wingdings 3" panose="05040102010807070707" pitchFamily="18" charset="2"/>
+              <a:buChar char=""/>
+              <a:defRPr sz="1400" kern="1200" cap="none">
+                <a:solidFill>
+                  <a:schemeClr val="bg2">
+                    <a:lumMod val="75000"/>
+                  </a:schemeClr>
+                </a:solidFill>
+                <a:effectLst/>
+                <a:latin typeface="+mn-lt"/>
+                <a:ea typeface="+mn-ea"/>
+                <a:cs typeface="+mn-cs"/>
+              </a:defRPr>
+            </a:lvl4pPr>
+            <a:lvl5pPr marL="2000250" indent="-171450" algn="l" defTabSz="457200" rtl="0" eaLnBrk="1" latinLnBrk="0" hangingPunct="1">
+              <a:spcBef>
+                <a:spcPct val="20000"/>
+              </a:spcBef>
+              <a:spcAft>
+                <a:spcPts val="600"/>
+              </a:spcAft>
+              <a:buClr>
+                <a:schemeClr val="tx1"/>
+              </a:buClr>
+              <a:buSzPct val="80000"/>
+              <a:buFont typeface="Wingdings 3" panose="05040102010807070707" pitchFamily="18" charset="2"/>
+              <a:buChar char=""/>
+              <a:defRPr sz="1400" kern="1200" cap="none">
+                <a:solidFill>
+                  <a:schemeClr val="bg2">
+                    <a:lumMod val="75000"/>
+                  </a:schemeClr>
+                </a:solidFill>
+                <a:effectLst/>
+                <a:latin typeface="+mn-lt"/>
+                <a:ea typeface="+mn-ea"/>
+                <a:cs typeface="+mn-cs"/>
+              </a:defRPr>
+            </a:lvl5pPr>
+            <a:lvl6pPr marL="2514600" indent="-228600" algn="l" defTabSz="457200" rtl="0" eaLnBrk="1" latinLnBrk="0" hangingPunct="1">
+              <a:spcBef>
+                <a:spcPct val="20000"/>
+              </a:spcBef>
+              <a:spcAft>
+                <a:spcPts val="600"/>
+              </a:spcAft>
+              <a:buClr>
+                <a:schemeClr val="tx1"/>
+              </a:buClr>
+              <a:buSzPct val="80000"/>
+              <a:buFont typeface="Wingdings 3" panose="05040102010807070707" pitchFamily="18" charset="2"/>
+              <a:buChar char=""/>
+              <a:defRPr sz="1400" kern="1200" cap="none">
+                <a:solidFill>
+                  <a:schemeClr val="bg2">
+                    <a:lumMod val="75000"/>
+                  </a:schemeClr>
+                </a:solidFill>
+                <a:effectLst/>
+                <a:latin typeface="+mn-lt"/>
+                <a:ea typeface="+mn-ea"/>
+                <a:cs typeface="+mn-cs"/>
+              </a:defRPr>
+            </a:lvl6pPr>
+            <a:lvl7pPr marL="2971800" indent="-228600" algn="l" defTabSz="457200" rtl="0" eaLnBrk="1" latinLnBrk="0" hangingPunct="1">
+              <a:spcBef>
+                <a:spcPct val="20000"/>
+              </a:spcBef>
+              <a:spcAft>
+                <a:spcPts val="600"/>
+              </a:spcAft>
+              <a:buClr>
+                <a:schemeClr val="tx1"/>
+              </a:buClr>
+              <a:buSzPct val="80000"/>
+              <a:buFont typeface="Wingdings 3" panose="05040102010807070707" pitchFamily="18" charset="2"/>
+              <a:buChar char=""/>
+              <a:defRPr sz="1400" kern="1200" cap="none">
+                <a:solidFill>
+                  <a:schemeClr val="bg2">
+                    <a:lumMod val="75000"/>
+                  </a:schemeClr>
+                </a:solidFill>
+                <a:effectLst/>
+                <a:latin typeface="+mn-lt"/>
+                <a:ea typeface="+mn-ea"/>
+                <a:cs typeface="+mn-cs"/>
+              </a:defRPr>
+            </a:lvl7pPr>
+            <a:lvl8pPr marL="3429000" indent="-228600" algn="l" defTabSz="457200" rtl="0" eaLnBrk="1" latinLnBrk="0" hangingPunct="1">
+              <a:spcBef>
+                <a:spcPct val="20000"/>
+              </a:spcBef>
+              <a:spcAft>
+                <a:spcPts val="600"/>
+              </a:spcAft>
+              <a:buClr>
+                <a:schemeClr val="tx1"/>
+              </a:buClr>
+              <a:buSzPct val="80000"/>
+              <a:buFont typeface="Wingdings 3" panose="05040102010807070707" pitchFamily="18" charset="2"/>
+              <a:buChar char=""/>
+              <a:defRPr sz="1400" kern="1200" cap="none">
+                <a:solidFill>
+                  <a:schemeClr val="bg2">
+                    <a:lumMod val="75000"/>
+                  </a:schemeClr>
+                </a:solidFill>
+                <a:effectLst/>
+                <a:latin typeface="+mn-lt"/>
+                <a:ea typeface="+mn-ea"/>
+                <a:cs typeface="+mn-cs"/>
+              </a:defRPr>
+            </a:lvl8pPr>
+            <a:lvl9pPr marL="3886200" indent="-228600" algn="l" defTabSz="457200" rtl="0" eaLnBrk="1" latinLnBrk="0" hangingPunct="1">
+              <a:spcBef>
+                <a:spcPct val="20000"/>
+              </a:spcBef>
+              <a:spcAft>
+                <a:spcPts val="600"/>
+              </a:spcAft>
+              <a:buClr>
+                <a:schemeClr val="tx1"/>
+              </a:buClr>
+              <a:buSzPct val="80000"/>
+              <a:buFont typeface="Wingdings 3" panose="05040102010807070707" pitchFamily="18" charset="2"/>
+              <a:buChar char=""/>
+              <a:defRPr sz="1400" kern="1200" cap="none">
+                <a:solidFill>
+                  <a:schemeClr val="bg2">
+                    <a:lumMod val="75000"/>
+                  </a:schemeClr>
+                </a:solidFill>
+                <a:effectLst/>
+                <a:latin typeface="+mn-lt"/>
+                <a:ea typeface="+mn-ea"/>
+                <a:cs typeface="+mn-cs"/>
+              </a:defRPr>
+            </a:lvl9pPr>
+          </a:lstStyle>
+          <a:p>
+            <a:pPr marL="0" indent="0">
+              <a:buFont typeface="Wingdings 3" panose="05040102010807070707" pitchFamily="18" charset="2"/>
+              <a:buNone/>
+            </a:pPr>
+            <a:r>
+              <a:rPr lang="fr-FR" sz="3200" b="1" dirty="0">
+                <a:solidFill>
+                  <a:schemeClr val="tx1">
+                    <a:lumMod val="95000"/>
+                  </a:schemeClr>
+                </a:solidFill>
+                <a:effectLst>
+                  <a:outerShdw blurRad="38100" dist="38100" dir="2700000" algn="tl">
+                    <a:srgbClr val="000000">
+                      <a:alpha val="43137"/>
+                    </a:srgbClr>
+                  </a:outerShdw>
+                </a:effectLst>
+              </a:rPr>
+              <a:t>11</a:t>
+            </a:r>
+            <a:endParaRPr lang="fr-FR" sz="4000" b="1" dirty="0">
+              <a:solidFill>
+                <a:schemeClr val="tx1">
+                  <a:lumMod val="95000"/>
+                </a:schemeClr>
+              </a:solidFill>
+              <a:effectLst>
+                <a:outerShdw blurRad="38100" dist="38100" dir="2700000" algn="tl">
+                  <a:srgbClr val="000000">
+                    <a:alpha val="43137"/>
+                  </a:srgbClr>
+                </a:outerShdw>
+              </a:effectLst>
+            </a:endParaRPr>
+          </a:p>
+        </p:txBody>
+      </p:sp>
       <p:pic>
         <p:nvPicPr>
-          <p:cNvPr id="13" name="Picture 12">
+          <p:cNvPr id="2" name="Image 1">
             <a:extLst>
               <a:ext uri="{FF2B5EF4-FFF2-40B4-BE49-F238E27FC236}">
-                <a16:creationId xmlns:a16="http://schemas.microsoft.com/office/drawing/2014/main" id="{0346771D-E349-41BA-9357-4EA64E0BE526}"/>
+                <a16:creationId xmlns:a16="http://schemas.microsoft.com/office/drawing/2014/main" id="{9EB3AB46-23AC-45D2-ADCE-D29F2222DB8E}"/>
               </a:ext>
             </a:extLst>
           </p:cNvPr>
@@ -13771,21 +14290,15 @@
           <p:nvPr/>
         </p:nvPicPr>
         <p:blipFill>
-          <a:blip r:embed="rId2">
-            <a:extLst>
-              <a:ext uri="{28A0092B-C50C-407E-A947-70E740481C1C}">
-                <a14:useLocalDpi xmlns:a14="http://schemas.microsoft.com/office/drawing/2010/main" val="0"/>
-              </a:ext>
-            </a:extLst>
-          </a:blip>
+          <a:blip r:embed="rId2"/>
           <a:stretch>
             <a:fillRect/>
           </a:stretch>
         </p:blipFill>
         <p:spPr>
           <a:xfrm>
-            <a:off x="5325416" y="1107790"/>
-            <a:ext cx="6097176" cy="2452439"/>
+            <a:off x="4697505" y="1081067"/>
+            <a:ext cx="7303349" cy="2200294"/>
           </a:xfrm>
           <a:prstGeom prst="rect">
             <a:avLst/>
@@ -13806,339 +14319,6 @@
           </a:effectLst>
         </p:spPr>
       </p:pic>
-      <p:sp>
-        <p:nvSpPr>
-          <p:cNvPr id="14" name="TextBox 4">
-            <a:extLst>
-              <a:ext uri="{FF2B5EF4-FFF2-40B4-BE49-F238E27FC236}">
-                <a16:creationId xmlns:a16="http://schemas.microsoft.com/office/drawing/2014/main" id="{1ED38DAD-8918-4318-A6AC-928A6C0C8F1D}"/>
-              </a:ext>
-            </a:extLst>
-          </p:cNvPr>
-          <p:cNvSpPr txBox="1"/>
-          <p:nvPr/>
-        </p:nvSpPr>
-        <p:spPr>
-          <a:xfrm>
-            <a:off x="385058" y="1772224"/>
-            <a:ext cx="4312447" cy="817981"/>
-          </a:xfrm>
-          <a:prstGeom prst="rect">
-            <a:avLst/>
-          </a:prstGeom>
-          <a:noFill/>
-        </p:spPr>
-        <p:txBody>
-          <a:bodyPr wrap="square" rtlCol="0">
-            <a:spAutoFit/>
-          </a:bodyPr>
-          <a:lstStyle/>
-          <a:p>
-            <a:pPr>
-              <a:lnSpc>
-                <a:spcPct val="150000"/>
-              </a:lnSpc>
-            </a:pPr>
-            <a:r>
-              <a:rPr lang="en-GB" sz="3600" dirty="0"/>
-              <a:t>Modified n-grams:</a:t>
-            </a:r>
-          </a:p>
-        </p:txBody>
-      </p:sp>
-      <p:sp>
-        <p:nvSpPr>
-          <p:cNvPr id="9" name="Espace réservé du contenu 2">
-            <a:extLst>
-              <a:ext uri="{FF2B5EF4-FFF2-40B4-BE49-F238E27FC236}">
-                <a16:creationId xmlns:a16="http://schemas.microsoft.com/office/drawing/2014/main" id="{38CB20F3-0134-44F3-A27D-59BE0642CBBF}"/>
-              </a:ext>
-            </a:extLst>
-          </p:cNvPr>
-          <p:cNvSpPr txBox="1">
-            <a:spLocks/>
-          </p:cNvSpPr>
-          <p:nvPr/>
-        </p:nvSpPr>
-        <p:spPr>
-          <a:xfrm>
-            <a:off x="25901" y="6131351"/>
-            <a:ext cx="988105" cy="788419"/>
-          </a:xfrm>
-          <a:prstGeom prst="rect">
-            <a:avLst/>
-          </a:prstGeom>
-        </p:spPr>
-        <p:txBody>
-          <a:bodyPr vert="horz" lIns="91440" tIns="45720" rIns="91440" bIns="45720" rtlCol="0" anchor="ctr">
-            <a:normAutofit/>
-          </a:bodyPr>
-          <a:lstStyle>
-            <a:lvl1pPr marL="285750" indent="-285750" algn="l" defTabSz="457200" rtl="0" eaLnBrk="1" latinLnBrk="0" hangingPunct="1">
-              <a:spcBef>
-                <a:spcPct val="20000"/>
-              </a:spcBef>
-              <a:spcAft>
-                <a:spcPts val="600"/>
-              </a:spcAft>
-              <a:buClr>
-                <a:schemeClr val="tx1"/>
-              </a:buClr>
-              <a:buSzPct val="80000"/>
-              <a:buFont typeface="Wingdings 3" panose="05040102010807070707" pitchFamily="18" charset="2"/>
-              <a:buChar char=""/>
-              <a:defRPr sz="2000" kern="1200" cap="none">
-                <a:solidFill>
-                  <a:schemeClr val="bg2">
-                    <a:lumMod val="75000"/>
-                  </a:schemeClr>
-                </a:solidFill>
-                <a:effectLst/>
-                <a:latin typeface="+mn-lt"/>
-                <a:ea typeface="+mn-ea"/>
-                <a:cs typeface="+mn-cs"/>
-              </a:defRPr>
-            </a:lvl1pPr>
-            <a:lvl2pPr marL="742950" indent="-285750" algn="l" defTabSz="457200" rtl="0" eaLnBrk="1" latinLnBrk="0" hangingPunct="1">
-              <a:spcBef>
-                <a:spcPct val="20000"/>
-              </a:spcBef>
-              <a:spcAft>
-                <a:spcPts val="600"/>
-              </a:spcAft>
-              <a:buClr>
-                <a:schemeClr val="tx1"/>
-              </a:buClr>
-              <a:buSzPct val="80000"/>
-              <a:buFont typeface="Wingdings 3" panose="05040102010807070707" pitchFamily="18" charset="2"/>
-              <a:buChar char=""/>
-              <a:defRPr sz="1800" kern="1200" cap="none">
-                <a:solidFill>
-                  <a:schemeClr val="bg2">
-                    <a:lumMod val="75000"/>
-                  </a:schemeClr>
-                </a:solidFill>
-                <a:effectLst/>
-                <a:latin typeface="+mn-lt"/>
-                <a:ea typeface="+mn-ea"/>
-                <a:cs typeface="+mn-cs"/>
-              </a:defRPr>
-            </a:lvl2pPr>
-            <a:lvl3pPr marL="1200150" indent="-285750" algn="l" defTabSz="457200" rtl="0" eaLnBrk="1" latinLnBrk="0" hangingPunct="1">
-              <a:spcBef>
-                <a:spcPct val="20000"/>
-              </a:spcBef>
-              <a:spcAft>
-                <a:spcPts val="600"/>
-              </a:spcAft>
-              <a:buClr>
-                <a:schemeClr val="tx1"/>
-              </a:buClr>
-              <a:buSzPct val="80000"/>
-              <a:buFont typeface="Wingdings 3" panose="05040102010807070707" pitchFamily="18" charset="2"/>
-              <a:buChar char=""/>
-              <a:defRPr sz="1600" kern="1200" cap="none">
-                <a:solidFill>
-                  <a:schemeClr val="bg2">
-                    <a:lumMod val="75000"/>
-                  </a:schemeClr>
-                </a:solidFill>
-                <a:effectLst/>
-                <a:latin typeface="+mn-lt"/>
-                <a:ea typeface="+mn-ea"/>
-                <a:cs typeface="+mn-cs"/>
-              </a:defRPr>
-            </a:lvl3pPr>
-            <a:lvl4pPr marL="1543050" indent="-171450" algn="l" defTabSz="457200" rtl="0" eaLnBrk="1" latinLnBrk="0" hangingPunct="1">
-              <a:spcBef>
-                <a:spcPct val="20000"/>
-              </a:spcBef>
-              <a:spcAft>
-                <a:spcPts val="600"/>
-              </a:spcAft>
-              <a:buClr>
-                <a:schemeClr val="tx1"/>
-              </a:buClr>
-              <a:buSzPct val="80000"/>
-              <a:buFont typeface="Wingdings 3" panose="05040102010807070707" pitchFamily="18" charset="2"/>
-              <a:buChar char=""/>
-              <a:defRPr sz="1400" kern="1200" cap="none">
-                <a:solidFill>
-                  <a:schemeClr val="bg2">
-                    <a:lumMod val="75000"/>
-                  </a:schemeClr>
-                </a:solidFill>
-                <a:effectLst/>
-                <a:latin typeface="+mn-lt"/>
-                <a:ea typeface="+mn-ea"/>
-                <a:cs typeface="+mn-cs"/>
-              </a:defRPr>
-            </a:lvl4pPr>
-            <a:lvl5pPr marL="2000250" indent="-171450" algn="l" defTabSz="457200" rtl="0" eaLnBrk="1" latinLnBrk="0" hangingPunct="1">
-              <a:spcBef>
-                <a:spcPct val="20000"/>
-              </a:spcBef>
-              <a:spcAft>
-                <a:spcPts val="600"/>
-              </a:spcAft>
-              <a:buClr>
-                <a:schemeClr val="tx1"/>
-              </a:buClr>
-              <a:buSzPct val="80000"/>
-              <a:buFont typeface="Wingdings 3" panose="05040102010807070707" pitchFamily="18" charset="2"/>
-              <a:buChar char=""/>
-              <a:defRPr sz="1400" kern="1200" cap="none">
-                <a:solidFill>
-                  <a:schemeClr val="bg2">
-                    <a:lumMod val="75000"/>
-                  </a:schemeClr>
-                </a:solidFill>
-                <a:effectLst/>
-                <a:latin typeface="+mn-lt"/>
-                <a:ea typeface="+mn-ea"/>
-                <a:cs typeface="+mn-cs"/>
-              </a:defRPr>
-            </a:lvl5pPr>
-            <a:lvl6pPr marL="2514600" indent="-228600" algn="l" defTabSz="457200" rtl="0" eaLnBrk="1" latinLnBrk="0" hangingPunct="1">
-              <a:spcBef>
-                <a:spcPct val="20000"/>
-              </a:spcBef>
-              <a:spcAft>
-                <a:spcPts val="600"/>
-              </a:spcAft>
-              <a:buClr>
-                <a:schemeClr val="tx1"/>
-              </a:buClr>
-              <a:buSzPct val="80000"/>
-              <a:buFont typeface="Wingdings 3" panose="05040102010807070707" pitchFamily="18" charset="2"/>
-              <a:buChar char=""/>
-              <a:defRPr sz="1400" kern="1200" cap="none">
-                <a:solidFill>
-                  <a:schemeClr val="bg2">
-                    <a:lumMod val="75000"/>
-                  </a:schemeClr>
-                </a:solidFill>
-                <a:effectLst/>
-                <a:latin typeface="+mn-lt"/>
-                <a:ea typeface="+mn-ea"/>
-                <a:cs typeface="+mn-cs"/>
-              </a:defRPr>
-            </a:lvl6pPr>
-            <a:lvl7pPr marL="2971800" indent="-228600" algn="l" defTabSz="457200" rtl="0" eaLnBrk="1" latinLnBrk="0" hangingPunct="1">
-              <a:spcBef>
-                <a:spcPct val="20000"/>
-              </a:spcBef>
-              <a:spcAft>
-                <a:spcPts val="600"/>
-              </a:spcAft>
-              <a:buClr>
-                <a:schemeClr val="tx1"/>
-              </a:buClr>
-              <a:buSzPct val="80000"/>
-              <a:buFont typeface="Wingdings 3" panose="05040102010807070707" pitchFamily="18" charset="2"/>
-              <a:buChar char=""/>
-              <a:defRPr sz="1400" kern="1200" cap="none">
-                <a:solidFill>
-                  <a:schemeClr val="bg2">
-                    <a:lumMod val="75000"/>
-                  </a:schemeClr>
-                </a:solidFill>
-                <a:effectLst/>
-                <a:latin typeface="+mn-lt"/>
-                <a:ea typeface="+mn-ea"/>
-                <a:cs typeface="+mn-cs"/>
-              </a:defRPr>
-            </a:lvl7pPr>
-            <a:lvl8pPr marL="3429000" indent="-228600" algn="l" defTabSz="457200" rtl="0" eaLnBrk="1" latinLnBrk="0" hangingPunct="1">
-              <a:spcBef>
-                <a:spcPct val="20000"/>
-              </a:spcBef>
-              <a:spcAft>
-                <a:spcPts val="600"/>
-              </a:spcAft>
-              <a:buClr>
-                <a:schemeClr val="tx1"/>
-              </a:buClr>
-              <a:buSzPct val="80000"/>
-              <a:buFont typeface="Wingdings 3" panose="05040102010807070707" pitchFamily="18" charset="2"/>
-              <a:buChar char=""/>
-              <a:defRPr sz="1400" kern="1200" cap="none">
-                <a:solidFill>
-                  <a:schemeClr val="bg2">
-                    <a:lumMod val="75000"/>
-                  </a:schemeClr>
-                </a:solidFill>
-                <a:effectLst/>
-                <a:latin typeface="+mn-lt"/>
-                <a:ea typeface="+mn-ea"/>
-                <a:cs typeface="+mn-cs"/>
-              </a:defRPr>
-            </a:lvl8pPr>
-            <a:lvl9pPr marL="3886200" indent="-228600" algn="l" defTabSz="457200" rtl="0" eaLnBrk="1" latinLnBrk="0" hangingPunct="1">
-              <a:spcBef>
-                <a:spcPct val="20000"/>
-              </a:spcBef>
-              <a:spcAft>
-                <a:spcPts val="600"/>
-              </a:spcAft>
-              <a:buClr>
-                <a:schemeClr val="tx1"/>
-              </a:buClr>
-              <a:buSzPct val="80000"/>
-              <a:buFont typeface="Wingdings 3" panose="05040102010807070707" pitchFamily="18" charset="2"/>
-              <a:buChar char=""/>
-              <a:defRPr sz="1400" kern="1200" cap="none">
-                <a:solidFill>
-                  <a:schemeClr val="bg2">
-                    <a:lumMod val="75000"/>
-                  </a:schemeClr>
-                </a:solidFill>
-                <a:effectLst/>
-                <a:latin typeface="+mn-lt"/>
-                <a:ea typeface="+mn-ea"/>
-                <a:cs typeface="+mn-cs"/>
-              </a:defRPr>
-            </a:lvl9pPr>
-          </a:lstStyle>
-          <a:p>
-            <a:pPr marL="0" indent="0">
-              <a:buFont typeface="Wingdings 3" panose="05040102010807070707" pitchFamily="18" charset="2"/>
-              <a:buNone/>
-            </a:pPr>
-            <a:r>
-              <a:rPr lang="fr-FR" sz="3200" b="1" dirty="0">
-                <a:solidFill>
-                  <a:schemeClr val="tx1">
-                    <a:lumMod val="95000"/>
-                  </a:schemeClr>
-                </a:solidFill>
-                <a:effectLst>
-                  <a:outerShdw blurRad="38100" dist="38100" dir="2700000" algn="tl">
-                    <a:srgbClr val="000000">
-                      <a:alpha val="43137"/>
-                    </a:srgbClr>
-                  </a:outerShdw>
-                </a:effectLst>
-              </a:rPr>
-              <a:t>11</a:t>
-            </a:r>
-            <a:endParaRPr lang="fr-FR" sz="4000" b="1" dirty="0">
-              <a:solidFill>
-                <a:schemeClr val="tx1">
-                  <a:lumMod val="95000"/>
-                </a:schemeClr>
-              </a:solidFill>
-              <a:effectLst>
-                <a:outerShdw blurRad="38100" dist="38100" dir="2700000" algn="tl">
-                  <a:srgbClr val="000000">
-                    <a:alpha val="43137"/>
-                  </a:srgbClr>
-                </a:outerShdw>
-              </a:effectLst>
-            </a:endParaRPr>
-          </a:p>
-        </p:txBody>
-      </p:sp>
     </p:spTree>
     <p:extLst>
       <p:ext uri="{BB962C8B-B14F-4D97-AF65-F5344CB8AC3E}">
@@ -14236,12 +14416,385 @@
           </a:p>
         </p:txBody>
       </p:sp>
+      <p:sp>
+        <p:nvSpPr>
+          <p:cNvPr id="14" name="TextBox 4">
+            <a:extLst>
+              <a:ext uri="{FF2B5EF4-FFF2-40B4-BE49-F238E27FC236}">
+                <a16:creationId xmlns:a16="http://schemas.microsoft.com/office/drawing/2014/main" id="{1ED38DAD-8918-4318-A6AC-928A6C0C8F1D}"/>
+              </a:ext>
+            </a:extLst>
+          </p:cNvPr>
+          <p:cNvSpPr txBox="1"/>
+          <p:nvPr/>
+        </p:nvSpPr>
+        <p:spPr>
+          <a:xfrm>
+            <a:off x="385058" y="1772224"/>
+            <a:ext cx="4312447" cy="817981"/>
+          </a:xfrm>
+          <a:prstGeom prst="rect">
+            <a:avLst/>
+          </a:prstGeom>
+          <a:noFill/>
+        </p:spPr>
+        <p:txBody>
+          <a:bodyPr wrap="square" rtlCol="0">
+            <a:spAutoFit/>
+          </a:bodyPr>
+          <a:lstStyle/>
+          <a:p>
+            <a:pPr>
+              <a:lnSpc>
+                <a:spcPct val="150000"/>
+              </a:lnSpc>
+            </a:pPr>
+            <a:r>
+              <a:rPr lang="en-GB" sz="3600" dirty="0"/>
+              <a:t>Modified n-grams:</a:t>
+            </a:r>
+          </a:p>
+        </p:txBody>
+      </p:sp>
+      <p:sp>
+        <p:nvSpPr>
+          <p:cNvPr id="15" name="TextBox 4">
+            <a:extLst>
+              <a:ext uri="{FF2B5EF4-FFF2-40B4-BE49-F238E27FC236}">
+                <a16:creationId xmlns:a16="http://schemas.microsoft.com/office/drawing/2014/main" id="{FDB0A489-0636-4F36-9165-480EB586EE77}"/>
+              </a:ext>
+            </a:extLst>
+          </p:cNvPr>
+          <p:cNvSpPr txBox="1"/>
+          <p:nvPr/>
+        </p:nvSpPr>
+        <p:spPr>
+          <a:xfrm>
+            <a:off x="519530" y="4727035"/>
+            <a:ext cx="4312447" cy="817981"/>
+          </a:xfrm>
+          <a:prstGeom prst="rect">
+            <a:avLst/>
+          </a:prstGeom>
+          <a:noFill/>
+        </p:spPr>
+        <p:txBody>
+          <a:bodyPr wrap="square" rtlCol="0">
+            <a:spAutoFit/>
+          </a:bodyPr>
+          <a:lstStyle/>
+          <a:p>
+            <a:pPr>
+              <a:lnSpc>
+                <a:spcPct val="150000"/>
+              </a:lnSpc>
+            </a:pPr>
+            <a:r>
+              <a:rPr lang="en-GB" sz="3600" dirty="0"/>
+              <a:t>n-gram precision:</a:t>
+            </a:r>
+          </a:p>
+        </p:txBody>
+      </p:sp>
+      <p:sp>
+        <p:nvSpPr>
+          <p:cNvPr id="9" name="Espace réservé du contenu 2">
+            <a:extLst>
+              <a:ext uri="{FF2B5EF4-FFF2-40B4-BE49-F238E27FC236}">
+                <a16:creationId xmlns:a16="http://schemas.microsoft.com/office/drawing/2014/main" id="{38CB20F3-0134-44F3-A27D-59BE0642CBBF}"/>
+              </a:ext>
+            </a:extLst>
+          </p:cNvPr>
+          <p:cNvSpPr txBox="1">
+            <a:spLocks/>
+          </p:cNvSpPr>
+          <p:nvPr/>
+        </p:nvSpPr>
+        <p:spPr>
+          <a:xfrm>
+            <a:off x="25901" y="6131351"/>
+            <a:ext cx="988105" cy="788419"/>
+          </a:xfrm>
+          <a:prstGeom prst="rect">
+            <a:avLst/>
+          </a:prstGeom>
+        </p:spPr>
+        <p:txBody>
+          <a:bodyPr vert="horz" lIns="91440" tIns="45720" rIns="91440" bIns="45720" rtlCol="0" anchor="ctr">
+            <a:normAutofit/>
+          </a:bodyPr>
+          <a:lstStyle>
+            <a:lvl1pPr marL="285750" indent="-285750" algn="l" defTabSz="457200" rtl="0" eaLnBrk="1" latinLnBrk="0" hangingPunct="1">
+              <a:spcBef>
+                <a:spcPct val="20000"/>
+              </a:spcBef>
+              <a:spcAft>
+                <a:spcPts val="600"/>
+              </a:spcAft>
+              <a:buClr>
+                <a:schemeClr val="tx1"/>
+              </a:buClr>
+              <a:buSzPct val="80000"/>
+              <a:buFont typeface="Wingdings 3" panose="05040102010807070707" pitchFamily="18" charset="2"/>
+              <a:buChar char=""/>
+              <a:defRPr sz="2000" kern="1200" cap="none">
+                <a:solidFill>
+                  <a:schemeClr val="bg2">
+                    <a:lumMod val="75000"/>
+                  </a:schemeClr>
+                </a:solidFill>
+                <a:effectLst/>
+                <a:latin typeface="+mn-lt"/>
+                <a:ea typeface="+mn-ea"/>
+                <a:cs typeface="+mn-cs"/>
+              </a:defRPr>
+            </a:lvl1pPr>
+            <a:lvl2pPr marL="742950" indent="-285750" algn="l" defTabSz="457200" rtl="0" eaLnBrk="1" latinLnBrk="0" hangingPunct="1">
+              <a:spcBef>
+                <a:spcPct val="20000"/>
+              </a:spcBef>
+              <a:spcAft>
+                <a:spcPts val="600"/>
+              </a:spcAft>
+              <a:buClr>
+                <a:schemeClr val="tx1"/>
+              </a:buClr>
+              <a:buSzPct val="80000"/>
+              <a:buFont typeface="Wingdings 3" panose="05040102010807070707" pitchFamily="18" charset="2"/>
+              <a:buChar char=""/>
+              <a:defRPr sz="1800" kern="1200" cap="none">
+                <a:solidFill>
+                  <a:schemeClr val="bg2">
+                    <a:lumMod val="75000"/>
+                  </a:schemeClr>
+                </a:solidFill>
+                <a:effectLst/>
+                <a:latin typeface="+mn-lt"/>
+                <a:ea typeface="+mn-ea"/>
+                <a:cs typeface="+mn-cs"/>
+              </a:defRPr>
+            </a:lvl2pPr>
+            <a:lvl3pPr marL="1200150" indent="-285750" algn="l" defTabSz="457200" rtl="0" eaLnBrk="1" latinLnBrk="0" hangingPunct="1">
+              <a:spcBef>
+                <a:spcPct val="20000"/>
+              </a:spcBef>
+              <a:spcAft>
+                <a:spcPts val="600"/>
+              </a:spcAft>
+              <a:buClr>
+                <a:schemeClr val="tx1"/>
+              </a:buClr>
+              <a:buSzPct val="80000"/>
+              <a:buFont typeface="Wingdings 3" panose="05040102010807070707" pitchFamily="18" charset="2"/>
+              <a:buChar char=""/>
+              <a:defRPr sz="1600" kern="1200" cap="none">
+                <a:solidFill>
+                  <a:schemeClr val="bg2">
+                    <a:lumMod val="75000"/>
+                  </a:schemeClr>
+                </a:solidFill>
+                <a:effectLst/>
+                <a:latin typeface="+mn-lt"/>
+                <a:ea typeface="+mn-ea"/>
+                <a:cs typeface="+mn-cs"/>
+              </a:defRPr>
+            </a:lvl3pPr>
+            <a:lvl4pPr marL="1543050" indent="-171450" algn="l" defTabSz="457200" rtl="0" eaLnBrk="1" latinLnBrk="0" hangingPunct="1">
+              <a:spcBef>
+                <a:spcPct val="20000"/>
+              </a:spcBef>
+              <a:spcAft>
+                <a:spcPts val="600"/>
+              </a:spcAft>
+              <a:buClr>
+                <a:schemeClr val="tx1"/>
+              </a:buClr>
+              <a:buSzPct val="80000"/>
+              <a:buFont typeface="Wingdings 3" panose="05040102010807070707" pitchFamily="18" charset="2"/>
+              <a:buChar char=""/>
+              <a:defRPr sz="1400" kern="1200" cap="none">
+                <a:solidFill>
+                  <a:schemeClr val="bg2">
+                    <a:lumMod val="75000"/>
+                  </a:schemeClr>
+                </a:solidFill>
+                <a:effectLst/>
+                <a:latin typeface="+mn-lt"/>
+                <a:ea typeface="+mn-ea"/>
+                <a:cs typeface="+mn-cs"/>
+              </a:defRPr>
+            </a:lvl4pPr>
+            <a:lvl5pPr marL="2000250" indent="-171450" algn="l" defTabSz="457200" rtl="0" eaLnBrk="1" latinLnBrk="0" hangingPunct="1">
+              <a:spcBef>
+                <a:spcPct val="20000"/>
+              </a:spcBef>
+              <a:spcAft>
+                <a:spcPts val="600"/>
+              </a:spcAft>
+              <a:buClr>
+                <a:schemeClr val="tx1"/>
+              </a:buClr>
+              <a:buSzPct val="80000"/>
+              <a:buFont typeface="Wingdings 3" panose="05040102010807070707" pitchFamily="18" charset="2"/>
+              <a:buChar char=""/>
+              <a:defRPr sz="1400" kern="1200" cap="none">
+                <a:solidFill>
+                  <a:schemeClr val="bg2">
+                    <a:lumMod val="75000"/>
+                  </a:schemeClr>
+                </a:solidFill>
+                <a:effectLst/>
+                <a:latin typeface="+mn-lt"/>
+                <a:ea typeface="+mn-ea"/>
+                <a:cs typeface="+mn-cs"/>
+              </a:defRPr>
+            </a:lvl5pPr>
+            <a:lvl6pPr marL="2514600" indent="-228600" algn="l" defTabSz="457200" rtl="0" eaLnBrk="1" latinLnBrk="0" hangingPunct="1">
+              <a:spcBef>
+                <a:spcPct val="20000"/>
+              </a:spcBef>
+              <a:spcAft>
+                <a:spcPts val="600"/>
+              </a:spcAft>
+              <a:buClr>
+                <a:schemeClr val="tx1"/>
+              </a:buClr>
+              <a:buSzPct val="80000"/>
+              <a:buFont typeface="Wingdings 3" panose="05040102010807070707" pitchFamily="18" charset="2"/>
+              <a:buChar char=""/>
+              <a:defRPr sz="1400" kern="1200" cap="none">
+                <a:solidFill>
+                  <a:schemeClr val="bg2">
+                    <a:lumMod val="75000"/>
+                  </a:schemeClr>
+                </a:solidFill>
+                <a:effectLst/>
+                <a:latin typeface="+mn-lt"/>
+                <a:ea typeface="+mn-ea"/>
+                <a:cs typeface="+mn-cs"/>
+              </a:defRPr>
+            </a:lvl6pPr>
+            <a:lvl7pPr marL="2971800" indent="-228600" algn="l" defTabSz="457200" rtl="0" eaLnBrk="1" latinLnBrk="0" hangingPunct="1">
+              <a:spcBef>
+                <a:spcPct val="20000"/>
+              </a:spcBef>
+              <a:spcAft>
+                <a:spcPts val="600"/>
+              </a:spcAft>
+              <a:buClr>
+                <a:schemeClr val="tx1"/>
+              </a:buClr>
+              <a:buSzPct val="80000"/>
+              <a:buFont typeface="Wingdings 3" panose="05040102010807070707" pitchFamily="18" charset="2"/>
+              <a:buChar char=""/>
+              <a:defRPr sz="1400" kern="1200" cap="none">
+                <a:solidFill>
+                  <a:schemeClr val="bg2">
+                    <a:lumMod val="75000"/>
+                  </a:schemeClr>
+                </a:solidFill>
+                <a:effectLst/>
+                <a:latin typeface="+mn-lt"/>
+                <a:ea typeface="+mn-ea"/>
+                <a:cs typeface="+mn-cs"/>
+              </a:defRPr>
+            </a:lvl7pPr>
+            <a:lvl8pPr marL="3429000" indent="-228600" algn="l" defTabSz="457200" rtl="0" eaLnBrk="1" latinLnBrk="0" hangingPunct="1">
+              <a:spcBef>
+                <a:spcPct val="20000"/>
+              </a:spcBef>
+              <a:spcAft>
+                <a:spcPts val="600"/>
+              </a:spcAft>
+              <a:buClr>
+                <a:schemeClr val="tx1"/>
+              </a:buClr>
+              <a:buSzPct val="80000"/>
+              <a:buFont typeface="Wingdings 3" panose="05040102010807070707" pitchFamily="18" charset="2"/>
+              <a:buChar char=""/>
+              <a:defRPr sz="1400" kern="1200" cap="none">
+                <a:solidFill>
+                  <a:schemeClr val="bg2">
+                    <a:lumMod val="75000"/>
+                  </a:schemeClr>
+                </a:solidFill>
+                <a:effectLst/>
+                <a:latin typeface="+mn-lt"/>
+                <a:ea typeface="+mn-ea"/>
+                <a:cs typeface="+mn-cs"/>
+              </a:defRPr>
+            </a:lvl8pPr>
+            <a:lvl9pPr marL="3886200" indent="-228600" algn="l" defTabSz="457200" rtl="0" eaLnBrk="1" latinLnBrk="0" hangingPunct="1">
+              <a:spcBef>
+                <a:spcPct val="20000"/>
+              </a:spcBef>
+              <a:spcAft>
+                <a:spcPts val="600"/>
+              </a:spcAft>
+              <a:buClr>
+                <a:schemeClr val="tx1"/>
+              </a:buClr>
+              <a:buSzPct val="80000"/>
+              <a:buFont typeface="Wingdings 3" panose="05040102010807070707" pitchFamily="18" charset="2"/>
+              <a:buChar char=""/>
+              <a:defRPr sz="1400" kern="1200" cap="none">
+                <a:solidFill>
+                  <a:schemeClr val="bg2">
+                    <a:lumMod val="75000"/>
+                  </a:schemeClr>
+                </a:solidFill>
+                <a:effectLst/>
+                <a:latin typeface="+mn-lt"/>
+                <a:ea typeface="+mn-ea"/>
+                <a:cs typeface="+mn-cs"/>
+              </a:defRPr>
+            </a:lvl9pPr>
+          </a:lstStyle>
+          <a:p>
+            <a:pPr marL="0" indent="0">
+              <a:buFont typeface="Wingdings 3" panose="05040102010807070707" pitchFamily="18" charset="2"/>
+              <a:buNone/>
+            </a:pPr>
+            <a:r>
+              <a:rPr lang="fr-FR" sz="3200" b="1" dirty="0">
+                <a:solidFill>
+                  <a:schemeClr val="tx1">
+                    <a:lumMod val="95000"/>
+                  </a:schemeClr>
+                </a:solidFill>
+                <a:effectLst>
+                  <a:outerShdw blurRad="38100" dist="38100" dir="2700000" algn="tl">
+                    <a:srgbClr val="000000">
+                      <a:alpha val="43137"/>
+                    </a:srgbClr>
+                  </a:outerShdw>
+                </a:effectLst>
+              </a:rPr>
+              <a:t>11</a:t>
+            </a:r>
+            <a:endParaRPr lang="fr-FR" sz="4000" b="1" dirty="0">
+              <a:solidFill>
+                <a:schemeClr val="tx1">
+                  <a:lumMod val="95000"/>
+                </a:schemeClr>
+              </a:solidFill>
+              <a:effectLst>
+                <a:outerShdw blurRad="38100" dist="38100" dir="2700000" algn="tl">
+                  <a:srgbClr val="000000">
+                    <a:alpha val="43137"/>
+                  </a:srgbClr>
+                </a:outerShdw>
+              </a:effectLst>
+            </a:endParaRPr>
+          </a:p>
+        </p:txBody>
+      </p:sp>
       <p:pic>
         <p:nvPicPr>
-          <p:cNvPr id="12" name="Picture 14">
+          <p:cNvPr id="2" name="Image 1">
             <a:extLst>
               <a:ext uri="{FF2B5EF4-FFF2-40B4-BE49-F238E27FC236}">
-                <a16:creationId xmlns:a16="http://schemas.microsoft.com/office/drawing/2014/main" id="{B6156FF3-744B-ECEF-9681-7E7285BD9485}"/>
+                <a16:creationId xmlns:a16="http://schemas.microsoft.com/office/drawing/2014/main" id="{9EB3AB46-23AC-45D2-ADCE-D29F2222DB8E}"/>
               </a:ext>
             </a:extLst>
           </p:cNvPr>
@@ -14250,21 +14803,16 @@
           </p:cNvPicPr>
           <p:nvPr/>
         </p:nvPicPr>
-        <p:blipFill rotWithShape="1">
-          <a:blip r:embed="rId2">
-            <a:extLst>
-              <a:ext uri="{28A0092B-C50C-407E-A947-70E740481C1C}">
-                <a14:useLocalDpi xmlns:a14="http://schemas.microsoft.com/office/drawing/2010/main" val="0"/>
-              </a:ext>
-            </a:extLst>
-          </a:blip>
-          <a:srcRect l="-98"/>
-          <a:stretch/>
+        <p:blipFill>
+          <a:blip r:embed="rId2"/>
+          <a:stretch>
+            <a:fillRect/>
+          </a:stretch>
         </p:blipFill>
         <p:spPr>
           <a:xfrm>
-            <a:off x="4697506" y="4247717"/>
-            <a:ext cx="7352996" cy="1835742"/>
+            <a:off x="4697505" y="1081067"/>
+            <a:ext cx="7303349" cy="2200294"/>
           </a:xfrm>
           <a:prstGeom prst="rect">
             <a:avLst/>
@@ -14287,10 +14835,10 @@
       </p:pic>
       <p:pic>
         <p:nvPicPr>
-          <p:cNvPr id="13" name="Picture 12">
+          <p:cNvPr id="4" name="Image 3">
             <a:extLst>
               <a:ext uri="{FF2B5EF4-FFF2-40B4-BE49-F238E27FC236}">
-                <a16:creationId xmlns:a16="http://schemas.microsoft.com/office/drawing/2014/main" id="{0346771D-E349-41BA-9357-4EA64E0BE526}"/>
+                <a16:creationId xmlns:a16="http://schemas.microsoft.com/office/drawing/2014/main" id="{6396EFE2-E405-4F57-B841-8BD39430CD6A}"/>
               </a:ext>
             </a:extLst>
           </p:cNvPr>
@@ -14300,21 +14848,15 @@
           <p:nvPr/>
         </p:nvPicPr>
         <p:blipFill>
-          <a:blip r:embed="rId3">
-            <a:extLst>
-              <a:ext uri="{28A0092B-C50C-407E-A947-70E740481C1C}">
-                <a14:useLocalDpi xmlns:a14="http://schemas.microsoft.com/office/drawing/2010/main" val="0"/>
-              </a:ext>
-            </a:extLst>
-          </a:blip>
+          <a:blip r:embed="rId3"/>
           <a:stretch>
             <a:fillRect/>
           </a:stretch>
         </p:blipFill>
         <p:spPr>
           <a:xfrm>
-            <a:off x="5325416" y="1107790"/>
-            <a:ext cx="6097176" cy="2452439"/>
+            <a:off x="4697504" y="4125749"/>
+            <a:ext cx="7303350" cy="2173032"/>
           </a:xfrm>
           <a:prstGeom prst="rect">
             <a:avLst/>
@@ -14335,383 +14877,10 @@
           </a:effectLst>
         </p:spPr>
       </p:pic>
-      <p:sp>
-        <p:nvSpPr>
-          <p:cNvPr id="14" name="TextBox 4">
-            <a:extLst>
-              <a:ext uri="{FF2B5EF4-FFF2-40B4-BE49-F238E27FC236}">
-                <a16:creationId xmlns:a16="http://schemas.microsoft.com/office/drawing/2014/main" id="{1ED38DAD-8918-4318-A6AC-928A6C0C8F1D}"/>
-              </a:ext>
-            </a:extLst>
-          </p:cNvPr>
-          <p:cNvSpPr txBox="1"/>
-          <p:nvPr/>
-        </p:nvSpPr>
-        <p:spPr>
-          <a:xfrm>
-            <a:off x="385058" y="1772224"/>
-            <a:ext cx="4312447" cy="817981"/>
-          </a:xfrm>
-          <a:prstGeom prst="rect">
-            <a:avLst/>
-          </a:prstGeom>
-          <a:noFill/>
-        </p:spPr>
-        <p:txBody>
-          <a:bodyPr wrap="square" rtlCol="0">
-            <a:spAutoFit/>
-          </a:bodyPr>
-          <a:lstStyle/>
-          <a:p>
-            <a:pPr>
-              <a:lnSpc>
-                <a:spcPct val="150000"/>
-              </a:lnSpc>
-            </a:pPr>
-            <a:r>
-              <a:rPr lang="en-GB" sz="3600" dirty="0"/>
-              <a:t>Modified n-grams:</a:t>
-            </a:r>
-          </a:p>
-        </p:txBody>
-      </p:sp>
-      <p:sp>
-        <p:nvSpPr>
-          <p:cNvPr id="15" name="TextBox 4">
-            <a:extLst>
-              <a:ext uri="{FF2B5EF4-FFF2-40B4-BE49-F238E27FC236}">
-                <a16:creationId xmlns:a16="http://schemas.microsoft.com/office/drawing/2014/main" id="{FDB0A489-0636-4F36-9165-480EB586EE77}"/>
-              </a:ext>
-            </a:extLst>
-          </p:cNvPr>
-          <p:cNvSpPr txBox="1"/>
-          <p:nvPr/>
-        </p:nvSpPr>
-        <p:spPr>
-          <a:xfrm>
-            <a:off x="385059" y="4756597"/>
-            <a:ext cx="4312447" cy="817981"/>
-          </a:xfrm>
-          <a:prstGeom prst="rect">
-            <a:avLst/>
-          </a:prstGeom>
-          <a:noFill/>
-        </p:spPr>
-        <p:txBody>
-          <a:bodyPr wrap="square" rtlCol="0">
-            <a:spAutoFit/>
-          </a:bodyPr>
-          <a:lstStyle/>
-          <a:p>
-            <a:pPr>
-              <a:lnSpc>
-                <a:spcPct val="150000"/>
-              </a:lnSpc>
-            </a:pPr>
-            <a:r>
-              <a:rPr lang="en-GB" sz="3600" dirty="0"/>
-              <a:t>n-gram precision:</a:t>
-            </a:r>
-          </a:p>
-        </p:txBody>
-      </p:sp>
-      <p:sp>
-        <p:nvSpPr>
-          <p:cNvPr id="9" name="Espace réservé du contenu 2">
-            <a:extLst>
-              <a:ext uri="{FF2B5EF4-FFF2-40B4-BE49-F238E27FC236}">
-                <a16:creationId xmlns:a16="http://schemas.microsoft.com/office/drawing/2014/main" id="{38CB20F3-0134-44F3-A27D-59BE0642CBBF}"/>
-              </a:ext>
-            </a:extLst>
-          </p:cNvPr>
-          <p:cNvSpPr txBox="1">
-            <a:spLocks/>
-          </p:cNvSpPr>
-          <p:nvPr/>
-        </p:nvSpPr>
-        <p:spPr>
-          <a:xfrm>
-            <a:off x="25901" y="6131351"/>
-            <a:ext cx="988105" cy="788419"/>
-          </a:xfrm>
-          <a:prstGeom prst="rect">
-            <a:avLst/>
-          </a:prstGeom>
-        </p:spPr>
-        <p:txBody>
-          <a:bodyPr vert="horz" lIns="91440" tIns="45720" rIns="91440" bIns="45720" rtlCol="0" anchor="ctr">
-            <a:normAutofit/>
-          </a:bodyPr>
-          <a:lstStyle>
-            <a:lvl1pPr marL="285750" indent="-285750" algn="l" defTabSz="457200" rtl="0" eaLnBrk="1" latinLnBrk="0" hangingPunct="1">
-              <a:spcBef>
-                <a:spcPct val="20000"/>
-              </a:spcBef>
-              <a:spcAft>
-                <a:spcPts val="600"/>
-              </a:spcAft>
-              <a:buClr>
-                <a:schemeClr val="tx1"/>
-              </a:buClr>
-              <a:buSzPct val="80000"/>
-              <a:buFont typeface="Wingdings 3" panose="05040102010807070707" pitchFamily="18" charset="2"/>
-              <a:buChar char=""/>
-              <a:defRPr sz="2000" kern="1200" cap="none">
-                <a:solidFill>
-                  <a:schemeClr val="bg2">
-                    <a:lumMod val="75000"/>
-                  </a:schemeClr>
-                </a:solidFill>
-                <a:effectLst/>
-                <a:latin typeface="+mn-lt"/>
-                <a:ea typeface="+mn-ea"/>
-                <a:cs typeface="+mn-cs"/>
-              </a:defRPr>
-            </a:lvl1pPr>
-            <a:lvl2pPr marL="742950" indent="-285750" algn="l" defTabSz="457200" rtl="0" eaLnBrk="1" latinLnBrk="0" hangingPunct="1">
-              <a:spcBef>
-                <a:spcPct val="20000"/>
-              </a:spcBef>
-              <a:spcAft>
-                <a:spcPts val="600"/>
-              </a:spcAft>
-              <a:buClr>
-                <a:schemeClr val="tx1"/>
-              </a:buClr>
-              <a:buSzPct val="80000"/>
-              <a:buFont typeface="Wingdings 3" panose="05040102010807070707" pitchFamily="18" charset="2"/>
-              <a:buChar char=""/>
-              <a:defRPr sz="1800" kern="1200" cap="none">
-                <a:solidFill>
-                  <a:schemeClr val="bg2">
-                    <a:lumMod val="75000"/>
-                  </a:schemeClr>
-                </a:solidFill>
-                <a:effectLst/>
-                <a:latin typeface="+mn-lt"/>
-                <a:ea typeface="+mn-ea"/>
-                <a:cs typeface="+mn-cs"/>
-              </a:defRPr>
-            </a:lvl2pPr>
-            <a:lvl3pPr marL="1200150" indent="-285750" algn="l" defTabSz="457200" rtl="0" eaLnBrk="1" latinLnBrk="0" hangingPunct="1">
-              <a:spcBef>
-                <a:spcPct val="20000"/>
-              </a:spcBef>
-              <a:spcAft>
-                <a:spcPts val="600"/>
-              </a:spcAft>
-              <a:buClr>
-                <a:schemeClr val="tx1"/>
-              </a:buClr>
-              <a:buSzPct val="80000"/>
-              <a:buFont typeface="Wingdings 3" panose="05040102010807070707" pitchFamily="18" charset="2"/>
-              <a:buChar char=""/>
-              <a:defRPr sz="1600" kern="1200" cap="none">
-                <a:solidFill>
-                  <a:schemeClr val="bg2">
-                    <a:lumMod val="75000"/>
-                  </a:schemeClr>
-                </a:solidFill>
-                <a:effectLst/>
-                <a:latin typeface="+mn-lt"/>
-                <a:ea typeface="+mn-ea"/>
-                <a:cs typeface="+mn-cs"/>
-              </a:defRPr>
-            </a:lvl3pPr>
-            <a:lvl4pPr marL="1543050" indent="-171450" algn="l" defTabSz="457200" rtl="0" eaLnBrk="1" latinLnBrk="0" hangingPunct="1">
-              <a:spcBef>
-                <a:spcPct val="20000"/>
-              </a:spcBef>
-              <a:spcAft>
-                <a:spcPts val="600"/>
-              </a:spcAft>
-              <a:buClr>
-                <a:schemeClr val="tx1"/>
-              </a:buClr>
-              <a:buSzPct val="80000"/>
-              <a:buFont typeface="Wingdings 3" panose="05040102010807070707" pitchFamily="18" charset="2"/>
-              <a:buChar char=""/>
-              <a:defRPr sz="1400" kern="1200" cap="none">
-                <a:solidFill>
-                  <a:schemeClr val="bg2">
-                    <a:lumMod val="75000"/>
-                  </a:schemeClr>
-                </a:solidFill>
-                <a:effectLst/>
-                <a:latin typeface="+mn-lt"/>
-                <a:ea typeface="+mn-ea"/>
-                <a:cs typeface="+mn-cs"/>
-              </a:defRPr>
-            </a:lvl4pPr>
-            <a:lvl5pPr marL="2000250" indent="-171450" algn="l" defTabSz="457200" rtl="0" eaLnBrk="1" latinLnBrk="0" hangingPunct="1">
-              <a:spcBef>
-                <a:spcPct val="20000"/>
-              </a:spcBef>
-              <a:spcAft>
-                <a:spcPts val="600"/>
-              </a:spcAft>
-              <a:buClr>
-                <a:schemeClr val="tx1"/>
-              </a:buClr>
-              <a:buSzPct val="80000"/>
-              <a:buFont typeface="Wingdings 3" panose="05040102010807070707" pitchFamily="18" charset="2"/>
-              <a:buChar char=""/>
-              <a:defRPr sz="1400" kern="1200" cap="none">
-                <a:solidFill>
-                  <a:schemeClr val="bg2">
-                    <a:lumMod val="75000"/>
-                  </a:schemeClr>
-                </a:solidFill>
-                <a:effectLst/>
-                <a:latin typeface="+mn-lt"/>
-                <a:ea typeface="+mn-ea"/>
-                <a:cs typeface="+mn-cs"/>
-              </a:defRPr>
-            </a:lvl5pPr>
-            <a:lvl6pPr marL="2514600" indent="-228600" algn="l" defTabSz="457200" rtl="0" eaLnBrk="1" latinLnBrk="0" hangingPunct="1">
-              <a:spcBef>
-                <a:spcPct val="20000"/>
-              </a:spcBef>
-              <a:spcAft>
-                <a:spcPts val="600"/>
-              </a:spcAft>
-              <a:buClr>
-                <a:schemeClr val="tx1"/>
-              </a:buClr>
-              <a:buSzPct val="80000"/>
-              <a:buFont typeface="Wingdings 3" panose="05040102010807070707" pitchFamily="18" charset="2"/>
-              <a:buChar char=""/>
-              <a:defRPr sz="1400" kern="1200" cap="none">
-                <a:solidFill>
-                  <a:schemeClr val="bg2">
-                    <a:lumMod val="75000"/>
-                  </a:schemeClr>
-                </a:solidFill>
-                <a:effectLst/>
-                <a:latin typeface="+mn-lt"/>
-                <a:ea typeface="+mn-ea"/>
-                <a:cs typeface="+mn-cs"/>
-              </a:defRPr>
-            </a:lvl6pPr>
-            <a:lvl7pPr marL="2971800" indent="-228600" algn="l" defTabSz="457200" rtl="0" eaLnBrk="1" latinLnBrk="0" hangingPunct="1">
-              <a:spcBef>
-                <a:spcPct val="20000"/>
-              </a:spcBef>
-              <a:spcAft>
-                <a:spcPts val="600"/>
-              </a:spcAft>
-              <a:buClr>
-                <a:schemeClr val="tx1"/>
-              </a:buClr>
-              <a:buSzPct val="80000"/>
-              <a:buFont typeface="Wingdings 3" panose="05040102010807070707" pitchFamily="18" charset="2"/>
-              <a:buChar char=""/>
-              <a:defRPr sz="1400" kern="1200" cap="none">
-                <a:solidFill>
-                  <a:schemeClr val="bg2">
-                    <a:lumMod val="75000"/>
-                  </a:schemeClr>
-                </a:solidFill>
-                <a:effectLst/>
-                <a:latin typeface="+mn-lt"/>
-                <a:ea typeface="+mn-ea"/>
-                <a:cs typeface="+mn-cs"/>
-              </a:defRPr>
-            </a:lvl7pPr>
-            <a:lvl8pPr marL="3429000" indent="-228600" algn="l" defTabSz="457200" rtl="0" eaLnBrk="1" latinLnBrk="0" hangingPunct="1">
-              <a:spcBef>
-                <a:spcPct val="20000"/>
-              </a:spcBef>
-              <a:spcAft>
-                <a:spcPts val="600"/>
-              </a:spcAft>
-              <a:buClr>
-                <a:schemeClr val="tx1"/>
-              </a:buClr>
-              <a:buSzPct val="80000"/>
-              <a:buFont typeface="Wingdings 3" panose="05040102010807070707" pitchFamily="18" charset="2"/>
-              <a:buChar char=""/>
-              <a:defRPr sz="1400" kern="1200" cap="none">
-                <a:solidFill>
-                  <a:schemeClr val="bg2">
-                    <a:lumMod val="75000"/>
-                  </a:schemeClr>
-                </a:solidFill>
-                <a:effectLst/>
-                <a:latin typeface="+mn-lt"/>
-                <a:ea typeface="+mn-ea"/>
-                <a:cs typeface="+mn-cs"/>
-              </a:defRPr>
-            </a:lvl8pPr>
-            <a:lvl9pPr marL="3886200" indent="-228600" algn="l" defTabSz="457200" rtl="0" eaLnBrk="1" latinLnBrk="0" hangingPunct="1">
-              <a:spcBef>
-                <a:spcPct val="20000"/>
-              </a:spcBef>
-              <a:spcAft>
-                <a:spcPts val="600"/>
-              </a:spcAft>
-              <a:buClr>
-                <a:schemeClr val="tx1"/>
-              </a:buClr>
-              <a:buSzPct val="80000"/>
-              <a:buFont typeface="Wingdings 3" panose="05040102010807070707" pitchFamily="18" charset="2"/>
-              <a:buChar char=""/>
-              <a:defRPr sz="1400" kern="1200" cap="none">
-                <a:solidFill>
-                  <a:schemeClr val="bg2">
-                    <a:lumMod val="75000"/>
-                  </a:schemeClr>
-                </a:solidFill>
-                <a:effectLst/>
-                <a:latin typeface="+mn-lt"/>
-                <a:ea typeface="+mn-ea"/>
-                <a:cs typeface="+mn-cs"/>
-              </a:defRPr>
-            </a:lvl9pPr>
-          </a:lstStyle>
-          <a:p>
-            <a:pPr marL="0" indent="0">
-              <a:buFont typeface="Wingdings 3" panose="05040102010807070707" pitchFamily="18" charset="2"/>
-              <a:buNone/>
-            </a:pPr>
-            <a:r>
-              <a:rPr lang="fr-FR" sz="3200" b="1" dirty="0">
-                <a:solidFill>
-                  <a:schemeClr val="tx1">
-                    <a:lumMod val="95000"/>
-                  </a:schemeClr>
-                </a:solidFill>
-                <a:effectLst>
-                  <a:outerShdw blurRad="38100" dist="38100" dir="2700000" algn="tl">
-                    <a:srgbClr val="000000">
-                      <a:alpha val="43137"/>
-                    </a:srgbClr>
-                  </a:outerShdw>
-                </a:effectLst>
-              </a:rPr>
-              <a:t>11</a:t>
-            </a:r>
-            <a:endParaRPr lang="fr-FR" sz="4000" b="1" dirty="0">
-              <a:solidFill>
-                <a:schemeClr val="tx1">
-                  <a:lumMod val="95000"/>
-                </a:schemeClr>
-              </a:solidFill>
-              <a:effectLst>
-                <a:outerShdw blurRad="38100" dist="38100" dir="2700000" algn="tl">
-                  <a:srgbClr val="000000">
-                    <a:alpha val="43137"/>
-                  </a:srgbClr>
-                </a:outerShdw>
-              </a:effectLst>
-            </a:endParaRPr>
-          </a:p>
-        </p:txBody>
-      </p:sp>
     </p:spTree>
     <p:extLst>
       <p:ext uri="{BB962C8B-B14F-4D97-AF65-F5344CB8AC3E}">
-        <p14:creationId xmlns:p14="http://schemas.microsoft.com/office/powerpoint/2010/main" val="2196345882"/>
+        <p14:creationId xmlns:p14="http://schemas.microsoft.com/office/powerpoint/2010/main" val="1093661124"/>
       </p:ext>
     </p:extLst>
   </p:cSld>
@@ -14740,50 +14909,6 @@
       </p:grpSpPr>
       <p:pic>
         <p:nvPicPr>
-          <p:cNvPr id="7" name="Image 6">
-            <a:extLst>
-              <a:ext uri="{FF2B5EF4-FFF2-40B4-BE49-F238E27FC236}">
-                <a16:creationId xmlns:a16="http://schemas.microsoft.com/office/drawing/2014/main" id="{B7240E09-8381-4602-92AF-C40197B00EE5}"/>
-              </a:ext>
-            </a:extLst>
-          </p:cNvPr>
-          <p:cNvPicPr>
-            <a:picLocks noChangeAspect="1"/>
-          </p:cNvPicPr>
-          <p:nvPr/>
-        </p:nvPicPr>
-        <p:blipFill>
-          <a:blip r:embed="rId2"/>
-          <a:stretch>
-            <a:fillRect/>
-          </a:stretch>
-        </p:blipFill>
-        <p:spPr>
-          <a:xfrm>
-            <a:off x="7440706" y="332439"/>
-            <a:ext cx="4337505" cy="6193122"/>
-          </a:xfrm>
-          <a:prstGeom prst="rect">
-            <a:avLst/>
-          </a:prstGeom>
-          <a:ln w="38100" cap="sq">
-            <a:solidFill>
-              <a:srgbClr val="000000"/>
-            </a:solidFill>
-            <a:prstDash val="solid"/>
-            <a:miter lim="800000"/>
-          </a:ln>
-          <a:effectLst>
-            <a:outerShdw blurRad="50800" dist="38100" dir="2700000" algn="tl" rotWithShape="0">
-              <a:srgbClr val="000000">
-                <a:alpha val="43000"/>
-              </a:srgbClr>
-            </a:outerShdw>
-          </a:effectLst>
-        </p:spPr>
-      </p:pic>
-      <p:pic>
-        <p:nvPicPr>
           <p:cNvPr id="6" name="Image 5">
             <a:extLst>
               <a:ext uri="{FF2B5EF4-FFF2-40B4-BE49-F238E27FC236}">
@@ -14797,7 +14922,7 @@
           <p:nvPr/>
         </p:nvPicPr>
         <p:blipFill>
-          <a:blip r:embed="rId3"/>
+          <a:blip r:embed="rId2"/>
           <a:stretch>
             <a:fillRect/>
           </a:stretch>
@@ -14840,14 +14965,14 @@
         </p:nvSpPr>
         <p:spPr>
           <a:xfrm>
-            <a:off x="4876801" y="2993990"/>
+            <a:off x="4975413" y="2993990"/>
             <a:ext cx="2465293" cy="870020"/>
           </a:xfrm>
           <a:prstGeom prst="rightArrow">
             <a:avLst/>
           </a:prstGeom>
           <a:solidFill>
-            <a:schemeClr val="tx1"/>
+            <a:schemeClr val="bg1"/>
           </a:solidFill>
           <a:ln>
             <a:solidFill>
@@ -15173,6 +15298,50 @@
           </a:p>
         </p:txBody>
       </p:sp>
+      <p:pic>
+        <p:nvPicPr>
+          <p:cNvPr id="3" name="Image 2">
+            <a:extLst>
+              <a:ext uri="{FF2B5EF4-FFF2-40B4-BE49-F238E27FC236}">
+                <a16:creationId xmlns:a16="http://schemas.microsoft.com/office/drawing/2014/main" id="{41EE9A8C-E9C4-42C4-8191-B7829F3133EB}"/>
+              </a:ext>
+            </a:extLst>
+          </p:cNvPr>
+          <p:cNvPicPr>
+            <a:picLocks noChangeAspect="1"/>
+          </p:cNvPicPr>
+          <p:nvPr/>
+        </p:nvPicPr>
+        <p:blipFill>
+          <a:blip r:embed="rId3"/>
+          <a:stretch>
+            <a:fillRect/>
+          </a:stretch>
+        </p:blipFill>
+        <p:spPr>
+          <a:xfrm>
+            <a:off x="7532542" y="233827"/>
+            <a:ext cx="4280581" cy="6196719"/>
+          </a:xfrm>
+          <a:prstGeom prst="rect">
+            <a:avLst/>
+          </a:prstGeom>
+          <a:ln w="38100" cap="sq">
+            <a:solidFill>
+              <a:srgbClr val="000000"/>
+            </a:solidFill>
+            <a:prstDash val="solid"/>
+            <a:miter lim="800000"/>
+          </a:ln>
+          <a:effectLst>
+            <a:outerShdw blurRad="50800" dist="38100" dir="2700000" algn="tl" rotWithShape="0">
+              <a:srgbClr val="000000">
+                <a:alpha val="43000"/>
+              </a:srgbClr>
+            </a:outerShdw>
+          </a:effectLst>
+        </p:spPr>
+      </p:pic>
     </p:spTree>
     <p:extLst>
       <p:ext uri="{BB962C8B-B14F-4D97-AF65-F5344CB8AC3E}">
@@ -16143,7 +16312,7 @@
     </p:spTree>
     <p:extLst>
       <p:ext uri="{BB962C8B-B14F-4D97-AF65-F5344CB8AC3E}">
-        <p14:creationId xmlns:p14="http://schemas.microsoft.com/office/powerpoint/2010/main" val="845809116"/>
+        <p14:creationId xmlns:p14="http://schemas.microsoft.com/office/powerpoint/2010/main" val="527414258"/>
       </p:ext>
     </p:extLst>
   </p:cSld>
@@ -16355,12 +16524,305 @@
           </a:effectLst>
         </p:spPr>
       </p:pic>
+      <p:sp>
+        <p:nvSpPr>
+          <p:cNvPr id="10" name="Espace réservé du contenu 2">
+            <a:extLst>
+              <a:ext uri="{FF2B5EF4-FFF2-40B4-BE49-F238E27FC236}">
+                <a16:creationId xmlns:a16="http://schemas.microsoft.com/office/drawing/2014/main" id="{FF6270B1-3E06-4FF4-BEAE-48100346298C}"/>
+              </a:ext>
+            </a:extLst>
+          </p:cNvPr>
+          <p:cNvSpPr txBox="1">
+            <a:spLocks/>
+          </p:cNvSpPr>
+          <p:nvPr/>
+        </p:nvSpPr>
+        <p:spPr>
+          <a:xfrm>
+            <a:off x="25901" y="6131351"/>
+            <a:ext cx="988105" cy="788419"/>
+          </a:xfrm>
+          <a:prstGeom prst="rect">
+            <a:avLst/>
+          </a:prstGeom>
+        </p:spPr>
+        <p:txBody>
+          <a:bodyPr vert="horz" lIns="91440" tIns="45720" rIns="91440" bIns="45720" rtlCol="0" anchor="ctr">
+            <a:normAutofit/>
+          </a:bodyPr>
+          <a:lstStyle>
+            <a:lvl1pPr marL="285750" indent="-285750" algn="l" defTabSz="457200" rtl="0" eaLnBrk="1" latinLnBrk="0" hangingPunct="1">
+              <a:spcBef>
+                <a:spcPct val="20000"/>
+              </a:spcBef>
+              <a:spcAft>
+                <a:spcPts val="600"/>
+              </a:spcAft>
+              <a:buClr>
+                <a:schemeClr val="tx1"/>
+              </a:buClr>
+              <a:buSzPct val="80000"/>
+              <a:buFont typeface="Wingdings 3" panose="05040102010807070707" pitchFamily="18" charset="2"/>
+              <a:buChar char=""/>
+              <a:defRPr sz="2000" kern="1200" cap="none">
+                <a:solidFill>
+                  <a:schemeClr val="bg2">
+                    <a:lumMod val="75000"/>
+                  </a:schemeClr>
+                </a:solidFill>
+                <a:effectLst/>
+                <a:latin typeface="+mn-lt"/>
+                <a:ea typeface="+mn-ea"/>
+                <a:cs typeface="+mn-cs"/>
+              </a:defRPr>
+            </a:lvl1pPr>
+            <a:lvl2pPr marL="742950" indent="-285750" algn="l" defTabSz="457200" rtl="0" eaLnBrk="1" latinLnBrk="0" hangingPunct="1">
+              <a:spcBef>
+                <a:spcPct val="20000"/>
+              </a:spcBef>
+              <a:spcAft>
+                <a:spcPts val="600"/>
+              </a:spcAft>
+              <a:buClr>
+                <a:schemeClr val="tx1"/>
+              </a:buClr>
+              <a:buSzPct val="80000"/>
+              <a:buFont typeface="Wingdings 3" panose="05040102010807070707" pitchFamily="18" charset="2"/>
+              <a:buChar char=""/>
+              <a:defRPr sz="1800" kern="1200" cap="none">
+                <a:solidFill>
+                  <a:schemeClr val="bg2">
+                    <a:lumMod val="75000"/>
+                  </a:schemeClr>
+                </a:solidFill>
+                <a:effectLst/>
+                <a:latin typeface="+mn-lt"/>
+                <a:ea typeface="+mn-ea"/>
+                <a:cs typeface="+mn-cs"/>
+              </a:defRPr>
+            </a:lvl2pPr>
+            <a:lvl3pPr marL="1200150" indent="-285750" algn="l" defTabSz="457200" rtl="0" eaLnBrk="1" latinLnBrk="0" hangingPunct="1">
+              <a:spcBef>
+                <a:spcPct val="20000"/>
+              </a:spcBef>
+              <a:spcAft>
+                <a:spcPts val="600"/>
+              </a:spcAft>
+              <a:buClr>
+                <a:schemeClr val="tx1"/>
+              </a:buClr>
+              <a:buSzPct val="80000"/>
+              <a:buFont typeface="Wingdings 3" panose="05040102010807070707" pitchFamily="18" charset="2"/>
+              <a:buChar char=""/>
+              <a:defRPr sz="1600" kern="1200" cap="none">
+                <a:solidFill>
+                  <a:schemeClr val="bg2">
+                    <a:lumMod val="75000"/>
+                  </a:schemeClr>
+                </a:solidFill>
+                <a:effectLst/>
+                <a:latin typeface="+mn-lt"/>
+                <a:ea typeface="+mn-ea"/>
+                <a:cs typeface="+mn-cs"/>
+              </a:defRPr>
+            </a:lvl3pPr>
+            <a:lvl4pPr marL="1543050" indent="-171450" algn="l" defTabSz="457200" rtl="0" eaLnBrk="1" latinLnBrk="0" hangingPunct="1">
+              <a:spcBef>
+                <a:spcPct val="20000"/>
+              </a:spcBef>
+              <a:spcAft>
+                <a:spcPts val="600"/>
+              </a:spcAft>
+              <a:buClr>
+                <a:schemeClr val="tx1"/>
+              </a:buClr>
+              <a:buSzPct val="80000"/>
+              <a:buFont typeface="Wingdings 3" panose="05040102010807070707" pitchFamily="18" charset="2"/>
+              <a:buChar char=""/>
+              <a:defRPr sz="1400" kern="1200" cap="none">
+                <a:solidFill>
+                  <a:schemeClr val="bg2">
+                    <a:lumMod val="75000"/>
+                  </a:schemeClr>
+                </a:solidFill>
+                <a:effectLst/>
+                <a:latin typeface="+mn-lt"/>
+                <a:ea typeface="+mn-ea"/>
+                <a:cs typeface="+mn-cs"/>
+              </a:defRPr>
+            </a:lvl4pPr>
+            <a:lvl5pPr marL="2000250" indent="-171450" algn="l" defTabSz="457200" rtl="0" eaLnBrk="1" latinLnBrk="0" hangingPunct="1">
+              <a:spcBef>
+                <a:spcPct val="20000"/>
+              </a:spcBef>
+              <a:spcAft>
+                <a:spcPts val="600"/>
+              </a:spcAft>
+              <a:buClr>
+                <a:schemeClr val="tx1"/>
+              </a:buClr>
+              <a:buSzPct val="80000"/>
+              <a:buFont typeface="Wingdings 3" panose="05040102010807070707" pitchFamily="18" charset="2"/>
+              <a:buChar char=""/>
+              <a:defRPr sz="1400" kern="1200" cap="none">
+                <a:solidFill>
+                  <a:schemeClr val="bg2">
+                    <a:lumMod val="75000"/>
+                  </a:schemeClr>
+                </a:solidFill>
+                <a:effectLst/>
+                <a:latin typeface="+mn-lt"/>
+                <a:ea typeface="+mn-ea"/>
+                <a:cs typeface="+mn-cs"/>
+              </a:defRPr>
+            </a:lvl5pPr>
+            <a:lvl6pPr marL="2514600" indent="-228600" algn="l" defTabSz="457200" rtl="0" eaLnBrk="1" latinLnBrk="0" hangingPunct="1">
+              <a:spcBef>
+                <a:spcPct val="20000"/>
+              </a:spcBef>
+              <a:spcAft>
+                <a:spcPts val="600"/>
+              </a:spcAft>
+              <a:buClr>
+                <a:schemeClr val="tx1"/>
+              </a:buClr>
+              <a:buSzPct val="80000"/>
+              <a:buFont typeface="Wingdings 3" panose="05040102010807070707" pitchFamily="18" charset="2"/>
+              <a:buChar char=""/>
+              <a:defRPr sz="1400" kern="1200" cap="none">
+                <a:solidFill>
+                  <a:schemeClr val="bg2">
+                    <a:lumMod val="75000"/>
+                  </a:schemeClr>
+                </a:solidFill>
+                <a:effectLst/>
+                <a:latin typeface="+mn-lt"/>
+                <a:ea typeface="+mn-ea"/>
+                <a:cs typeface="+mn-cs"/>
+              </a:defRPr>
+            </a:lvl6pPr>
+            <a:lvl7pPr marL="2971800" indent="-228600" algn="l" defTabSz="457200" rtl="0" eaLnBrk="1" latinLnBrk="0" hangingPunct="1">
+              <a:spcBef>
+                <a:spcPct val="20000"/>
+              </a:spcBef>
+              <a:spcAft>
+                <a:spcPts val="600"/>
+              </a:spcAft>
+              <a:buClr>
+                <a:schemeClr val="tx1"/>
+              </a:buClr>
+              <a:buSzPct val="80000"/>
+              <a:buFont typeface="Wingdings 3" panose="05040102010807070707" pitchFamily="18" charset="2"/>
+              <a:buChar char=""/>
+              <a:defRPr sz="1400" kern="1200" cap="none">
+                <a:solidFill>
+                  <a:schemeClr val="bg2">
+                    <a:lumMod val="75000"/>
+                  </a:schemeClr>
+                </a:solidFill>
+                <a:effectLst/>
+                <a:latin typeface="+mn-lt"/>
+                <a:ea typeface="+mn-ea"/>
+                <a:cs typeface="+mn-cs"/>
+              </a:defRPr>
+            </a:lvl7pPr>
+            <a:lvl8pPr marL="3429000" indent="-228600" algn="l" defTabSz="457200" rtl="0" eaLnBrk="1" latinLnBrk="0" hangingPunct="1">
+              <a:spcBef>
+                <a:spcPct val="20000"/>
+              </a:spcBef>
+              <a:spcAft>
+                <a:spcPts val="600"/>
+              </a:spcAft>
+              <a:buClr>
+                <a:schemeClr val="tx1"/>
+              </a:buClr>
+              <a:buSzPct val="80000"/>
+              <a:buFont typeface="Wingdings 3" panose="05040102010807070707" pitchFamily="18" charset="2"/>
+              <a:buChar char=""/>
+              <a:defRPr sz="1400" kern="1200" cap="none">
+                <a:solidFill>
+                  <a:schemeClr val="bg2">
+                    <a:lumMod val="75000"/>
+                  </a:schemeClr>
+                </a:solidFill>
+                <a:effectLst/>
+                <a:latin typeface="+mn-lt"/>
+                <a:ea typeface="+mn-ea"/>
+                <a:cs typeface="+mn-cs"/>
+              </a:defRPr>
+            </a:lvl8pPr>
+            <a:lvl9pPr marL="3886200" indent="-228600" algn="l" defTabSz="457200" rtl="0" eaLnBrk="1" latinLnBrk="0" hangingPunct="1">
+              <a:spcBef>
+                <a:spcPct val="20000"/>
+              </a:spcBef>
+              <a:spcAft>
+                <a:spcPts val="600"/>
+              </a:spcAft>
+              <a:buClr>
+                <a:schemeClr val="tx1"/>
+              </a:buClr>
+              <a:buSzPct val="80000"/>
+              <a:buFont typeface="Wingdings 3" panose="05040102010807070707" pitchFamily="18" charset="2"/>
+              <a:buChar char=""/>
+              <a:defRPr sz="1400" kern="1200" cap="none">
+                <a:solidFill>
+                  <a:schemeClr val="bg2">
+                    <a:lumMod val="75000"/>
+                  </a:schemeClr>
+                </a:solidFill>
+                <a:effectLst/>
+                <a:latin typeface="+mn-lt"/>
+                <a:ea typeface="+mn-ea"/>
+                <a:cs typeface="+mn-cs"/>
+              </a:defRPr>
+            </a:lvl9pPr>
+          </a:lstStyle>
+          <a:p>
+            <a:pPr marL="0" indent="0">
+              <a:buFont typeface="Wingdings 3" panose="05040102010807070707" pitchFamily="18" charset="2"/>
+              <a:buNone/>
+            </a:pPr>
+            <a:r>
+              <a:rPr lang="fr-FR" sz="3200" b="1" dirty="0">
+                <a:solidFill>
+                  <a:schemeClr val="tx1">
+                    <a:lumMod val="95000"/>
+                  </a:schemeClr>
+                </a:solidFill>
+                <a:effectLst>
+                  <a:outerShdw blurRad="38100" dist="38100" dir="2700000" algn="tl">
+                    <a:srgbClr val="000000">
+                      <a:alpha val="43137"/>
+                    </a:srgbClr>
+                  </a:outerShdw>
+                </a:effectLst>
+              </a:rPr>
+              <a:t>12</a:t>
+            </a:r>
+            <a:endParaRPr lang="fr-FR" sz="4000" b="1" dirty="0">
+              <a:solidFill>
+                <a:schemeClr val="tx1">
+                  <a:lumMod val="95000"/>
+                </a:schemeClr>
+              </a:solidFill>
+              <a:effectLst>
+                <a:outerShdw blurRad="38100" dist="38100" dir="2700000" algn="tl">
+                  <a:srgbClr val="000000">
+                    <a:alpha val="43137"/>
+                  </a:srgbClr>
+                </a:outerShdw>
+              </a:effectLst>
+            </a:endParaRPr>
+          </a:p>
+        </p:txBody>
+      </p:sp>
       <p:pic>
         <p:nvPicPr>
-          <p:cNvPr id="9" name="Picture 6">
+          <p:cNvPr id="4" name="Image 3">
             <a:extLst>
               <a:ext uri="{FF2B5EF4-FFF2-40B4-BE49-F238E27FC236}">
-                <a16:creationId xmlns:a16="http://schemas.microsoft.com/office/drawing/2014/main" id="{11CD9BE1-1876-4FDB-AD23-3EB9E47CE465}"/>
+                <a16:creationId xmlns:a16="http://schemas.microsoft.com/office/drawing/2014/main" id="{3BB1F3D6-AFD7-484A-8729-73EE6E77201F}"/>
               </a:ext>
             </a:extLst>
           </p:cNvPr>
@@ -16370,21 +16832,15 @@
           <p:nvPr/>
         </p:nvPicPr>
         <p:blipFill>
-          <a:blip r:embed="rId3">
-            <a:extLst>
-              <a:ext uri="{28A0092B-C50C-407E-A947-70E740481C1C}">
-                <a14:useLocalDpi xmlns:a14="http://schemas.microsoft.com/office/drawing/2010/main" val="0"/>
-              </a:ext>
-            </a:extLst>
-          </a:blip>
+          <a:blip r:embed="rId3"/>
           <a:stretch>
             <a:fillRect/>
           </a:stretch>
         </p:blipFill>
         <p:spPr>
           <a:xfrm>
-            <a:off x="6573929" y="3998039"/>
-            <a:ext cx="5490245" cy="1344926"/>
+            <a:off x="6573929" y="3798701"/>
+            <a:ext cx="5435141" cy="1393911"/>
           </a:xfrm>
           <a:prstGeom prst="rect">
             <a:avLst/>
@@ -16405,303 +16861,10 @@
           </a:effectLst>
         </p:spPr>
       </p:pic>
-      <p:sp>
-        <p:nvSpPr>
-          <p:cNvPr id="10" name="Espace réservé du contenu 2">
-            <a:extLst>
-              <a:ext uri="{FF2B5EF4-FFF2-40B4-BE49-F238E27FC236}">
-                <a16:creationId xmlns:a16="http://schemas.microsoft.com/office/drawing/2014/main" id="{FF6270B1-3E06-4FF4-BEAE-48100346298C}"/>
-              </a:ext>
-            </a:extLst>
-          </p:cNvPr>
-          <p:cNvSpPr txBox="1">
-            <a:spLocks/>
-          </p:cNvSpPr>
-          <p:nvPr/>
-        </p:nvSpPr>
-        <p:spPr>
-          <a:xfrm>
-            <a:off x="25901" y="6131351"/>
-            <a:ext cx="988105" cy="788419"/>
-          </a:xfrm>
-          <a:prstGeom prst="rect">
-            <a:avLst/>
-          </a:prstGeom>
-        </p:spPr>
-        <p:txBody>
-          <a:bodyPr vert="horz" lIns="91440" tIns="45720" rIns="91440" bIns="45720" rtlCol="0" anchor="ctr">
-            <a:normAutofit/>
-          </a:bodyPr>
-          <a:lstStyle>
-            <a:lvl1pPr marL="285750" indent="-285750" algn="l" defTabSz="457200" rtl="0" eaLnBrk="1" latinLnBrk="0" hangingPunct="1">
-              <a:spcBef>
-                <a:spcPct val="20000"/>
-              </a:spcBef>
-              <a:spcAft>
-                <a:spcPts val="600"/>
-              </a:spcAft>
-              <a:buClr>
-                <a:schemeClr val="tx1"/>
-              </a:buClr>
-              <a:buSzPct val="80000"/>
-              <a:buFont typeface="Wingdings 3" panose="05040102010807070707" pitchFamily="18" charset="2"/>
-              <a:buChar char=""/>
-              <a:defRPr sz="2000" kern="1200" cap="none">
-                <a:solidFill>
-                  <a:schemeClr val="bg2">
-                    <a:lumMod val="75000"/>
-                  </a:schemeClr>
-                </a:solidFill>
-                <a:effectLst/>
-                <a:latin typeface="+mn-lt"/>
-                <a:ea typeface="+mn-ea"/>
-                <a:cs typeface="+mn-cs"/>
-              </a:defRPr>
-            </a:lvl1pPr>
-            <a:lvl2pPr marL="742950" indent="-285750" algn="l" defTabSz="457200" rtl="0" eaLnBrk="1" latinLnBrk="0" hangingPunct="1">
-              <a:spcBef>
-                <a:spcPct val="20000"/>
-              </a:spcBef>
-              <a:spcAft>
-                <a:spcPts val="600"/>
-              </a:spcAft>
-              <a:buClr>
-                <a:schemeClr val="tx1"/>
-              </a:buClr>
-              <a:buSzPct val="80000"/>
-              <a:buFont typeface="Wingdings 3" panose="05040102010807070707" pitchFamily="18" charset="2"/>
-              <a:buChar char=""/>
-              <a:defRPr sz="1800" kern="1200" cap="none">
-                <a:solidFill>
-                  <a:schemeClr val="bg2">
-                    <a:lumMod val="75000"/>
-                  </a:schemeClr>
-                </a:solidFill>
-                <a:effectLst/>
-                <a:latin typeface="+mn-lt"/>
-                <a:ea typeface="+mn-ea"/>
-                <a:cs typeface="+mn-cs"/>
-              </a:defRPr>
-            </a:lvl2pPr>
-            <a:lvl3pPr marL="1200150" indent="-285750" algn="l" defTabSz="457200" rtl="0" eaLnBrk="1" latinLnBrk="0" hangingPunct="1">
-              <a:spcBef>
-                <a:spcPct val="20000"/>
-              </a:spcBef>
-              <a:spcAft>
-                <a:spcPts val="600"/>
-              </a:spcAft>
-              <a:buClr>
-                <a:schemeClr val="tx1"/>
-              </a:buClr>
-              <a:buSzPct val="80000"/>
-              <a:buFont typeface="Wingdings 3" panose="05040102010807070707" pitchFamily="18" charset="2"/>
-              <a:buChar char=""/>
-              <a:defRPr sz="1600" kern="1200" cap="none">
-                <a:solidFill>
-                  <a:schemeClr val="bg2">
-                    <a:lumMod val="75000"/>
-                  </a:schemeClr>
-                </a:solidFill>
-                <a:effectLst/>
-                <a:latin typeface="+mn-lt"/>
-                <a:ea typeface="+mn-ea"/>
-                <a:cs typeface="+mn-cs"/>
-              </a:defRPr>
-            </a:lvl3pPr>
-            <a:lvl4pPr marL="1543050" indent="-171450" algn="l" defTabSz="457200" rtl="0" eaLnBrk="1" latinLnBrk="0" hangingPunct="1">
-              <a:spcBef>
-                <a:spcPct val="20000"/>
-              </a:spcBef>
-              <a:spcAft>
-                <a:spcPts val="600"/>
-              </a:spcAft>
-              <a:buClr>
-                <a:schemeClr val="tx1"/>
-              </a:buClr>
-              <a:buSzPct val="80000"/>
-              <a:buFont typeface="Wingdings 3" panose="05040102010807070707" pitchFamily="18" charset="2"/>
-              <a:buChar char=""/>
-              <a:defRPr sz="1400" kern="1200" cap="none">
-                <a:solidFill>
-                  <a:schemeClr val="bg2">
-                    <a:lumMod val="75000"/>
-                  </a:schemeClr>
-                </a:solidFill>
-                <a:effectLst/>
-                <a:latin typeface="+mn-lt"/>
-                <a:ea typeface="+mn-ea"/>
-                <a:cs typeface="+mn-cs"/>
-              </a:defRPr>
-            </a:lvl4pPr>
-            <a:lvl5pPr marL="2000250" indent="-171450" algn="l" defTabSz="457200" rtl="0" eaLnBrk="1" latinLnBrk="0" hangingPunct="1">
-              <a:spcBef>
-                <a:spcPct val="20000"/>
-              </a:spcBef>
-              <a:spcAft>
-                <a:spcPts val="600"/>
-              </a:spcAft>
-              <a:buClr>
-                <a:schemeClr val="tx1"/>
-              </a:buClr>
-              <a:buSzPct val="80000"/>
-              <a:buFont typeface="Wingdings 3" panose="05040102010807070707" pitchFamily="18" charset="2"/>
-              <a:buChar char=""/>
-              <a:defRPr sz="1400" kern="1200" cap="none">
-                <a:solidFill>
-                  <a:schemeClr val="bg2">
-                    <a:lumMod val="75000"/>
-                  </a:schemeClr>
-                </a:solidFill>
-                <a:effectLst/>
-                <a:latin typeface="+mn-lt"/>
-                <a:ea typeface="+mn-ea"/>
-                <a:cs typeface="+mn-cs"/>
-              </a:defRPr>
-            </a:lvl5pPr>
-            <a:lvl6pPr marL="2514600" indent="-228600" algn="l" defTabSz="457200" rtl="0" eaLnBrk="1" latinLnBrk="0" hangingPunct="1">
-              <a:spcBef>
-                <a:spcPct val="20000"/>
-              </a:spcBef>
-              <a:spcAft>
-                <a:spcPts val="600"/>
-              </a:spcAft>
-              <a:buClr>
-                <a:schemeClr val="tx1"/>
-              </a:buClr>
-              <a:buSzPct val="80000"/>
-              <a:buFont typeface="Wingdings 3" panose="05040102010807070707" pitchFamily="18" charset="2"/>
-              <a:buChar char=""/>
-              <a:defRPr sz="1400" kern="1200" cap="none">
-                <a:solidFill>
-                  <a:schemeClr val="bg2">
-                    <a:lumMod val="75000"/>
-                  </a:schemeClr>
-                </a:solidFill>
-                <a:effectLst/>
-                <a:latin typeface="+mn-lt"/>
-                <a:ea typeface="+mn-ea"/>
-                <a:cs typeface="+mn-cs"/>
-              </a:defRPr>
-            </a:lvl6pPr>
-            <a:lvl7pPr marL="2971800" indent="-228600" algn="l" defTabSz="457200" rtl="0" eaLnBrk="1" latinLnBrk="0" hangingPunct="1">
-              <a:spcBef>
-                <a:spcPct val="20000"/>
-              </a:spcBef>
-              <a:spcAft>
-                <a:spcPts val="600"/>
-              </a:spcAft>
-              <a:buClr>
-                <a:schemeClr val="tx1"/>
-              </a:buClr>
-              <a:buSzPct val="80000"/>
-              <a:buFont typeface="Wingdings 3" panose="05040102010807070707" pitchFamily="18" charset="2"/>
-              <a:buChar char=""/>
-              <a:defRPr sz="1400" kern="1200" cap="none">
-                <a:solidFill>
-                  <a:schemeClr val="bg2">
-                    <a:lumMod val="75000"/>
-                  </a:schemeClr>
-                </a:solidFill>
-                <a:effectLst/>
-                <a:latin typeface="+mn-lt"/>
-                <a:ea typeface="+mn-ea"/>
-                <a:cs typeface="+mn-cs"/>
-              </a:defRPr>
-            </a:lvl7pPr>
-            <a:lvl8pPr marL="3429000" indent="-228600" algn="l" defTabSz="457200" rtl="0" eaLnBrk="1" latinLnBrk="0" hangingPunct="1">
-              <a:spcBef>
-                <a:spcPct val="20000"/>
-              </a:spcBef>
-              <a:spcAft>
-                <a:spcPts val="600"/>
-              </a:spcAft>
-              <a:buClr>
-                <a:schemeClr val="tx1"/>
-              </a:buClr>
-              <a:buSzPct val="80000"/>
-              <a:buFont typeface="Wingdings 3" panose="05040102010807070707" pitchFamily="18" charset="2"/>
-              <a:buChar char=""/>
-              <a:defRPr sz="1400" kern="1200" cap="none">
-                <a:solidFill>
-                  <a:schemeClr val="bg2">
-                    <a:lumMod val="75000"/>
-                  </a:schemeClr>
-                </a:solidFill>
-                <a:effectLst/>
-                <a:latin typeface="+mn-lt"/>
-                <a:ea typeface="+mn-ea"/>
-                <a:cs typeface="+mn-cs"/>
-              </a:defRPr>
-            </a:lvl8pPr>
-            <a:lvl9pPr marL="3886200" indent="-228600" algn="l" defTabSz="457200" rtl="0" eaLnBrk="1" latinLnBrk="0" hangingPunct="1">
-              <a:spcBef>
-                <a:spcPct val="20000"/>
-              </a:spcBef>
-              <a:spcAft>
-                <a:spcPts val="600"/>
-              </a:spcAft>
-              <a:buClr>
-                <a:schemeClr val="tx1"/>
-              </a:buClr>
-              <a:buSzPct val="80000"/>
-              <a:buFont typeface="Wingdings 3" panose="05040102010807070707" pitchFamily="18" charset="2"/>
-              <a:buChar char=""/>
-              <a:defRPr sz="1400" kern="1200" cap="none">
-                <a:solidFill>
-                  <a:schemeClr val="bg2">
-                    <a:lumMod val="75000"/>
-                  </a:schemeClr>
-                </a:solidFill>
-                <a:effectLst/>
-                <a:latin typeface="+mn-lt"/>
-                <a:ea typeface="+mn-ea"/>
-                <a:cs typeface="+mn-cs"/>
-              </a:defRPr>
-            </a:lvl9pPr>
-          </a:lstStyle>
-          <a:p>
-            <a:pPr marL="0" indent="0">
-              <a:buFont typeface="Wingdings 3" panose="05040102010807070707" pitchFamily="18" charset="2"/>
-              <a:buNone/>
-            </a:pPr>
-            <a:r>
-              <a:rPr lang="fr-FR" sz="3200" b="1" dirty="0">
-                <a:solidFill>
-                  <a:schemeClr val="tx1">
-                    <a:lumMod val="95000"/>
-                  </a:schemeClr>
-                </a:solidFill>
-                <a:effectLst>
-                  <a:outerShdw blurRad="38100" dist="38100" dir="2700000" algn="tl">
-                    <a:srgbClr val="000000">
-                      <a:alpha val="43137"/>
-                    </a:srgbClr>
-                  </a:outerShdw>
-                </a:effectLst>
-              </a:rPr>
-              <a:t>12</a:t>
-            </a:r>
-            <a:endParaRPr lang="fr-FR" sz="4000" b="1" dirty="0">
-              <a:solidFill>
-                <a:schemeClr val="tx1">
-                  <a:lumMod val="95000"/>
-                </a:schemeClr>
-              </a:solidFill>
-              <a:effectLst>
-                <a:outerShdw blurRad="38100" dist="38100" dir="2700000" algn="tl">
-                  <a:srgbClr val="000000">
-                    <a:alpha val="43137"/>
-                  </a:srgbClr>
-                </a:outerShdw>
-              </a:effectLst>
-            </a:endParaRPr>
-          </a:p>
-        </p:txBody>
-      </p:sp>
     </p:spTree>
     <p:extLst>
       <p:ext uri="{BB962C8B-B14F-4D97-AF65-F5344CB8AC3E}">
-        <p14:creationId xmlns:p14="http://schemas.microsoft.com/office/powerpoint/2010/main" val="53237245"/>
+        <p14:creationId xmlns:p14="http://schemas.microsoft.com/office/powerpoint/2010/main" val="992668529"/>
       </p:ext>
     </p:extLst>
   </p:cSld>
@@ -18131,105 +18294,382 @@
       </p:sp>
       <p:sp>
         <p:nvSpPr>
-          <p:cNvPr id="7" name="TextBox 6">
+          <p:cNvPr id="9" name="Espace réservé du contenu 2">
             <a:extLst>
               <a:ext uri="{FF2B5EF4-FFF2-40B4-BE49-F238E27FC236}">
-                <a16:creationId xmlns:a16="http://schemas.microsoft.com/office/drawing/2014/main" id="{CAA67519-EAB2-F569-C8CB-D1336F2483C7}"/>
+                <a16:creationId xmlns:a16="http://schemas.microsoft.com/office/drawing/2014/main" id="{8E9ABF0B-0562-4DAA-8782-8E2685163C38}"/>
               </a:ext>
             </a:extLst>
           </p:cNvPr>
-          <p:cNvSpPr txBox="1"/>
-          <p:nvPr/>
+          <p:cNvSpPr>
+            <a:spLocks noGrp="1"/>
+          </p:cNvSpPr>
+          <p:nvPr>
+            <p:ph idx="1"/>
+          </p:nvPr>
         </p:nvSpPr>
         <p:spPr>
           <a:xfrm>
-            <a:off x="440415" y="4080215"/>
-            <a:ext cx="11311169" cy="2255169"/>
+            <a:off x="109728" y="49671"/>
+            <a:ext cx="9574306" cy="883024"/>
+          </a:xfrm>
+        </p:spPr>
+        <p:txBody>
+          <a:bodyPr>
+            <a:normAutofit/>
+          </a:bodyPr>
+          <a:lstStyle/>
+          <a:p>
+            <a:pPr marL="0" indent="0">
+              <a:buNone/>
+            </a:pPr>
+            <a:r>
+              <a:rPr lang="fr-FR" sz="4400" b="1" dirty="0" err="1">
+                <a:effectLst>
+                  <a:outerShdw blurRad="38100" dist="38100" dir="2700000" algn="tl">
+                    <a:srgbClr val="000000">
+                      <a:alpha val="43137"/>
+                    </a:srgbClr>
+                  </a:outerShdw>
+                </a:effectLst>
+              </a:rPr>
+              <a:t>Experiments</a:t>
+            </a:r>
+            <a:r>
+              <a:rPr lang="fr-FR" sz="4400" b="1" dirty="0">
+                <a:effectLst>
+                  <a:outerShdw blurRad="38100" dist="38100" dir="2700000" algn="tl">
+                    <a:srgbClr val="000000">
+                      <a:alpha val="43137"/>
+                    </a:srgbClr>
+                  </a:outerShdw>
+                </a:effectLst>
+              </a:rPr>
+              <a:t> and </a:t>
+            </a:r>
+            <a:r>
+              <a:rPr lang="fr-FR" sz="4400" b="1" dirty="0" err="1">
+                <a:effectLst>
+                  <a:outerShdw blurRad="38100" dist="38100" dir="2700000" algn="tl">
+                    <a:srgbClr val="000000">
+                      <a:alpha val="43137"/>
+                    </a:srgbClr>
+                  </a:outerShdw>
+                </a:effectLst>
+              </a:rPr>
+              <a:t>Results</a:t>
+            </a:r>
+            <a:endParaRPr lang="fr-FR" sz="4400" b="1" dirty="0">
+              <a:effectLst>
+                <a:outerShdw blurRad="38100" dist="38100" dir="2700000" algn="tl">
+                  <a:srgbClr val="000000">
+                    <a:alpha val="43137"/>
+                  </a:srgbClr>
+                </a:outerShdw>
+              </a:effectLst>
+            </a:endParaRPr>
+          </a:p>
+        </p:txBody>
+      </p:sp>
+      <p:sp>
+        <p:nvSpPr>
+          <p:cNvPr id="10" name="Espace réservé du contenu 2">
+            <a:extLst>
+              <a:ext uri="{FF2B5EF4-FFF2-40B4-BE49-F238E27FC236}">
+                <a16:creationId xmlns:a16="http://schemas.microsoft.com/office/drawing/2014/main" id="{FBA1AB5C-7688-45DA-A7EC-D7553354B60B}"/>
+              </a:ext>
+            </a:extLst>
+          </p:cNvPr>
+          <p:cNvSpPr txBox="1">
+            <a:spLocks/>
+          </p:cNvSpPr>
+          <p:nvPr/>
+        </p:nvSpPr>
+        <p:spPr>
+          <a:xfrm>
+            <a:off x="25901" y="6131351"/>
+            <a:ext cx="988105" cy="788419"/>
           </a:xfrm>
           <a:prstGeom prst="rect">
             <a:avLst/>
           </a:prstGeom>
-          <a:noFill/>
-          <a:ln w="38100">
-            <a:solidFill>
-              <a:schemeClr val="tx1"/>
-            </a:solidFill>
-          </a:ln>
         </p:spPr>
         <p:txBody>
-          <a:bodyPr wrap="square" rtlCol="0">
-            <a:spAutoFit/>
+          <a:bodyPr vert="horz" lIns="91440" tIns="45720" rIns="91440" bIns="45720" rtlCol="0" anchor="ctr">
+            <a:normAutofit/>
           </a:bodyPr>
-          <a:lstStyle/>
-          <a:p>
-            <a:pPr>
-              <a:lnSpc>
-                <a:spcPts val="1350"/>
-              </a:lnSpc>
+          <a:lstStyle>
+            <a:lvl1pPr marL="285750" indent="-285750" algn="l" defTabSz="457200" rtl="0" eaLnBrk="1" latinLnBrk="0" hangingPunct="1">
+              <a:spcBef>
+                <a:spcPct val="20000"/>
+              </a:spcBef>
+              <a:spcAft>
+                <a:spcPts val="600"/>
+              </a:spcAft>
+              <a:buClr>
+                <a:schemeClr val="tx1"/>
+              </a:buClr>
+              <a:buSzPct val="80000"/>
+              <a:buFont typeface="Wingdings 3" panose="05040102010807070707" pitchFamily="18" charset="2"/>
+              <a:buChar char=""/>
+              <a:defRPr sz="2000" kern="1200" cap="none">
+                <a:solidFill>
+                  <a:schemeClr val="bg2">
+                    <a:lumMod val="75000"/>
+                  </a:schemeClr>
+                </a:solidFill>
+                <a:effectLst/>
+                <a:latin typeface="+mn-lt"/>
+                <a:ea typeface="+mn-ea"/>
+                <a:cs typeface="+mn-cs"/>
+              </a:defRPr>
+            </a:lvl1pPr>
+            <a:lvl2pPr marL="742950" indent="-285750" algn="l" defTabSz="457200" rtl="0" eaLnBrk="1" latinLnBrk="0" hangingPunct="1">
+              <a:spcBef>
+                <a:spcPct val="20000"/>
+              </a:spcBef>
+              <a:spcAft>
+                <a:spcPts val="600"/>
+              </a:spcAft>
+              <a:buClr>
+                <a:schemeClr val="tx1"/>
+              </a:buClr>
+              <a:buSzPct val="80000"/>
+              <a:buFont typeface="Wingdings 3" panose="05040102010807070707" pitchFamily="18" charset="2"/>
+              <a:buChar char=""/>
+              <a:defRPr sz="1800" kern="1200" cap="none">
+                <a:solidFill>
+                  <a:schemeClr val="bg2">
+                    <a:lumMod val="75000"/>
+                  </a:schemeClr>
+                </a:solidFill>
+                <a:effectLst/>
+                <a:latin typeface="+mn-lt"/>
+                <a:ea typeface="+mn-ea"/>
+                <a:cs typeface="+mn-cs"/>
+              </a:defRPr>
+            </a:lvl2pPr>
+            <a:lvl3pPr marL="1200150" indent="-285750" algn="l" defTabSz="457200" rtl="0" eaLnBrk="1" latinLnBrk="0" hangingPunct="1">
+              <a:spcBef>
+                <a:spcPct val="20000"/>
+              </a:spcBef>
+              <a:spcAft>
+                <a:spcPts val="600"/>
+              </a:spcAft>
+              <a:buClr>
+                <a:schemeClr val="tx1"/>
+              </a:buClr>
+              <a:buSzPct val="80000"/>
+              <a:buFont typeface="Wingdings 3" panose="05040102010807070707" pitchFamily="18" charset="2"/>
+              <a:buChar char=""/>
+              <a:defRPr sz="1600" kern="1200" cap="none">
+                <a:solidFill>
+                  <a:schemeClr val="bg2">
+                    <a:lumMod val="75000"/>
+                  </a:schemeClr>
+                </a:solidFill>
+                <a:effectLst/>
+                <a:latin typeface="+mn-lt"/>
+                <a:ea typeface="+mn-ea"/>
+                <a:cs typeface="+mn-cs"/>
+              </a:defRPr>
+            </a:lvl3pPr>
+            <a:lvl4pPr marL="1543050" indent="-171450" algn="l" defTabSz="457200" rtl="0" eaLnBrk="1" latinLnBrk="0" hangingPunct="1">
+              <a:spcBef>
+                <a:spcPct val="20000"/>
+              </a:spcBef>
+              <a:spcAft>
+                <a:spcPts val="600"/>
+              </a:spcAft>
+              <a:buClr>
+                <a:schemeClr val="tx1"/>
+              </a:buClr>
+              <a:buSzPct val="80000"/>
+              <a:buFont typeface="Wingdings 3" panose="05040102010807070707" pitchFamily="18" charset="2"/>
+              <a:buChar char=""/>
+              <a:defRPr sz="1400" kern="1200" cap="none">
+                <a:solidFill>
+                  <a:schemeClr val="bg2">
+                    <a:lumMod val="75000"/>
+                  </a:schemeClr>
+                </a:solidFill>
+                <a:effectLst/>
+                <a:latin typeface="+mn-lt"/>
+                <a:ea typeface="+mn-ea"/>
+                <a:cs typeface="+mn-cs"/>
+              </a:defRPr>
+            </a:lvl4pPr>
+            <a:lvl5pPr marL="2000250" indent="-171450" algn="l" defTabSz="457200" rtl="0" eaLnBrk="1" latinLnBrk="0" hangingPunct="1">
+              <a:spcBef>
+                <a:spcPct val="20000"/>
+              </a:spcBef>
+              <a:spcAft>
+                <a:spcPts val="600"/>
+              </a:spcAft>
+              <a:buClr>
+                <a:schemeClr val="tx1"/>
+              </a:buClr>
+              <a:buSzPct val="80000"/>
+              <a:buFont typeface="Wingdings 3" panose="05040102010807070707" pitchFamily="18" charset="2"/>
+              <a:buChar char=""/>
+              <a:defRPr sz="1400" kern="1200" cap="none">
+                <a:solidFill>
+                  <a:schemeClr val="bg2">
+                    <a:lumMod val="75000"/>
+                  </a:schemeClr>
+                </a:solidFill>
+                <a:effectLst/>
+                <a:latin typeface="+mn-lt"/>
+                <a:ea typeface="+mn-ea"/>
+                <a:cs typeface="+mn-cs"/>
+              </a:defRPr>
+            </a:lvl5pPr>
+            <a:lvl6pPr marL="2514600" indent="-228600" algn="l" defTabSz="457200" rtl="0" eaLnBrk="1" latinLnBrk="0" hangingPunct="1">
+              <a:spcBef>
+                <a:spcPct val="20000"/>
+              </a:spcBef>
+              <a:spcAft>
+                <a:spcPts val="600"/>
+              </a:spcAft>
+              <a:buClr>
+                <a:schemeClr val="tx1"/>
+              </a:buClr>
+              <a:buSzPct val="80000"/>
+              <a:buFont typeface="Wingdings 3" panose="05040102010807070707" pitchFamily="18" charset="2"/>
+              <a:buChar char=""/>
+              <a:defRPr sz="1400" kern="1200" cap="none">
+                <a:solidFill>
+                  <a:schemeClr val="bg2">
+                    <a:lumMod val="75000"/>
+                  </a:schemeClr>
+                </a:solidFill>
+                <a:effectLst/>
+                <a:latin typeface="+mn-lt"/>
+                <a:ea typeface="+mn-ea"/>
+                <a:cs typeface="+mn-cs"/>
+              </a:defRPr>
+            </a:lvl6pPr>
+            <a:lvl7pPr marL="2971800" indent="-228600" algn="l" defTabSz="457200" rtl="0" eaLnBrk="1" latinLnBrk="0" hangingPunct="1">
+              <a:spcBef>
+                <a:spcPct val="20000"/>
+              </a:spcBef>
+              <a:spcAft>
+                <a:spcPts val="600"/>
+              </a:spcAft>
+              <a:buClr>
+                <a:schemeClr val="tx1"/>
+              </a:buClr>
+              <a:buSzPct val="80000"/>
+              <a:buFont typeface="Wingdings 3" panose="05040102010807070707" pitchFamily="18" charset="2"/>
+              <a:buChar char=""/>
+              <a:defRPr sz="1400" kern="1200" cap="none">
+                <a:solidFill>
+                  <a:schemeClr val="bg2">
+                    <a:lumMod val="75000"/>
+                  </a:schemeClr>
+                </a:solidFill>
+                <a:effectLst/>
+                <a:latin typeface="+mn-lt"/>
+                <a:ea typeface="+mn-ea"/>
+                <a:cs typeface="+mn-cs"/>
+              </a:defRPr>
+            </a:lvl7pPr>
+            <a:lvl8pPr marL="3429000" indent="-228600" algn="l" defTabSz="457200" rtl="0" eaLnBrk="1" latinLnBrk="0" hangingPunct="1">
+              <a:spcBef>
+                <a:spcPct val="20000"/>
+              </a:spcBef>
+              <a:spcAft>
+                <a:spcPts val="600"/>
+              </a:spcAft>
+              <a:buClr>
+                <a:schemeClr val="tx1"/>
+              </a:buClr>
+              <a:buSzPct val="80000"/>
+              <a:buFont typeface="Wingdings 3" panose="05040102010807070707" pitchFamily="18" charset="2"/>
+              <a:buChar char=""/>
+              <a:defRPr sz="1400" kern="1200" cap="none">
+                <a:solidFill>
+                  <a:schemeClr val="bg2">
+                    <a:lumMod val="75000"/>
+                  </a:schemeClr>
+                </a:solidFill>
+                <a:effectLst/>
+                <a:latin typeface="+mn-lt"/>
+                <a:ea typeface="+mn-ea"/>
+                <a:cs typeface="+mn-cs"/>
+              </a:defRPr>
+            </a:lvl8pPr>
+            <a:lvl9pPr marL="3886200" indent="-228600" algn="l" defTabSz="457200" rtl="0" eaLnBrk="1" latinLnBrk="0" hangingPunct="1">
+              <a:spcBef>
+                <a:spcPct val="20000"/>
+              </a:spcBef>
+              <a:spcAft>
+                <a:spcPts val="600"/>
+              </a:spcAft>
+              <a:buClr>
+                <a:schemeClr val="tx1"/>
+              </a:buClr>
+              <a:buSzPct val="80000"/>
+              <a:buFont typeface="Wingdings 3" panose="05040102010807070707" pitchFamily="18" charset="2"/>
+              <a:buChar char=""/>
+              <a:defRPr sz="1400" kern="1200" cap="none">
+                <a:solidFill>
+                  <a:schemeClr val="bg2">
+                    <a:lumMod val="75000"/>
+                  </a:schemeClr>
+                </a:solidFill>
+                <a:effectLst/>
+                <a:latin typeface="+mn-lt"/>
+                <a:ea typeface="+mn-ea"/>
+                <a:cs typeface="+mn-cs"/>
+              </a:defRPr>
+            </a:lvl9pPr>
+          </a:lstStyle>
+          <a:p>
+            <a:pPr marL="0" indent="0">
+              <a:buFont typeface="Wingdings 3" panose="05040102010807070707" pitchFamily="18" charset="2"/>
+              <a:buNone/>
             </a:pPr>
             <a:r>
-              <a:rPr lang="en-GB" sz="1500" dirty="0"/>
-              <a:t>I don't know if it's a coincidence or not," he said. "I think it's just a matter of time before we get to know each other."</a:t>
-            </a:r>
-          </a:p>
-          <a:p>
-            <a:pPr>
-              <a:lnSpc>
-                <a:spcPts val="1350"/>
-              </a:lnSpc>
-            </a:pPr>
-            <a:br>
-              <a:rPr lang="en-GB" sz="1500" dirty="0"/>
-            </a:br>
-            <a:r>
-              <a:rPr lang="en-GB" sz="1500" dirty="0"/>
-              <a:t>He added: "It's not like we're going to be friends. It's just that we're not going to get along very well.</a:t>
-            </a:r>
-          </a:p>
-          <a:p>
-            <a:pPr>
-              <a:lnSpc>
-                <a:spcPts val="1350"/>
-              </a:lnSpc>
-            </a:pPr>
-            <a:br>
-              <a:rPr lang="en-GB" sz="1500" dirty="0"/>
-            </a:br>
-            <a:r>
-              <a:rPr lang="en-GB" sz="1500" dirty="0"/>
-              <a:t>"We're not friends. We're not even friends. I don't think we'll ever get along. I think we're just going to have to get used to each other. We'll just have to figure out how to get through this </a:t>
-            </a:r>
-            <a:r>
-              <a:rPr lang="en-GB" sz="1500" dirty="0" err="1"/>
-              <a:t>together."This</a:t>
-            </a:r>
-            <a:r>
-              <a:rPr lang="en-GB" sz="1500" dirty="0"/>
-              <a:t> article is from the archive of our partner .</a:t>
-            </a:r>
-          </a:p>
-          <a:p>
-            <a:pPr>
-              <a:lnSpc>
-                <a:spcPts val="1350"/>
-              </a:lnSpc>
-            </a:pPr>
-            <a:br>
-              <a:rPr lang="en-GB" sz="1500" dirty="0"/>
-            </a:br>
-            <a:r>
-              <a:rPr lang="en-GB" sz="1500" dirty="0"/>
-              <a:t>The U.S. Supreme Court has ruled that the government has the right to deny a person's constitutional right to vote based on his or her race, religion, gender, or sexual orientation. The ruling is the latest in a series of rulings that have come under fire from the left and right over the past few years. The Supreme Court is expected to hear oral arguments on the case in the coming weeks, and it's expected to rule on whether the government can deny a voter's right to cast a ballot based on that person's race or religion. The court's decision comes as the Supreme Court prepares to hear arguments</a:t>
-            </a:r>
+              <a:rPr lang="fr-FR" sz="3200" b="1" dirty="0">
+                <a:solidFill>
+                  <a:schemeClr val="tx1">
+                    <a:lumMod val="95000"/>
+                  </a:schemeClr>
+                </a:solidFill>
+                <a:effectLst>
+                  <a:outerShdw blurRad="38100" dist="38100" dir="2700000" algn="tl">
+                    <a:srgbClr val="000000">
+                      <a:alpha val="43137"/>
+                    </a:srgbClr>
+                  </a:outerShdw>
+                </a:effectLst>
+              </a:rPr>
+              <a:t>15</a:t>
+            </a:r>
+            <a:endParaRPr lang="fr-FR" sz="4000" b="1" dirty="0">
+              <a:solidFill>
+                <a:schemeClr val="tx1">
+                  <a:lumMod val="95000"/>
+                </a:schemeClr>
+              </a:solidFill>
+              <a:effectLst>
+                <a:outerShdw blurRad="38100" dist="38100" dir="2700000" algn="tl">
+                  <a:srgbClr val="000000">
+                    <a:alpha val="43137"/>
+                  </a:srgbClr>
+                </a:outerShdw>
+              </a:effectLst>
+            </a:endParaRPr>
           </a:p>
         </p:txBody>
       </p:sp>
       <p:sp>
         <p:nvSpPr>
-          <p:cNvPr id="8" name="Down Arrow 7">
+          <p:cNvPr id="11" name="Down Arrow 7">
             <a:extLst>
               <a:ext uri="{FF2B5EF4-FFF2-40B4-BE49-F238E27FC236}">
-                <a16:creationId xmlns:a16="http://schemas.microsoft.com/office/drawing/2014/main" id="{8CDC714A-ED8B-29CF-C38E-5B74156D58F1}"/>
+                <a16:creationId xmlns:a16="http://schemas.microsoft.com/office/drawing/2014/main" id="{643C7F72-C098-4D26-8541-BECBE4223A82}"/>
               </a:ext>
             </a:extLst>
           </p:cNvPr>
@@ -18238,16 +18678,18 @@
         </p:nvSpPr>
         <p:spPr>
           <a:xfrm>
-            <a:off x="5259450" y="3047489"/>
-            <a:ext cx="836549" cy="969067"/>
+            <a:off x="5259450" y="3081261"/>
+            <a:ext cx="836549" cy="923805"/>
           </a:xfrm>
           <a:prstGeom prst="downArrow">
             <a:avLst/>
           </a:prstGeom>
           <a:solidFill>
-            <a:schemeClr val="tx1"/>
+            <a:schemeClr val="bg1"/>
           </a:solidFill>
-          <a:ln w="28575"/>
+          <a:ln w="28575">
+            <a:noFill/>
+          </a:ln>
         </p:spPr>
         <p:style>
           <a:lnRef idx="2">
@@ -18288,372 +18730,125 @@
       </p:sp>
       <p:sp>
         <p:nvSpPr>
-          <p:cNvPr id="9" name="Espace réservé du contenu 2">
+          <p:cNvPr id="12" name="TextBox 6">
             <a:extLst>
               <a:ext uri="{FF2B5EF4-FFF2-40B4-BE49-F238E27FC236}">
-                <a16:creationId xmlns:a16="http://schemas.microsoft.com/office/drawing/2014/main" id="{8E9ABF0B-0562-4DAA-8782-8E2685163C38}"/>
+                <a16:creationId xmlns:a16="http://schemas.microsoft.com/office/drawing/2014/main" id="{4AB55994-1F4A-474B-A00D-E1E106278ECF}"/>
               </a:ext>
             </a:extLst>
           </p:cNvPr>
-          <p:cNvSpPr>
-            <a:spLocks noGrp="1"/>
-          </p:cNvSpPr>
-          <p:nvPr>
-            <p:ph idx="1"/>
-          </p:nvPr>
+          <p:cNvSpPr txBox="1"/>
+          <p:nvPr/>
         </p:nvSpPr>
         <p:spPr>
           <a:xfrm>
-            <a:off x="109728" y="49671"/>
-            <a:ext cx="9574306" cy="883024"/>
-          </a:xfrm>
-        </p:spPr>
-        <p:txBody>
-          <a:bodyPr>
-            <a:normAutofit/>
-          </a:bodyPr>
-          <a:lstStyle/>
-          <a:p>
-            <a:pPr marL="0" indent="0">
-              <a:buNone/>
-            </a:pPr>
-            <a:r>
-              <a:rPr lang="fr-FR" sz="4400" b="1" dirty="0" err="1">
-                <a:effectLst>
-                  <a:outerShdw blurRad="38100" dist="38100" dir="2700000" algn="tl">
-                    <a:srgbClr val="000000">
-                      <a:alpha val="43137"/>
-                    </a:srgbClr>
-                  </a:outerShdw>
-                </a:effectLst>
-              </a:rPr>
-              <a:t>Experiments</a:t>
-            </a:r>
-            <a:r>
-              <a:rPr lang="fr-FR" sz="4400" b="1" dirty="0">
-                <a:effectLst>
-                  <a:outerShdw blurRad="38100" dist="38100" dir="2700000" algn="tl">
-                    <a:srgbClr val="000000">
-                      <a:alpha val="43137"/>
-                    </a:srgbClr>
-                  </a:outerShdw>
-                </a:effectLst>
-              </a:rPr>
-              <a:t> and </a:t>
-            </a:r>
-            <a:r>
-              <a:rPr lang="fr-FR" sz="4400" b="1" dirty="0" err="1">
-                <a:effectLst>
-                  <a:outerShdw blurRad="38100" dist="38100" dir="2700000" algn="tl">
-                    <a:srgbClr val="000000">
-                      <a:alpha val="43137"/>
-                    </a:srgbClr>
-                  </a:outerShdw>
-                </a:effectLst>
-              </a:rPr>
-              <a:t>Results</a:t>
-            </a:r>
-            <a:endParaRPr lang="fr-FR" sz="4400" b="1" dirty="0">
-              <a:effectLst>
-                <a:outerShdw blurRad="38100" dist="38100" dir="2700000" algn="tl">
-                  <a:srgbClr val="000000">
-                    <a:alpha val="43137"/>
-                  </a:srgbClr>
-                </a:outerShdw>
-              </a:effectLst>
-            </a:endParaRPr>
-          </a:p>
-        </p:txBody>
-      </p:sp>
-      <p:sp>
-        <p:nvSpPr>
-          <p:cNvPr id="10" name="Espace réservé du contenu 2">
-            <a:extLst>
-              <a:ext uri="{FF2B5EF4-FFF2-40B4-BE49-F238E27FC236}">
-                <a16:creationId xmlns:a16="http://schemas.microsoft.com/office/drawing/2014/main" id="{FBA1AB5C-7688-45DA-A7EC-D7553354B60B}"/>
-              </a:ext>
-            </a:extLst>
-          </p:cNvPr>
-          <p:cNvSpPr txBox="1">
-            <a:spLocks/>
-          </p:cNvSpPr>
-          <p:nvPr/>
-        </p:nvSpPr>
-        <p:spPr>
-          <a:xfrm>
-            <a:off x="25901" y="6131351"/>
-            <a:ext cx="988105" cy="788419"/>
+            <a:off x="184042" y="4167236"/>
+            <a:ext cx="11823915" cy="1892441"/>
           </a:xfrm>
           <a:prstGeom prst="rect">
             <a:avLst/>
           </a:prstGeom>
+          <a:solidFill>
+            <a:schemeClr val="tx1"/>
+          </a:solidFill>
+          <a:ln w="38100">
+            <a:solidFill>
+              <a:schemeClr val="bg1"/>
+            </a:solidFill>
+          </a:ln>
         </p:spPr>
         <p:txBody>
-          <a:bodyPr vert="horz" lIns="91440" tIns="45720" rIns="91440" bIns="45720" rtlCol="0" anchor="ctr">
-            <a:normAutofit/>
+          <a:bodyPr wrap="square" rtlCol="0">
+            <a:spAutoFit/>
           </a:bodyPr>
-          <a:lstStyle>
-            <a:lvl1pPr marL="285750" indent="-285750" algn="l" defTabSz="457200" rtl="0" eaLnBrk="1" latinLnBrk="0" hangingPunct="1">
-              <a:spcBef>
-                <a:spcPct val="20000"/>
-              </a:spcBef>
-              <a:spcAft>
-                <a:spcPts val="600"/>
-              </a:spcAft>
-              <a:buClr>
-                <a:schemeClr val="tx1"/>
-              </a:buClr>
-              <a:buSzPct val="80000"/>
-              <a:buFont typeface="Wingdings 3" panose="05040102010807070707" pitchFamily="18" charset="2"/>
-              <a:buChar char=""/>
-              <a:defRPr sz="2000" kern="1200" cap="none">
-                <a:solidFill>
-                  <a:schemeClr val="bg2">
-                    <a:lumMod val="75000"/>
-                  </a:schemeClr>
-                </a:solidFill>
-                <a:effectLst/>
-                <a:latin typeface="+mn-lt"/>
-                <a:ea typeface="+mn-ea"/>
-                <a:cs typeface="+mn-cs"/>
-              </a:defRPr>
-            </a:lvl1pPr>
-            <a:lvl2pPr marL="742950" indent="-285750" algn="l" defTabSz="457200" rtl="0" eaLnBrk="1" latinLnBrk="0" hangingPunct="1">
-              <a:spcBef>
-                <a:spcPct val="20000"/>
-              </a:spcBef>
-              <a:spcAft>
-                <a:spcPts val="600"/>
-              </a:spcAft>
-              <a:buClr>
-                <a:schemeClr val="tx1"/>
-              </a:buClr>
-              <a:buSzPct val="80000"/>
-              <a:buFont typeface="Wingdings 3" panose="05040102010807070707" pitchFamily="18" charset="2"/>
-              <a:buChar char=""/>
-              <a:defRPr sz="1800" kern="1200" cap="none">
-                <a:solidFill>
-                  <a:schemeClr val="bg2">
-                    <a:lumMod val="75000"/>
-                  </a:schemeClr>
-                </a:solidFill>
-                <a:effectLst/>
-                <a:latin typeface="+mn-lt"/>
-                <a:ea typeface="+mn-ea"/>
-                <a:cs typeface="+mn-cs"/>
-              </a:defRPr>
-            </a:lvl2pPr>
-            <a:lvl3pPr marL="1200150" indent="-285750" algn="l" defTabSz="457200" rtl="0" eaLnBrk="1" latinLnBrk="0" hangingPunct="1">
-              <a:spcBef>
-                <a:spcPct val="20000"/>
-              </a:spcBef>
-              <a:spcAft>
-                <a:spcPts val="600"/>
-              </a:spcAft>
-              <a:buClr>
-                <a:schemeClr val="tx1"/>
-              </a:buClr>
-              <a:buSzPct val="80000"/>
-              <a:buFont typeface="Wingdings 3" panose="05040102010807070707" pitchFamily="18" charset="2"/>
-              <a:buChar char=""/>
-              <a:defRPr sz="1600" kern="1200" cap="none">
-                <a:solidFill>
-                  <a:schemeClr val="bg2">
-                    <a:lumMod val="75000"/>
-                  </a:schemeClr>
-                </a:solidFill>
-                <a:effectLst/>
-                <a:latin typeface="+mn-lt"/>
-                <a:ea typeface="+mn-ea"/>
-                <a:cs typeface="+mn-cs"/>
-              </a:defRPr>
-            </a:lvl3pPr>
-            <a:lvl4pPr marL="1543050" indent="-171450" algn="l" defTabSz="457200" rtl="0" eaLnBrk="1" latinLnBrk="0" hangingPunct="1">
-              <a:spcBef>
-                <a:spcPct val="20000"/>
-              </a:spcBef>
-              <a:spcAft>
-                <a:spcPts val="600"/>
-              </a:spcAft>
-              <a:buClr>
-                <a:schemeClr val="tx1"/>
-              </a:buClr>
-              <a:buSzPct val="80000"/>
-              <a:buFont typeface="Wingdings 3" panose="05040102010807070707" pitchFamily="18" charset="2"/>
-              <a:buChar char=""/>
-              <a:defRPr sz="1400" kern="1200" cap="none">
-                <a:solidFill>
-                  <a:schemeClr val="bg2">
-                    <a:lumMod val="75000"/>
-                  </a:schemeClr>
-                </a:solidFill>
-                <a:effectLst/>
-                <a:latin typeface="+mn-lt"/>
-                <a:ea typeface="+mn-ea"/>
-                <a:cs typeface="+mn-cs"/>
-              </a:defRPr>
-            </a:lvl4pPr>
-            <a:lvl5pPr marL="2000250" indent="-171450" algn="l" defTabSz="457200" rtl="0" eaLnBrk="1" latinLnBrk="0" hangingPunct="1">
-              <a:spcBef>
-                <a:spcPct val="20000"/>
-              </a:spcBef>
-              <a:spcAft>
-                <a:spcPts val="600"/>
-              </a:spcAft>
-              <a:buClr>
-                <a:schemeClr val="tx1"/>
-              </a:buClr>
-              <a:buSzPct val="80000"/>
-              <a:buFont typeface="Wingdings 3" panose="05040102010807070707" pitchFamily="18" charset="2"/>
-              <a:buChar char=""/>
-              <a:defRPr sz="1400" kern="1200" cap="none">
-                <a:solidFill>
-                  <a:schemeClr val="bg2">
-                    <a:lumMod val="75000"/>
-                  </a:schemeClr>
-                </a:solidFill>
-                <a:effectLst/>
-                <a:latin typeface="+mn-lt"/>
-                <a:ea typeface="+mn-ea"/>
-                <a:cs typeface="+mn-cs"/>
-              </a:defRPr>
-            </a:lvl5pPr>
-            <a:lvl6pPr marL="2514600" indent="-228600" algn="l" defTabSz="457200" rtl="0" eaLnBrk="1" latinLnBrk="0" hangingPunct="1">
-              <a:spcBef>
-                <a:spcPct val="20000"/>
-              </a:spcBef>
-              <a:spcAft>
-                <a:spcPts val="600"/>
-              </a:spcAft>
-              <a:buClr>
-                <a:schemeClr val="tx1"/>
-              </a:buClr>
-              <a:buSzPct val="80000"/>
-              <a:buFont typeface="Wingdings 3" panose="05040102010807070707" pitchFamily="18" charset="2"/>
-              <a:buChar char=""/>
-              <a:defRPr sz="1400" kern="1200" cap="none">
-                <a:solidFill>
-                  <a:schemeClr val="bg2">
-                    <a:lumMod val="75000"/>
-                  </a:schemeClr>
-                </a:solidFill>
-                <a:effectLst/>
-                <a:latin typeface="+mn-lt"/>
-                <a:ea typeface="+mn-ea"/>
-                <a:cs typeface="+mn-cs"/>
-              </a:defRPr>
-            </a:lvl6pPr>
-            <a:lvl7pPr marL="2971800" indent="-228600" algn="l" defTabSz="457200" rtl="0" eaLnBrk="1" latinLnBrk="0" hangingPunct="1">
-              <a:spcBef>
-                <a:spcPct val="20000"/>
-              </a:spcBef>
-              <a:spcAft>
-                <a:spcPts val="600"/>
-              </a:spcAft>
-              <a:buClr>
-                <a:schemeClr val="tx1"/>
-              </a:buClr>
-              <a:buSzPct val="80000"/>
-              <a:buFont typeface="Wingdings 3" panose="05040102010807070707" pitchFamily="18" charset="2"/>
-              <a:buChar char=""/>
-              <a:defRPr sz="1400" kern="1200" cap="none">
-                <a:solidFill>
-                  <a:schemeClr val="bg2">
-                    <a:lumMod val="75000"/>
-                  </a:schemeClr>
-                </a:solidFill>
-                <a:effectLst/>
-                <a:latin typeface="+mn-lt"/>
-                <a:ea typeface="+mn-ea"/>
-                <a:cs typeface="+mn-cs"/>
-              </a:defRPr>
-            </a:lvl7pPr>
-            <a:lvl8pPr marL="3429000" indent="-228600" algn="l" defTabSz="457200" rtl="0" eaLnBrk="1" latinLnBrk="0" hangingPunct="1">
-              <a:spcBef>
-                <a:spcPct val="20000"/>
-              </a:spcBef>
-              <a:spcAft>
-                <a:spcPts val="600"/>
-              </a:spcAft>
-              <a:buClr>
-                <a:schemeClr val="tx1"/>
-              </a:buClr>
-              <a:buSzPct val="80000"/>
-              <a:buFont typeface="Wingdings 3" panose="05040102010807070707" pitchFamily="18" charset="2"/>
-              <a:buChar char=""/>
-              <a:defRPr sz="1400" kern="1200" cap="none">
-                <a:solidFill>
-                  <a:schemeClr val="bg2">
-                    <a:lumMod val="75000"/>
-                  </a:schemeClr>
-                </a:solidFill>
-                <a:effectLst/>
-                <a:latin typeface="+mn-lt"/>
-                <a:ea typeface="+mn-ea"/>
-                <a:cs typeface="+mn-cs"/>
-              </a:defRPr>
-            </a:lvl8pPr>
-            <a:lvl9pPr marL="3886200" indent="-228600" algn="l" defTabSz="457200" rtl="0" eaLnBrk="1" latinLnBrk="0" hangingPunct="1">
-              <a:spcBef>
-                <a:spcPct val="20000"/>
-              </a:spcBef>
-              <a:spcAft>
-                <a:spcPts val="600"/>
-              </a:spcAft>
-              <a:buClr>
-                <a:schemeClr val="tx1"/>
-              </a:buClr>
-              <a:buSzPct val="80000"/>
-              <a:buFont typeface="Wingdings 3" panose="05040102010807070707" pitchFamily="18" charset="2"/>
-              <a:buChar char=""/>
-              <a:defRPr sz="1400" kern="1200" cap="none">
-                <a:solidFill>
-                  <a:schemeClr val="bg2">
-                    <a:lumMod val="75000"/>
-                  </a:schemeClr>
-                </a:solidFill>
-                <a:effectLst/>
-                <a:latin typeface="+mn-lt"/>
-                <a:ea typeface="+mn-ea"/>
-                <a:cs typeface="+mn-cs"/>
-              </a:defRPr>
-            </a:lvl9pPr>
-          </a:lstStyle>
-          <a:p>
-            <a:pPr marL="0" indent="0">
-              <a:buFont typeface="Wingdings 3" panose="05040102010807070707" pitchFamily="18" charset="2"/>
-              <a:buNone/>
+          <a:lstStyle/>
+          <a:p>
+            <a:pPr>
+              <a:lnSpc>
+                <a:spcPts val="1350"/>
+              </a:lnSpc>
             </a:pPr>
             <a:r>
-              <a:rPr lang="fr-FR" sz="3200" b="1" dirty="0">
-                <a:solidFill>
-                  <a:schemeClr val="tx1">
-                    <a:lumMod val="95000"/>
-                  </a:schemeClr>
-                </a:solidFill>
-                <a:effectLst>
-                  <a:outerShdw blurRad="38100" dist="38100" dir="2700000" algn="tl">
-                    <a:srgbClr val="000000">
-                      <a:alpha val="43137"/>
-                    </a:srgbClr>
-                  </a:outerShdw>
-                </a:effectLst>
-              </a:rPr>
-              <a:t>15</a:t>
-            </a:r>
-            <a:endParaRPr lang="fr-FR" sz="4000" b="1" dirty="0">
+              <a:rPr lang="en-GB" sz="1600" dirty="0">
+                <a:solidFill>
+                  <a:schemeClr val="bg1"/>
+                </a:solidFill>
+                <a:latin typeface="Cascadia Code" panose="020B0609020000020004" pitchFamily="49" charset="0"/>
+                <a:ea typeface="Cascadia Code" panose="020B0609020000020004" pitchFamily="49" charset="0"/>
+                <a:cs typeface="Cascadia Code" panose="020B0609020000020004" pitchFamily="49" charset="0"/>
+              </a:rPr>
+              <a:t>I don't know if it's a coincidence or not," he said. "I think it's just a matter of time before we get to know each other."</a:t>
+            </a:r>
+          </a:p>
+          <a:p>
+            <a:pPr>
+              <a:lnSpc>
+                <a:spcPts val="1350"/>
+              </a:lnSpc>
+            </a:pPr>
+            <a:br>
+              <a:rPr lang="en-GB" sz="1600" dirty="0">
+                <a:solidFill>
+                  <a:schemeClr val="bg1"/>
+                </a:solidFill>
+                <a:latin typeface="Cascadia Code" panose="020B0609020000020004" pitchFamily="49" charset="0"/>
+                <a:ea typeface="Cascadia Code" panose="020B0609020000020004" pitchFamily="49" charset="0"/>
+                <a:cs typeface="Cascadia Code" panose="020B0609020000020004" pitchFamily="49" charset="0"/>
+              </a:rPr>
+            </a:br>
+            <a:r>
+              <a:rPr lang="en-GB" sz="1600" dirty="0">
+                <a:solidFill>
+                  <a:schemeClr val="bg1"/>
+                </a:solidFill>
+                <a:latin typeface="Cascadia Code" panose="020B0609020000020004" pitchFamily="49" charset="0"/>
+                <a:ea typeface="Cascadia Code" panose="020B0609020000020004" pitchFamily="49" charset="0"/>
+                <a:cs typeface="Cascadia Code" panose="020B0609020000020004" pitchFamily="49" charset="0"/>
+              </a:rPr>
+              <a:t>He added: "It's not like we're going to be friends. It's just that we're not going to get along very well.</a:t>
+            </a:r>
+          </a:p>
+          <a:p>
+            <a:pPr>
+              <a:lnSpc>
+                <a:spcPts val="1350"/>
+              </a:lnSpc>
+            </a:pPr>
+            <a:br>
+              <a:rPr lang="en-GB" sz="1600" dirty="0">
+                <a:solidFill>
+                  <a:schemeClr val="bg1"/>
+                </a:solidFill>
+                <a:latin typeface="Cascadia Code" panose="020B0609020000020004" pitchFamily="49" charset="0"/>
+                <a:ea typeface="Cascadia Code" panose="020B0609020000020004" pitchFamily="49" charset="0"/>
+                <a:cs typeface="Cascadia Code" panose="020B0609020000020004" pitchFamily="49" charset="0"/>
+              </a:rPr>
+            </a:br>
+            <a:r>
+              <a:rPr lang="en-GB" sz="1600" dirty="0">
+                <a:solidFill>
+                  <a:schemeClr val="bg1"/>
+                </a:solidFill>
+                <a:latin typeface="Cascadia Code" panose="020B0609020000020004" pitchFamily="49" charset="0"/>
+                <a:ea typeface="Cascadia Code" panose="020B0609020000020004" pitchFamily="49" charset="0"/>
+                <a:cs typeface="Cascadia Code" panose="020B0609020000020004" pitchFamily="49" charset="0"/>
+              </a:rPr>
+              <a:t>"We're not friends. We're not even friends. I don't think we'll ever get along. I think we're just going to have to get used to each other. We'll just have to figure out how to get through this together. This article is from the archive of our partner .</a:t>
+            </a:r>
+          </a:p>
+          <a:p>
+            <a:pPr>
+              <a:lnSpc>
+                <a:spcPts val="1350"/>
+              </a:lnSpc>
+            </a:pPr>
+            <a:endParaRPr lang="en-GB" sz="1600" dirty="0">
               <a:solidFill>
-                <a:schemeClr val="tx1">
-                  <a:lumMod val="95000"/>
-                </a:schemeClr>
+                <a:schemeClr val="bg1"/>
               </a:solidFill>
-              <a:effectLst>
-                <a:outerShdw blurRad="38100" dist="38100" dir="2700000" algn="tl">
-                  <a:srgbClr val="000000">
-                    <a:alpha val="43137"/>
-                  </a:srgbClr>
-                </a:outerShdw>
-              </a:effectLst>
+              <a:latin typeface="Cascadia Code" panose="020B0609020000020004" pitchFamily="49" charset="0"/>
+              <a:ea typeface="Cascadia Code" panose="020B0609020000020004" pitchFamily="49" charset="0"/>
+              <a:cs typeface="Cascadia Code" panose="020B0609020000020004" pitchFamily="49" charset="0"/>
             </a:endParaRPr>
           </a:p>
         </p:txBody>
@@ -19025,10 +19220,303 @@
       </p:pic>
       <p:sp>
         <p:nvSpPr>
-          <p:cNvPr id="14" name="Down Arrow 7">
+          <p:cNvPr id="15" name="Espace réservé du contenu 2">
             <a:extLst>
               <a:ext uri="{FF2B5EF4-FFF2-40B4-BE49-F238E27FC236}">
-                <a16:creationId xmlns:a16="http://schemas.microsoft.com/office/drawing/2014/main" id="{F4EAE4C0-6732-4D57-AA88-428D2B696A5E}"/>
+                <a16:creationId xmlns:a16="http://schemas.microsoft.com/office/drawing/2014/main" id="{442F0FC8-3CD1-4B5D-A714-92626E61642B}"/>
+              </a:ext>
+            </a:extLst>
+          </p:cNvPr>
+          <p:cNvSpPr txBox="1">
+            <a:spLocks/>
+          </p:cNvSpPr>
+          <p:nvPr/>
+        </p:nvSpPr>
+        <p:spPr>
+          <a:xfrm>
+            <a:off x="25901" y="6131351"/>
+            <a:ext cx="988105" cy="788419"/>
+          </a:xfrm>
+          <a:prstGeom prst="rect">
+            <a:avLst/>
+          </a:prstGeom>
+        </p:spPr>
+        <p:txBody>
+          <a:bodyPr vert="horz" lIns="91440" tIns="45720" rIns="91440" bIns="45720" rtlCol="0" anchor="ctr">
+            <a:normAutofit/>
+          </a:bodyPr>
+          <a:lstStyle>
+            <a:lvl1pPr marL="285750" indent="-285750" algn="l" defTabSz="457200" rtl="0" eaLnBrk="1" latinLnBrk="0" hangingPunct="1">
+              <a:spcBef>
+                <a:spcPct val="20000"/>
+              </a:spcBef>
+              <a:spcAft>
+                <a:spcPts val="600"/>
+              </a:spcAft>
+              <a:buClr>
+                <a:schemeClr val="tx1"/>
+              </a:buClr>
+              <a:buSzPct val="80000"/>
+              <a:buFont typeface="Wingdings 3" panose="05040102010807070707" pitchFamily="18" charset="2"/>
+              <a:buChar char=""/>
+              <a:defRPr sz="2000" kern="1200" cap="none">
+                <a:solidFill>
+                  <a:schemeClr val="bg2">
+                    <a:lumMod val="75000"/>
+                  </a:schemeClr>
+                </a:solidFill>
+                <a:effectLst/>
+                <a:latin typeface="+mn-lt"/>
+                <a:ea typeface="+mn-ea"/>
+                <a:cs typeface="+mn-cs"/>
+              </a:defRPr>
+            </a:lvl1pPr>
+            <a:lvl2pPr marL="742950" indent="-285750" algn="l" defTabSz="457200" rtl="0" eaLnBrk="1" latinLnBrk="0" hangingPunct="1">
+              <a:spcBef>
+                <a:spcPct val="20000"/>
+              </a:spcBef>
+              <a:spcAft>
+                <a:spcPts val="600"/>
+              </a:spcAft>
+              <a:buClr>
+                <a:schemeClr val="tx1"/>
+              </a:buClr>
+              <a:buSzPct val="80000"/>
+              <a:buFont typeface="Wingdings 3" panose="05040102010807070707" pitchFamily="18" charset="2"/>
+              <a:buChar char=""/>
+              <a:defRPr sz="1800" kern="1200" cap="none">
+                <a:solidFill>
+                  <a:schemeClr val="bg2">
+                    <a:lumMod val="75000"/>
+                  </a:schemeClr>
+                </a:solidFill>
+                <a:effectLst/>
+                <a:latin typeface="+mn-lt"/>
+                <a:ea typeface="+mn-ea"/>
+                <a:cs typeface="+mn-cs"/>
+              </a:defRPr>
+            </a:lvl2pPr>
+            <a:lvl3pPr marL="1200150" indent="-285750" algn="l" defTabSz="457200" rtl="0" eaLnBrk="1" latinLnBrk="0" hangingPunct="1">
+              <a:spcBef>
+                <a:spcPct val="20000"/>
+              </a:spcBef>
+              <a:spcAft>
+                <a:spcPts val="600"/>
+              </a:spcAft>
+              <a:buClr>
+                <a:schemeClr val="tx1"/>
+              </a:buClr>
+              <a:buSzPct val="80000"/>
+              <a:buFont typeface="Wingdings 3" panose="05040102010807070707" pitchFamily="18" charset="2"/>
+              <a:buChar char=""/>
+              <a:defRPr sz="1600" kern="1200" cap="none">
+                <a:solidFill>
+                  <a:schemeClr val="bg2">
+                    <a:lumMod val="75000"/>
+                  </a:schemeClr>
+                </a:solidFill>
+                <a:effectLst/>
+                <a:latin typeface="+mn-lt"/>
+                <a:ea typeface="+mn-ea"/>
+                <a:cs typeface="+mn-cs"/>
+              </a:defRPr>
+            </a:lvl3pPr>
+            <a:lvl4pPr marL="1543050" indent="-171450" algn="l" defTabSz="457200" rtl="0" eaLnBrk="1" latinLnBrk="0" hangingPunct="1">
+              <a:spcBef>
+                <a:spcPct val="20000"/>
+              </a:spcBef>
+              <a:spcAft>
+                <a:spcPts val="600"/>
+              </a:spcAft>
+              <a:buClr>
+                <a:schemeClr val="tx1"/>
+              </a:buClr>
+              <a:buSzPct val="80000"/>
+              <a:buFont typeface="Wingdings 3" panose="05040102010807070707" pitchFamily="18" charset="2"/>
+              <a:buChar char=""/>
+              <a:defRPr sz="1400" kern="1200" cap="none">
+                <a:solidFill>
+                  <a:schemeClr val="bg2">
+                    <a:lumMod val="75000"/>
+                  </a:schemeClr>
+                </a:solidFill>
+                <a:effectLst/>
+                <a:latin typeface="+mn-lt"/>
+                <a:ea typeface="+mn-ea"/>
+                <a:cs typeface="+mn-cs"/>
+              </a:defRPr>
+            </a:lvl4pPr>
+            <a:lvl5pPr marL="2000250" indent="-171450" algn="l" defTabSz="457200" rtl="0" eaLnBrk="1" latinLnBrk="0" hangingPunct="1">
+              <a:spcBef>
+                <a:spcPct val="20000"/>
+              </a:spcBef>
+              <a:spcAft>
+                <a:spcPts val="600"/>
+              </a:spcAft>
+              <a:buClr>
+                <a:schemeClr val="tx1"/>
+              </a:buClr>
+              <a:buSzPct val="80000"/>
+              <a:buFont typeface="Wingdings 3" panose="05040102010807070707" pitchFamily="18" charset="2"/>
+              <a:buChar char=""/>
+              <a:defRPr sz="1400" kern="1200" cap="none">
+                <a:solidFill>
+                  <a:schemeClr val="bg2">
+                    <a:lumMod val="75000"/>
+                  </a:schemeClr>
+                </a:solidFill>
+                <a:effectLst/>
+                <a:latin typeface="+mn-lt"/>
+                <a:ea typeface="+mn-ea"/>
+                <a:cs typeface="+mn-cs"/>
+              </a:defRPr>
+            </a:lvl5pPr>
+            <a:lvl6pPr marL="2514600" indent="-228600" algn="l" defTabSz="457200" rtl="0" eaLnBrk="1" latinLnBrk="0" hangingPunct="1">
+              <a:spcBef>
+                <a:spcPct val="20000"/>
+              </a:spcBef>
+              <a:spcAft>
+                <a:spcPts val="600"/>
+              </a:spcAft>
+              <a:buClr>
+                <a:schemeClr val="tx1"/>
+              </a:buClr>
+              <a:buSzPct val="80000"/>
+              <a:buFont typeface="Wingdings 3" panose="05040102010807070707" pitchFamily="18" charset="2"/>
+              <a:buChar char=""/>
+              <a:defRPr sz="1400" kern="1200" cap="none">
+                <a:solidFill>
+                  <a:schemeClr val="bg2">
+                    <a:lumMod val="75000"/>
+                  </a:schemeClr>
+                </a:solidFill>
+                <a:effectLst/>
+                <a:latin typeface="+mn-lt"/>
+                <a:ea typeface="+mn-ea"/>
+                <a:cs typeface="+mn-cs"/>
+              </a:defRPr>
+            </a:lvl6pPr>
+            <a:lvl7pPr marL="2971800" indent="-228600" algn="l" defTabSz="457200" rtl="0" eaLnBrk="1" latinLnBrk="0" hangingPunct="1">
+              <a:spcBef>
+                <a:spcPct val="20000"/>
+              </a:spcBef>
+              <a:spcAft>
+                <a:spcPts val="600"/>
+              </a:spcAft>
+              <a:buClr>
+                <a:schemeClr val="tx1"/>
+              </a:buClr>
+              <a:buSzPct val="80000"/>
+              <a:buFont typeface="Wingdings 3" panose="05040102010807070707" pitchFamily="18" charset="2"/>
+              <a:buChar char=""/>
+              <a:defRPr sz="1400" kern="1200" cap="none">
+                <a:solidFill>
+                  <a:schemeClr val="bg2">
+                    <a:lumMod val="75000"/>
+                  </a:schemeClr>
+                </a:solidFill>
+                <a:effectLst/>
+                <a:latin typeface="+mn-lt"/>
+                <a:ea typeface="+mn-ea"/>
+                <a:cs typeface="+mn-cs"/>
+              </a:defRPr>
+            </a:lvl7pPr>
+            <a:lvl8pPr marL="3429000" indent="-228600" algn="l" defTabSz="457200" rtl="0" eaLnBrk="1" latinLnBrk="0" hangingPunct="1">
+              <a:spcBef>
+                <a:spcPct val="20000"/>
+              </a:spcBef>
+              <a:spcAft>
+                <a:spcPts val="600"/>
+              </a:spcAft>
+              <a:buClr>
+                <a:schemeClr val="tx1"/>
+              </a:buClr>
+              <a:buSzPct val="80000"/>
+              <a:buFont typeface="Wingdings 3" panose="05040102010807070707" pitchFamily="18" charset="2"/>
+              <a:buChar char=""/>
+              <a:defRPr sz="1400" kern="1200" cap="none">
+                <a:solidFill>
+                  <a:schemeClr val="bg2">
+                    <a:lumMod val="75000"/>
+                  </a:schemeClr>
+                </a:solidFill>
+                <a:effectLst/>
+                <a:latin typeface="+mn-lt"/>
+                <a:ea typeface="+mn-ea"/>
+                <a:cs typeface="+mn-cs"/>
+              </a:defRPr>
+            </a:lvl8pPr>
+            <a:lvl9pPr marL="3886200" indent="-228600" algn="l" defTabSz="457200" rtl="0" eaLnBrk="1" latinLnBrk="0" hangingPunct="1">
+              <a:spcBef>
+                <a:spcPct val="20000"/>
+              </a:spcBef>
+              <a:spcAft>
+                <a:spcPts val="600"/>
+              </a:spcAft>
+              <a:buClr>
+                <a:schemeClr val="tx1"/>
+              </a:buClr>
+              <a:buSzPct val="80000"/>
+              <a:buFont typeface="Wingdings 3" panose="05040102010807070707" pitchFamily="18" charset="2"/>
+              <a:buChar char=""/>
+              <a:defRPr sz="1400" kern="1200" cap="none">
+                <a:solidFill>
+                  <a:schemeClr val="bg2">
+                    <a:lumMod val="75000"/>
+                  </a:schemeClr>
+                </a:solidFill>
+                <a:effectLst/>
+                <a:latin typeface="+mn-lt"/>
+                <a:ea typeface="+mn-ea"/>
+                <a:cs typeface="+mn-cs"/>
+              </a:defRPr>
+            </a:lvl9pPr>
+          </a:lstStyle>
+          <a:p>
+            <a:pPr marL="0" indent="0">
+              <a:buFont typeface="Wingdings 3" panose="05040102010807070707" pitchFamily="18" charset="2"/>
+              <a:buNone/>
+            </a:pPr>
+            <a:r>
+              <a:rPr lang="fr-FR" sz="3200" b="1" dirty="0">
+                <a:solidFill>
+                  <a:schemeClr val="tx1">
+                    <a:lumMod val="95000"/>
+                  </a:schemeClr>
+                </a:solidFill>
+                <a:effectLst>
+                  <a:outerShdw blurRad="38100" dist="38100" dir="2700000" algn="tl">
+                    <a:srgbClr val="000000">
+                      <a:alpha val="43137"/>
+                    </a:srgbClr>
+                  </a:outerShdw>
+                </a:effectLst>
+              </a:rPr>
+              <a:t>16</a:t>
+            </a:r>
+            <a:endParaRPr lang="fr-FR" sz="4000" b="1" dirty="0">
+              <a:solidFill>
+                <a:schemeClr val="tx1">
+                  <a:lumMod val="95000"/>
+                </a:schemeClr>
+              </a:solidFill>
+              <a:effectLst>
+                <a:outerShdw blurRad="38100" dist="38100" dir="2700000" algn="tl">
+                  <a:srgbClr val="000000">
+                    <a:alpha val="43137"/>
+                  </a:srgbClr>
+                </a:outerShdw>
+              </a:effectLst>
+            </a:endParaRPr>
+          </a:p>
+        </p:txBody>
+      </p:sp>
+      <p:sp>
+        <p:nvSpPr>
+          <p:cNvPr id="8" name="Down Arrow 7">
+            <a:extLst>
+              <a:ext uri="{FF2B5EF4-FFF2-40B4-BE49-F238E27FC236}">
+                <a16:creationId xmlns:a16="http://schemas.microsoft.com/office/drawing/2014/main" id="{6BB697E8-DE8B-4E2C-A5BE-DCC406F73499}"/>
               </a:ext>
             </a:extLst>
           </p:cNvPr>
@@ -19037,16 +19525,18 @@
         </p:nvSpPr>
         <p:spPr>
           <a:xfrm>
-            <a:off x="5259450" y="3047489"/>
-            <a:ext cx="836549" cy="969067"/>
+            <a:off x="5259450" y="3081261"/>
+            <a:ext cx="836549" cy="923805"/>
           </a:xfrm>
           <a:prstGeom prst="downArrow">
             <a:avLst/>
           </a:prstGeom>
           <a:solidFill>
-            <a:schemeClr val="tx1"/>
+            <a:schemeClr val="bg1"/>
           </a:solidFill>
-          <a:ln w="28575"/>
+          <a:ln w="28575">
+            <a:noFill/>
+          </a:ln>
         </p:spPr>
         <p:style>
           <a:lnRef idx="2">
@@ -19079,299 +19569,6 @@
                   <a:schemeClr val="dk1">
                     <a:alpha val="40000"/>
                   </a:schemeClr>
-                </a:outerShdw>
-              </a:effectLst>
-            </a:endParaRPr>
-          </a:p>
-        </p:txBody>
-      </p:sp>
-      <p:sp>
-        <p:nvSpPr>
-          <p:cNvPr id="15" name="Espace réservé du contenu 2">
-            <a:extLst>
-              <a:ext uri="{FF2B5EF4-FFF2-40B4-BE49-F238E27FC236}">
-                <a16:creationId xmlns:a16="http://schemas.microsoft.com/office/drawing/2014/main" id="{442F0FC8-3CD1-4B5D-A714-92626E61642B}"/>
-              </a:ext>
-            </a:extLst>
-          </p:cNvPr>
-          <p:cNvSpPr txBox="1">
-            <a:spLocks/>
-          </p:cNvSpPr>
-          <p:nvPr/>
-        </p:nvSpPr>
-        <p:spPr>
-          <a:xfrm>
-            <a:off x="25901" y="6131351"/>
-            <a:ext cx="988105" cy="788419"/>
-          </a:xfrm>
-          <a:prstGeom prst="rect">
-            <a:avLst/>
-          </a:prstGeom>
-        </p:spPr>
-        <p:txBody>
-          <a:bodyPr vert="horz" lIns="91440" tIns="45720" rIns="91440" bIns="45720" rtlCol="0" anchor="ctr">
-            <a:normAutofit/>
-          </a:bodyPr>
-          <a:lstStyle>
-            <a:lvl1pPr marL="285750" indent="-285750" algn="l" defTabSz="457200" rtl="0" eaLnBrk="1" latinLnBrk="0" hangingPunct="1">
-              <a:spcBef>
-                <a:spcPct val="20000"/>
-              </a:spcBef>
-              <a:spcAft>
-                <a:spcPts val="600"/>
-              </a:spcAft>
-              <a:buClr>
-                <a:schemeClr val="tx1"/>
-              </a:buClr>
-              <a:buSzPct val="80000"/>
-              <a:buFont typeface="Wingdings 3" panose="05040102010807070707" pitchFamily="18" charset="2"/>
-              <a:buChar char=""/>
-              <a:defRPr sz="2000" kern="1200" cap="none">
-                <a:solidFill>
-                  <a:schemeClr val="bg2">
-                    <a:lumMod val="75000"/>
-                  </a:schemeClr>
-                </a:solidFill>
-                <a:effectLst/>
-                <a:latin typeface="+mn-lt"/>
-                <a:ea typeface="+mn-ea"/>
-                <a:cs typeface="+mn-cs"/>
-              </a:defRPr>
-            </a:lvl1pPr>
-            <a:lvl2pPr marL="742950" indent="-285750" algn="l" defTabSz="457200" rtl="0" eaLnBrk="1" latinLnBrk="0" hangingPunct="1">
-              <a:spcBef>
-                <a:spcPct val="20000"/>
-              </a:spcBef>
-              <a:spcAft>
-                <a:spcPts val="600"/>
-              </a:spcAft>
-              <a:buClr>
-                <a:schemeClr val="tx1"/>
-              </a:buClr>
-              <a:buSzPct val="80000"/>
-              <a:buFont typeface="Wingdings 3" panose="05040102010807070707" pitchFamily="18" charset="2"/>
-              <a:buChar char=""/>
-              <a:defRPr sz="1800" kern="1200" cap="none">
-                <a:solidFill>
-                  <a:schemeClr val="bg2">
-                    <a:lumMod val="75000"/>
-                  </a:schemeClr>
-                </a:solidFill>
-                <a:effectLst/>
-                <a:latin typeface="+mn-lt"/>
-                <a:ea typeface="+mn-ea"/>
-                <a:cs typeface="+mn-cs"/>
-              </a:defRPr>
-            </a:lvl2pPr>
-            <a:lvl3pPr marL="1200150" indent="-285750" algn="l" defTabSz="457200" rtl="0" eaLnBrk="1" latinLnBrk="0" hangingPunct="1">
-              <a:spcBef>
-                <a:spcPct val="20000"/>
-              </a:spcBef>
-              <a:spcAft>
-                <a:spcPts val="600"/>
-              </a:spcAft>
-              <a:buClr>
-                <a:schemeClr val="tx1"/>
-              </a:buClr>
-              <a:buSzPct val="80000"/>
-              <a:buFont typeface="Wingdings 3" panose="05040102010807070707" pitchFamily="18" charset="2"/>
-              <a:buChar char=""/>
-              <a:defRPr sz="1600" kern="1200" cap="none">
-                <a:solidFill>
-                  <a:schemeClr val="bg2">
-                    <a:lumMod val="75000"/>
-                  </a:schemeClr>
-                </a:solidFill>
-                <a:effectLst/>
-                <a:latin typeface="+mn-lt"/>
-                <a:ea typeface="+mn-ea"/>
-                <a:cs typeface="+mn-cs"/>
-              </a:defRPr>
-            </a:lvl3pPr>
-            <a:lvl4pPr marL="1543050" indent="-171450" algn="l" defTabSz="457200" rtl="0" eaLnBrk="1" latinLnBrk="0" hangingPunct="1">
-              <a:spcBef>
-                <a:spcPct val="20000"/>
-              </a:spcBef>
-              <a:spcAft>
-                <a:spcPts val="600"/>
-              </a:spcAft>
-              <a:buClr>
-                <a:schemeClr val="tx1"/>
-              </a:buClr>
-              <a:buSzPct val="80000"/>
-              <a:buFont typeface="Wingdings 3" panose="05040102010807070707" pitchFamily="18" charset="2"/>
-              <a:buChar char=""/>
-              <a:defRPr sz="1400" kern="1200" cap="none">
-                <a:solidFill>
-                  <a:schemeClr val="bg2">
-                    <a:lumMod val="75000"/>
-                  </a:schemeClr>
-                </a:solidFill>
-                <a:effectLst/>
-                <a:latin typeface="+mn-lt"/>
-                <a:ea typeface="+mn-ea"/>
-                <a:cs typeface="+mn-cs"/>
-              </a:defRPr>
-            </a:lvl4pPr>
-            <a:lvl5pPr marL="2000250" indent="-171450" algn="l" defTabSz="457200" rtl="0" eaLnBrk="1" latinLnBrk="0" hangingPunct="1">
-              <a:spcBef>
-                <a:spcPct val="20000"/>
-              </a:spcBef>
-              <a:spcAft>
-                <a:spcPts val="600"/>
-              </a:spcAft>
-              <a:buClr>
-                <a:schemeClr val="tx1"/>
-              </a:buClr>
-              <a:buSzPct val="80000"/>
-              <a:buFont typeface="Wingdings 3" panose="05040102010807070707" pitchFamily="18" charset="2"/>
-              <a:buChar char=""/>
-              <a:defRPr sz="1400" kern="1200" cap="none">
-                <a:solidFill>
-                  <a:schemeClr val="bg2">
-                    <a:lumMod val="75000"/>
-                  </a:schemeClr>
-                </a:solidFill>
-                <a:effectLst/>
-                <a:latin typeface="+mn-lt"/>
-                <a:ea typeface="+mn-ea"/>
-                <a:cs typeface="+mn-cs"/>
-              </a:defRPr>
-            </a:lvl5pPr>
-            <a:lvl6pPr marL="2514600" indent="-228600" algn="l" defTabSz="457200" rtl="0" eaLnBrk="1" latinLnBrk="0" hangingPunct="1">
-              <a:spcBef>
-                <a:spcPct val="20000"/>
-              </a:spcBef>
-              <a:spcAft>
-                <a:spcPts val="600"/>
-              </a:spcAft>
-              <a:buClr>
-                <a:schemeClr val="tx1"/>
-              </a:buClr>
-              <a:buSzPct val="80000"/>
-              <a:buFont typeface="Wingdings 3" panose="05040102010807070707" pitchFamily="18" charset="2"/>
-              <a:buChar char=""/>
-              <a:defRPr sz="1400" kern="1200" cap="none">
-                <a:solidFill>
-                  <a:schemeClr val="bg2">
-                    <a:lumMod val="75000"/>
-                  </a:schemeClr>
-                </a:solidFill>
-                <a:effectLst/>
-                <a:latin typeface="+mn-lt"/>
-                <a:ea typeface="+mn-ea"/>
-                <a:cs typeface="+mn-cs"/>
-              </a:defRPr>
-            </a:lvl6pPr>
-            <a:lvl7pPr marL="2971800" indent="-228600" algn="l" defTabSz="457200" rtl="0" eaLnBrk="1" latinLnBrk="0" hangingPunct="1">
-              <a:spcBef>
-                <a:spcPct val="20000"/>
-              </a:spcBef>
-              <a:spcAft>
-                <a:spcPts val="600"/>
-              </a:spcAft>
-              <a:buClr>
-                <a:schemeClr val="tx1"/>
-              </a:buClr>
-              <a:buSzPct val="80000"/>
-              <a:buFont typeface="Wingdings 3" panose="05040102010807070707" pitchFamily="18" charset="2"/>
-              <a:buChar char=""/>
-              <a:defRPr sz="1400" kern="1200" cap="none">
-                <a:solidFill>
-                  <a:schemeClr val="bg2">
-                    <a:lumMod val="75000"/>
-                  </a:schemeClr>
-                </a:solidFill>
-                <a:effectLst/>
-                <a:latin typeface="+mn-lt"/>
-                <a:ea typeface="+mn-ea"/>
-                <a:cs typeface="+mn-cs"/>
-              </a:defRPr>
-            </a:lvl7pPr>
-            <a:lvl8pPr marL="3429000" indent="-228600" algn="l" defTabSz="457200" rtl="0" eaLnBrk="1" latinLnBrk="0" hangingPunct="1">
-              <a:spcBef>
-                <a:spcPct val="20000"/>
-              </a:spcBef>
-              <a:spcAft>
-                <a:spcPts val="600"/>
-              </a:spcAft>
-              <a:buClr>
-                <a:schemeClr val="tx1"/>
-              </a:buClr>
-              <a:buSzPct val="80000"/>
-              <a:buFont typeface="Wingdings 3" panose="05040102010807070707" pitchFamily="18" charset="2"/>
-              <a:buChar char=""/>
-              <a:defRPr sz="1400" kern="1200" cap="none">
-                <a:solidFill>
-                  <a:schemeClr val="bg2">
-                    <a:lumMod val="75000"/>
-                  </a:schemeClr>
-                </a:solidFill>
-                <a:effectLst/>
-                <a:latin typeface="+mn-lt"/>
-                <a:ea typeface="+mn-ea"/>
-                <a:cs typeface="+mn-cs"/>
-              </a:defRPr>
-            </a:lvl8pPr>
-            <a:lvl9pPr marL="3886200" indent="-228600" algn="l" defTabSz="457200" rtl="0" eaLnBrk="1" latinLnBrk="0" hangingPunct="1">
-              <a:spcBef>
-                <a:spcPct val="20000"/>
-              </a:spcBef>
-              <a:spcAft>
-                <a:spcPts val="600"/>
-              </a:spcAft>
-              <a:buClr>
-                <a:schemeClr val="tx1"/>
-              </a:buClr>
-              <a:buSzPct val="80000"/>
-              <a:buFont typeface="Wingdings 3" panose="05040102010807070707" pitchFamily="18" charset="2"/>
-              <a:buChar char=""/>
-              <a:defRPr sz="1400" kern="1200" cap="none">
-                <a:solidFill>
-                  <a:schemeClr val="bg2">
-                    <a:lumMod val="75000"/>
-                  </a:schemeClr>
-                </a:solidFill>
-                <a:effectLst/>
-                <a:latin typeface="+mn-lt"/>
-                <a:ea typeface="+mn-ea"/>
-                <a:cs typeface="+mn-cs"/>
-              </a:defRPr>
-            </a:lvl9pPr>
-          </a:lstStyle>
-          <a:p>
-            <a:pPr marL="0" indent="0">
-              <a:buFont typeface="Wingdings 3" panose="05040102010807070707" pitchFamily="18" charset="2"/>
-              <a:buNone/>
-            </a:pPr>
-            <a:r>
-              <a:rPr lang="fr-FR" sz="3200" b="1" dirty="0">
-                <a:solidFill>
-                  <a:schemeClr val="tx1">
-                    <a:lumMod val="95000"/>
-                  </a:schemeClr>
-                </a:solidFill>
-                <a:effectLst>
-                  <a:outerShdw blurRad="38100" dist="38100" dir="2700000" algn="tl">
-                    <a:srgbClr val="000000">
-                      <a:alpha val="43137"/>
-                    </a:srgbClr>
-                  </a:outerShdw>
-                </a:effectLst>
-              </a:rPr>
-              <a:t>16</a:t>
-            </a:r>
-            <a:endParaRPr lang="fr-FR" sz="4000" b="1" dirty="0">
-              <a:solidFill>
-                <a:schemeClr val="tx1">
-                  <a:lumMod val="95000"/>
-                </a:schemeClr>
-              </a:solidFill>
-              <a:effectLst>
-                <a:outerShdw blurRad="38100" dist="38100" dir="2700000" algn="tl">
-                  <a:srgbClr val="000000">
-                    <a:alpha val="43137"/>
-                  </a:srgbClr>
                 </a:outerShdw>
               </a:effectLst>
             </a:endParaRPr>
@@ -20042,10 +20239,289 @@
       </p:pic>
       <p:sp>
         <p:nvSpPr>
-          <p:cNvPr id="12" name="Down Arrow 7">
+          <p:cNvPr id="13" name="Espace réservé du contenu 2">
             <a:extLst>
               <a:ext uri="{FF2B5EF4-FFF2-40B4-BE49-F238E27FC236}">
-                <a16:creationId xmlns:a16="http://schemas.microsoft.com/office/drawing/2014/main" id="{A98080CD-A51B-4221-BC69-A2E891A8F018}"/>
+                <a16:creationId xmlns:a16="http://schemas.microsoft.com/office/drawing/2014/main" id="{C725527C-0B99-4288-91FD-FAAD60840EFA}"/>
+              </a:ext>
+            </a:extLst>
+          </p:cNvPr>
+          <p:cNvSpPr txBox="1">
+            <a:spLocks/>
+          </p:cNvSpPr>
+          <p:nvPr/>
+        </p:nvSpPr>
+        <p:spPr>
+          <a:xfrm>
+            <a:off x="25901" y="6131351"/>
+            <a:ext cx="988105" cy="788419"/>
+          </a:xfrm>
+          <a:prstGeom prst="rect">
+            <a:avLst/>
+          </a:prstGeom>
+        </p:spPr>
+        <p:txBody>
+          <a:bodyPr vert="horz" lIns="91440" tIns="45720" rIns="91440" bIns="45720" rtlCol="0" anchor="ctr">
+            <a:normAutofit/>
+          </a:bodyPr>
+          <a:lstStyle>
+            <a:lvl1pPr marL="285750" indent="-285750" algn="l" defTabSz="457200" rtl="0" eaLnBrk="1" latinLnBrk="0" hangingPunct="1">
+              <a:spcBef>
+                <a:spcPct val="20000"/>
+              </a:spcBef>
+              <a:spcAft>
+                <a:spcPts val="600"/>
+              </a:spcAft>
+              <a:buClr>
+                <a:schemeClr val="tx1"/>
+              </a:buClr>
+              <a:buSzPct val="80000"/>
+              <a:buFont typeface="Wingdings 3" panose="05040102010807070707" pitchFamily="18" charset="2"/>
+              <a:buChar char=""/>
+              <a:defRPr sz="2000" kern="1200" cap="none">
+                <a:solidFill>
+                  <a:schemeClr val="bg2">
+                    <a:lumMod val="75000"/>
+                  </a:schemeClr>
+                </a:solidFill>
+                <a:effectLst/>
+                <a:latin typeface="+mn-lt"/>
+                <a:ea typeface="+mn-ea"/>
+                <a:cs typeface="+mn-cs"/>
+              </a:defRPr>
+            </a:lvl1pPr>
+            <a:lvl2pPr marL="742950" indent="-285750" algn="l" defTabSz="457200" rtl="0" eaLnBrk="1" latinLnBrk="0" hangingPunct="1">
+              <a:spcBef>
+                <a:spcPct val="20000"/>
+              </a:spcBef>
+              <a:spcAft>
+                <a:spcPts val="600"/>
+              </a:spcAft>
+              <a:buClr>
+                <a:schemeClr val="tx1"/>
+              </a:buClr>
+              <a:buSzPct val="80000"/>
+              <a:buFont typeface="Wingdings 3" panose="05040102010807070707" pitchFamily="18" charset="2"/>
+              <a:buChar char=""/>
+              <a:defRPr sz="1800" kern="1200" cap="none">
+                <a:solidFill>
+                  <a:schemeClr val="bg2">
+                    <a:lumMod val="75000"/>
+                  </a:schemeClr>
+                </a:solidFill>
+                <a:effectLst/>
+                <a:latin typeface="+mn-lt"/>
+                <a:ea typeface="+mn-ea"/>
+                <a:cs typeface="+mn-cs"/>
+              </a:defRPr>
+            </a:lvl2pPr>
+            <a:lvl3pPr marL="1200150" indent="-285750" algn="l" defTabSz="457200" rtl="0" eaLnBrk="1" latinLnBrk="0" hangingPunct="1">
+              <a:spcBef>
+                <a:spcPct val="20000"/>
+              </a:spcBef>
+              <a:spcAft>
+                <a:spcPts val="600"/>
+              </a:spcAft>
+              <a:buClr>
+                <a:schemeClr val="tx1"/>
+              </a:buClr>
+              <a:buSzPct val="80000"/>
+              <a:buFont typeface="Wingdings 3" panose="05040102010807070707" pitchFamily="18" charset="2"/>
+              <a:buChar char=""/>
+              <a:defRPr sz="1600" kern="1200" cap="none">
+                <a:solidFill>
+                  <a:schemeClr val="bg2">
+                    <a:lumMod val="75000"/>
+                  </a:schemeClr>
+                </a:solidFill>
+                <a:effectLst/>
+                <a:latin typeface="+mn-lt"/>
+                <a:ea typeface="+mn-ea"/>
+                <a:cs typeface="+mn-cs"/>
+              </a:defRPr>
+            </a:lvl3pPr>
+            <a:lvl4pPr marL="1543050" indent="-171450" algn="l" defTabSz="457200" rtl="0" eaLnBrk="1" latinLnBrk="0" hangingPunct="1">
+              <a:spcBef>
+                <a:spcPct val="20000"/>
+              </a:spcBef>
+              <a:spcAft>
+                <a:spcPts val="600"/>
+              </a:spcAft>
+              <a:buClr>
+                <a:schemeClr val="tx1"/>
+              </a:buClr>
+              <a:buSzPct val="80000"/>
+              <a:buFont typeface="Wingdings 3" panose="05040102010807070707" pitchFamily="18" charset="2"/>
+              <a:buChar char=""/>
+              <a:defRPr sz="1400" kern="1200" cap="none">
+                <a:solidFill>
+                  <a:schemeClr val="bg2">
+                    <a:lumMod val="75000"/>
+                  </a:schemeClr>
+                </a:solidFill>
+                <a:effectLst/>
+                <a:latin typeface="+mn-lt"/>
+                <a:ea typeface="+mn-ea"/>
+                <a:cs typeface="+mn-cs"/>
+              </a:defRPr>
+            </a:lvl4pPr>
+            <a:lvl5pPr marL="2000250" indent="-171450" algn="l" defTabSz="457200" rtl="0" eaLnBrk="1" latinLnBrk="0" hangingPunct="1">
+              <a:spcBef>
+                <a:spcPct val="20000"/>
+              </a:spcBef>
+              <a:spcAft>
+                <a:spcPts val="600"/>
+              </a:spcAft>
+              <a:buClr>
+                <a:schemeClr val="tx1"/>
+              </a:buClr>
+              <a:buSzPct val="80000"/>
+              <a:buFont typeface="Wingdings 3" panose="05040102010807070707" pitchFamily="18" charset="2"/>
+              <a:buChar char=""/>
+              <a:defRPr sz="1400" kern="1200" cap="none">
+                <a:solidFill>
+                  <a:schemeClr val="bg2">
+                    <a:lumMod val="75000"/>
+                  </a:schemeClr>
+                </a:solidFill>
+                <a:effectLst/>
+                <a:latin typeface="+mn-lt"/>
+                <a:ea typeface="+mn-ea"/>
+                <a:cs typeface="+mn-cs"/>
+              </a:defRPr>
+            </a:lvl5pPr>
+            <a:lvl6pPr marL="2514600" indent="-228600" algn="l" defTabSz="457200" rtl="0" eaLnBrk="1" latinLnBrk="0" hangingPunct="1">
+              <a:spcBef>
+                <a:spcPct val="20000"/>
+              </a:spcBef>
+              <a:spcAft>
+                <a:spcPts val="600"/>
+              </a:spcAft>
+              <a:buClr>
+                <a:schemeClr val="tx1"/>
+              </a:buClr>
+              <a:buSzPct val="80000"/>
+              <a:buFont typeface="Wingdings 3" panose="05040102010807070707" pitchFamily="18" charset="2"/>
+              <a:buChar char=""/>
+              <a:defRPr sz="1400" kern="1200" cap="none">
+                <a:solidFill>
+                  <a:schemeClr val="bg2">
+                    <a:lumMod val="75000"/>
+                  </a:schemeClr>
+                </a:solidFill>
+                <a:effectLst/>
+                <a:latin typeface="+mn-lt"/>
+                <a:ea typeface="+mn-ea"/>
+                <a:cs typeface="+mn-cs"/>
+              </a:defRPr>
+            </a:lvl6pPr>
+            <a:lvl7pPr marL="2971800" indent="-228600" algn="l" defTabSz="457200" rtl="0" eaLnBrk="1" latinLnBrk="0" hangingPunct="1">
+              <a:spcBef>
+                <a:spcPct val="20000"/>
+              </a:spcBef>
+              <a:spcAft>
+                <a:spcPts val="600"/>
+              </a:spcAft>
+              <a:buClr>
+                <a:schemeClr val="tx1"/>
+              </a:buClr>
+              <a:buSzPct val="80000"/>
+              <a:buFont typeface="Wingdings 3" panose="05040102010807070707" pitchFamily="18" charset="2"/>
+              <a:buChar char=""/>
+              <a:defRPr sz="1400" kern="1200" cap="none">
+                <a:solidFill>
+                  <a:schemeClr val="bg2">
+                    <a:lumMod val="75000"/>
+                  </a:schemeClr>
+                </a:solidFill>
+                <a:effectLst/>
+                <a:latin typeface="+mn-lt"/>
+                <a:ea typeface="+mn-ea"/>
+                <a:cs typeface="+mn-cs"/>
+              </a:defRPr>
+            </a:lvl7pPr>
+            <a:lvl8pPr marL="3429000" indent="-228600" algn="l" defTabSz="457200" rtl="0" eaLnBrk="1" latinLnBrk="0" hangingPunct="1">
+              <a:spcBef>
+                <a:spcPct val="20000"/>
+              </a:spcBef>
+              <a:spcAft>
+                <a:spcPts val="600"/>
+              </a:spcAft>
+              <a:buClr>
+                <a:schemeClr val="tx1"/>
+              </a:buClr>
+              <a:buSzPct val="80000"/>
+              <a:buFont typeface="Wingdings 3" panose="05040102010807070707" pitchFamily="18" charset="2"/>
+              <a:buChar char=""/>
+              <a:defRPr sz="1400" kern="1200" cap="none">
+                <a:solidFill>
+                  <a:schemeClr val="bg2">
+                    <a:lumMod val="75000"/>
+                  </a:schemeClr>
+                </a:solidFill>
+                <a:effectLst/>
+                <a:latin typeface="+mn-lt"/>
+                <a:ea typeface="+mn-ea"/>
+                <a:cs typeface="+mn-cs"/>
+              </a:defRPr>
+            </a:lvl8pPr>
+            <a:lvl9pPr marL="3886200" indent="-228600" algn="l" defTabSz="457200" rtl="0" eaLnBrk="1" latinLnBrk="0" hangingPunct="1">
+              <a:spcBef>
+                <a:spcPct val="20000"/>
+              </a:spcBef>
+              <a:spcAft>
+                <a:spcPts val="600"/>
+              </a:spcAft>
+              <a:buClr>
+                <a:schemeClr val="tx1"/>
+              </a:buClr>
+              <a:buSzPct val="80000"/>
+              <a:buFont typeface="Wingdings 3" panose="05040102010807070707" pitchFamily="18" charset="2"/>
+              <a:buChar char=""/>
+              <a:defRPr sz="1400" kern="1200" cap="none">
+                <a:solidFill>
+                  <a:schemeClr val="bg2">
+                    <a:lumMod val="75000"/>
+                  </a:schemeClr>
+                </a:solidFill>
+                <a:effectLst/>
+                <a:latin typeface="+mn-lt"/>
+                <a:ea typeface="+mn-ea"/>
+                <a:cs typeface="+mn-cs"/>
+              </a:defRPr>
+            </a:lvl9pPr>
+          </a:lstStyle>
+          <a:p>
+            <a:pPr marL="0" indent="0">
+              <a:buFont typeface="Wingdings 3" panose="05040102010807070707" pitchFamily="18" charset="2"/>
+              <a:buNone/>
+            </a:pPr>
+            <a:r>
+              <a:rPr lang="fr-FR" sz="3200" b="1" dirty="0">
+                <a:solidFill>
+                  <a:schemeClr val="tx1">
+                    <a:lumMod val="95000"/>
+                  </a:schemeClr>
+                </a:solidFill>
+                <a:effectLst>
+                  <a:outerShdw blurRad="38100" dist="38100" dir="2700000" algn="tl">
+                    <a:srgbClr val="000000">
+                      <a:alpha val="43137"/>
+                    </a:srgbClr>
+                  </a:outerShdw>
+                </a:effectLst>
+              </a:rPr>
+              <a:t>16</a:t>
+            </a:r>
+          </a:p>
+        </p:txBody>
+      </p:sp>
+      <p:sp>
+        <p:nvSpPr>
+          <p:cNvPr id="8" name="Down Arrow 7">
+            <a:extLst>
+              <a:ext uri="{FF2B5EF4-FFF2-40B4-BE49-F238E27FC236}">
+                <a16:creationId xmlns:a16="http://schemas.microsoft.com/office/drawing/2014/main" id="{B3F58B7E-968C-45DF-BDF0-51D361BEE27B}"/>
               </a:ext>
             </a:extLst>
           </p:cNvPr>
@@ -20054,16 +20530,18 @@
         </p:nvSpPr>
         <p:spPr>
           <a:xfrm>
-            <a:off x="5259451" y="3082980"/>
-            <a:ext cx="836549" cy="969067"/>
+            <a:off x="5259450" y="3081261"/>
+            <a:ext cx="836549" cy="923805"/>
           </a:xfrm>
           <a:prstGeom prst="downArrow">
             <a:avLst/>
           </a:prstGeom>
           <a:solidFill>
-            <a:schemeClr val="tx1"/>
+            <a:schemeClr val="bg1"/>
           </a:solidFill>
-          <a:ln w="28575"/>
+          <a:ln w="28575">
+            <a:noFill/>
+          </a:ln>
         </p:spPr>
         <p:style>
           <a:lnRef idx="2">
@@ -20096,299 +20574,6 @@
                   <a:schemeClr val="dk1">
                     <a:alpha val="40000"/>
                   </a:schemeClr>
-                </a:outerShdw>
-              </a:effectLst>
-            </a:endParaRPr>
-          </a:p>
-        </p:txBody>
-      </p:sp>
-      <p:sp>
-        <p:nvSpPr>
-          <p:cNvPr id="13" name="Espace réservé du contenu 2">
-            <a:extLst>
-              <a:ext uri="{FF2B5EF4-FFF2-40B4-BE49-F238E27FC236}">
-                <a16:creationId xmlns:a16="http://schemas.microsoft.com/office/drawing/2014/main" id="{C725527C-0B99-4288-91FD-FAAD60840EFA}"/>
-              </a:ext>
-            </a:extLst>
-          </p:cNvPr>
-          <p:cNvSpPr txBox="1">
-            <a:spLocks/>
-          </p:cNvSpPr>
-          <p:nvPr/>
-        </p:nvSpPr>
-        <p:spPr>
-          <a:xfrm>
-            <a:off x="25901" y="6131351"/>
-            <a:ext cx="988105" cy="788419"/>
-          </a:xfrm>
-          <a:prstGeom prst="rect">
-            <a:avLst/>
-          </a:prstGeom>
-        </p:spPr>
-        <p:txBody>
-          <a:bodyPr vert="horz" lIns="91440" tIns="45720" rIns="91440" bIns="45720" rtlCol="0" anchor="ctr">
-            <a:normAutofit/>
-          </a:bodyPr>
-          <a:lstStyle>
-            <a:lvl1pPr marL="285750" indent="-285750" algn="l" defTabSz="457200" rtl="0" eaLnBrk="1" latinLnBrk="0" hangingPunct="1">
-              <a:spcBef>
-                <a:spcPct val="20000"/>
-              </a:spcBef>
-              <a:spcAft>
-                <a:spcPts val="600"/>
-              </a:spcAft>
-              <a:buClr>
-                <a:schemeClr val="tx1"/>
-              </a:buClr>
-              <a:buSzPct val="80000"/>
-              <a:buFont typeface="Wingdings 3" panose="05040102010807070707" pitchFamily="18" charset="2"/>
-              <a:buChar char=""/>
-              <a:defRPr sz="2000" kern="1200" cap="none">
-                <a:solidFill>
-                  <a:schemeClr val="bg2">
-                    <a:lumMod val="75000"/>
-                  </a:schemeClr>
-                </a:solidFill>
-                <a:effectLst/>
-                <a:latin typeface="+mn-lt"/>
-                <a:ea typeface="+mn-ea"/>
-                <a:cs typeface="+mn-cs"/>
-              </a:defRPr>
-            </a:lvl1pPr>
-            <a:lvl2pPr marL="742950" indent="-285750" algn="l" defTabSz="457200" rtl="0" eaLnBrk="1" latinLnBrk="0" hangingPunct="1">
-              <a:spcBef>
-                <a:spcPct val="20000"/>
-              </a:spcBef>
-              <a:spcAft>
-                <a:spcPts val="600"/>
-              </a:spcAft>
-              <a:buClr>
-                <a:schemeClr val="tx1"/>
-              </a:buClr>
-              <a:buSzPct val="80000"/>
-              <a:buFont typeface="Wingdings 3" panose="05040102010807070707" pitchFamily="18" charset="2"/>
-              <a:buChar char=""/>
-              <a:defRPr sz="1800" kern="1200" cap="none">
-                <a:solidFill>
-                  <a:schemeClr val="bg2">
-                    <a:lumMod val="75000"/>
-                  </a:schemeClr>
-                </a:solidFill>
-                <a:effectLst/>
-                <a:latin typeface="+mn-lt"/>
-                <a:ea typeface="+mn-ea"/>
-                <a:cs typeface="+mn-cs"/>
-              </a:defRPr>
-            </a:lvl2pPr>
-            <a:lvl3pPr marL="1200150" indent="-285750" algn="l" defTabSz="457200" rtl="0" eaLnBrk="1" latinLnBrk="0" hangingPunct="1">
-              <a:spcBef>
-                <a:spcPct val="20000"/>
-              </a:spcBef>
-              <a:spcAft>
-                <a:spcPts val="600"/>
-              </a:spcAft>
-              <a:buClr>
-                <a:schemeClr val="tx1"/>
-              </a:buClr>
-              <a:buSzPct val="80000"/>
-              <a:buFont typeface="Wingdings 3" panose="05040102010807070707" pitchFamily="18" charset="2"/>
-              <a:buChar char=""/>
-              <a:defRPr sz="1600" kern="1200" cap="none">
-                <a:solidFill>
-                  <a:schemeClr val="bg2">
-                    <a:lumMod val="75000"/>
-                  </a:schemeClr>
-                </a:solidFill>
-                <a:effectLst/>
-                <a:latin typeface="+mn-lt"/>
-                <a:ea typeface="+mn-ea"/>
-                <a:cs typeface="+mn-cs"/>
-              </a:defRPr>
-            </a:lvl3pPr>
-            <a:lvl4pPr marL="1543050" indent="-171450" algn="l" defTabSz="457200" rtl="0" eaLnBrk="1" latinLnBrk="0" hangingPunct="1">
-              <a:spcBef>
-                <a:spcPct val="20000"/>
-              </a:spcBef>
-              <a:spcAft>
-                <a:spcPts val="600"/>
-              </a:spcAft>
-              <a:buClr>
-                <a:schemeClr val="tx1"/>
-              </a:buClr>
-              <a:buSzPct val="80000"/>
-              <a:buFont typeface="Wingdings 3" panose="05040102010807070707" pitchFamily="18" charset="2"/>
-              <a:buChar char=""/>
-              <a:defRPr sz="1400" kern="1200" cap="none">
-                <a:solidFill>
-                  <a:schemeClr val="bg2">
-                    <a:lumMod val="75000"/>
-                  </a:schemeClr>
-                </a:solidFill>
-                <a:effectLst/>
-                <a:latin typeface="+mn-lt"/>
-                <a:ea typeface="+mn-ea"/>
-                <a:cs typeface="+mn-cs"/>
-              </a:defRPr>
-            </a:lvl4pPr>
-            <a:lvl5pPr marL="2000250" indent="-171450" algn="l" defTabSz="457200" rtl="0" eaLnBrk="1" latinLnBrk="0" hangingPunct="1">
-              <a:spcBef>
-                <a:spcPct val="20000"/>
-              </a:spcBef>
-              <a:spcAft>
-                <a:spcPts val="600"/>
-              </a:spcAft>
-              <a:buClr>
-                <a:schemeClr val="tx1"/>
-              </a:buClr>
-              <a:buSzPct val="80000"/>
-              <a:buFont typeface="Wingdings 3" panose="05040102010807070707" pitchFamily="18" charset="2"/>
-              <a:buChar char=""/>
-              <a:defRPr sz="1400" kern="1200" cap="none">
-                <a:solidFill>
-                  <a:schemeClr val="bg2">
-                    <a:lumMod val="75000"/>
-                  </a:schemeClr>
-                </a:solidFill>
-                <a:effectLst/>
-                <a:latin typeface="+mn-lt"/>
-                <a:ea typeface="+mn-ea"/>
-                <a:cs typeface="+mn-cs"/>
-              </a:defRPr>
-            </a:lvl5pPr>
-            <a:lvl6pPr marL="2514600" indent="-228600" algn="l" defTabSz="457200" rtl="0" eaLnBrk="1" latinLnBrk="0" hangingPunct="1">
-              <a:spcBef>
-                <a:spcPct val="20000"/>
-              </a:spcBef>
-              <a:spcAft>
-                <a:spcPts val="600"/>
-              </a:spcAft>
-              <a:buClr>
-                <a:schemeClr val="tx1"/>
-              </a:buClr>
-              <a:buSzPct val="80000"/>
-              <a:buFont typeface="Wingdings 3" panose="05040102010807070707" pitchFamily="18" charset="2"/>
-              <a:buChar char=""/>
-              <a:defRPr sz="1400" kern="1200" cap="none">
-                <a:solidFill>
-                  <a:schemeClr val="bg2">
-                    <a:lumMod val="75000"/>
-                  </a:schemeClr>
-                </a:solidFill>
-                <a:effectLst/>
-                <a:latin typeface="+mn-lt"/>
-                <a:ea typeface="+mn-ea"/>
-                <a:cs typeface="+mn-cs"/>
-              </a:defRPr>
-            </a:lvl6pPr>
-            <a:lvl7pPr marL="2971800" indent="-228600" algn="l" defTabSz="457200" rtl="0" eaLnBrk="1" latinLnBrk="0" hangingPunct="1">
-              <a:spcBef>
-                <a:spcPct val="20000"/>
-              </a:spcBef>
-              <a:spcAft>
-                <a:spcPts val="600"/>
-              </a:spcAft>
-              <a:buClr>
-                <a:schemeClr val="tx1"/>
-              </a:buClr>
-              <a:buSzPct val="80000"/>
-              <a:buFont typeface="Wingdings 3" panose="05040102010807070707" pitchFamily="18" charset="2"/>
-              <a:buChar char=""/>
-              <a:defRPr sz="1400" kern="1200" cap="none">
-                <a:solidFill>
-                  <a:schemeClr val="bg2">
-                    <a:lumMod val="75000"/>
-                  </a:schemeClr>
-                </a:solidFill>
-                <a:effectLst/>
-                <a:latin typeface="+mn-lt"/>
-                <a:ea typeface="+mn-ea"/>
-                <a:cs typeface="+mn-cs"/>
-              </a:defRPr>
-            </a:lvl7pPr>
-            <a:lvl8pPr marL="3429000" indent="-228600" algn="l" defTabSz="457200" rtl="0" eaLnBrk="1" latinLnBrk="0" hangingPunct="1">
-              <a:spcBef>
-                <a:spcPct val="20000"/>
-              </a:spcBef>
-              <a:spcAft>
-                <a:spcPts val="600"/>
-              </a:spcAft>
-              <a:buClr>
-                <a:schemeClr val="tx1"/>
-              </a:buClr>
-              <a:buSzPct val="80000"/>
-              <a:buFont typeface="Wingdings 3" panose="05040102010807070707" pitchFamily="18" charset="2"/>
-              <a:buChar char=""/>
-              <a:defRPr sz="1400" kern="1200" cap="none">
-                <a:solidFill>
-                  <a:schemeClr val="bg2">
-                    <a:lumMod val="75000"/>
-                  </a:schemeClr>
-                </a:solidFill>
-                <a:effectLst/>
-                <a:latin typeface="+mn-lt"/>
-                <a:ea typeface="+mn-ea"/>
-                <a:cs typeface="+mn-cs"/>
-              </a:defRPr>
-            </a:lvl8pPr>
-            <a:lvl9pPr marL="3886200" indent="-228600" algn="l" defTabSz="457200" rtl="0" eaLnBrk="1" latinLnBrk="0" hangingPunct="1">
-              <a:spcBef>
-                <a:spcPct val="20000"/>
-              </a:spcBef>
-              <a:spcAft>
-                <a:spcPts val="600"/>
-              </a:spcAft>
-              <a:buClr>
-                <a:schemeClr val="tx1"/>
-              </a:buClr>
-              <a:buSzPct val="80000"/>
-              <a:buFont typeface="Wingdings 3" panose="05040102010807070707" pitchFamily="18" charset="2"/>
-              <a:buChar char=""/>
-              <a:defRPr sz="1400" kern="1200" cap="none">
-                <a:solidFill>
-                  <a:schemeClr val="bg2">
-                    <a:lumMod val="75000"/>
-                  </a:schemeClr>
-                </a:solidFill>
-                <a:effectLst/>
-                <a:latin typeface="+mn-lt"/>
-                <a:ea typeface="+mn-ea"/>
-                <a:cs typeface="+mn-cs"/>
-              </a:defRPr>
-            </a:lvl9pPr>
-          </a:lstStyle>
-          <a:p>
-            <a:pPr marL="0" indent="0">
-              <a:buFont typeface="Wingdings 3" panose="05040102010807070707" pitchFamily="18" charset="2"/>
-              <a:buNone/>
-            </a:pPr>
-            <a:r>
-              <a:rPr lang="fr-FR" sz="3200" b="1" dirty="0">
-                <a:solidFill>
-                  <a:schemeClr val="tx1">
-                    <a:lumMod val="95000"/>
-                  </a:schemeClr>
-                </a:solidFill>
-                <a:effectLst>
-                  <a:outerShdw blurRad="38100" dist="38100" dir="2700000" algn="tl">
-                    <a:srgbClr val="000000">
-                      <a:alpha val="43137"/>
-                    </a:srgbClr>
-                  </a:outerShdw>
-                </a:effectLst>
-              </a:rPr>
-              <a:t>16</a:t>
-            </a:r>
-            <a:endParaRPr lang="fr-FR" sz="4000" b="1" dirty="0">
-              <a:solidFill>
-                <a:schemeClr val="tx1">
-                  <a:lumMod val="95000"/>
-                </a:schemeClr>
-              </a:solidFill>
-              <a:effectLst>
-                <a:outerShdw blurRad="38100" dist="38100" dir="2700000" algn="tl">
-                  <a:srgbClr val="000000">
-                    <a:alpha val="43137"/>
-                  </a:srgbClr>
                 </a:outerShdw>
               </a:effectLst>
             </a:endParaRPr>
@@ -21668,7 +21853,7 @@
     </p:spTree>
     <p:extLst>
       <p:ext uri="{BB962C8B-B14F-4D97-AF65-F5344CB8AC3E}">
-        <p14:creationId xmlns:p14="http://schemas.microsoft.com/office/powerpoint/2010/main" val="1927554335"/>
+        <p14:creationId xmlns:p14="http://schemas.microsoft.com/office/powerpoint/2010/main" val="3659340769"/>
       </p:ext>
     </p:extLst>
   </p:cSld>
@@ -22744,6 +22929,135 @@
 </file>
 
 <file path=ppt/slides/slide32.xml><?xml version="1.0" encoding="utf-8"?>
+<p:sld xmlns:a="http://schemas.openxmlformats.org/drawingml/2006/main" xmlns:r="http://schemas.openxmlformats.org/officeDocument/2006/relationships" xmlns:p="http://schemas.openxmlformats.org/presentationml/2006/main">
+  <p:cSld>
+    <p:spTree>
+      <p:nvGrpSpPr>
+        <p:cNvPr id="1" name=""/>
+        <p:cNvGrpSpPr/>
+        <p:nvPr/>
+      </p:nvGrpSpPr>
+      <p:grpSpPr>
+        <a:xfrm>
+          <a:off x="0" y="0"/>
+          <a:ext cx="0" cy="0"/>
+          <a:chOff x="0" y="0"/>
+          <a:chExt cx="0" cy="0"/>
+        </a:xfrm>
+      </p:grpSpPr>
+      <p:pic>
+        <p:nvPicPr>
+          <p:cNvPr id="5" name="Content Placeholder 4" descr="A close-up of a card&#10;&#10;AI-generated content may be incorrect.">
+            <a:extLst>
+              <a:ext uri="{FF2B5EF4-FFF2-40B4-BE49-F238E27FC236}">
+                <a16:creationId xmlns:a16="http://schemas.microsoft.com/office/drawing/2014/main" id="{E728C3F5-C480-27A0-6356-7AF4E11B6E19}"/>
+              </a:ext>
+            </a:extLst>
+          </p:cNvPr>
+          <p:cNvPicPr>
+            <a:picLocks noGrp="1" noChangeAspect="1"/>
+          </p:cNvPicPr>
+          <p:nvPr/>
+        </p:nvPicPr>
+        <p:blipFill>
+          <a:blip r:embed="rId2"/>
+          <a:stretch>
+            <a:fillRect/>
+          </a:stretch>
+        </p:blipFill>
+        <p:spPr>
+          <a:xfrm>
+            <a:off x="272254" y="1723208"/>
+            <a:ext cx="11647491" cy="2882620"/>
+          </a:xfrm>
+          <a:prstGeom prst="rect">
+            <a:avLst/>
+          </a:prstGeom>
+          <a:ln w="38100" cap="sq">
+            <a:solidFill>
+              <a:srgbClr val="000000"/>
+            </a:solidFill>
+            <a:prstDash val="solid"/>
+            <a:miter lim="800000"/>
+          </a:ln>
+          <a:effectLst>
+            <a:outerShdw blurRad="50800" dist="38100" dir="2700000" algn="tl" rotWithShape="0">
+              <a:srgbClr val="000000">
+                <a:alpha val="43000"/>
+              </a:srgbClr>
+            </a:outerShdw>
+          </a:effectLst>
+        </p:spPr>
+      </p:pic>
+      <p:sp>
+        <p:nvSpPr>
+          <p:cNvPr id="6" name="Espace réservé du contenu 2">
+            <a:extLst>
+              <a:ext uri="{FF2B5EF4-FFF2-40B4-BE49-F238E27FC236}">
+                <a16:creationId xmlns:a16="http://schemas.microsoft.com/office/drawing/2014/main" id="{F101C4DA-4A0A-44C6-960F-D1EF52414E51}"/>
+              </a:ext>
+            </a:extLst>
+          </p:cNvPr>
+          <p:cNvSpPr>
+            <a:spLocks noGrp="1"/>
+          </p:cNvSpPr>
+          <p:nvPr>
+            <p:ph idx="1"/>
+          </p:nvPr>
+        </p:nvSpPr>
+        <p:spPr>
+          <a:xfrm>
+            <a:off x="109728" y="49671"/>
+            <a:ext cx="9574306" cy="883024"/>
+          </a:xfrm>
+        </p:spPr>
+        <p:txBody>
+          <a:bodyPr>
+            <a:normAutofit/>
+          </a:bodyPr>
+          <a:lstStyle/>
+          <a:p>
+            <a:pPr marL="0" indent="0">
+              <a:buNone/>
+            </a:pPr>
+            <a:r>
+              <a:rPr lang="fr-FR" sz="4400" b="1" dirty="0" err="1">
+                <a:effectLst>
+                  <a:outerShdw blurRad="38100" dist="38100" dir="2700000" algn="tl">
+                    <a:srgbClr val="000000">
+                      <a:alpha val="43137"/>
+                    </a:srgbClr>
+                  </a:outerShdw>
+                </a:effectLst>
+              </a:rPr>
+              <a:t>References</a:t>
+            </a:r>
+            <a:endParaRPr lang="fr-FR" sz="4400" b="1" dirty="0">
+              <a:effectLst>
+                <a:outerShdw blurRad="38100" dist="38100" dir="2700000" algn="tl">
+                  <a:srgbClr val="000000">
+                    <a:alpha val="43137"/>
+                  </a:srgbClr>
+                </a:outerShdw>
+              </a:effectLst>
+            </a:endParaRPr>
+          </a:p>
+        </p:txBody>
+      </p:sp>
+    </p:spTree>
+    <p:extLst>
+      <p:ext uri="{BB962C8B-B14F-4D97-AF65-F5344CB8AC3E}">
+        <p14:creationId xmlns:p14="http://schemas.microsoft.com/office/powerpoint/2010/main" val="2548034660"/>
+      </p:ext>
+    </p:extLst>
+  </p:cSld>
+  <p:clrMapOvr>
+    <a:masterClrMapping/>
+  </p:clrMapOvr>
+</p:sld>
+</file>
+
+<file path=ppt/slides/slide33.xml><?xml version="1.0" encoding="utf-8"?>
 <p:sld xmlns:a="http://schemas.openxmlformats.org/drawingml/2006/main" xmlns:r="http://schemas.openxmlformats.org/officeDocument/2006/relationships" xmlns:p="http://schemas.openxmlformats.org/presentationml/2006/main">
   <p:cSld>
     <p:spTree>
@@ -23888,7 +24202,7 @@
     </p:spTree>
     <p:extLst>
       <p:ext uri="{BB962C8B-B14F-4D97-AF65-F5344CB8AC3E}">
-        <p14:creationId xmlns:p14="http://schemas.microsoft.com/office/powerpoint/2010/main" val="3924139289"/>
+        <p14:creationId xmlns:p14="http://schemas.microsoft.com/office/powerpoint/2010/main" val="1871144811"/>
       </p:ext>
     </p:extLst>
   </p:cSld>
@@ -24706,7 +25020,7 @@
         <p:spPr>
           <a:xfrm>
             <a:off x="4771580" y="2687456"/>
-            <a:ext cx="7306616" cy="400110"/>
+            <a:ext cx="6171690" cy="400110"/>
           </a:xfrm>
           <a:prstGeom prst="rect">
             <a:avLst/>
@@ -24734,17 +25048,6 @@
             <a:r>
               <a:rPr lang="fr-FR" sz="2000" dirty="0"/>
               <a:t>: </a:t>
-            </a:r>
-            <a:r>
-              <a:rPr lang="en-GB" sz="2000" dirty="0">
-                <a:solidFill>
-                  <a:schemeClr val="tx2">
-                    <a:lumMod val="75000"/>
-                  </a:schemeClr>
-                </a:solidFill>
-                <a:latin typeface="Lato" panose="020F0502020204030204" pitchFamily="34" charset="0"/>
-              </a:rPr>
-              <a:t>Datasets/ </a:t>
             </a:r>
             <a:r>
               <a:rPr lang="en-GB" sz="2000" b="0" i="0" u="none" strike="noStrike" dirty="0">
@@ -25347,7 +25650,7 @@
         <p:spPr>
           <a:xfrm>
             <a:off x="4771580" y="2687456"/>
-            <a:ext cx="7306616" cy="400110"/>
+            <a:ext cx="6171690" cy="400110"/>
           </a:xfrm>
           <a:prstGeom prst="rect">
             <a:avLst/>
@@ -25375,17 +25678,6 @@
             <a:r>
               <a:rPr lang="fr-FR" sz="2000" dirty="0"/>
               <a:t>: </a:t>
-            </a:r>
-            <a:r>
-              <a:rPr lang="en-GB" sz="2000" dirty="0">
-                <a:solidFill>
-                  <a:schemeClr val="tx2">
-                    <a:lumMod val="75000"/>
-                  </a:schemeClr>
-                </a:solidFill>
-                <a:latin typeface="Lato" panose="020F0502020204030204" pitchFamily="34" charset="0"/>
-              </a:rPr>
-              <a:t>Datasets/ </a:t>
             </a:r>
             <a:r>
               <a:rPr lang="en-GB" sz="2000" b="0" i="0" u="none" strike="noStrike" dirty="0">
@@ -25934,7 +26226,7 @@
     </p:spTree>
     <p:extLst>
       <p:ext uri="{BB962C8B-B14F-4D97-AF65-F5344CB8AC3E}">
-        <p14:creationId xmlns:p14="http://schemas.microsoft.com/office/powerpoint/2010/main" val="3152988550"/>
+        <p14:creationId xmlns:p14="http://schemas.microsoft.com/office/powerpoint/2010/main" val="30979687"/>
       </p:ext>
     </p:extLst>
   </p:cSld>
@@ -27811,7 +28103,7 @@
     </p:spTree>
     <p:extLst>
       <p:ext uri="{BB962C8B-B14F-4D97-AF65-F5344CB8AC3E}">
-        <p14:creationId xmlns:p14="http://schemas.microsoft.com/office/powerpoint/2010/main" val="2869120055"/>
+        <p14:creationId xmlns:p14="http://schemas.microsoft.com/office/powerpoint/2010/main" val="736087724"/>
       </p:ext>
     </p:extLst>
   </p:cSld>

--- a/Presentation/Final presentation anim.pptx
+++ b/Presentation/Final presentation anim.pptx
@@ -24294,7 +24294,7 @@
             <a:avLst/>
           </a:prstGeom>
           <a:solidFill>
-            <a:schemeClr val="tx1"/>
+            <a:schemeClr val="bg1"/>
           </a:solidFill>
           <a:ln w="28575">
             <a:solidFill>

--- a/Presentation/Final presentation anim.pptx
+++ b/Presentation/Final presentation anim.pptx
@@ -5,42 +5,44 @@
     <p:sldMasterId id="2147483766" r:id="rId1"/>
   </p:sldMasterIdLst>
   <p:notesMasterIdLst>
-    <p:notesMasterId r:id="rId35"/>
+    <p:notesMasterId r:id="rId37"/>
   </p:notesMasterIdLst>
   <p:sldIdLst>
     <p:sldId id="277" r:id="rId2"/>
     <p:sldId id="276" r:id="rId3"/>
     <p:sldId id="279" r:id="rId4"/>
-    <p:sldId id="290" r:id="rId5"/>
+    <p:sldId id="291" r:id="rId5"/>
     <p:sldId id="257" r:id="rId6"/>
     <p:sldId id="263" r:id="rId7"/>
-    <p:sldId id="291" r:id="rId8"/>
+    <p:sldId id="292" r:id="rId8"/>
     <p:sldId id="280" r:id="rId9"/>
     <p:sldId id="281" r:id="rId10"/>
-    <p:sldId id="293" r:id="rId11"/>
-    <p:sldId id="292" r:id="rId12"/>
+    <p:sldId id="294" r:id="rId11"/>
+    <p:sldId id="293" r:id="rId12"/>
     <p:sldId id="265" r:id="rId13"/>
-    <p:sldId id="275" r:id="rId14"/>
-    <p:sldId id="294" r:id="rId15"/>
+    <p:sldId id="295" r:id="rId14"/>
+    <p:sldId id="275" r:id="rId15"/>
     <p:sldId id="286" r:id="rId16"/>
-    <p:sldId id="296" r:id="rId17"/>
-    <p:sldId id="295" r:id="rId18"/>
+    <p:sldId id="297" r:id="rId17"/>
+    <p:sldId id="296" r:id="rId18"/>
     <p:sldId id="287" r:id="rId19"/>
-    <p:sldId id="297" r:id="rId20"/>
+    <p:sldId id="298" r:id="rId20"/>
     <p:sldId id="288" r:id="rId21"/>
-    <p:sldId id="298" r:id="rId22"/>
-    <p:sldId id="299" r:id="rId23"/>
-    <p:sldId id="267" r:id="rId24"/>
-    <p:sldId id="268" r:id="rId25"/>
-    <p:sldId id="272" r:id="rId26"/>
-    <p:sldId id="270" r:id="rId27"/>
-    <p:sldId id="283" r:id="rId28"/>
-    <p:sldId id="284" r:id="rId29"/>
-    <p:sldId id="300" r:id="rId30"/>
-    <p:sldId id="285" r:id="rId31"/>
-    <p:sldId id="271" r:id="rId32"/>
-    <p:sldId id="289" r:id="rId33"/>
-    <p:sldId id="282" r:id="rId34"/>
+    <p:sldId id="299" r:id="rId22"/>
+    <p:sldId id="267" r:id="rId23"/>
+    <p:sldId id="268" r:id="rId24"/>
+    <p:sldId id="272" r:id="rId25"/>
+    <p:sldId id="270" r:id="rId26"/>
+    <p:sldId id="283" r:id="rId27"/>
+    <p:sldId id="284" r:id="rId28"/>
+    <p:sldId id="303" r:id="rId29"/>
+    <p:sldId id="302" r:id="rId30"/>
+    <p:sldId id="301" r:id="rId31"/>
+    <p:sldId id="300" r:id="rId32"/>
+    <p:sldId id="290" r:id="rId33"/>
+    <p:sldId id="285" r:id="rId34"/>
+    <p:sldId id="289" r:id="rId35"/>
+    <p:sldId id="282" r:id="rId36"/>
   </p:sldIdLst>
   <p:sldSz cx="12192000" cy="6858000"/>
   <p:notesSz cx="6858000" cy="9144000"/>
@@ -229,7 +231,7 @@
           <a:p>
             <a:fld id="{4EB363BB-F7AF-A242-B335-207FB1BAC411}" type="datetimeFigureOut">
               <a:rPr lang="fr-FR" smtClean="0"/>
-              <a:t>14/02/2025</a:t>
+              <a:t>15/02/2025</a:t>
             </a:fld>
             <a:endParaRPr lang="fr-FR"/>
           </a:p>
@@ -817,7 +819,7 @@
     </p:spTree>
     <p:extLst>
       <p:ext uri="{BB962C8B-B14F-4D97-AF65-F5344CB8AC3E}">
-        <p14:creationId xmlns:p14="http://schemas.microsoft.com/office/powerpoint/2010/main" val="1862813279"/>
+        <p14:creationId xmlns:p14="http://schemas.microsoft.com/office/powerpoint/2010/main" val="205981085"/>
       </p:ext>
     </p:extLst>
   </p:cSld>
@@ -1063,7 +1065,7 @@
           <a:p>
             <a:fld id="{D1E64696-99C8-3D43-8756-83E7D8AF2A44}" type="slidenum">
               <a:rPr lang="fr-FR" smtClean="0"/>
-              <a:t>23</a:t>
+              <a:t>22</a:t>
             </a:fld>
             <a:endParaRPr lang="fr-FR"/>
           </a:p>
@@ -1147,7 +1149,7 @@
           <a:p>
             <a:fld id="{D1E64696-99C8-3D43-8756-83E7D8AF2A44}" type="slidenum">
               <a:rPr lang="fr-FR" smtClean="0"/>
-              <a:t>25</a:t>
+              <a:t>24</a:t>
             </a:fld>
             <a:endParaRPr lang="fr-FR"/>
           </a:p>
@@ -1231,7 +1233,7 @@
           <a:p>
             <a:fld id="{D1E64696-99C8-3D43-8756-83E7D8AF2A44}" type="slidenum">
               <a:rPr lang="fr-FR" smtClean="0"/>
-              <a:t>30</a:t>
+              <a:t>33</a:t>
             </a:fld>
             <a:endParaRPr lang="fr-FR"/>
           </a:p>
@@ -1441,7 +1443,7 @@
           <a:p>
             <a:fld id="{2616AA14-A50A-6F42-8D80-B13DBABE446C}" type="datetimeFigureOut">
               <a:rPr lang="fr-FR" smtClean="0"/>
-              <a:t>14/02/2025</a:t>
+              <a:t>15/02/2025</a:t>
             </a:fld>
             <a:endParaRPr lang="fr-FR"/>
           </a:p>
@@ -1877,7 +1879,7 @@
           <a:p>
             <a:fld id="{2616AA14-A50A-6F42-8D80-B13DBABE446C}" type="datetimeFigureOut">
               <a:rPr lang="fr-FR" smtClean="0"/>
-              <a:t>14/02/2025</a:t>
+              <a:t>15/02/2025</a:t>
             </a:fld>
             <a:endParaRPr lang="fr-FR"/>
           </a:p>
@@ -2127,7 +2129,7 @@
           <a:p>
             <a:fld id="{2616AA14-A50A-6F42-8D80-B13DBABE446C}" type="datetimeFigureOut">
               <a:rPr lang="fr-FR" smtClean="0"/>
-              <a:t>14/02/2025</a:t>
+              <a:t>15/02/2025</a:t>
             </a:fld>
             <a:endParaRPr lang="fr-FR"/>
           </a:p>
@@ -2435,7 +2437,7 @@
           <a:p>
             <a:fld id="{2616AA14-A50A-6F42-8D80-B13DBABE446C}" type="datetimeFigureOut">
               <a:rPr lang="fr-FR" smtClean="0"/>
-              <a:t>14/02/2025</a:t>
+              <a:t>15/02/2025</a:t>
             </a:fld>
             <a:endParaRPr lang="fr-FR"/>
           </a:p>
@@ -2753,7 +2755,7 @@
           <a:p>
             <a:fld id="{2616AA14-A50A-6F42-8D80-B13DBABE446C}" type="datetimeFigureOut">
               <a:rPr lang="fr-FR" smtClean="0"/>
-              <a:t>14/02/2025</a:t>
+              <a:t>15/02/2025</a:t>
             </a:fld>
             <a:endParaRPr lang="fr-FR"/>
           </a:p>
@@ -3055,7 +3057,7 @@
           <a:p>
             <a:fld id="{2616AA14-A50A-6F42-8D80-B13DBABE446C}" type="datetimeFigureOut">
               <a:rPr lang="fr-FR" smtClean="0"/>
-              <a:t>14/02/2025</a:t>
+              <a:t>15/02/2025</a:t>
             </a:fld>
             <a:endParaRPr lang="fr-FR"/>
           </a:p>
@@ -3422,7 +3424,7 @@
           <a:p>
             <a:fld id="{2616AA14-A50A-6F42-8D80-B13DBABE446C}" type="datetimeFigureOut">
               <a:rPr lang="fr-FR" smtClean="0"/>
-              <a:t>14/02/2025</a:t>
+              <a:t>15/02/2025</a:t>
             </a:fld>
             <a:endParaRPr lang="fr-FR"/>
           </a:p>
@@ -3596,7 +3598,7 @@
           <a:p>
             <a:fld id="{2616AA14-A50A-6F42-8D80-B13DBABE446C}" type="datetimeFigureOut">
               <a:rPr lang="fr-FR" smtClean="0"/>
-              <a:t>14/02/2025</a:t>
+              <a:t>15/02/2025</a:t>
             </a:fld>
             <a:endParaRPr lang="fr-FR"/>
           </a:p>
@@ -3776,7 +3778,7 @@
           <a:p>
             <a:fld id="{2616AA14-A50A-6F42-8D80-B13DBABE446C}" type="datetimeFigureOut">
               <a:rPr lang="fr-FR" smtClean="0"/>
-              <a:t>14/02/2025</a:t>
+              <a:t>15/02/2025</a:t>
             </a:fld>
             <a:endParaRPr lang="fr-FR"/>
           </a:p>
@@ -3946,7 +3948,7 @@
           <a:p>
             <a:fld id="{2616AA14-A50A-6F42-8D80-B13DBABE446C}" type="datetimeFigureOut">
               <a:rPr lang="fr-FR" smtClean="0"/>
-              <a:t>14/02/2025</a:t>
+              <a:t>15/02/2025</a:t>
             </a:fld>
             <a:endParaRPr lang="fr-FR"/>
           </a:p>
@@ -4196,7 +4198,7 @@
           <a:p>
             <a:fld id="{2616AA14-A50A-6F42-8D80-B13DBABE446C}" type="datetimeFigureOut">
               <a:rPr lang="fr-FR" smtClean="0"/>
-              <a:t>14/02/2025</a:t>
+              <a:t>15/02/2025</a:t>
             </a:fld>
             <a:endParaRPr lang="fr-FR"/>
           </a:p>
@@ -4432,7 +4434,7 @@
           <a:p>
             <a:fld id="{2616AA14-A50A-6F42-8D80-B13DBABE446C}" type="datetimeFigureOut">
               <a:rPr lang="fr-FR" smtClean="0"/>
-              <a:t>14/02/2025</a:t>
+              <a:t>15/02/2025</a:t>
             </a:fld>
             <a:endParaRPr lang="fr-FR"/>
           </a:p>
@@ -4814,7 +4816,7 @@
           <a:p>
             <a:fld id="{2616AA14-A50A-6F42-8D80-B13DBABE446C}" type="datetimeFigureOut">
               <a:rPr lang="fr-FR" smtClean="0"/>
-              <a:t>14/02/2025</a:t>
+              <a:t>15/02/2025</a:t>
             </a:fld>
             <a:endParaRPr lang="fr-FR"/>
           </a:p>
@@ -4932,7 +4934,7 @@
           <a:p>
             <a:fld id="{2616AA14-A50A-6F42-8D80-B13DBABE446C}" type="datetimeFigureOut">
               <a:rPr lang="fr-FR" smtClean="0"/>
-              <a:t>14/02/2025</a:t>
+              <a:t>15/02/2025</a:t>
             </a:fld>
             <a:endParaRPr lang="fr-FR"/>
           </a:p>
@@ -5027,7 +5029,7 @@
           <a:p>
             <a:fld id="{2616AA14-A50A-6F42-8D80-B13DBABE446C}" type="datetimeFigureOut">
               <a:rPr lang="fr-FR" smtClean="0"/>
-              <a:t>14/02/2025</a:t>
+              <a:t>15/02/2025</a:t>
             </a:fld>
             <a:endParaRPr lang="fr-FR"/>
           </a:p>
@@ -5282,7 +5284,7 @@
           <a:p>
             <a:fld id="{2616AA14-A50A-6F42-8D80-B13DBABE446C}" type="datetimeFigureOut">
               <a:rPr lang="fr-FR" smtClean="0"/>
-              <a:t>14/02/2025</a:t>
+              <a:t>15/02/2025</a:t>
             </a:fld>
             <a:endParaRPr lang="fr-FR"/>
           </a:p>
@@ -5565,7 +5567,7 @@
           <a:p>
             <a:fld id="{2616AA14-A50A-6F42-8D80-B13DBABE446C}" type="datetimeFigureOut">
               <a:rPr lang="fr-FR" smtClean="0"/>
-              <a:t>14/02/2025</a:t>
+              <a:t>15/02/2025</a:t>
             </a:fld>
             <a:endParaRPr lang="fr-FR"/>
           </a:p>
@@ -5988,7 +5990,7 @@
           <a:p>
             <a:fld id="{2616AA14-A50A-6F42-8D80-B13DBABE446C}" type="datetimeFigureOut">
               <a:rPr lang="fr-FR" smtClean="0"/>
-              <a:t>14/02/2025</a:t>
+              <a:t>15/02/2025</a:t>
             </a:fld>
             <a:endParaRPr lang="fr-FR"/>
           </a:p>
@@ -8013,7 +8015,7 @@
     </p:spTree>
     <p:extLst>
       <p:ext uri="{BB962C8B-B14F-4D97-AF65-F5344CB8AC3E}">
-        <p14:creationId xmlns:p14="http://schemas.microsoft.com/office/powerpoint/2010/main" val="191446490"/>
+        <p14:creationId xmlns:p14="http://schemas.microsoft.com/office/powerpoint/2010/main" val="4076781112"/>
       </p:ext>
     </p:extLst>
   </p:cSld>
@@ -9410,7 +9412,7 @@
     </p:spTree>
     <p:extLst>
       <p:ext uri="{BB962C8B-B14F-4D97-AF65-F5344CB8AC3E}">
-        <p14:creationId xmlns:p14="http://schemas.microsoft.com/office/powerpoint/2010/main" val="2224793469"/>
+        <p14:creationId xmlns:p14="http://schemas.microsoft.com/office/powerpoint/2010/main" val="1699321100"/>
       </p:ext>
     </p:extLst>
   </p:cSld>
@@ -10582,7 +10584,7 @@
     </p:spTree>
     <p:extLst>
       <p:ext uri="{BB962C8B-B14F-4D97-AF65-F5344CB8AC3E}">
-        <p14:creationId xmlns:p14="http://schemas.microsoft.com/office/powerpoint/2010/main" val="1558743619"/>
+        <p14:creationId xmlns:p14="http://schemas.microsoft.com/office/powerpoint/2010/main" val="3323905398"/>
       </p:ext>
     </p:extLst>
   </p:cSld>
@@ -11269,7 +11271,7 @@
     </p:spTree>
     <p:extLst>
       <p:ext uri="{BB962C8B-B14F-4D97-AF65-F5344CB8AC3E}">
-        <p14:creationId xmlns:p14="http://schemas.microsoft.com/office/powerpoint/2010/main" val="1776750674"/>
+        <p14:creationId xmlns:p14="http://schemas.microsoft.com/office/powerpoint/2010/main" val="1558743619"/>
       </p:ext>
     </p:extLst>
   </p:cSld>
@@ -12639,7 +12641,7 @@
     </p:spTree>
     <p:extLst>
       <p:ext uri="{BB962C8B-B14F-4D97-AF65-F5344CB8AC3E}">
-        <p14:creationId xmlns:p14="http://schemas.microsoft.com/office/powerpoint/2010/main" val="1911154298"/>
+        <p14:creationId xmlns:p14="http://schemas.microsoft.com/office/powerpoint/2010/main" val="4056587582"/>
       </p:ext>
     </p:extLst>
   </p:cSld>
@@ -13848,7 +13850,7 @@
     </p:spTree>
     <p:extLst>
       <p:ext uri="{BB962C8B-B14F-4D97-AF65-F5344CB8AC3E}">
-        <p14:creationId xmlns:p14="http://schemas.microsoft.com/office/powerpoint/2010/main" val="4267611882"/>
+        <p14:creationId xmlns:p14="http://schemas.microsoft.com/office/powerpoint/2010/main" val="4217893846"/>
       </p:ext>
     </p:extLst>
   </p:cSld>
@@ -13944,10 +13946,10 @@
       </p:sp>
       <p:sp>
         <p:nvSpPr>
-          <p:cNvPr id="14" name="TextBox 4">
+          <p:cNvPr id="15" name="TextBox 4">
             <a:extLst>
               <a:ext uri="{FF2B5EF4-FFF2-40B4-BE49-F238E27FC236}">
-                <a16:creationId xmlns:a16="http://schemas.microsoft.com/office/drawing/2014/main" id="{1ED38DAD-8918-4318-A6AC-928A6C0C8F1D}"/>
+                <a16:creationId xmlns:a16="http://schemas.microsoft.com/office/drawing/2014/main" id="{FDB0A489-0636-4F36-9165-480EB586EE77}"/>
               </a:ext>
             </a:extLst>
           </p:cNvPr>
@@ -13956,7 +13958,7 @@
         </p:nvSpPr>
         <p:spPr>
           <a:xfrm>
-            <a:off x="385058" y="1772224"/>
+            <a:off x="385058" y="1772223"/>
             <a:ext cx="4312447" cy="817981"/>
           </a:xfrm>
           <a:prstGeom prst="rect">
@@ -13977,7 +13979,7 @@
             </a:pPr>
             <a:r>
               <a:rPr lang="en-GB" sz="3600" dirty="0"/>
-              <a:t>Modified n-grams:</a:t>
+              <a:t>n-gram precision:</a:t>
             </a:r>
           </a:p>
         </p:txBody>
@@ -14418,46 +14420,6 @@
       </p:sp>
       <p:sp>
         <p:nvSpPr>
-          <p:cNvPr id="14" name="TextBox 4">
-            <a:extLst>
-              <a:ext uri="{FF2B5EF4-FFF2-40B4-BE49-F238E27FC236}">
-                <a16:creationId xmlns:a16="http://schemas.microsoft.com/office/drawing/2014/main" id="{1ED38DAD-8918-4318-A6AC-928A6C0C8F1D}"/>
-              </a:ext>
-            </a:extLst>
-          </p:cNvPr>
-          <p:cNvSpPr txBox="1"/>
-          <p:nvPr/>
-        </p:nvSpPr>
-        <p:spPr>
-          <a:xfrm>
-            <a:off x="385058" y="1772224"/>
-            <a:ext cx="4312447" cy="817981"/>
-          </a:xfrm>
-          <a:prstGeom prst="rect">
-            <a:avLst/>
-          </a:prstGeom>
-          <a:noFill/>
-        </p:spPr>
-        <p:txBody>
-          <a:bodyPr wrap="square" rtlCol="0">
-            <a:spAutoFit/>
-          </a:bodyPr>
-          <a:lstStyle/>
-          <a:p>
-            <a:pPr>
-              <a:lnSpc>
-                <a:spcPct val="150000"/>
-              </a:lnSpc>
-            </a:pPr>
-            <a:r>
-              <a:rPr lang="en-GB" sz="3600" dirty="0"/>
-              <a:t>Modified n-grams:</a:t>
-            </a:r>
-          </a:p>
-        </p:txBody>
-      </p:sp>
-      <p:sp>
-        <p:nvSpPr>
           <p:cNvPr id="15" name="TextBox 4">
             <a:extLst>
               <a:ext uri="{FF2B5EF4-FFF2-40B4-BE49-F238E27FC236}">
@@ -14470,7 +14432,7 @@
         </p:nvSpPr>
         <p:spPr>
           <a:xfrm>
-            <a:off x="519530" y="4727035"/>
+            <a:off x="385058" y="1772223"/>
             <a:ext cx="4312447" cy="817981"/>
           </a:xfrm>
           <a:prstGeom prst="rect">
@@ -14833,54 +14795,84 @@
           </a:effectLst>
         </p:spPr>
       </p:pic>
-      <p:pic>
-        <p:nvPicPr>
-          <p:cNvPr id="4" name="Image 3">
+      <p:sp>
+        <p:nvSpPr>
+          <p:cNvPr id="8" name="Rectangle 7">
             <a:extLst>
               <a:ext uri="{FF2B5EF4-FFF2-40B4-BE49-F238E27FC236}">
-                <a16:creationId xmlns:a16="http://schemas.microsoft.com/office/drawing/2014/main" id="{6396EFE2-E405-4F57-B841-8BD39430CD6A}"/>
+                <a16:creationId xmlns:a16="http://schemas.microsoft.com/office/drawing/2014/main" id="{2C2FFF98-67A7-4583-85F7-2B8C433BD253}"/>
               </a:ext>
             </a:extLst>
           </p:cNvPr>
-          <p:cNvPicPr>
-            <a:picLocks noChangeAspect="1"/>
-          </p:cNvPicPr>
+          <p:cNvSpPr/>
           <p:nvPr/>
-        </p:nvPicPr>
-        <p:blipFill>
-          <a:blip r:embed="rId3"/>
-          <a:stretch>
-            <a:fillRect/>
-          </a:stretch>
-        </p:blipFill>
+        </p:nvSpPr>
         <p:spPr>
           <a:xfrm>
-            <a:off x="4697504" y="4125749"/>
-            <a:ext cx="7303350" cy="2173032"/>
+            <a:off x="519953" y="3774662"/>
+            <a:ext cx="11026588" cy="2554545"/>
           </a:xfrm>
           <a:prstGeom prst="rect">
             <a:avLst/>
           </a:prstGeom>
-          <a:ln w="38100" cap="sq">
-            <a:solidFill>
-              <a:srgbClr val="000000"/>
-            </a:solidFill>
-            <a:prstDash val="solid"/>
-            <a:miter lim="800000"/>
-          </a:ln>
-          <a:effectLst>
-            <a:outerShdw blurRad="50800" dist="38100" dir="2700000" algn="tl" rotWithShape="0">
-              <a:srgbClr val="000000">
-                <a:alpha val="43000"/>
-              </a:srgbClr>
-            </a:outerShdw>
-          </a:effectLst>
         </p:spPr>
-      </p:pic>
+        <p:txBody>
+          <a:bodyPr wrap="square">
+            <a:spAutoFit/>
+          </a:bodyPr>
+          <a:lstStyle/>
+          <a:p>
+            <a:r>
+              <a:rPr lang="en-US" altLang="en-US" sz="3200" b="1" i="1" dirty="0">
+                <a:ea typeface="Cambria Math" panose="02040503050406030204" pitchFamily="18" charset="0"/>
+              </a:rPr>
+              <a:t>Low  </a:t>
+            </a:r>
+            <a:r>
+              <a:rPr lang="en-US" altLang="en-US" sz="3200" b="1" dirty="0">
+                <a:ea typeface="Cambria Math" panose="02040503050406030204" pitchFamily="18" charset="0"/>
+              </a:rPr>
+              <a:t>𝑛</a:t>
+            </a:r>
+            <a:r>
+              <a:rPr lang="en-US" altLang="en-US" sz="3200" dirty="0">
+                <a:ea typeface="Cambria Math" panose="02040503050406030204" pitchFamily="18" charset="0"/>
+              </a:rPr>
+              <a:t>: Checks the vocabulary of tokens/words used in the candidate</a:t>
+            </a:r>
+          </a:p>
+          <a:p>
+            <a:endParaRPr lang="en-US" altLang="en-US" sz="3200" dirty="0">
+              <a:ea typeface="Cambria Math" panose="02040503050406030204" pitchFamily="18" charset="0"/>
+            </a:endParaRPr>
+          </a:p>
+          <a:p>
+            <a:r>
+              <a:rPr lang="en-US" altLang="en-US" sz="3200" b="1" i="1" dirty="0">
+                <a:ea typeface="Cambria Math" panose="02040503050406030204" pitchFamily="18" charset="0"/>
+              </a:rPr>
+              <a:t>High  </a:t>
+            </a:r>
+            <a:r>
+              <a:rPr lang="en-US" altLang="en-US" sz="3200" b="1" dirty="0">
+                <a:ea typeface="Cambria Math" panose="02040503050406030204" pitchFamily="18" charset="0"/>
+              </a:rPr>
+              <a:t>𝑛</a:t>
+            </a:r>
+            <a:r>
+              <a:rPr lang="en-US" altLang="en-US" sz="3200" dirty="0">
+                <a:ea typeface="Cambria Math" panose="02040503050406030204" pitchFamily="18" charset="0"/>
+              </a:rPr>
+              <a:t>: Checks and ensures proper token order and longer syntactic rules</a:t>
+            </a:r>
+            <a:endParaRPr lang="fr-FR" sz="3200" dirty="0"/>
+          </a:p>
+        </p:txBody>
+      </p:sp>
     </p:spTree>
     <p:extLst>
       <p:ext uri="{BB962C8B-B14F-4D97-AF65-F5344CB8AC3E}">
-        <p14:creationId xmlns:p14="http://schemas.microsoft.com/office/powerpoint/2010/main" val="1093661124"/>
+        <p14:creationId xmlns:p14="http://schemas.microsoft.com/office/powerpoint/2010/main" val="1486834859"/>
       </p:ext>
     </p:extLst>
   </p:cSld>
@@ -15439,75 +15431,55 @@
           </a:p>
         </p:txBody>
       </p:sp>
-      <p:sp>
-        <p:nvSpPr>
-          <p:cNvPr id="2" name="Rectangle 1">
+      <p:pic>
+        <p:nvPicPr>
+          <p:cNvPr id="8" name="Picture 6">
             <a:extLst>
               <a:ext uri="{FF2B5EF4-FFF2-40B4-BE49-F238E27FC236}">
-                <a16:creationId xmlns:a16="http://schemas.microsoft.com/office/drawing/2014/main" id="{F0E58684-6671-4B4C-897D-99E774B7EABF}"/>
+                <a16:creationId xmlns:a16="http://schemas.microsoft.com/office/drawing/2014/main" id="{5008A6FC-7AA0-85AD-F082-1845F5082B19}"/>
               </a:ext>
             </a:extLst>
           </p:cNvPr>
-          <p:cNvSpPr/>
+          <p:cNvPicPr>
+            <a:picLocks noChangeAspect="1"/>
+          </p:cNvPicPr>
           <p:nvPr/>
-        </p:nvSpPr>
+        </p:nvPicPr>
+        <p:blipFill rotWithShape="1">
+          <a:blip r:embed="rId2">
+            <a:extLst>
+              <a:ext uri="{28A0092B-C50C-407E-A947-70E740481C1C}">
+                <a14:useLocalDpi xmlns:a14="http://schemas.microsoft.com/office/drawing/2010/main" val="0"/>
+              </a:ext>
+            </a:extLst>
+          </a:blip>
+          <a:srcRect t="3432"/>
+          <a:stretch/>
+        </p:blipFill>
         <p:spPr>
           <a:xfrm>
-            <a:off x="582706" y="797859"/>
-            <a:ext cx="11026588" cy="2062103"/>
+            <a:off x="466165" y="1094060"/>
+            <a:ext cx="6333652" cy="4284764"/>
           </a:xfrm>
           <a:prstGeom prst="rect">
             <a:avLst/>
           </a:prstGeom>
+          <a:ln w="38100" cap="sq">
+            <a:solidFill>
+              <a:srgbClr val="000000"/>
+            </a:solidFill>
+            <a:prstDash val="solid"/>
+            <a:miter lim="800000"/>
+          </a:ln>
+          <a:effectLst>
+            <a:outerShdw blurRad="50800" dist="38100" dir="2700000" algn="tl" rotWithShape="0">
+              <a:srgbClr val="000000">
+                <a:alpha val="43000"/>
+              </a:srgbClr>
+            </a:outerShdw>
+          </a:effectLst>
         </p:spPr>
-        <p:txBody>
-          <a:bodyPr wrap="square">
-            <a:spAutoFit/>
-          </a:bodyPr>
-          <a:lstStyle/>
-          <a:p>
-            <a:r>
-              <a:rPr lang="en-US" altLang="en-US" sz="3200" b="1" i="1" dirty="0">
-                <a:ea typeface="Cambria Math" panose="02040503050406030204" pitchFamily="18" charset="0"/>
-              </a:rPr>
-              <a:t>Low  </a:t>
-            </a:r>
-            <a:r>
-              <a:rPr lang="en-US" altLang="en-US" sz="3200" b="1" dirty="0">
-                <a:ea typeface="Cambria Math" panose="02040503050406030204" pitchFamily="18" charset="0"/>
-              </a:rPr>
-              <a:t>𝑛</a:t>
-            </a:r>
-            <a:r>
-              <a:rPr lang="en-US" altLang="en-US" sz="3200" dirty="0">
-                <a:ea typeface="Cambria Math" panose="02040503050406030204" pitchFamily="18" charset="0"/>
-              </a:rPr>
-              <a:t>: Checks the vocabulary of tokens/words used in the candidate</a:t>
-            </a:r>
-          </a:p>
-          <a:p>
-            <a:r>
-              <a:rPr lang="en-US" altLang="en-US" sz="3200" b="1" i="1" dirty="0">
-                <a:ea typeface="Cambria Math" panose="02040503050406030204" pitchFamily="18" charset="0"/>
-              </a:rPr>
-              <a:t>High  </a:t>
-            </a:r>
-            <a:r>
-              <a:rPr lang="en-US" altLang="en-US" sz="3200" b="1" dirty="0">
-                <a:ea typeface="Cambria Math" panose="02040503050406030204" pitchFamily="18" charset="0"/>
-              </a:rPr>
-              <a:t>𝑛</a:t>
-            </a:r>
-            <a:r>
-              <a:rPr lang="en-US" altLang="en-US" sz="3200" dirty="0">
-                <a:ea typeface="Cambria Math" panose="02040503050406030204" pitchFamily="18" charset="0"/>
-              </a:rPr>
-              <a:t>: Checks and ensures proper token order and longer syntactic rules</a:t>
-            </a:r>
-            <a:endParaRPr lang="fr-FR" sz="3200" dirty="0"/>
-          </a:p>
-        </p:txBody>
-      </p:sp>
+      </p:pic>
       <p:sp>
         <p:nvSpPr>
           <p:cNvPr id="10" name="Espace réservé du contenu 2">
@@ -15898,75 +15870,6 @@
           </a:p>
         </p:txBody>
       </p:sp>
-      <p:sp>
-        <p:nvSpPr>
-          <p:cNvPr id="2" name="Rectangle 1">
-            <a:extLst>
-              <a:ext uri="{FF2B5EF4-FFF2-40B4-BE49-F238E27FC236}">
-                <a16:creationId xmlns:a16="http://schemas.microsoft.com/office/drawing/2014/main" id="{F0E58684-6671-4B4C-897D-99E774B7EABF}"/>
-              </a:ext>
-            </a:extLst>
-          </p:cNvPr>
-          <p:cNvSpPr/>
-          <p:nvPr/>
-        </p:nvSpPr>
-        <p:spPr>
-          <a:xfrm>
-            <a:off x="582706" y="797859"/>
-            <a:ext cx="11026588" cy="2062103"/>
-          </a:xfrm>
-          <a:prstGeom prst="rect">
-            <a:avLst/>
-          </a:prstGeom>
-        </p:spPr>
-        <p:txBody>
-          <a:bodyPr wrap="square">
-            <a:spAutoFit/>
-          </a:bodyPr>
-          <a:lstStyle/>
-          <a:p>
-            <a:r>
-              <a:rPr lang="en-US" altLang="en-US" sz="3200" b="1" i="1" dirty="0">
-                <a:ea typeface="Cambria Math" panose="02040503050406030204" pitchFamily="18" charset="0"/>
-              </a:rPr>
-              <a:t>Low  </a:t>
-            </a:r>
-            <a:r>
-              <a:rPr lang="en-US" altLang="en-US" sz="3200" b="1" dirty="0">
-                <a:ea typeface="Cambria Math" panose="02040503050406030204" pitchFamily="18" charset="0"/>
-              </a:rPr>
-              <a:t>𝑛</a:t>
-            </a:r>
-            <a:r>
-              <a:rPr lang="en-US" altLang="en-US" sz="3200" dirty="0">
-                <a:ea typeface="Cambria Math" panose="02040503050406030204" pitchFamily="18" charset="0"/>
-              </a:rPr>
-              <a:t>: Checks the vocabulary of tokens/words used in the candidate</a:t>
-            </a:r>
-          </a:p>
-          <a:p>
-            <a:r>
-              <a:rPr lang="en-US" altLang="en-US" sz="3200" b="1" i="1" dirty="0">
-                <a:ea typeface="Cambria Math" panose="02040503050406030204" pitchFamily="18" charset="0"/>
-              </a:rPr>
-              <a:t>High  </a:t>
-            </a:r>
-            <a:r>
-              <a:rPr lang="en-US" altLang="en-US" sz="3200" b="1" dirty="0">
-                <a:ea typeface="Cambria Math" panose="02040503050406030204" pitchFamily="18" charset="0"/>
-              </a:rPr>
-              <a:t>𝑛</a:t>
-            </a:r>
-            <a:r>
-              <a:rPr lang="en-US" altLang="en-US" sz="3200" dirty="0">
-                <a:ea typeface="Cambria Math" panose="02040503050406030204" pitchFamily="18" charset="0"/>
-              </a:rPr>
-              <a:t>: Checks and ensures proper token order and longer syntactic rules</a:t>
-            </a:r>
-            <a:endParaRPr lang="fr-FR" sz="3200" dirty="0"/>
-          </a:p>
-        </p:txBody>
-      </p:sp>
       <p:pic>
         <p:nvPicPr>
           <p:cNvPr id="8" name="Picture 6">
@@ -15994,516 +15897,8 @@
         </p:blipFill>
         <p:spPr>
           <a:xfrm>
-            <a:off x="759903" y="2859961"/>
-            <a:ext cx="5636829" cy="3813358"/>
-          </a:xfrm>
-          <a:prstGeom prst="rect">
-            <a:avLst/>
-          </a:prstGeom>
-          <a:ln w="38100" cap="sq">
-            <a:solidFill>
-              <a:srgbClr val="000000"/>
-            </a:solidFill>
-            <a:prstDash val="solid"/>
-            <a:miter lim="800000"/>
-          </a:ln>
-          <a:effectLst>
-            <a:outerShdw blurRad="50800" dist="38100" dir="2700000" algn="tl" rotWithShape="0">
-              <a:srgbClr val="000000">
-                <a:alpha val="43000"/>
-              </a:srgbClr>
-            </a:outerShdw>
-          </a:effectLst>
-        </p:spPr>
-      </p:pic>
-      <p:sp>
-        <p:nvSpPr>
-          <p:cNvPr id="10" name="Espace réservé du contenu 2">
-            <a:extLst>
-              <a:ext uri="{FF2B5EF4-FFF2-40B4-BE49-F238E27FC236}">
-                <a16:creationId xmlns:a16="http://schemas.microsoft.com/office/drawing/2014/main" id="{FF6270B1-3E06-4FF4-BEAE-48100346298C}"/>
-              </a:ext>
-            </a:extLst>
-          </p:cNvPr>
-          <p:cNvSpPr txBox="1">
-            <a:spLocks/>
-          </p:cNvSpPr>
-          <p:nvPr/>
-        </p:nvSpPr>
-        <p:spPr>
-          <a:xfrm>
-            <a:off x="25901" y="6131351"/>
-            <a:ext cx="988105" cy="788419"/>
-          </a:xfrm>
-          <a:prstGeom prst="rect">
-            <a:avLst/>
-          </a:prstGeom>
-        </p:spPr>
-        <p:txBody>
-          <a:bodyPr vert="horz" lIns="91440" tIns="45720" rIns="91440" bIns="45720" rtlCol="0" anchor="ctr">
-            <a:normAutofit/>
-          </a:bodyPr>
-          <a:lstStyle>
-            <a:lvl1pPr marL="285750" indent="-285750" algn="l" defTabSz="457200" rtl="0" eaLnBrk="1" latinLnBrk="0" hangingPunct="1">
-              <a:spcBef>
-                <a:spcPct val="20000"/>
-              </a:spcBef>
-              <a:spcAft>
-                <a:spcPts val="600"/>
-              </a:spcAft>
-              <a:buClr>
-                <a:schemeClr val="tx1"/>
-              </a:buClr>
-              <a:buSzPct val="80000"/>
-              <a:buFont typeface="Wingdings 3" panose="05040102010807070707" pitchFamily="18" charset="2"/>
-              <a:buChar char=""/>
-              <a:defRPr sz="2000" kern="1200" cap="none">
-                <a:solidFill>
-                  <a:schemeClr val="bg2">
-                    <a:lumMod val="75000"/>
-                  </a:schemeClr>
-                </a:solidFill>
-                <a:effectLst/>
-                <a:latin typeface="+mn-lt"/>
-                <a:ea typeface="+mn-ea"/>
-                <a:cs typeface="+mn-cs"/>
-              </a:defRPr>
-            </a:lvl1pPr>
-            <a:lvl2pPr marL="742950" indent="-285750" algn="l" defTabSz="457200" rtl="0" eaLnBrk="1" latinLnBrk="0" hangingPunct="1">
-              <a:spcBef>
-                <a:spcPct val="20000"/>
-              </a:spcBef>
-              <a:spcAft>
-                <a:spcPts val="600"/>
-              </a:spcAft>
-              <a:buClr>
-                <a:schemeClr val="tx1"/>
-              </a:buClr>
-              <a:buSzPct val="80000"/>
-              <a:buFont typeface="Wingdings 3" panose="05040102010807070707" pitchFamily="18" charset="2"/>
-              <a:buChar char=""/>
-              <a:defRPr sz="1800" kern="1200" cap="none">
-                <a:solidFill>
-                  <a:schemeClr val="bg2">
-                    <a:lumMod val="75000"/>
-                  </a:schemeClr>
-                </a:solidFill>
-                <a:effectLst/>
-                <a:latin typeface="+mn-lt"/>
-                <a:ea typeface="+mn-ea"/>
-                <a:cs typeface="+mn-cs"/>
-              </a:defRPr>
-            </a:lvl2pPr>
-            <a:lvl3pPr marL="1200150" indent="-285750" algn="l" defTabSz="457200" rtl="0" eaLnBrk="1" latinLnBrk="0" hangingPunct="1">
-              <a:spcBef>
-                <a:spcPct val="20000"/>
-              </a:spcBef>
-              <a:spcAft>
-                <a:spcPts val="600"/>
-              </a:spcAft>
-              <a:buClr>
-                <a:schemeClr val="tx1"/>
-              </a:buClr>
-              <a:buSzPct val="80000"/>
-              <a:buFont typeface="Wingdings 3" panose="05040102010807070707" pitchFamily="18" charset="2"/>
-              <a:buChar char=""/>
-              <a:defRPr sz="1600" kern="1200" cap="none">
-                <a:solidFill>
-                  <a:schemeClr val="bg2">
-                    <a:lumMod val="75000"/>
-                  </a:schemeClr>
-                </a:solidFill>
-                <a:effectLst/>
-                <a:latin typeface="+mn-lt"/>
-                <a:ea typeface="+mn-ea"/>
-                <a:cs typeface="+mn-cs"/>
-              </a:defRPr>
-            </a:lvl3pPr>
-            <a:lvl4pPr marL="1543050" indent="-171450" algn="l" defTabSz="457200" rtl="0" eaLnBrk="1" latinLnBrk="0" hangingPunct="1">
-              <a:spcBef>
-                <a:spcPct val="20000"/>
-              </a:spcBef>
-              <a:spcAft>
-                <a:spcPts val="600"/>
-              </a:spcAft>
-              <a:buClr>
-                <a:schemeClr val="tx1"/>
-              </a:buClr>
-              <a:buSzPct val="80000"/>
-              <a:buFont typeface="Wingdings 3" panose="05040102010807070707" pitchFamily="18" charset="2"/>
-              <a:buChar char=""/>
-              <a:defRPr sz="1400" kern="1200" cap="none">
-                <a:solidFill>
-                  <a:schemeClr val="bg2">
-                    <a:lumMod val="75000"/>
-                  </a:schemeClr>
-                </a:solidFill>
-                <a:effectLst/>
-                <a:latin typeface="+mn-lt"/>
-                <a:ea typeface="+mn-ea"/>
-                <a:cs typeface="+mn-cs"/>
-              </a:defRPr>
-            </a:lvl4pPr>
-            <a:lvl5pPr marL="2000250" indent="-171450" algn="l" defTabSz="457200" rtl="0" eaLnBrk="1" latinLnBrk="0" hangingPunct="1">
-              <a:spcBef>
-                <a:spcPct val="20000"/>
-              </a:spcBef>
-              <a:spcAft>
-                <a:spcPts val="600"/>
-              </a:spcAft>
-              <a:buClr>
-                <a:schemeClr val="tx1"/>
-              </a:buClr>
-              <a:buSzPct val="80000"/>
-              <a:buFont typeface="Wingdings 3" panose="05040102010807070707" pitchFamily="18" charset="2"/>
-              <a:buChar char=""/>
-              <a:defRPr sz="1400" kern="1200" cap="none">
-                <a:solidFill>
-                  <a:schemeClr val="bg2">
-                    <a:lumMod val="75000"/>
-                  </a:schemeClr>
-                </a:solidFill>
-                <a:effectLst/>
-                <a:latin typeface="+mn-lt"/>
-                <a:ea typeface="+mn-ea"/>
-                <a:cs typeface="+mn-cs"/>
-              </a:defRPr>
-            </a:lvl5pPr>
-            <a:lvl6pPr marL="2514600" indent="-228600" algn="l" defTabSz="457200" rtl="0" eaLnBrk="1" latinLnBrk="0" hangingPunct="1">
-              <a:spcBef>
-                <a:spcPct val="20000"/>
-              </a:spcBef>
-              <a:spcAft>
-                <a:spcPts val="600"/>
-              </a:spcAft>
-              <a:buClr>
-                <a:schemeClr val="tx1"/>
-              </a:buClr>
-              <a:buSzPct val="80000"/>
-              <a:buFont typeface="Wingdings 3" panose="05040102010807070707" pitchFamily="18" charset="2"/>
-              <a:buChar char=""/>
-              <a:defRPr sz="1400" kern="1200" cap="none">
-                <a:solidFill>
-                  <a:schemeClr val="bg2">
-                    <a:lumMod val="75000"/>
-                  </a:schemeClr>
-                </a:solidFill>
-                <a:effectLst/>
-                <a:latin typeface="+mn-lt"/>
-                <a:ea typeface="+mn-ea"/>
-                <a:cs typeface="+mn-cs"/>
-              </a:defRPr>
-            </a:lvl6pPr>
-            <a:lvl7pPr marL="2971800" indent="-228600" algn="l" defTabSz="457200" rtl="0" eaLnBrk="1" latinLnBrk="0" hangingPunct="1">
-              <a:spcBef>
-                <a:spcPct val="20000"/>
-              </a:spcBef>
-              <a:spcAft>
-                <a:spcPts val="600"/>
-              </a:spcAft>
-              <a:buClr>
-                <a:schemeClr val="tx1"/>
-              </a:buClr>
-              <a:buSzPct val="80000"/>
-              <a:buFont typeface="Wingdings 3" panose="05040102010807070707" pitchFamily="18" charset="2"/>
-              <a:buChar char=""/>
-              <a:defRPr sz="1400" kern="1200" cap="none">
-                <a:solidFill>
-                  <a:schemeClr val="bg2">
-                    <a:lumMod val="75000"/>
-                  </a:schemeClr>
-                </a:solidFill>
-                <a:effectLst/>
-                <a:latin typeface="+mn-lt"/>
-                <a:ea typeface="+mn-ea"/>
-                <a:cs typeface="+mn-cs"/>
-              </a:defRPr>
-            </a:lvl7pPr>
-            <a:lvl8pPr marL="3429000" indent="-228600" algn="l" defTabSz="457200" rtl="0" eaLnBrk="1" latinLnBrk="0" hangingPunct="1">
-              <a:spcBef>
-                <a:spcPct val="20000"/>
-              </a:spcBef>
-              <a:spcAft>
-                <a:spcPts val="600"/>
-              </a:spcAft>
-              <a:buClr>
-                <a:schemeClr val="tx1"/>
-              </a:buClr>
-              <a:buSzPct val="80000"/>
-              <a:buFont typeface="Wingdings 3" panose="05040102010807070707" pitchFamily="18" charset="2"/>
-              <a:buChar char=""/>
-              <a:defRPr sz="1400" kern="1200" cap="none">
-                <a:solidFill>
-                  <a:schemeClr val="bg2">
-                    <a:lumMod val="75000"/>
-                  </a:schemeClr>
-                </a:solidFill>
-                <a:effectLst/>
-                <a:latin typeface="+mn-lt"/>
-                <a:ea typeface="+mn-ea"/>
-                <a:cs typeface="+mn-cs"/>
-              </a:defRPr>
-            </a:lvl8pPr>
-            <a:lvl9pPr marL="3886200" indent="-228600" algn="l" defTabSz="457200" rtl="0" eaLnBrk="1" latinLnBrk="0" hangingPunct="1">
-              <a:spcBef>
-                <a:spcPct val="20000"/>
-              </a:spcBef>
-              <a:spcAft>
-                <a:spcPts val="600"/>
-              </a:spcAft>
-              <a:buClr>
-                <a:schemeClr val="tx1"/>
-              </a:buClr>
-              <a:buSzPct val="80000"/>
-              <a:buFont typeface="Wingdings 3" panose="05040102010807070707" pitchFamily="18" charset="2"/>
-              <a:buChar char=""/>
-              <a:defRPr sz="1400" kern="1200" cap="none">
-                <a:solidFill>
-                  <a:schemeClr val="bg2">
-                    <a:lumMod val="75000"/>
-                  </a:schemeClr>
-                </a:solidFill>
-                <a:effectLst/>
-                <a:latin typeface="+mn-lt"/>
-                <a:ea typeface="+mn-ea"/>
-                <a:cs typeface="+mn-cs"/>
-              </a:defRPr>
-            </a:lvl9pPr>
-          </a:lstStyle>
-          <a:p>
-            <a:pPr marL="0" indent="0">
-              <a:buFont typeface="Wingdings 3" panose="05040102010807070707" pitchFamily="18" charset="2"/>
-              <a:buNone/>
-            </a:pPr>
-            <a:r>
-              <a:rPr lang="fr-FR" sz="3200" b="1" dirty="0">
-                <a:solidFill>
-                  <a:schemeClr val="tx1">
-                    <a:lumMod val="95000"/>
-                  </a:schemeClr>
-                </a:solidFill>
-                <a:effectLst>
-                  <a:outerShdw blurRad="38100" dist="38100" dir="2700000" algn="tl">
-                    <a:srgbClr val="000000">
-                      <a:alpha val="43137"/>
-                    </a:srgbClr>
-                  </a:outerShdw>
-                </a:effectLst>
-              </a:rPr>
-              <a:t>12</a:t>
-            </a:r>
-            <a:endParaRPr lang="fr-FR" sz="4000" b="1" dirty="0">
-              <a:solidFill>
-                <a:schemeClr val="tx1">
-                  <a:lumMod val="95000"/>
-                </a:schemeClr>
-              </a:solidFill>
-              <a:effectLst>
-                <a:outerShdw blurRad="38100" dist="38100" dir="2700000" algn="tl">
-                  <a:srgbClr val="000000">
-                    <a:alpha val="43137"/>
-                  </a:srgbClr>
-                </a:outerShdw>
-              </a:effectLst>
-            </a:endParaRPr>
-          </a:p>
-        </p:txBody>
-      </p:sp>
-    </p:spTree>
-    <p:extLst>
-      <p:ext uri="{BB962C8B-B14F-4D97-AF65-F5344CB8AC3E}">
-        <p14:creationId xmlns:p14="http://schemas.microsoft.com/office/powerpoint/2010/main" val="527414258"/>
-      </p:ext>
-    </p:extLst>
-  </p:cSld>
-  <p:clrMapOvr>
-    <a:masterClrMapping/>
-  </p:clrMapOvr>
-</p:sld>
-</file>
-
-<file path=ppt/slides/slide22.xml><?xml version="1.0" encoding="utf-8"?>
-<p:sld xmlns:a="http://schemas.openxmlformats.org/drawingml/2006/main" xmlns:r="http://schemas.openxmlformats.org/officeDocument/2006/relationships" xmlns:p="http://schemas.openxmlformats.org/presentationml/2006/main">
-  <p:cSld>
-    <p:spTree>
-      <p:nvGrpSpPr>
-        <p:cNvPr id="1" name=""/>
-        <p:cNvGrpSpPr/>
-        <p:nvPr/>
-      </p:nvGrpSpPr>
-      <p:grpSpPr>
-        <a:xfrm>
-          <a:off x="0" y="0"/>
-          <a:ext cx="0" cy="0"/>
-          <a:chOff x="0" y="0"/>
-          <a:chExt cx="0" cy="0"/>
-        </a:xfrm>
-      </p:grpSpPr>
-      <p:sp>
-        <p:nvSpPr>
-          <p:cNvPr id="3" name="Espace réservé du contenu 2">
-            <a:extLst>
-              <a:ext uri="{FF2B5EF4-FFF2-40B4-BE49-F238E27FC236}">
-                <a16:creationId xmlns:a16="http://schemas.microsoft.com/office/drawing/2014/main" id="{628EF695-0FDB-4AAB-93F1-CB7CBA3402BC}"/>
-              </a:ext>
-            </a:extLst>
-          </p:cNvPr>
-          <p:cNvSpPr>
-            <a:spLocks noGrp="1"/>
-          </p:cNvSpPr>
-          <p:nvPr>
-            <p:ph idx="1"/>
-          </p:nvPr>
-        </p:nvSpPr>
-        <p:spPr>
-          <a:xfrm>
-            <a:off x="109728" y="49671"/>
-            <a:ext cx="9574306" cy="883024"/>
-          </a:xfrm>
-        </p:spPr>
-        <p:txBody>
-          <a:bodyPr>
-            <a:normAutofit/>
-          </a:bodyPr>
-          <a:lstStyle/>
-          <a:p>
-            <a:pPr marL="0" indent="0">
-              <a:buNone/>
-            </a:pPr>
-            <a:r>
-              <a:rPr lang="fr-FR" sz="4400" b="1" dirty="0">
-                <a:effectLst>
-                  <a:outerShdw blurRad="38100" dist="38100" dir="2700000" algn="tl">
-                    <a:srgbClr val="000000">
-                      <a:alpha val="43137"/>
-                    </a:srgbClr>
-                  </a:outerShdw>
-                </a:effectLst>
-              </a:rPr>
-              <a:t>BLEU </a:t>
-            </a:r>
-            <a:r>
-              <a:rPr lang="fr-FR" sz="4400" b="1" dirty="0" err="1">
-                <a:effectLst>
-                  <a:outerShdw blurRad="38100" dist="38100" dir="2700000" algn="tl">
-                    <a:srgbClr val="000000">
-                      <a:alpha val="43137"/>
-                    </a:srgbClr>
-                  </a:outerShdw>
-                </a:effectLst>
-              </a:rPr>
-              <a:t>metric</a:t>
-            </a:r>
-            <a:endParaRPr lang="fr-FR" sz="4400" b="1" dirty="0">
-              <a:effectLst>
-                <a:outerShdw blurRad="38100" dist="38100" dir="2700000" algn="tl">
-                  <a:srgbClr val="000000">
-                    <a:alpha val="43137"/>
-                  </a:srgbClr>
-                </a:outerShdw>
-              </a:effectLst>
-            </a:endParaRPr>
-          </a:p>
-        </p:txBody>
-      </p:sp>
-      <p:sp>
-        <p:nvSpPr>
-          <p:cNvPr id="2" name="Rectangle 1">
-            <a:extLst>
-              <a:ext uri="{FF2B5EF4-FFF2-40B4-BE49-F238E27FC236}">
-                <a16:creationId xmlns:a16="http://schemas.microsoft.com/office/drawing/2014/main" id="{F0E58684-6671-4B4C-897D-99E774B7EABF}"/>
-              </a:ext>
-            </a:extLst>
-          </p:cNvPr>
-          <p:cNvSpPr/>
-          <p:nvPr/>
-        </p:nvSpPr>
-        <p:spPr>
-          <a:xfrm>
-            <a:off x="582706" y="797859"/>
-            <a:ext cx="11026588" cy="2062103"/>
-          </a:xfrm>
-          <a:prstGeom prst="rect">
-            <a:avLst/>
-          </a:prstGeom>
-        </p:spPr>
-        <p:txBody>
-          <a:bodyPr wrap="square">
-            <a:spAutoFit/>
-          </a:bodyPr>
-          <a:lstStyle/>
-          <a:p>
-            <a:r>
-              <a:rPr lang="en-US" altLang="en-US" sz="3200" b="1" i="1" dirty="0">
-                <a:ea typeface="Cambria Math" panose="02040503050406030204" pitchFamily="18" charset="0"/>
-              </a:rPr>
-              <a:t>Low  </a:t>
-            </a:r>
-            <a:r>
-              <a:rPr lang="en-US" altLang="en-US" sz="3200" b="1" dirty="0">
-                <a:ea typeface="Cambria Math" panose="02040503050406030204" pitchFamily="18" charset="0"/>
-              </a:rPr>
-              <a:t>𝑛</a:t>
-            </a:r>
-            <a:r>
-              <a:rPr lang="en-US" altLang="en-US" sz="3200" dirty="0">
-                <a:ea typeface="Cambria Math" panose="02040503050406030204" pitchFamily="18" charset="0"/>
-              </a:rPr>
-              <a:t>: Checks the vocabulary of tokens/words used in the candidate</a:t>
-            </a:r>
-          </a:p>
-          <a:p>
-            <a:r>
-              <a:rPr lang="en-US" altLang="en-US" sz="3200" b="1" i="1" dirty="0">
-                <a:ea typeface="Cambria Math" panose="02040503050406030204" pitchFamily="18" charset="0"/>
-              </a:rPr>
-              <a:t>High  </a:t>
-            </a:r>
-            <a:r>
-              <a:rPr lang="en-US" altLang="en-US" sz="3200" b="1" dirty="0">
-                <a:ea typeface="Cambria Math" panose="02040503050406030204" pitchFamily="18" charset="0"/>
-              </a:rPr>
-              <a:t>𝑛</a:t>
-            </a:r>
-            <a:r>
-              <a:rPr lang="en-US" altLang="en-US" sz="3200" dirty="0">
-                <a:ea typeface="Cambria Math" panose="02040503050406030204" pitchFamily="18" charset="0"/>
-              </a:rPr>
-              <a:t>: Checks and ensures proper token order and longer syntactic rules</a:t>
-            </a:r>
-            <a:endParaRPr lang="fr-FR" sz="3200" dirty="0"/>
-          </a:p>
-        </p:txBody>
-      </p:sp>
-      <p:pic>
-        <p:nvPicPr>
-          <p:cNvPr id="8" name="Picture 6">
-            <a:extLst>
-              <a:ext uri="{FF2B5EF4-FFF2-40B4-BE49-F238E27FC236}">
-                <a16:creationId xmlns:a16="http://schemas.microsoft.com/office/drawing/2014/main" id="{5008A6FC-7AA0-85AD-F082-1845F5082B19}"/>
-              </a:ext>
-            </a:extLst>
-          </p:cNvPr>
-          <p:cNvPicPr>
-            <a:picLocks noChangeAspect="1"/>
-          </p:cNvPicPr>
-          <p:nvPr/>
-        </p:nvPicPr>
-        <p:blipFill rotWithShape="1">
-          <a:blip r:embed="rId2">
-            <a:extLst>
-              <a:ext uri="{28A0092B-C50C-407E-A947-70E740481C1C}">
-                <a14:useLocalDpi xmlns:a14="http://schemas.microsoft.com/office/drawing/2010/main" val="0"/>
-              </a:ext>
-            </a:extLst>
-          </a:blip>
-          <a:srcRect t="3432"/>
-          <a:stretch/>
-        </p:blipFill>
-        <p:spPr>
-          <a:xfrm>
-            <a:off x="759903" y="2859961"/>
-            <a:ext cx="5636829" cy="3813358"/>
+            <a:off x="466165" y="1094060"/>
+            <a:ext cx="6333652" cy="4284764"/>
           </a:xfrm>
           <a:prstGeom prst="rect">
             <a:avLst/>
@@ -16839,8 +16234,8 @@
         </p:blipFill>
         <p:spPr>
           <a:xfrm>
-            <a:off x="6573929" y="3798701"/>
-            <a:ext cx="5435141" cy="1393911"/>
+            <a:off x="6053174" y="4760259"/>
+            <a:ext cx="5758673" cy="1476885"/>
           </a:xfrm>
           <a:prstGeom prst="rect">
             <a:avLst/>
@@ -16864,7 +16259,7 @@
     </p:spTree>
     <p:extLst>
       <p:ext uri="{BB962C8B-B14F-4D97-AF65-F5344CB8AC3E}">
-        <p14:creationId xmlns:p14="http://schemas.microsoft.com/office/powerpoint/2010/main" val="992668529"/>
+        <p14:creationId xmlns:p14="http://schemas.microsoft.com/office/powerpoint/2010/main" val="4072457287"/>
       </p:ext>
     </p:extLst>
   </p:cSld>
@@ -16874,7 +16269,7 @@
 </p:sld>
 </file>
 
-<file path=ppt/slides/slide23.xml><?xml version="1.0" encoding="utf-8"?>
+<file path=ppt/slides/slide22.xml><?xml version="1.0" encoding="utf-8"?>
 <p:sld xmlns:a="http://schemas.openxmlformats.org/drawingml/2006/main" xmlns:r="http://schemas.openxmlformats.org/officeDocument/2006/relationships" xmlns:p="http://schemas.openxmlformats.org/presentationml/2006/main">
   <p:cSld>
     <p:spTree>
@@ -17565,7 +16960,7 @@
 </p:sld>
 </file>
 
-<file path=ppt/slides/slide24.xml><?xml version="1.0" encoding="utf-8"?>
+<file path=ppt/slides/slide23.xml><?xml version="1.0" encoding="utf-8"?>
 <p:sld xmlns:a="http://schemas.openxmlformats.org/drawingml/2006/main" xmlns:r="http://schemas.openxmlformats.org/officeDocument/2006/relationships" xmlns:p="http://schemas.openxmlformats.org/presentationml/2006/main">
   <p:cSld>
     <p:spTree>
@@ -17597,7 +16992,7 @@
         <p:spPr>
           <a:xfrm>
             <a:off x="846859" y="1014443"/>
-            <a:ext cx="10248318" cy="1938992"/>
+            <a:ext cx="10471136" cy="1938992"/>
           </a:xfrm>
           <a:prstGeom prst="rect">
             <a:avLst/>
@@ -17668,7 +17063,7 @@
             </a:r>
             <a:r>
               <a:rPr lang="fr-FR" sz="2800" dirty="0" err="1"/>
-              <a:t>paraters</a:t>
+              <a:t>parameters</a:t>
             </a:r>
             <a:r>
               <a:rPr lang="fr-FR" sz="2800" dirty="0"/>
@@ -18186,7 +17581,7 @@
 </p:sld>
 </file>
 
-<file path=ppt/slides/slide25.xml><?xml version="1.0" encoding="utf-8"?>
+<file path=ppt/slides/slide24.xml><?xml version="1.0" encoding="utf-8"?>
 <p:sld xmlns:a="http://schemas.openxmlformats.org/drawingml/2006/main" xmlns:r="http://schemas.openxmlformats.org/officeDocument/2006/relationships" xmlns:p="http://schemas.openxmlformats.org/presentationml/2006/main">
   <p:cSld>
     <p:spTree>
@@ -18866,7 +18261,7 @@
 </p:sld>
 </file>
 
-<file path=ppt/slides/slide26.xml><?xml version="1.0" encoding="utf-8"?>
+<file path=ppt/slides/slide25.xml><?xml version="1.0" encoding="utf-8"?>
 <p:sld xmlns:a="http://schemas.openxmlformats.org/drawingml/2006/main" xmlns:r="http://schemas.openxmlformats.org/officeDocument/2006/relationships" xmlns:p="http://schemas.openxmlformats.org/presentationml/2006/main">
   <p:cSld>
     <p:spTree>
@@ -19588,7 +18983,7 @@
 </p:sld>
 </file>
 
-<file path=ppt/slides/slide27.xml><?xml version="1.0" encoding="utf-8"?>
+<file path=ppt/slides/slide26.xml><?xml version="1.0" encoding="utf-8"?>
 <p:sld xmlns:a="http://schemas.openxmlformats.org/drawingml/2006/main" xmlns:r="http://schemas.openxmlformats.org/officeDocument/2006/relationships" xmlns:p="http://schemas.openxmlformats.org/presentationml/2006/main">
   <p:cSld>
     <p:spTree>
@@ -19737,18 +19132,7 @@
                 <a:ea typeface="Cascadia Code" panose="020B0609020000020004" pitchFamily="49" charset="0"/>
                 <a:cs typeface="Cascadia Code" panose="020B0609020000020004" pitchFamily="49" charset="0"/>
               </a:rPr>
-              <a:t>x _ { 0 } + n </a:t>
-            </a:r>
-            <a:r>
-              <a:rPr lang="en-GB" sz="2000" b="1" dirty="0">
-                <a:solidFill>
-                  <a:srgbClr val="FF0000"/>
-                </a:solidFill>
-                <a:latin typeface="Cascadia Code" panose="020B0609020000020004" pitchFamily="49" charset="0"/>
-                <a:ea typeface="Cascadia Code" panose="020B0609020000020004" pitchFamily="49" charset="0"/>
-                <a:cs typeface="Cascadia Code" panose="020B0609020000020004" pitchFamily="49" charset="0"/>
-              </a:rPr>
-              <a:t>T</a:t>
+              <a:t>x _ { 0 } + n T</a:t>
             </a:r>
             <a:r>
               <a:rPr lang="en-GB" sz="2000" b="1" dirty="0">
@@ -20580,10 +19964,532 @@
           </a:p>
         </p:txBody>
       </p:sp>
+      <p:sp>
+        <p:nvSpPr>
+          <p:cNvPr id="2" name="Flèche : demi-tour 1">
+            <a:extLst>
+              <a:ext uri="{FF2B5EF4-FFF2-40B4-BE49-F238E27FC236}">
+                <a16:creationId xmlns:a16="http://schemas.microsoft.com/office/drawing/2014/main" id="{488C5922-70C5-46C8-B28B-73C9B1E7B26C}"/>
+              </a:ext>
+            </a:extLst>
+          </p:cNvPr>
+          <p:cNvSpPr/>
+          <p:nvPr/>
+        </p:nvSpPr>
+        <p:spPr>
+          <a:xfrm flipH="1">
+            <a:off x="1168021" y="4618318"/>
+            <a:ext cx="1281958" cy="173987"/>
+          </a:xfrm>
+          <a:prstGeom prst="uturnArrow">
+            <a:avLst>
+              <a:gd name="adj1" fmla="val 29927"/>
+              <a:gd name="adj2" fmla="val 25000"/>
+              <a:gd name="adj3" fmla="val 28650"/>
+              <a:gd name="adj4" fmla="val 36450"/>
+              <a:gd name="adj5" fmla="val 100000"/>
+            </a:avLst>
+          </a:prstGeom>
+          <a:solidFill>
+            <a:schemeClr val="bg2"/>
+          </a:solidFill>
+          <a:ln>
+            <a:noFill/>
+          </a:ln>
+        </p:spPr>
+        <p:style>
+          <a:lnRef idx="2">
+            <a:schemeClr val="accent1">
+              <a:shade val="50000"/>
+            </a:schemeClr>
+          </a:lnRef>
+          <a:fillRef idx="1">
+            <a:schemeClr val="accent1"/>
+          </a:fillRef>
+          <a:effectRef idx="0">
+            <a:schemeClr val="accent1"/>
+          </a:effectRef>
+          <a:fontRef idx="minor">
+            <a:schemeClr val="lt1"/>
+          </a:fontRef>
+        </p:style>
+        <p:txBody>
+          <a:bodyPr rtlCol="0" anchor="ctr"/>
+          <a:lstStyle/>
+          <a:p>
+            <a:pPr algn="ctr"/>
+            <a:endParaRPr lang="fr-FR">
+              <a:solidFill>
+                <a:schemeClr val="tx1"/>
+              </a:solidFill>
+            </a:endParaRPr>
+          </a:p>
+        </p:txBody>
+      </p:sp>
     </p:spTree>
     <p:extLst>
       <p:ext uri="{BB962C8B-B14F-4D97-AF65-F5344CB8AC3E}">
         <p14:creationId xmlns:p14="http://schemas.microsoft.com/office/powerpoint/2010/main" val="809001152"/>
+      </p:ext>
+    </p:extLst>
+  </p:cSld>
+  <p:clrMapOvr>
+    <a:masterClrMapping/>
+  </p:clrMapOvr>
+</p:sld>
+</file>
+
+<file path=ppt/slides/slide27.xml><?xml version="1.0" encoding="utf-8"?>
+<p:sld xmlns:a="http://schemas.openxmlformats.org/drawingml/2006/main" xmlns:r="http://schemas.openxmlformats.org/officeDocument/2006/relationships" xmlns:p="http://schemas.openxmlformats.org/presentationml/2006/main">
+  <p:cSld>
+    <p:spTree>
+      <p:nvGrpSpPr>
+        <p:cNvPr id="1" name="">
+          <a:extLst>
+            <a:ext uri="{FF2B5EF4-FFF2-40B4-BE49-F238E27FC236}">
+              <a16:creationId xmlns:a16="http://schemas.microsoft.com/office/drawing/2014/main" id="{9BA86989-CA52-919B-44DB-8ABE8DA1CC55}"/>
+            </a:ext>
+          </a:extLst>
+        </p:cNvPr>
+        <p:cNvGrpSpPr/>
+        <p:nvPr/>
+      </p:nvGrpSpPr>
+      <p:grpSpPr>
+        <a:xfrm>
+          <a:off x="0" y="0"/>
+          <a:ext cx="0" cy="0"/>
+          <a:chOff x="0" y="0"/>
+          <a:chExt cx="0" cy="0"/>
+        </a:xfrm>
+      </p:grpSpPr>
+      <p:sp>
+        <p:nvSpPr>
+          <p:cNvPr id="7" name="Espace réservé du contenu 2">
+            <a:extLst>
+              <a:ext uri="{FF2B5EF4-FFF2-40B4-BE49-F238E27FC236}">
+                <a16:creationId xmlns:a16="http://schemas.microsoft.com/office/drawing/2014/main" id="{A5C36824-B6A4-4210-9179-7724AF774D1A}"/>
+              </a:ext>
+            </a:extLst>
+          </p:cNvPr>
+          <p:cNvSpPr>
+            <a:spLocks noGrp="1"/>
+          </p:cNvSpPr>
+          <p:nvPr>
+            <p:ph idx="1"/>
+          </p:nvPr>
+        </p:nvSpPr>
+        <p:spPr>
+          <a:xfrm>
+            <a:off x="109728" y="49671"/>
+            <a:ext cx="9574306" cy="883024"/>
+          </a:xfrm>
+        </p:spPr>
+        <p:txBody>
+          <a:bodyPr>
+            <a:normAutofit/>
+          </a:bodyPr>
+          <a:lstStyle/>
+          <a:p>
+            <a:pPr marL="0" indent="0">
+              <a:buNone/>
+            </a:pPr>
+            <a:r>
+              <a:rPr lang="fr-FR" sz="4400" b="1" dirty="0" err="1">
+                <a:effectLst>
+                  <a:outerShdw blurRad="38100" dist="38100" dir="2700000" algn="tl">
+                    <a:srgbClr val="000000">
+                      <a:alpha val="43137"/>
+                    </a:srgbClr>
+                  </a:outerShdw>
+                </a:effectLst>
+              </a:rPr>
+              <a:t>Conlusion</a:t>
+            </a:r>
+            <a:endParaRPr lang="fr-FR" sz="4400" b="1" dirty="0">
+              <a:effectLst>
+                <a:outerShdw blurRad="38100" dist="38100" dir="2700000" algn="tl">
+                  <a:srgbClr val="000000">
+                    <a:alpha val="43137"/>
+                  </a:srgbClr>
+                </a:outerShdw>
+              </a:effectLst>
+            </a:endParaRPr>
+          </a:p>
+        </p:txBody>
+      </p:sp>
+      <p:sp>
+        <p:nvSpPr>
+          <p:cNvPr id="9" name="TextBox 4">
+            <a:extLst>
+              <a:ext uri="{FF2B5EF4-FFF2-40B4-BE49-F238E27FC236}">
+                <a16:creationId xmlns:a16="http://schemas.microsoft.com/office/drawing/2014/main" id="{2D0935EA-8CBF-4A7D-A5BE-6F079C4C16CF}"/>
+              </a:ext>
+            </a:extLst>
+          </p:cNvPr>
+          <p:cNvSpPr txBox="1"/>
+          <p:nvPr/>
+        </p:nvSpPr>
+        <p:spPr>
+          <a:xfrm>
+            <a:off x="771457" y="816154"/>
+            <a:ext cx="10987303" cy="2308324"/>
+          </a:xfrm>
+          <a:prstGeom prst="rect">
+            <a:avLst/>
+          </a:prstGeom>
+          <a:noFill/>
+        </p:spPr>
+        <p:txBody>
+          <a:bodyPr wrap="none" rtlCol="0">
+            <a:spAutoFit/>
+          </a:bodyPr>
+          <a:lstStyle/>
+          <a:p>
+            <a:r>
+              <a:rPr lang="fr-FR" sz="3600" dirty="0"/>
+              <a:t>- Model </a:t>
+            </a:r>
+            <a:r>
+              <a:rPr lang="fr-FR" sz="3600" dirty="0" err="1"/>
+              <a:t>generalizing</a:t>
+            </a:r>
+            <a:r>
+              <a:rPr lang="fr-FR" sz="3600" dirty="0"/>
+              <a:t> </a:t>
+            </a:r>
+            <a:r>
+              <a:rPr lang="fr-FR" sz="3600" dirty="0" err="1"/>
+              <a:t>well</a:t>
+            </a:r>
+            <a:endParaRPr lang="fr-FR" sz="3600" dirty="0"/>
+          </a:p>
+          <a:p>
+            <a:r>
+              <a:rPr lang="fr-FR" sz="3600" dirty="0"/>
+              <a:t>	Limitations: Training times, computation power</a:t>
+            </a:r>
+          </a:p>
+          <a:p>
+            <a:endParaRPr lang="fr-FR" sz="3600" dirty="0"/>
+          </a:p>
+          <a:p>
+            <a:r>
+              <a:rPr lang="fr-FR" sz="3600" dirty="0"/>
+              <a:t>- Notebooks </a:t>
+            </a:r>
+            <a:r>
+              <a:rPr lang="fr-FR" sz="3600" dirty="0" err="1"/>
+              <a:t>covering</a:t>
+            </a:r>
+            <a:r>
+              <a:rPr lang="fr-FR" sz="3600" dirty="0"/>
+              <a:t> all </a:t>
+            </a:r>
+            <a:r>
+              <a:rPr lang="fr-FR" sz="3600" dirty="0" err="1"/>
+              <a:t>project</a:t>
+            </a:r>
+            <a:endParaRPr lang="fr-FR" sz="3600" dirty="0"/>
+          </a:p>
+        </p:txBody>
+      </p:sp>
+      <p:sp>
+        <p:nvSpPr>
+          <p:cNvPr id="10" name="Espace réservé du contenu 2">
+            <a:extLst>
+              <a:ext uri="{FF2B5EF4-FFF2-40B4-BE49-F238E27FC236}">
+                <a16:creationId xmlns:a16="http://schemas.microsoft.com/office/drawing/2014/main" id="{ACD012F7-FBC2-4202-8CA3-18EBC6680F7F}"/>
+              </a:ext>
+            </a:extLst>
+          </p:cNvPr>
+          <p:cNvSpPr txBox="1">
+            <a:spLocks/>
+          </p:cNvSpPr>
+          <p:nvPr/>
+        </p:nvSpPr>
+        <p:spPr>
+          <a:xfrm>
+            <a:off x="25901" y="6131351"/>
+            <a:ext cx="988105" cy="788419"/>
+          </a:xfrm>
+          <a:prstGeom prst="rect">
+            <a:avLst/>
+          </a:prstGeom>
+        </p:spPr>
+        <p:txBody>
+          <a:bodyPr vert="horz" lIns="91440" tIns="45720" rIns="91440" bIns="45720" rtlCol="0" anchor="ctr">
+            <a:normAutofit/>
+          </a:bodyPr>
+          <a:lstStyle>
+            <a:lvl1pPr marL="285750" indent="-285750" algn="l" defTabSz="457200" rtl="0" eaLnBrk="1" latinLnBrk="0" hangingPunct="1">
+              <a:spcBef>
+                <a:spcPct val="20000"/>
+              </a:spcBef>
+              <a:spcAft>
+                <a:spcPts val="600"/>
+              </a:spcAft>
+              <a:buClr>
+                <a:schemeClr val="tx1"/>
+              </a:buClr>
+              <a:buSzPct val="80000"/>
+              <a:buFont typeface="Wingdings 3" panose="05040102010807070707" pitchFamily="18" charset="2"/>
+              <a:buChar char=""/>
+              <a:defRPr sz="2000" kern="1200" cap="none">
+                <a:solidFill>
+                  <a:schemeClr val="bg2">
+                    <a:lumMod val="75000"/>
+                  </a:schemeClr>
+                </a:solidFill>
+                <a:effectLst/>
+                <a:latin typeface="+mn-lt"/>
+                <a:ea typeface="+mn-ea"/>
+                <a:cs typeface="+mn-cs"/>
+              </a:defRPr>
+            </a:lvl1pPr>
+            <a:lvl2pPr marL="742950" indent="-285750" algn="l" defTabSz="457200" rtl="0" eaLnBrk="1" latinLnBrk="0" hangingPunct="1">
+              <a:spcBef>
+                <a:spcPct val="20000"/>
+              </a:spcBef>
+              <a:spcAft>
+                <a:spcPts val="600"/>
+              </a:spcAft>
+              <a:buClr>
+                <a:schemeClr val="tx1"/>
+              </a:buClr>
+              <a:buSzPct val="80000"/>
+              <a:buFont typeface="Wingdings 3" panose="05040102010807070707" pitchFamily="18" charset="2"/>
+              <a:buChar char=""/>
+              <a:defRPr sz="1800" kern="1200" cap="none">
+                <a:solidFill>
+                  <a:schemeClr val="bg2">
+                    <a:lumMod val="75000"/>
+                  </a:schemeClr>
+                </a:solidFill>
+                <a:effectLst/>
+                <a:latin typeface="+mn-lt"/>
+                <a:ea typeface="+mn-ea"/>
+                <a:cs typeface="+mn-cs"/>
+              </a:defRPr>
+            </a:lvl2pPr>
+            <a:lvl3pPr marL="1200150" indent="-285750" algn="l" defTabSz="457200" rtl="0" eaLnBrk="1" latinLnBrk="0" hangingPunct="1">
+              <a:spcBef>
+                <a:spcPct val="20000"/>
+              </a:spcBef>
+              <a:spcAft>
+                <a:spcPts val="600"/>
+              </a:spcAft>
+              <a:buClr>
+                <a:schemeClr val="tx1"/>
+              </a:buClr>
+              <a:buSzPct val="80000"/>
+              <a:buFont typeface="Wingdings 3" panose="05040102010807070707" pitchFamily="18" charset="2"/>
+              <a:buChar char=""/>
+              <a:defRPr sz="1600" kern="1200" cap="none">
+                <a:solidFill>
+                  <a:schemeClr val="bg2">
+                    <a:lumMod val="75000"/>
+                  </a:schemeClr>
+                </a:solidFill>
+                <a:effectLst/>
+                <a:latin typeface="+mn-lt"/>
+                <a:ea typeface="+mn-ea"/>
+                <a:cs typeface="+mn-cs"/>
+              </a:defRPr>
+            </a:lvl3pPr>
+            <a:lvl4pPr marL="1543050" indent="-171450" algn="l" defTabSz="457200" rtl="0" eaLnBrk="1" latinLnBrk="0" hangingPunct="1">
+              <a:spcBef>
+                <a:spcPct val="20000"/>
+              </a:spcBef>
+              <a:spcAft>
+                <a:spcPts val="600"/>
+              </a:spcAft>
+              <a:buClr>
+                <a:schemeClr val="tx1"/>
+              </a:buClr>
+              <a:buSzPct val="80000"/>
+              <a:buFont typeface="Wingdings 3" panose="05040102010807070707" pitchFamily="18" charset="2"/>
+              <a:buChar char=""/>
+              <a:defRPr sz="1400" kern="1200" cap="none">
+                <a:solidFill>
+                  <a:schemeClr val="bg2">
+                    <a:lumMod val="75000"/>
+                  </a:schemeClr>
+                </a:solidFill>
+                <a:effectLst/>
+                <a:latin typeface="+mn-lt"/>
+                <a:ea typeface="+mn-ea"/>
+                <a:cs typeface="+mn-cs"/>
+              </a:defRPr>
+            </a:lvl4pPr>
+            <a:lvl5pPr marL="2000250" indent="-171450" algn="l" defTabSz="457200" rtl="0" eaLnBrk="1" latinLnBrk="0" hangingPunct="1">
+              <a:spcBef>
+                <a:spcPct val="20000"/>
+              </a:spcBef>
+              <a:spcAft>
+                <a:spcPts val="600"/>
+              </a:spcAft>
+              <a:buClr>
+                <a:schemeClr val="tx1"/>
+              </a:buClr>
+              <a:buSzPct val="80000"/>
+              <a:buFont typeface="Wingdings 3" panose="05040102010807070707" pitchFamily="18" charset="2"/>
+              <a:buChar char=""/>
+              <a:defRPr sz="1400" kern="1200" cap="none">
+                <a:solidFill>
+                  <a:schemeClr val="bg2">
+                    <a:lumMod val="75000"/>
+                  </a:schemeClr>
+                </a:solidFill>
+                <a:effectLst/>
+                <a:latin typeface="+mn-lt"/>
+                <a:ea typeface="+mn-ea"/>
+                <a:cs typeface="+mn-cs"/>
+              </a:defRPr>
+            </a:lvl5pPr>
+            <a:lvl6pPr marL="2514600" indent="-228600" algn="l" defTabSz="457200" rtl="0" eaLnBrk="1" latinLnBrk="0" hangingPunct="1">
+              <a:spcBef>
+                <a:spcPct val="20000"/>
+              </a:spcBef>
+              <a:spcAft>
+                <a:spcPts val="600"/>
+              </a:spcAft>
+              <a:buClr>
+                <a:schemeClr val="tx1"/>
+              </a:buClr>
+              <a:buSzPct val="80000"/>
+              <a:buFont typeface="Wingdings 3" panose="05040102010807070707" pitchFamily="18" charset="2"/>
+              <a:buChar char=""/>
+              <a:defRPr sz="1400" kern="1200" cap="none">
+                <a:solidFill>
+                  <a:schemeClr val="bg2">
+                    <a:lumMod val="75000"/>
+                  </a:schemeClr>
+                </a:solidFill>
+                <a:effectLst/>
+                <a:latin typeface="+mn-lt"/>
+                <a:ea typeface="+mn-ea"/>
+                <a:cs typeface="+mn-cs"/>
+              </a:defRPr>
+            </a:lvl6pPr>
+            <a:lvl7pPr marL="2971800" indent="-228600" algn="l" defTabSz="457200" rtl="0" eaLnBrk="1" latinLnBrk="0" hangingPunct="1">
+              <a:spcBef>
+                <a:spcPct val="20000"/>
+              </a:spcBef>
+              <a:spcAft>
+                <a:spcPts val="600"/>
+              </a:spcAft>
+              <a:buClr>
+                <a:schemeClr val="tx1"/>
+              </a:buClr>
+              <a:buSzPct val="80000"/>
+              <a:buFont typeface="Wingdings 3" panose="05040102010807070707" pitchFamily="18" charset="2"/>
+              <a:buChar char=""/>
+              <a:defRPr sz="1400" kern="1200" cap="none">
+                <a:solidFill>
+                  <a:schemeClr val="bg2">
+                    <a:lumMod val="75000"/>
+                  </a:schemeClr>
+                </a:solidFill>
+                <a:effectLst/>
+                <a:latin typeface="+mn-lt"/>
+                <a:ea typeface="+mn-ea"/>
+                <a:cs typeface="+mn-cs"/>
+              </a:defRPr>
+            </a:lvl7pPr>
+            <a:lvl8pPr marL="3429000" indent="-228600" algn="l" defTabSz="457200" rtl="0" eaLnBrk="1" latinLnBrk="0" hangingPunct="1">
+              <a:spcBef>
+                <a:spcPct val="20000"/>
+              </a:spcBef>
+              <a:spcAft>
+                <a:spcPts val="600"/>
+              </a:spcAft>
+              <a:buClr>
+                <a:schemeClr val="tx1"/>
+              </a:buClr>
+              <a:buSzPct val="80000"/>
+              <a:buFont typeface="Wingdings 3" panose="05040102010807070707" pitchFamily="18" charset="2"/>
+              <a:buChar char=""/>
+              <a:defRPr sz="1400" kern="1200" cap="none">
+                <a:solidFill>
+                  <a:schemeClr val="bg2">
+                    <a:lumMod val="75000"/>
+                  </a:schemeClr>
+                </a:solidFill>
+                <a:effectLst/>
+                <a:latin typeface="+mn-lt"/>
+                <a:ea typeface="+mn-ea"/>
+                <a:cs typeface="+mn-cs"/>
+              </a:defRPr>
+            </a:lvl8pPr>
+            <a:lvl9pPr marL="3886200" indent="-228600" algn="l" defTabSz="457200" rtl="0" eaLnBrk="1" latinLnBrk="0" hangingPunct="1">
+              <a:spcBef>
+                <a:spcPct val="20000"/>
+              </a:spcBef>
+              <a:spcAft>
+                <a:spcPts val="600"/>
+              </a:spcAft>
+              <a:buClr>
+                <a:schemeClr val="tx1"/>
+              </a:buClr>
+              <a:buSzPct val="80000"/>
+              <a:buFont typeface="Wingdings 3" panose="05040102010807070707" pitchFamily="18" charset="2"/>
+              <a:buChar char=""/>
+              <a:defRPr sz="1400" kern="1200" cap="none">
+                <a:solidFill>
+                  <a:schemeClr val="bg2">
+                    <a:lumMod val="75000"/>
+                  </a:schemeClr>
+                </a:solidFill>
+                <a:effectLst/>
+                <a:latin typeface="+mn-lt"/>
+                <a:ea typeface="+mn-ea"/>
+                <a:cs typeface="+mn-cs"/>
+              </a:defRPr>
+            </a:lvl9pPr>
+          </a:lstStyle>
+          <a:p>
+            <a:pPr marL="0" indent="0">
+              <a:buFont typeface="Wingdings 3" panose="05040102010807070707" pitchFamily="18" charset="2"/>
+              <a:buNone/>
+            </a:pPr>
+            <a:r>
+              <a:rPr lang="fr-FR" sz="3200" b="1" dirty="0">
+                <a:solidFill>
+                  <a:schemeClr val="tx1">
+                    <a:lumMod val="95000"/>
+                  </a:schemeClr>
+                </a:solidFill>
+                <a:effectLst>
+                  <a:outerShdw blurRad="38100" dist="38100" dir="2700000" algn="tl">
+                    <a:srgbClr val="000000">
+                      <a:alpha val="43137"/>
+                    </a:srgbClr>
+                  </a:outerShdw>
+                </a:effectLst>
+              </a:rPr>
+              <a:t>17</a:t>
+            </a:r>
+            <a:endParaRPr lang="fr-FR" sz="4000" b="1" dirty="0">
+              <a:solidFill>
+                <a:schemeClr val="tx1">
+                  <a:lumMod val="95000"/>
+                </a:schemeClr>
+              </a:solidFill>
+              <a:effectLst>
+                <a:outerShdw blurRad="38100" dist="38100" dir="2700000" algn="tl">
+                  <a:srgbClr val="000000">
+                    <a:alpha val="43137"/>
+                  </a:srgbClr>
+                </a:outerShdw>
+              </a:effectLst>
+            </a:endParaRPr>
+          </a:p>
+        </p:txBody>
+      </p:sp>
+    </p:spTree>
+    <p:extLst>
+      <p:ext uri="{BB962C8B-B14F-4D97-AF65-F5344CB8AC3E}">
+        <p14:creationId xmlns:p14="http://schemas.microsoft.com/office/powerpoint/2010/main" val="1328385268"/>
       </p:ext>
     </p:extLst>
   </p:cSld>
@@ -20729,15 +20635,7 @@
           <a:p>
             <a:r>
               <a:rPr lang="fr-FR" sz="3600" dirty="0"/>
-              <a:t>- </a:t>
-            </a:r>
-            <a:r>
-              <a:rPr lang="fr-FR" sz="3600" dirty="0" err="1"/>
-              <a:t>Around</a:t>
-            </a:r>
-            <a:r>
-              <a:rPr lang="fr-FR" sz="3600" dirty="0"/>
-              <a:t> 30 notebooks </a:t>
+              <a:t>- Notebooks </a:t>
             </a:r>
             <a:r>
               <a:rPr lang="fr-FR" sz="3600" dirty="0" err="1"/>
@@ -21048,10 +20946,132 @@
           </a:p>
         </p:txBody>
       </p:sp>
+      <p:sp>
+        <p:nvSpPr>
+          <p:cNvPr id="11" name="TextBox 4">
+            <a:extLst>
+              <a:ext uri="{FF2B5EF4-FFF2-40B4-BE49-F238E27FC236}">
+                <a16:creationId xmlns:a16="http://schemas.microsoft.com/office/drawing/2014/main" id="{E5FEEBD5-E3D9-4B24-93A6-42B19A212E76}"/>
+              </a:ext>
+            </a:extLst>
+          </p:cNvPr>
+          <p:cNvSpPr txBox="1"/>
+          <p:nvPr/>
+        </p:nvSpPr>
+        <p:spPr>
+          <a:xfrm>
+            <a:off x="250505" y="3511547"/>
+            <a:ext cx="2260555" cy="646331"/>
+          </a:xfrm>
+          <a:prstGeom prst="rect">
+            <a:avLst/>
+          </a:prstGeom>
+          <a:noFill/>
+        </p:spPr>
+        <p:txBody>
+          <a:bodyPr wrap="none" rtlCol="0">
+            <a:spAutoFit/>
+          </a:bodyPr>
+          <a:lstStyle/>
+          <a:p>
+            <a:r>
+              <a:rPr lang="fr-FR" sz="3600" dirty="0" err="1"/>
+              <a:t>Datasets</a:t>
+            </a:r>
+            <a:r>
+              <a:rPr lang="fr-FR" sz="3600" dirty="0"/>
+              <a:t>:</a:t>
+            </a:r>
+          </a:p>
+        </p:txBody>
+      </p:sp>
+      <p:sp>
+        <p:nvSpPr>
+          <p:cNvPr id="2" name="Rectangle 1">
+            <a:extLst>
+              <a:ext uri="{FF2B5EF4-FFF2-40B4-BE49-F238E27FC236}">
+                <a16:creationId xmlns:a16="http://schemas.microsoft.com/office/drawing/2014/main" id="{39FD7229-B6A6-4890-A692-03A1D8FC636B}"/>
+              </a:ext>
+            </a:extLst>
+          </p:cNvPr>
+          <p:cNvSpPr/>
+          <p:nvPr/>
+        </p:nvSpPr>
+        <p:spPr>
+          <a:xfrm>
+            <a:off x="575607" y="4029756"/>
+            <a:ext cx="1864659" cy="1569660"/>
+          </a:xfrm>
+          <a:prstGeom prst="rect">
+            <a:avLst/>
+          </a:prstGeom>
+        </p:spPr>
+        <p:txBody>
+          <a:bodyPr wrap="square">
+            <a:spAutoFit/>
+          </a:bodyPr>
+          <a:lstStyle/>
+          <a:p>
+            <a:r>
+              <a:rPr lang="fr-FR" sz="2400" i="1" u="sng" dirty="0">
+                <a:solidFill>
+                  <a:schemeClr val="accent1">
+                    <a:lumMod val="75000"/>
+                  </a:schemeClr>
+                </a:solidFill>
+              </a:rPr>
+              <a:t>Basics</a:t>
+            </a:r>
+          </a:p>
+          <a:p>
+            <a:r>
+              <a:rPr lang="fr-FR" sz="2400" i="1" u="sng" dirty="0">
+                <a:solidFill>
+                  <a:schemeClr val="accent1">
+                    <a:lumMod val="75000"/>
+                  </a:schemeClr>
+                </a:solidFill>
+              </a:rPr>
+              <a:t>Images</a:t>
+            </a:r>
+          </a:p>
+          <a:p>
+            <a:r>
+              <a:rPr lang="fr-FR" sz="2400" i="1" u="sng" dirty="0" err="1">
+                <a:solidFill>
+                  <a:schemeClr val="accent1">
+                    <a:lumMod val="75000"/>
+                  </a:schemeClr>
+                </a:solidFill>
+              </a:rPr>
+              <a:t>Loading</a:t>
+            </a:r>
+            <a:endParaRPr lang="fr-FR" sz="2400" i="1" u="sng" dirty="0">
+              <a:solidFill>
+                <a:schemeClr val="accent1">
+                  <a:lumMod val="75000"/>
+                </a:schemeClr>
+              </a:solidFill>
+            </a:endParaRPr>
+          </a:p>
+          <a:p>
+            <a:r>
+              <a:rPr lang="fr-FR" sz="2400" i="1" u="sng" dirty="0">
+                <a:solidFill>
+                  <a:schemeClr val="accent1">
+                    <a:lumMod val="75000"/>
+                  </a:schemeClr>
+                </a:solidFill>
+              </a:rPr>
+              <a:t>Building</a:t>
+            </a:r>
+          </a:p>
+        </p:txBody>
+      </p:sp>
     </p:spTree>
     <p:extLst>
       <p:ext uri="{BB962C8B-B14F-4D97-AF65-F5344CB8AC3E}">
-        <p14:creationId xmlns:p14="http://schemas.microsoft.com/office/powerpoint/2010/main" val="1328385268"/>
+        <p14:creationId xmlns:p14="http://schemas.microsoft.com/office/powerpoint/2010/main" val="1619512318"/>
       </p:ext>
     </p:extLst>
   </p:cSld>
@@ -21197,15 +21217,7 @@
           <a:p>
             <a:r>
               <a:rPr lang="fr-FR" sz="3600" dirty="0"/>
-              <a:t>- </a:t>
-            </a:r>
-            <a:r>
-              <a:rPr lang="fr-FR" sz="3600" dirty="0" err="1"/>
-              <a:t>Around</a:t>
-            </a:r>
-            <a:r>
-              <a:rPr lang="fr-FR" sz="3600" dirty="0"/>
-              <a:t> 30 notebooks </a:t>
+              <a:t>- Notebooks </a:t>
             </a:r>
             <a:r>
               <a:rPr lang="fr-FR" sz="3600" dirty="0" err="1"/>
@@ -21220,340 +21232,6 @@
               <a:t>project</a:t>
             </a:r>
             <a:endParaRPr lang="fr-FR" sz="3600" dirty="0"/>
-          </a:p>
-        </p:txBody>
-      </p:sp>
-      <p:sp>
-        <p:nvSpPr>
-          <p:cNvPr id="8" name="TextBox 4">
-            <a:extLst>
-              <a:ext uri="{FF2B5EF4-FFF2-40B4-BE49-F238E27FC236}">
-                <a16:creationId xmlns:a16="http://schemas.microsoft.com/office/drawing/2014/main" id="{CE6C2244-42A8-43D4-B68F-F1B6BCDFD419}"/>
-              </a:ext>
-            </a:extLst>
-          </p:cNvPr>
-          <p:cNvSpPr txBox="1"/>
-          <p:nvPr/>
-        </p:nvSpPr>
-        <p:spPr>
-          <a:xfrm>
-            <a:off x="771457" y="4287520"/>
-            <a:ext cx="8323112" cy="1754326"/>
-          </a:xfrm>
-          <a:prstGeom prst="rect">
-            <a:avLst/>
-          </a:prstGeom>
-          <a:noFill/>
-        </p:spPr>
-        <p:txBody>
-          <a:bodyPr wrap="none" rtlCol="0">
-            <a:spAutoFit/>
-          </a:bodyPr>
-          <a:lstStyle/>
-          <a:p>
-            <a:pPr marL="457200" indent="-457200">
-              <a:buFontTx/>
-              <a:buChar char="-"/>
-            </a:pPr>
-            <a:r>
-              <a:rPr lang="en-US" sz="3600" dirty="0"/>
-              <a:t>Improve model performance</a:t>
-            </a:r>
-          </a:p>
-          <a:p>
-            <a:pPr marL="457200" indent="-457200">
-              <a:buFontTx/>
-              <a:buChar char="-"/>
-            </a:pPr>
-            <a:r>
-              <a:rPr lang="en-US" sz="3600" dirty="0"/>
-              <a:t>extend to the PDF to Latex tool</a:t>
-            </a:r>
-          </a:p>
-          <a:p>
-            <a:pPr marL="457200" indent="-457200">
-              <a:buFontTx/>
-              <a:buChar char="-"/>
-            </a:pPr>
-            <a:r>
-              <a:rPr lang="en-US" sz="3600" dirty="0"/>
-              <a:t>provide the associated notebooks</a:t>
-            </a:r>
-            <a:endParaRPr lang="fr-FR" sz="3600" dirty="0"/>
-          </a:p>
-        </p:txBody>
-      </p:sp>
-      <p:sp>
-        <p:nvSpPr>
-          <p:cNvPr id="13" name="Espace réservé du contenu 2">
-            <a:extLst>
-              <a:ext uri="{FF2B5EF4-FFF2-40B4-BE49-F238E27FC236}">
-                <a16:creationId xmlns:a16="http://schemas.microsoft.com/office/drawing/2014/main" id="{E6C38BEB-D345-4CF8-AC47-6CD5E184D6BD}"/>
-              </a:ext>
-            </a:extLst>
-          </p:cNvPr>
-          <p:cNvSpPr txBox="1">
-            <a:spLocks/>
-          </p:cNvSpPr>
-          <p:nvPr/>
-        </p:nvSpPr>
-        <p:spPr>
-          <a:xfrm>
-            <a:off x="145860" y="3449449"/>
-            <a:ext cx="9574306" cy="883024"/>
-          </a:xfrm>
-          <a:prstGeom prst="rect">
-            <a:avLst/>
-          </a:prstGeom>
-        </p:spPr>
-        <p:txBody>
-          <a:bodyPr vert="horz" lIns="91440" tIns="45720" rIns="91440" bIns="45720" rtlCol="0" anchor="ctr">
-            <a:normAutofit/>
-          </a:bodyPr>
-          <a:lstStyle>
-            <a:lvl1pPr marL="285750" indent="-285750" algn="l" defTabSz="457200" rtl="0" eaLnBrk="1" latinLnBrk="0" hangingPunct="1">
-              <a:spcBef>
-                <a:spcPct val="20000"/>
-              </a:spcBef>
-              <a:spcAft>
-                <a:spcPts val="600"/>
-              </a:spcAft>
-              <a:buClr>
-                <a:schemeClr val="tx1"/>
-              </a:buClr>
-              <a:buSzPct val="80000"/>
-              <a:buFont typeface="Wingdings 3" panose="05040102010807070707" pitchFamily="18" charset="2"/>
-              <a:buChar char=""/>
-              <a:defRPr sz="2000" kern="1200" cap="none">
-                <a:solidFill>
-                  <a:schemeClr val="bg2">
-                    <a:lumMod val="75000"/>
-                  </a:schemeClr>
-                </a:solidFill>
-                <a:effectLst/>
-                <a:latin typeface="+mn-lt"/>
-                <a:ea typeface="+mn-ea"/>
-                <a:cs typeface="+mn-cs"/>
-              </a:defRPr>
-            </a:lvl1pPr>
-            <a:lvl2pPr marL="742950" indent="-285750" algn="l" defTabSz="457200" rtl="0" eaLnBrk="1" latinLnBrk="0" hangingPunct="1">
-              <a:spcBef>
-                <a:spcPct val="20000"/>
-              </a:spcBef>
-              <a:spcAft>
-                <a:spcPts val="600"/>
-              </a:spcAft>
-              <a:buClr>
-                <a:schemeClr val="tx1"/>
-              </a:buClr>
-              <a:buSzPct val="80000"/>
-              <a:buFont typeface="Wingdings 3" panose="05040102010807070707" pitchFamily="18" charset="2"/>
-              <a:buChar char=""/>
-              <a:defRPr sz="1800" kern="1200" cap="none">
-                <a:solidFill>
-                  <a:schemeClr val="bg2">
-                    <a:lumMod val="75000"/>
-                  </a:schemeClr>
-                </a:solidFill>
-                <a:effectLst/>
-                <a:latin typeface="+mn-lt"/>
-                <a:ea typeface="+mn-ea"/>
-                <a:cs typeface="+mn-cs"/>
-              </a:defRPr>
-            </a:lvl2pPr>
-            <a:lvl3pPr marL="1200150" indent="-285750" algn="l" defTabSz="457200" rtl="0" eaLnBrk="1" latinLnBrk="0" hangingPunct="1">
-              <a:spcBef>
-                <a:spcPct val="20000"/>
-              </a:spcBef>
-              <a:spcAft>
-                <a:spcPts val="600"/>
-              </a:spcAft>
-              <a:buClr>
-                <a:schemeClr val="tx1"/>
-              </a:buClr>
-              <a:buSzPct val="80000"/>
-              <a:buFont typeface="Wingdings 3" panose="05040102010807070707" pitchFamily="18" charset="2"/>
-              <a:buChar char=""/>
-              <a:defRPr sz="1600" kern="1200" cap="none">
-                <a:solidFill>
-                  <a:schemeClr val="bg2">
-                    <a:lumMod val="75000"/>
-                  </a:schemeClr>
-                </a:solidFill>
-                <a:effectLst/>
-                <a:latin typeface="+mn-lt"/>
-                <a:ea typeface="+mn-ea"/>
-                <a:cs typeface="+mn-cs"/>
-              </a:defRPr>
-            </a:lvl3pPr>
-            <a:lvl4pPr marL="1543050" indent="-171450" algn="l" defTabSz="457200" rtl="0" eaLnBrk="1" latinLnBrk="0" hangingPunct="1">
-              <a:spcBef>
-                <a:spcPct val="20000"/>
-              </a:spcBef>
-              <a:spcAft>
-                <a:spcPts val="600"/>
-              </a:spcAft>
-              <a:buClr>
-                <a:schemeClr val="tx1"/>
-              </a:buClr>
-              <a:buSzPct val="80000"/>
-              <a:buFont typeface="Wingdings 3" panose="05040102010807070707" pitchFamily="18" charset="2"/>
-              <a:buChar char=""/>
-              <a:defRPr sz="1400" kern="1200" cap="none">
-                <a:solidFill>
-                  <a:schemeClr val="bg2">
-                    <a:lumMod val="75000"/>
-                  </a:schemeClr>
-                </a:solidFill>
-                <a:effectLst/>
-                <a:latin typeface="+mn-lt"/>
-                <a:ea typeface="+mn-ea"/>
-                <a:cs typeface="+mn-cs"/>
-              </a:defRPr>
-            </a:lvl4pPr>
-            <a:lvl5pPr marL="2000250" indent="-171450" algn="l" defTabSz="457200" rtl="0" eaLnBrk="1" latinLnBrk="0" hangingPunct="1">
-              <a:spcBef>
-                <a:spcPct val="20000"/>
-              </a:spcBef>
-              <a:spcAft>
-                <a:spcPts val="600"/>
-              </a:spcAft>
-              <a:buClr>
-                <a:schemeClr val="tx1"/>
-              </a:buClr>
-              <a:buSzPct val="80000"/>
-              <a:buFont typeface="Wingdings 3" panose="05040102010807070707" pitchFamily="18" charset="2"/>
-              <a:buChar char=""/>
-              <a:defRPr sz="1400" kern="1200" cap="none">
-                <a:solidFill>
-                  <a:schemeClr val="bg2">
-                    <a:lumMod val="75000"/>
-                  </a:schemeClr>
-                </a:solidFill>
-                <a:effectLst/>
-                <a:latin typeface="+mn-lt"/>
-                <a:ea typeface="+mn-ea"/>
-                <a:cs typeface="+mn-cs"/>
-              </a:defRPr>
-            </a:lvl5pPr>
-            <a:lvl6pPr marL="2514600" indent="-228600" algn="l" defTabSz="457200" rtl="0" eaLnBrk="1" latinLnBrk="0" hangingPunct="1">
-              <a:spcBef>
-                <a:spcPct val="20000"/>
-              </a:spcBef>
-              <a:spcAft>
-                <a:spcPts val="600"/>
-              </a:spcAft>
-              <a:buClr>
-                <a:schemeClr val="tx1"/>
-              </a:buClr>
-              <a:buSzPct val="80000"/>
-              <a:buFont typeface="Wingdings 3" panose="05040102010807070707" pitchFamily="18" charset="2"/>
-              <a:buChar char=""/>
-              <a:defRPr sz="1400" kern="1200" cap="none">
-                <a:solidFill>
-                  <a:schemeClr val="bg2">
-                    <a:lumMod val="75000"/>
-                  </a:schemeClr>
-                </a:solidFill>
-                <a:effectLst/>
-                <a:latin typeface="+mn-lt"/>
-                <a:ea typeface="+mn-ea"/>
-                <a:cs typeface="+mn-cs"/>
-              </a:defRPr>
-            </a:lvl6pPr>
-            <a:lvl7pPr marL="2971800" indent="-228600" algn="l" defTabSz="457200" rtl="0" eaLnBrk="1" latinLnBrk="0" hangingPunct="1">
-              <a:spcBef>
-                <a:spcPct val="20000"/>
-              </a:spcBef>
-              <a:spcAft>
-                <a:spcPts val="600"/>
-              </a:spcAft>
-              <a:buClr>
-                <a:schemeClr val="tx1"/>
-              </a:buClr>
-              <a:buSzPct val="80000"/>
-              <a:buFont typeface="Wingdings 3" panose="05040102010807070707" pitchFamily="18" charset="2"/>
-              <a:buChar char=""/>
-              <a:defRPr sz="1400" kern="1200" cap="none">
-                <a:solidFill>
-                  <a:schemeClr val="bg2">
-                    <a:lumMod val="75000"/>
-                  </a:schemeClr>
-                </a:solidFill>
-                <a:effectLst/>
-                <a:latin typeface="+mn-lt"/>
-                <a:ea typeface="+mn-ea"/>
-                <a:cs typeface="+mn-cs"/>
-              </a:defRPr>
-            </a:lvl7pPr>
-            <a:lvl8pPr marL="3429000" indent="-228600" algn="l" defTabSz="457200" rtl="0" eaLnBrk="1" latinLnBrk="0" hangingPunct="1">
-              <a:spcBef>
-                <a:spcPct val="20000"/>
-              </a:spcBef>
-              <a:spcAft>
-                <a:spcPts val="600"/>
-              </a:spcAft>
-              <a:buClr>
-                <a:schemeClr val="tx1"/>
-              </a:buClr>
-              <a:buSzPct val="80000"/>
-              <a:buFont typeface="Wingdings 3" panose="05040102010807070707" pitchFamily="18" charset="2"/>
-              <a:buChar char=""/>
-              <a:defRPr sz="1400" kern="1200" cap="none">
-                <a:solidFill>
-                  <a:schemeClr val="bg2">
-                    <a:lumMod val="75000"/>
-                  </a:schemeClr>
-                </a:solidFill>
-                <a:effectLst/>
-                <a:latin typeface="+mn-lt"/>
-                <a:ea typeface="+mn-ea"/>
-                <a:cs typeface="+mn-cs"/>
-              </a:defRPr>
-            </a:lvl8pPr>
-            <a:lvl9pPr marL="3886200" indent="-228600" algn="l" defTabSz="457200" rtl="0" eaLnBrk="1" latinLnBrk="0" hangingPunct="1">
-              <a:spcBef>
-                <a:spcPct val="20000"/>
-              </a:spcBef>
-              <a:spcAft>
-                <a:spcPts val="600"/>
-              </a:spcAft>
-              <a:buClr>
-                <a:schemeClr val="tx1"/>
-              </a:buClr>
-              <a:buSzPct val="80000"/>
-              <a:buFont typeface="Wingdings 3" panose="05040102010807070707" pitchFamily="18" charset="2"/>
-              <a:buChar char=""/>
-              <a:defRPr sz="1400" kern="1200" cap="none">
-                <a:solidFill>
-                  <a:schemeClr val="bg2">
-                    <a:lumMod val="75000"/>
-                  </a:schemeClr>
-                </a:solidFill>
-                <a:effectLst/>
-                <a:latin typeface="+mn-lt"/>
-                <a:ea typeface="+mn-ea"/>
-                <a:cs typeface="+mn-cs"/>
-              </a:defRPr>
-            </a:lvl9pPr>
-          </a:lstStyle>
-          <a:p>
-            <a:pPr marL="0" indent="0">
-              <a:buFont typeface="Wingdings 3" panose="05040102010807070707" pitchFamily="18" charset="2"/>
-              <a:buNone/>
-            </a:pPr>
-            <a:r>
-              <a:rPr lang="fr-FR" sz="4400" b="1" dirty="0">
-                <a:effectLst>
-                  <a:outerShdw blurRad="38100" dist="38100" dir="2700000" algn="tl">
-                    <a:srgbClr val="000000">
-                      <a:alpha val="43137"/>
-                    </a:srgbClr>
-                  </a:outerShdw>
-                </a:effectLst>
-              </a:rPr>
-              <a:t>Futur</a:t>
-            </a:r>
           </a:p>
         </p:txBody>
       </p:sp>
@@ -21850,10 +21528,241 @@
           </a:p>
         </p:txBody>
       </p:sp>
+      <p:sp>
+        <p:nvSpPr>
+          <p:cNvPr id="11" name="TextBox 4">
+            <a:extLst>
+              <a:ext uri="{FF2B5EF4-FFF2-40B4-BE49-F238E27FC236}">
+                <a16:creationId xmlns:a16="http://schemas.microsoft.com/office/drawing/2014/main" id="{E5FEEBD5-E3D9-4B24-93A6-42B19A212E76}"/>
+              </a:ext>
+            </a:extLst>
+          </p:cNvPr>
+          <p:cNvSpPr txBox="1"/>
+          <p:nvPr/>
+        </p:nvSpPr>
+        <p:spPr>
+          <a:xfrm>
+            <a:off x="250505" y="3511547"/>
+            <a:ext cx="2260555" cy="646331"/>
+          </a:xfrm>
+          <a:prstGeom prst="rect">
+            <a:avLst/>
+          </a:prstGeom>
+          <a:noFill/>
+        </p:spPr>
+        <p:txBody>
+          <a:bodyPr wrap="none" rtlCol="0">
+            <a:spAutoFit/>
+          </a:bodyPr>
+          <a:lstStyle/>
+          <a:p>
+            <a:r>
+              <a:rPr lang="fr-FR" sz="3600" dirty="0" err="1"/>
+              <a:t>Datasets</a:t>
+            </a:r>
+            <a:r>
+              <a:rPr lang="fr-FR" sz="3600" dirty="0"/>
+              <a:t>:</a:t>
+            </a:r>
+          </a:p>
+        </p:txBody>
+      </p:sp>
+      <p:sp>
+        <p:nvSpPr>
+          <p:cNvPr id="2" name="Rectangle 1">
+            <a:extLst>
+              <a:ext uri="{FF2B5EF4-FFF2-40B4-BE49-F238E27FC236}">
+                <a16:creationId xmlns:a16="http://schemas.microsoft.com/office/drawing/2014/main" id="{39FD7229-B6A6-4890-A692-03A1D8FC636B}"/>
+              </a:ext>
+            </a:extLst>
+          </p:cNvPr>
+          <p:cNvSpPr/>
+          <p:nvPr/>
+        </p:nvSpPr>
+        <p:spPr>
+          <a:xfrm>
+            <a:off x="575607" y="4029756"/>
+            <a:ext cx="1864659" cy="1569660"/>
+          </a:xfrm>
+          <a:prstGeom prst="rect">
+            <a:avLst/>
+          </a:prstGeom>
+        </p:spPr>
+        <p:txBody>
+          <a:bodyPr wrap="square">
+            <a:spAutoFit/>
+          </a:bodyPr>
+          <a:lstStyle/>
+          <a:p>
+            <a:r>
+              <a:rPr lang="fr-FR" sz="2400" i="1" u="sng" dirty="0">
+                <a:solidFill>
+                  <a:schemeClr val="accent1">
+                    <a:lumMod val="75000"/>
+                  </a:schemeClr>
+                </a:solidFill>
+              </a:rPr>
+              <a:t>Basics</a:t>
+            </a:r>
+          </a:p>
+          <a:p>
+            <a:r>
+              <a:rPr lang="fr-FR" sz="2400" i="1" u="sng" dirty="0">
+                <a:solidFill>
+                  <a:schemeClr val="accent1">
+                    <a:lumMod val="75000"/>
+                  </a:schemeClr>
+                </a:solidFill>
+              </a:rPr>
+              <a:t>Images</a:t>
+            </a:r>
+          </a:p>
+          <a:p>
+            <a:r>
+              <a:rPr lang="fr-FR" sz="2400" i="1" u="sng" dirty="0" err="1">
+                <a:solidFill>
+                  <a:schemeClr val="accent1">
+                    <a:lumMod val="75000"/>
+                  </a:schemeClr>
+                </a:solidFill>
+              </a:rPr>
+              <a:t>Loading</a:t>
+            </a:r>
+            <a:endParaRPr lang="fr-FR" sz="2400" i="1" u="sng" dirty="0">
+              <a:solidFill>
+                <a:schemeClr val="accent1">
+                  <a:lumMod val="75000"/>
+                </a:schemeClr>
+              </a:solidFill>
+            </a:endParaRPr>
+          </a:p>
+          <a:p>
+            <a:r>
+              <a:rPr lang="fr-FR" sz="2400" i="1" u="sng" dirty="0">
+                <a:solidFill>
+                  <a:schemeClr val="accent1">
+                    <a:lumMod val="75000"/>
+                  </a:schemeClr>
+                </a:solidFill>
+              </a:rPr>
+              <a:t>Building</a:t>
+            </a:r>
+          </a:p>
+        </p:txBody>
+      </p:sp>
+      <p:sp>
+        <p:nvSpPr>
+          <p:cNvPr id="12" name="TextBox 4">
+            <a:extLst>
+              <a:ext uri="{FF2B5EF4-FFF2-40B4-BE49-F238E27FC236}">
+                <a16:creationId xmlns:a16="http://schemas.microsoft.com/office/drawing/2014/main" id="{914C41B9-5A53-4544-A16D-406CB3DBED37}"/>
+              </a:ext>
+            </a:extLst>
+          </p:cNvPr>
+          <p:cNvSpPr txBox="1"/>
+          <p:nvPr/>
+        </p:nvSpPr>
+        <p:spPr>
+          <a:xfrm>
+            <a:off x="3518972" y="3516028"/>
+            <a:ext cx="950901" cy="646331"/>
+          </a:xfrm>
+          <a:prstGeom prst="rect">
+            <a:avLst/>
+          </a:prstGeom>
+          <a:noFill/>
+        </p:spPr>
+        <p:txBody>
+          <a:bodyPr wrap="none" rtlCol="0">
+            <a:spAutoFit/>
+          </a:bodyPr>
+          <a:lstStyle/>
+          <a:p>
+            <a:r>
+              <a:rPr lang="fr-FR" sz="3600" dirty="0"/>
+              <a:t>ML:</a:t>
+            </a:r>
+          </a:p>
+        </p:txBody>
+      </p:sp>
+      <p:sp>
+        <p:nvSpPr>
+          <p:cNvPr id="16" name="Rectangle 15">
+            <a:extLst>
+              <a:ext uri="{FF2B5EF4-FFF2-40B4-BE49-F238E27FC236}">
+                <a16:creationId xmlns:a16="http://schemas.microsoft.com/office/drawing/2014/main" id="{5E8680B3-4BD1-4573-ABF5-11734422BE01}"/>
+              </a:ext>
+            </a:extLst>
+          </p:cNvPr>
+          <p:cNvSpPr/>
+          <p:nvPr/>
+        </p:nvSpPr>
+        <p:spPr>
+          <a:xfrm>
+            <a:off x="2779954" y="4047963"/>
+            <a:ext cx="3172360" cy="1200329"/>
+          </a:xfrm>
+          <a:prstGeom prst="rect">
+            <a:avLst/>
+          </a:prstGeom>
+        </p:spPr>
+        <p:txBody>
+          <a:bodyPr wrap="square">
+            <a:spAutoFit/>
+          </a:bodyPr>
+          <a:lstStyle/>
+          <a:p>
+            <a:r>
+              <a:rPr lang="fr-FR" sz="2400" i="1" u="sng" dirty="0">
+                <a:solidFill>
+                  <a:schemeClr val="accent1">
+                    <a:lumMod val="75000"/>
+                  </a:schemeClr>
+                </a:solidFill>
+              </a:rPr>
+              <a:t>Uses</a:t>
+            </a:r>
+          </a:p>
+          <a:p>
+            <a:r>
+              <a:rPr lang="fr-FR" sz="2400" i="1" u="sng" dirty="0">
+                <a:solidFill>
+                  <a:schemeClr val="accent1">
+                    <a:lumMod val="75000"/>
+                  </a:schemeClr>
+                </a:solidFill>
+              </a:rPr>
+              <a:t>Training time</a:t>
+            </a:r>
+          </a:p>
+          <a:p>
+            <a:r>
+              <a:rPr lang="fr-FR" sz="2400" i="1" u="sng" dirty="0" err="1">
+                <a:solidFill>
+                  <a:schemeClr val="accent1">
+                    <a:lumMod val="75000"/>
+                  </a:schemeClr>
+                </a:solidFill>
+              </a:rPr>
+              <a:t>Computer’s</a:t>
+            </a:r>
+            <a:r>
+              <a:rPr lang="fr-FR" sz="2400" i="1" u="sng" dirty="0">
+                <a:solidFill>
+                  <a:schemeClr val="accent1">
+                    <a:lumMod val="75000"/>
+                  </a:schemeClr>
+                </a:solidFill>
+              </a:rPr>
+              <a:t> power</a:t>
+            </a:r>
+          </a:p>
+        </p:txBody>
+      </p:sp>
     </p:spTree>
     <p:extLst>
       <p:ext uri="{BB962C8B-B14F-4D97-AF65-F5344CB8AC3E}">
-        <p14:creationId xmlns:p14="http://schemas.microsoft.com/office/powerpoint/2010/main" val="3659340769"/>
+        <p14:creationId xmlns:p14="http://schemas.microsoft.com/office/powerpoint/2010/main" val="3392077030"/>
       </p:ext>
     </p:extLst>
   </p:cSld>
@@ -22289,7 +22198,13 @@
   <p:cSld>
     <p:spTree>
       <p:nvGrpSpPr>
-        <p:cNvPr id="1" name=""/>
+        <p:cNvPr id="1" name="">
+          <a:extLst>
+            <a:ext uri="{FF2B5EF4-FFF2-40B4-BE49-F238E27FC236}">
+              <a16:creationId xmlns:a16="http://schemas.microsoft.com/office/drawing/2014/main" id="{9BA86989-CA52-919B-44DB-8ABE8DA1CC55}"/>
+            </a:ext>
+          </a:extLst>
+        </p:cNvPr>
         <p:cNvGrpSpPr/>
         <p:nvPr/>
       </p:nvGrpSpPr>
@@ -22303,57 +22218,10 @@
       </p:grpSpPr>
       <p:sp>
         <p:nvSpPr>
-          <p:cNvPr id="2" name="Titre 1">
+          <p:cNvPr id="7" name="Espace réservé du contenu 2">
             <a:extLst>
               <a:ext uri="{FF2B5EF4-FFF2-40B4-BE49-F238E27FC236}">
-                <a16:creationId xmlns:a16="http://schemas.microsoft.com/office/drawing/2014/main" id="{5AE0DE15-79EE-42FB-9775-A9B4FB501C8A}"/>
-              </a:ext>
-            </a:extLst>
-          </p:cNvPr>
-          <p:cNvSpPr>
-            <a:spLocks noGrp="1"/>
-          </p:cNvSpPr>
-          <p:nvPr>
-            <p:ph type="title"/>
-          </p:nvPr>
-        </p:nvSpPr>
-        <p:spPr>
-          <a:xfrm>
-            <a:off x="2141034" y="131294"/>
-            <a:ext cx="7909931" cy="1723139"/>
-          </a:xfrm>
-        </p:spPr>
-        <p:txBody>
-          <a:bodyPr>
-            <a:normAutofit fontScale="90000"/>
-          </a:bodyPr>
-          <a:lstStyle/>
-          <a:p>
-            <a:pPr algn="ctr"/>
-            <a:r>
-              <a:rPr lang="fr-FR" sz="11500" b="1" u="sng" dirty="0">
-                <a:solidFill>
-                  <a:srgbClr val="FFC000"/>
-                </a:solidFill>
-                <a:effectLst>
-                  <a:outerShdw blurRad="38100" dist="38100" dir="2700000" algn="tl">
-                    <a:srgbClr val="000000">
-                      <a:alpha val="43137"/>
-                    </a:srgbClr>
-                  </a:outerShdw>
-                </a:effectLst>
-              </a:rPr>
-              <a:t>IPdf2Latex</a:t>
-            </a:r>
-          </a:p>
-        </p:txBody>
-      </p:sp>
-      <p:sp>
-        <p:nvSpPr>
-          <p:cNvPr id="3" name="Espace réservé du contenu 2">
-            <a:extLst>
-              <a:ext uri="{FF2B5EF4-FFF2-40B4-BE49-F238E27FC236}">
-                <a16:creationId xmlns:a16="http://schemas.microsoft.com/office/drawing/2014/main" id="{644217B5-B80B-44F0-9C15-7D702CBD4700}"/>
+                <a16:creationId xmlns:a16="http://schemas.microsoft.com/office/drawing/2014/main" id="{A5C36824-B6A4-4210-9179-7724AF774D1A}"/>
               </a:ext>
             </a:extLst>
           </p:cNvPr>
@@ -22366,8 +22234,8 @@
         </p:nvSpPr>
         <p:spPr>
           <a:xfrm>
-            <a:off x="2525458" y="5003567"/>
-            <a:ext cx="9474563" cy="761036"/>
+            <a:off x="109728" y="49671"/>
+            <a:ext cx="9574306" cy="883024"/>
           </a:xfrm>
         </p:spPr>
         <p:txBody>
@@ -22380,107 +22248,35 @@
               <a:buNone/>
             </a:pPr>
             <a:r>
-              <a:rPr lang="fr-FR" sz="2400" b="1" dirty="0"/>
-              <a:t>Macéo Ottavy, Mathieu </a:t>
-            </a:r>
-            <a:r>
-              <a:rPr lang="fr-FR" sz="2400" b="1" dirty="0" err="1"/>
-              <a:t>Longatte</a:t>
-            </a:r>
-            <a:r>
-              <a:rPr lang="fr-FR" sz="2400" b="1" dirty="0"/>
-              <a:t>, Louison </a:t>
-            </a:r>
-            <a:r>
-              <a:rPr lang="fr-FR" sz="2400" b="1" dirty="0" err="1"/>
-              <a:t>Mocq</a:t>
-            </a:r>
-            <a:r>
-              <a:rPr lang="fr-FR" sz="2400" b="1" dirty="0"/>
-              <a:t>, </a:t>
-            </a:r>
-            <a:r>
-              <a:rPr lang="fr-FR" sz="2400" b="1" dirty="0" err="1"/>
-              <a:t>Ankit</a:t>
-            </a:r>
-            <a:r>
-              <a:rPr lang="fr-FR" sz="2400" b="1" dirty="0"/>
-              <a:t> </a:t>
-            </a:r>
-            <a:r>
-              <a:rPr lang="fr-FR" sz="2400" b="1" dirty="0" err="1"/>
-              <a:t>Gayen</a:t>
-            </a:r>
-            <a:endParaRPr lang="fr-FR" sz="2400" b="1" dirty="0"/>
+              <a:rPr lang="fr-FR" sz="4400" b="1" dirty="0" err="1">
+                <a:effectLst>
+                  <a:outerShdw blurRad="38100" dist="38100" dir="2700000" algn="tl">
+                    <a:srgbClr val="000000">
+                      <a:alpha val="43137"/>
+                    </a:srgbClr>
+                  </a:outerShdw>
+                </a:effectLst>
+              </a:rPr>
+              <a:t>Conlusion</a:t>
+            </a:r>
+            <a:endParaRPr lang="fr-FR" sz="4400" b="1" dirty="0">
+              <a:effectLst>
+                <a:outerShdw blurRad="38100" dist="38100" dir="2700000" algn="tl">
+                  <a:srgbClr val="000000">
+                    <a:alpha val="43137"/>
+                  </a:srgbClr>
+                </a:outerShdw>
+              </a:effectLst>
+            </a:endParaRPr>
           </a:p>
         </p:txBody>
       </p:sp>
       <p:sp>
         <p:nvSpPr>
-          <p:cNvPr id="4" name="Rectangle 3">
+          <p:cNvPr id="9" name="TextBox 4">
             <a:extLst>
               <a:ext uri="{FF2B5EF4-FFF2-40B4-BE49-F238E27FC236}">
-                <a16:creationId xmlns:a16="http://schemas.microsoft.com/office/drawing/2014/main" id="{276747B0-25E5-4BD1-9CCC-BAB90F414AB0}"/>
-              </a:ext>
-            </a:extLst>
-          </p:cNvPr>
-          <p:cNvSpPr/>
-          <p:nvPr/>
-        </p:nvSpPr>
-        <p:spPr>
-          <a:xfrm>
-            <a:off x="7787300" y="5852339"/>
-            <a:ext cx="4061010" cy="430887"/>
-          </a:xfrm>
-          <a:prstGeom prst="rect">
-            <a:avLst/>
-          </a:prstGeom>
-        </p:spPr>
-        <p:txBody>
-          <a:bodyPr wrap="square">
-            <a:spAutoFit/>
-          </a:bodyPr>
-          <a:lstStyle/>
-          <a:p>
-            <a:r>
-              <a:rPr lang="fr-FR" dirty="0" err="1">
-                <a:solidFill>
-                  <a:schemeClr val="bg2">
-                    <a:lumMod val="75000"/>
-                  </a:schemeClr>
-                </a:solidFill>
-              </a:rPr>
-              <a:t>Supervised</a:t>
-            </a:r>
-            <a:r>
-              <a:rPr lang="fr-FR" dirty="0">
-                <a:solidFill>
-                  <a:schemeClr val="bg2">
-                    <a:lumMod val="75000"/>
-                  </a:schemeClr>
-                </a:solidFill>
-              </a:rPr>
-              <a:t> by </a:t>
-            </a:r>
-            <a:r>
-              <a:rPr lang="fr-FR" sz="2200" dirty="0">
-                <a:solidFill>
-                  <a:schemeClr val="bg2">
-                    <a:lumMod val="75000"/>
-                  </a:schemeClr>
-                </a:solidFill>
-              </a:rPr>
-              <a:t>Simon Delamare</a:t>
-            </a:r>
-          </a:p>
-        </p:txBody>
-      </p:sp>
-      <p:sp>
-        <p:nvSpPr>
-          <p:cNvPr id="6" name="TextBox 4">
-            <a:extLst>
-              <a:ext uri="{FF2B5EF4-FFF2-40B4-BE49-F238E27FC236}">
-                <a16:creationId xmlns:a16="http://schemas.microsoft.com/office/drawing/2014/main" id="{860C67E6-7AF4-4835-80D4-AD64786C4930}"/>
+                <a16:creationId xmlns:a16="http://schemas.microsoft.com/office/drawing/2014/main" id="{2D0935EA-8CBF-4A7D-A5BE-6F079C4C16CF}"/>
               </a:ext>
             </a:extLst>
           </p:cNvPr>
@@ -22489,8 +22285,8 @@
         </p:nvSpPr>
         <p:spPr>
           <a:xfrm>
-            <a:off x="504566" y="2409309"/>
-            <a:ext cx="11495455" cy="1754326"/>
+            <a:off x="771457" y="816154"/>
+            <a:ext cx="10987303" cy="2308324"/>
           </a:xfrm>
           <a:prstGeom prst="rect">
             <a:avLst/>
@@ -22504,72 +22300,59 @@
           <a:lstStyle/>
           <a:p>
             <a:r>
+              <a:rPr lang="fr-FR" sz="3600" dirty="0"/>
+              <a:t>- Model </a:t>
+            </a:r>
+            <a:r>
               <a:rPr lang="fr-FR" sz="3600" dirty="0" err="1"/>
-              <a:t>Website</a:t>
+              <a:t>generalizing</a:t>
             </a:r>
             <a:r>
               <a:rPr lang="fr-FR" sz="3600" dirty="0"/>
-              <a:t>: </a:t>
-            </a:r>
-            <a:r>
-              <a:rPr lang="fr-FR" sz="3200" i="1" u="sng" dirty="0">
-                <a:solidFill>
-                  <a:schemeClr val="bg2">
-                    <a:lumMod val="75000"/>
-                  </a:schemeClr>
-                </a:solidFill>
-                <a:hlinkClick r:id="rId3">
-                  <a:extLst>
-                    <a:ext uri="{A12FA001-AC4F-418D-AE19-62706E023703}">
-                      <ahyp:hlinkClr xmlns:ahyp="http://schemas.microsoft.com/office/drawing/2018/hyperlinkcolor" val="tx"/>
-                    </a:ext>
-                  </a:extLst>
-                </a:hlinkClick>
-              </a:rPr>
-              <a:t>https://tutorial-ia-pe.readthedocs.io/en/latest/</a:t>
-            </a:r>
-            <a:endParaRPr lang="fr-FR" sz="3200" i="1" u="sng" dirty="0">
-              <a:solidFill>
-                <a:schemeClr val="bg2">
-                  <a:lumMod val="75000"/>
-                </a:schemeClr>
-              </a:solidFill>
-            </a:endParaRPr>
-          </a:p>
-          <a:p>
+              <a:t> </a:t>
+            </a:r>
+            <a:r>
+              <a:rPr lang="fr-FR" sz="3600" dirty="0" err="1"/>
+              <a:t>well</a:t>
+            </a:r>
             <a:endParaRPr lang="fr-FR" sz="3600" dirty="0"/>
           </a:p>
           <a:p>
             <a:r>
               <a:rPr lang="fr-FR" sz="3600" dirty="0"/>
-              <a:t>GitHub: </a:t>
-            </a:r>
-            <a:r>
-              <a:rPr lang="fr-FR" sz="3200" i="1" u="sng" dirty="0">
-                <a:solidFill>
-                  <a:schemeClr val="bg2">
-                    <a:lumMod val="75000"/>
-                  </a:schemeClr>
-                </a:solidFill>
-              </a:rPr>
-              <a:t>https://github.com/GeckSpy/IPdf2Latex</a:t>
-            </a:r>
-            <a:endParaRPr lang="fr-FR" sz="3600" i="1" u="sng" dirty="0">
-              <a:solidFill>
-                <a:schemeClr val="bg2">
-                  <a:lumMod val="75000"/>
-                </a:schemeClr>
-              </a:solidFill>
-            </a:endParaRPr>
+              <a:t>	Limitations: Training times, computation power</a:t>
+            </a:r>
+          </a:p>
+          <a:p>
+            <a:endParaRPr lang="fr-FR" sz="3600" dirty="0"/>
+          </a:p>
+          <a:p>
+            <a:r>
+              <a:rPr lang="fr-FR" sz="3600" dirty="0"/>
+              <a:t>- Notebooks </a:t>
+            </a:r>
+            <a:r>
+              <a:rPr lang="fr-FR" sz="3600" dirty="0" err="1"/>
+              <a:t>covering</a:t>
+            </a:r>
+            <a:r>
+              <a:rPr lang="fr-FR" sz="3600" dirty="0"/>
+              <a:t> all </a:t>
+            </a:r>
+            <a:r>
+              <a:rPr lang="fr-FR" sz="3600" dirty="0" err="1"/>
+              <a:t>project</a:t>
+            </a:r>
+            <a:endParaRPr lang="fr-FR" sz="3600" dirty="0"/>
           </a:p>
         </p:txBody>
       </p:sp>
       <p:sp>
         <p:nvSpPr>
-          <p:cNvPr id="8" name="Espace réservé du contenu 2">
+          <p:cNvPr id="10" name="Espace réservé du contenu 2">
             <a:extLst>
               <a:ext uri="{FF2B5EF4-FFF2-40B4-BE49-F238E27FC236}">
-                <a16:creationId xmlns:a16="http://schemas.microsoft.com/office/drawing/2014/main" id="{5EDCE2C9-778C-424A-B37D-FA39276F12F8}"/>
+                <a16:creationId xmlns:a16="http://schemas.microsoft.com/office/drawing/2014/main" id="{ACD012F7-FBC2-4202-8CA3-18EBC6680F7F}"/>
               </a:ext>
             </a:extLst>
           </p:cNvPr>
@@ -22838,7 +22621,7 @@
                   </a:outerShdw>
                 </a:effectLst>
               </a:rPr>
-              <a:t>18</a:t>
+              <a:t>17</a:t>
             </a:r>
             <a:endParaRPr lang="fr-FR" sz="4000" b="1" dirty="0">
               <a:solidFill>
@@ -22857,10 +22640,404 @@
           </a:p>
         </p:txBody>
       </p:sp>
+      <p:sp>
+        <p:nvSpPr>
+          <p:cNvPr id="11" name="TextBox 4">
+            <a:extLst>
+              <a:ext uri="{FF2B5EF4-FFF2-40B4-BE49-F238E27FC236}">
+                <a16:creationId xmlns:a16="http://schemas.microsoft.com/office/drawing/2014/main" id="{E5FEEBD5-E3D9-4B24-93A6-42B19A212E76}"/>
+              </a:ext>
+            </a:extLst>
+          </p:cNvPr>
+          <p:cNvSpPr txBox="1"/>
+          <p:nvPr/>
+        </p:nvSpPr>
+        <p:spPr>
+          <a:xfrm>
+            <a:off x="250505" y="3511547"/>
+            <a:ext cx="2260555" cy="646331"/>
+          </a:xfrm>
+          <a:prstGeom prst="rect">
+            <a:avLst/>
+          </a:prstGeom>
+          <a:noFill/>
+        </p:spPr>
+        <p:txBody>
+          <a:bodyPr wrap="none" rtlCol="0">
+            <a:spAutoFit/>
+          </a:bodyPr>
+          <a:lstStyle/>
+          <a:p>
+            <a:r>
+              <a:rPr lang="fr-FR" sz="3600" dirty="0" err="1"/>
+              <a:t>Datasets</a:t>
+            </a:r>
+            <a:r>
+              <a:rPr lang="fr-FR" sz="3600" dirty="0"/>
+              <a:t>:</a:t>
+            </a:r>
+          </a:p>
+        </p:txBody>
+      </p:sp>
+      <p:sp>
+        <p:nvSpPr>
+          <p:cNvPr id="2" name="Rectangle 1">
+            <a:extLst>
+              <a:ext uri="{FF2B5EF4-FFF2-40B4-BE49-F238E27FC236}">
+                <a16:creationId xmlns:a16="http://schemas.microsoft.com/office/drawing/2014/main" id="{39FD7229-B6A6-4890-A692-03A1D8FC636B}"/>
+              </a:ext>
+            </a:extLst>
+          </p:cNvPr>
+          <p:cNvSpPr/>
+          <p:nvPr/>
+        </p:nvSpPr>
+        <p:spPr>
+          <a:xfrm>
+            <a:off x="575607" y="4029756"/>
+            <a:ext cx="1864659" cy="1569660"/>
+          </a:xfrm>
+          <a:prstGeom prst="rect">
+            <a:avLst/>
+          </a:prstGeom>
+        </p:spPr>
+        <p:txBody>
+          <a:bodyPr wrap="square">
+            <a:spAutoFit/>
+          </a:bodyPr>
+          <a:lstStyle/>
+          <a:p>
+            <a:r>
+              <a:rPr lang="fr-FR" sz="2400" i="1" u="sng" dirty="0">
+                <a:solidFill>
+                  <a:schemeClr val="accent1">
+                    <a:lumMod val="75000"/>
+                  </a:schemeClr>
+                </a:solidFill>
+              </a:rPr>
+              <a:t>Basics</a:t>
+            </a:r>
+          </a:p>
+          <a:p>
+            <a:r>
+              <a:rPr lang="fr-FR" sz="2400" i="1" u="sng" dirty="0">
+                <a:solidFill>
+                  <a:schemeClr val="accent1">
+                    <a:lumMod val="75000"/>
+                  </a:schemeClr>
+                </a:solidFill>
+              </a:rPr>
+              <a:t>Images</a:t>
+            </a:r>
+          </a:p>
+          <a:p>
+            <a:r>
+              <a:rPr lang="fr-FR" sz="2400" i="1" u="sng" dirty="0" err="1">
+                <a:solidFill>
+                  <a:schemeClr val="accent1">
+                    <a:lumMod val="75000"/>
+                  </a:schemeClr>
+                </a:solidFill>
+              </a:rPr>
+              <a:t>Loading</a:t>
+            </a:r>
+            <a:endParaRPr lang="fr-FR" sz="2400" i="1" u="sng" dirty="0">
+              <a:solidFill>
+                <a:schemeClr val="accent1">
+                  <a:lumMod val="75000"/>
+                </a:schemeClr>
+              </a:solidFill>
+            </a:endParaRPr>
+          </a:p>
+          <a:p>
+            <a:r>
+              <a:rPr lang="fr-FR" sz="2400" i="1" u="sng" dirty="0">
+                <a:solidFill>
+                  <a:schemeClr val="accent1">
+                    <a:lumMod val="75000"/>
+                  </a:schemeClr>
+                </a:solidFill>
+              </a:rPr>
+              <a:t>Building</a:t>
+            </a:r>
+          </a:p>
+        </p:txBody>
+      </p:sp>
+      <p:sp>
+        <p:nvSpPr>
+          <p:cNvPr id="12" name="TextBox 4">
+            <a:extLst>
+              <a:ext uri="{FF2B5EF4-FFF2-40B4-BE49-F238E27FC236}">
+                <a16:creationId xmlns:a16="http://schemas.microsoft.com/office/drawing/2014/main" id="{914C41B9-5A53-4544-A16D-406CB3DBED37}"/>
+              </a:ext>
+            </a:extLst>
+          </p:cNvPr>
+          <p:cNvSpPr txBox="1"/>
+          <p:nvPr/>
+        </p:nvSpPr>
+        <p:spPr>
+          <a:xfrm>
+            <a:off x="3518972" y="3516028"/>
+            <a:ext cx="950901" cy="646331"/>
+          </a:xfrm>
+          <a:prstGeom prst="rect">
+            <a:avLst/>
+          </a:prstGeom>
+          <a:noFill/>
+        </p:spPr>
+        <p:txBody>
+          <a:bodyPr wrap="none" rtlCol="0">
+            <a:spAutoFit/>
+          </a:bodyPr>
+          <a:lstStyle/>
+          <a:p>
+            <a:r>
+              <a:rPr lang="fr-FR" sz="3600" dirty="0"/>
+              <a:t>ML:</a:t>
+            </a:r>
+          </a:p>
+        </p:txBody>
+      </p:sp>
+      <p:sp>
+        <p:nvSpPr>
+          <p:cNvPr id="14" name="TextBox 4">
+            <a:extLst>
+              <a:ext uri="{FF2B5EF4-FFF2-40B4-BE49-F238E27FC236}">
+                <a16:creationId xmlns:a16="http://schemas.microsoft.com/office/drawing/2014/main" id="{78389E4E-6797-4695-AC69-9D0BC295BF93}"/>
+              </a:ext>
+            </a:extLst>
+          </p:cNvPr>
+          <p:cNvSpPr txBox="1"/>
+          <p:nvPr/>
+        </p:nvSpPr>
+        <p:spPr>
+          <a:xfrm>
+            <a:off x="6292002" y="3511547"/>
+            <a:ext cx="1781257" cy="646331"/>
+          </a:xfrm>
+          <a:prstGeom prst="rect">
+            <a:avLst/>
+          </a:prstGeom>
+          <a:noFill/>
+        </p:spPr>
+        <p:txBody>
+          <a:bodyPr wrap="none" rtlCol="0">
+            <a:spAutoFit/>
+          </a:bodyPr>
+          <a:lstStyle/>
+          <a:p>
+            <a:r>
+              <a:rPr lang="fr-FR" sz="3600" dirty="0"/>
+              <a:t>Theory:</a:t>
+            </a:r>
+          </a:p>
+        </p:txBody>
+      </p:sp>
+      <p:sp>
+        <p:nvSpPr>
+          <p:cNvPr id="16" name="Rectangle 15">
+            <a:extLst>
+              <a:ext uri="{FF2B5EF4-FFF2-40B4-BE49-F238E27FC236}">
+                <a16:creationId xmlns:a16="http://schemas.microsoft.com/office/drawing/2014/main" id="{5E8680B3-4BD1-4573-ABF5-11734422BE01}"/>
+              </a:ext>
+            </a:extLst>
+          </p:cNvPr>
+          <p:cNvSpPr/>
+          <p:nvPr/>
+        </p:nvSpPr>
+        <p:spPr>
+          <a:xfrm>
+            <a:off x="2779954" y="4047963"/>
+            <a:ext cx="3172360" cy="1200329"/>
+          </a:xfrm>
+          <a:prstGeom prst="rect">
+            <a:avLst/>
+          </a:prstGeom>
+        </p:spPr>
+        <p:txBody>
+          <a:bodyPr wrap="square">
+            <a:spAutoFit/>
+          </a:bodyPr>
+          <a:lstStyle/>
+          <a:p>
+            <a:r>
+              <a:rPr lang="fr-FR" sz="2400" i="1" u="sng" dirty="0">
+                <a:solidFill>
+                  <a:schemeClr val="accent1">
+                    <a:lumMod val="75000"/>
+                  </a:schemeClr>
+                </a:solidFill>
+              </a:rPr>
+              <a:t>Uses</a:t>
+            </a:r>
+          </a:p>
+          <a:p>
+            <a:r>
+              <a:rPr lang="fr-FR" sz="2400" i="1" u="sng" dirty="0">
+                <a:solidFill>
+                  <a:schemeClr val="accent1">
+                    <a:lumMod val="75000"/>
+                  </a:schemeClr>
+                </a:solidFill>
+              </a:rPr>
+              <a:t>Training time</a:t>
+            </a:r>
+          </a:p>
+          <a:p>
+            <a:r>
+              <a:rPr lang="fr-FR" sz="2400" i="1" u="sng" dirty="0" err="1">
+                <a:solidFill>
+                  <a:schemeClr val="accent1">
+                    <a:lumMod val="75000"/>
+                  </a:schemeClr>
+                </a:solidFill>
+              </a:rPr>
+              <a:t>Computer’s</a:t>
+            </a:r>
+            <a:r>
+              <a:rPr lang="fr-FR" sz="2400" i="1" u="sng" dirty="0">
+                <a:solidFill>
+                  <a:schemeClr val="accent1">
+                    <a:lumMod val="75000"/>
+                  </a:schemeClr>
+                </a:solidFill>
+              </a:rPr>
+              <a:t> power</a:t>
+            </a:r>
+          </a:p>
+        </p:txBody>
+      </p:sp>
+      <p:sp>
+        <p:nvSpPr>
+          <p:cNvPr id="18" name="Rectangle 17">
+            <a:extLst>
+              <a:ext uri="{FF2B5EF4-FFF2-40B4-BE49-F238E27FC236}">
+                <a16:creationId xmlns:a16="http://schemas.microsoft.com/office/drawing/2014/main" id="{78B1FCDD-3D1F-445B-A289-CC2B191F66C6}"/>
+              </a:ext>
+            </a:extLst>
+          </p:cNvPr>
+          <p:cNvSpPr/>
+          <p:nvPr/>
+        </p:nvSpPr>
+        <p:spPr>
+          <a:xfrm>
+            <a:off x="6292892" y="4047963"/>
+            <a:ext cx="2635955" cy="2308324"/>
+          </a:xfrm>
+          <a:prstGeom prst="rect">
+            <a:avLst/>
+          </a:prstGeom>
+        </p:spPr>
+        <p:txBody>
+          <a:bodyPr wrap="square">
+            <a:spAutoFit/>
+          </a:bodyPr>
+          <a:lstStyle/>
+          <a:p>
+            <a:r>
+              <a:rPr lang="fr-FR" sz="2400" i="1" u="sng" dirty="0" err="1">
+                <a:solidFill>
+                  <a:schemeClr val="accent1">
+                    <a:lumMod val="75000"/>
+                  </a:schemeClr>
+                </a:solidFill>
+              </a:rPr>
+              <a:t>GAs</a:t>
+            </a:r>
+            <a:endParaRPr lang="fr-FR" sz="2400" i="1" u="sng" dirty="0">
+              <a:solidFill>
+                <a:schemeClr val="accent1">
+                  <a:lumMod val="75000"/>
+                </a:schemeClr>
+              </a:solidFill>
+            </a:endParaRPr>
+          </a:p>
+          <a:p>
+            <a:r>
+              <a:rPr lang="fr-FR" sz="2400" i="1" u="sng" dirty="0" err="1">
+                <a:solidFill>
+                  <a:schemeClr val="accent1">
+                    <a:lumMod val="75000"/>
+                  </a:schemeClr>
+                </a:solidFill>
+              </a:rPr>
+              <a:t>Metrics</a:t>
+            </a:r>
+            <a:endParaRPr lang="fr-FR" sz="2400" i="1" u="sng" dirty="0">
+              <a:solidFill>
+                <a:schemeClr val="accent1">
+                  <a:lumMod val="75000"/>
+                </a:schemeClr>
+              </a:solidFill>
+            </a:endParaRPr>
+          </a:p>
+          <a:p>
+            <a:r>
+              <a:rPr lang="fr-FR" sz="2400" i="1" u="sng" dirty="0">
+                <a:solidFill>
+                  <a:schemeClr val="accent1">
+                    <a:lumMod val="75000"/>
+                  </a:schemeClr>
+                </a:solidFill>
+              </a:rPr>
+              <a:t>Datas</a:t>
+            </a:r>
+          </a:p>
+          <a:p>
+            <a:r>
+              <a:rPr lang="fr-FR" sz="2400" i="1" u="sng" dirty="0" err="1">
+                <a:solidFill>
+                  <a:schemeClr val="accent1">
+                    <a:lumMod val="75000"/>
+                  </a:schemeClr>
+                </a:solidFill>
+              </a:rPr>
+              <a:t>Torch</a:t>
+            </a:r>
+            <a:endParaRPr lang="fr-FR" sz="2400" i="1" u="sng" dirty="0">
+              <a:solidFill>
+                <a:schemeClr val="accent1">
+                  <a:lumMod val="75000"/>
+                </a:schemeClr>
+              </a:solidFill>
+            </a:endParaRPr>
+          </a:p>
+          <a:p>
+            <a:r>
+              <a:rPr lang="fr-FR" sz="2400" i="1" u="sng" dirty="0">
+                <a:solidFill>
+                  <a:schemeClr val="accent1">
+                    <a:lumMod val="75000"/>
+                  </a:schemeClr>
+                </a:solidFill>
+              </a:rPr>
+              <a:t>Transformers</a:t>
+            </a:r>
+          </a:p>
+          <a:p>
+            <a:r>
+              <a:rPr lang="fr-FR" sz="2400" i="1" u="sng" dirty="0" err="1">
+                <a:solidFill>
+                  <a:schemeClr val="accent1">
+                    <a:lumMod val="75000"/>
+                  </a:schemeClr>
+                </a:solidFill>
+              </a:rPr>
+              <a:t>Sklearn</a:t>
+            </a:r>
+            <a:endParaRPr lang="fr-FR" sz="2400" i="1" u="sng" dirty="0">
+              <a:solidFill>
+                <a:schemeClr val="accent1">
+                  <a:lumMod val="75000"/>
+                </a:schemeClr>
+              </a:solidFill>
+            </a:endParaRPr>
+          </a:p>
+        </p:txBody>
+      </p:sp>
     </p:spTree>
     <p:extLst>
       <p:ext uri="{BB962C8B-B14F-4D97-AF65-F5344CB8AC3E}">
-        <p14:creationId xmlns:p14="http://schemas.microsoft.com/office/powerpoint/2010/main" val="2469996262"/>
+        <p14:creationId xmlns:p14="http://schemas.microsoft.com/office/powerpoint/2010/main" val="647256766"/>
       </p:ext>
     </p:extLst>
   </p:cSld>
@@ -22871,6 +23048,1490 @@
 </file>
 
 <file path=ppt/slides/slide31.xml><?xml version="1.0" encoding="utf-8"?>
+<p:sld xmlns:a="http://schemas.openxmlformats.org/drawingml/2006/main" xmlns:r="http://schemas.openxmlformats.org/officeDocument/2006/relationships" xmlns:p="http://schemas.openxmlformats.org/presentationml/2006/main">
+  <p:cSld>
+    <p:spTree>
+      <p:nvGrpSpPr>
+        <p:cNvPr id="1" name="">
+          <a:extLst>
+            <a:ext uri="{FF2B5EF4-FFF2-40B4-BE49-F238E27FC236}">
+              <a16:creationId xmlns:a16="http://schemas.microsoft.com/office/drawing/2014/main" id="{9BA86989-CA52-919B-44DB-8ABE8DA1CC55}"/>
+            </a:ext>
+          </a:extLst>
+        </p:cNvPr>
+        <p:cNvGrpSpPr/>
+        <p:nvPr/>
+      </p:nvGrpSpPr>
+      <p:grpSpPr>
+        <a:xfrm>
+          <a:off x="0" y="0"/>
+          <a:ext cx="0" cy="0"/>
+          <a:chOff x="0" y="0"/>
+          <a:chExt cx="0" cy="0"/>
+        </a:xfrm>
+      </p:grpSpPr>
+      <p:sp>
+        <p:nvSpPr>
+          <p:cNvPr id="7" name="Espace réservé du contenu 2">
+            <a:extLst>
+              <a:ext uri="{FF2B5EF4-FFF2-40B4-BE49-F238E27FC236}">
+                <a16:creationId xmlns:a16="http://schemas.microsoft.com/office/drawing/2014/main" id="{A5C36824-B6A4-4210-9179-7724AF774D1A}"/>
+              </a:ext>
+            </a:extLst>
+          </p:cNvPr>
+          <p:cNvSpPr>
+            <a:spLocks noGrp="1"/>
+          </p:cNvSpPr>
+          <p:nvPr>
+            <p:ph idx="1"/>
+          </p:nvPr>
+        </p:nvSpPr>
+        <p:spPr>
+          <a:xfrm>
+            <a:off x="109728" y="49671"/>
+            <a:ext cx="9574306" cy="883024"/>
+          </a:xfrm>
+        </p:spPr>
+        <p:txBody>
+          <a:bodyPr>
+            <a:normAutofit/>
+          </a:bodyPr>
+          <a:lstStyle/>
+          <a:p>
+            <a:pPr marL="0" indent="0">
+              <a:buNone/>
+            </a:pPr>
+            <a:r>
+              <a:rPr lang="fr-FR" sz="4400" b="1" dirty="0" err="1">
+                <a:effectLst>
+                  <a:outerShdw blurRad="38100" dist="38100" dir="2700000" algn="tl">
+                    <a:srgbClr val="000000">
+                      <a:alpha val="43137"/>
+                    </a:srgbClr>
+                  </a:outerShdw>
+                </a:effectLst>
+              </a:rPr>
+              <a:t>Conlusion</a:t>
+            </a:r>
+            <a:endParaRPr lang="fr-FR" sz="4400" b="1" dirty="0">
+              <a:effectLst>
+                <a:outerShdw blurRad="38100" dist="38100" dir="2700000" algn="tl">
+                  <a:srgbClr val="000000">
+                    <a:alpha val="43137"/>
+                  </a:srgbClr>
+                </a:outerShdw>
+              </a:effectLst>
+            </a:endParaRPr>
+          </a:p>
+        </p:txBody>
+      </p:sp>
+      <p:sp>
+        <p:nvSpPr>
+          <p:cNvPr id="9" name="TextBox 4">
+            <a:extLst>
+              <a:ext uri="{FF2B5EF4-FFF2-40B4-BE49-F238E27FC236}">
+                <a16:creationId xmlns:a16="http://schemas.microsoft.com/office/drawing/2014/main" id="{2D0935EA-8CBF-4A7D-A5BE-6F079C4C16CF}"/>
+              </a:ext>
+            </a:extLst>
+          </p:cNvPr>
+          <p:cNvSpPr txBox="1"/>
+          <p:nvPr/>
+        </p:nvSpPr>
+        <p:spPr>
+          <a:xfrm>
+            <a:off x="771457" y="816154"/>
+            <a:ext cx="10987303" cy="2308324"/>
+          </a:xfrm>
+          <a:prstGeom prst="rect">
+            <a:avLst/>
+          </a:prstGeom>
+          <a:noFill/>
+        </p:spPr>
+        <p:txBody>
+          <a:bodyPr wrap="none" rtlCol="0">
+            <a:spAutoFit/>
+          </a:bodyPr>
+          <a:lstStyle/>
+          <a:p>
+            <a:r>
+              <a:rPr lang="fr-FR" sz="3600" dirty="0"/>
+              <a:t>- Model </a:t>
+            </a:r>
+            <a:r>
+              <a:rPr lang="fr-FR" sz="3600" dirty="0" err="1"/>
+              <a:t>generalizing</a:t>
+            </a:r>
+            <a:r>
+              <a:rPr lang="fr-FR" sz="3600" dirty="0"/>
+              <a:t> </a:t>
+            </a:r>
+            <a:r>
+              <a:rPr lang="fr-FR" sz="3600" dirty="0" err="1"/>
+              <a:t>well</a:t>
+            </a:r>
+            <a:endParaRPr lang="fr-FR" sz="3600" dirty="0"/>
+          </a:p>
+          <a:p>
+            <a:r>
+              <a:rPr lang="fr-FR" sz="3600" dirty="0"/>
+              <a:t>	Limitations: Training times, computation power</a:t>
+            </a:r>
+          </a:p>
+          <a:p>
+            <a:endParaRPr lang="fr-FR" sz="3600" dirty="0"/>
+          </a:p>
+          <a:p>
+            <a:r>
+              <a:rPr lang="fr-FR" sz="3600" dirty="0"/>
+              <a:t>- Notebooks </a:t>
+            </a:r>
+            <a:r>
+              <a:rPr lang="fr-FR" sz="3600" dirty="0" err="1"/>
+              <a:t>covering</a:t>
+            </a:r>
+            <a:r>
+              <a:rPr lang="fr-FR" sz="3600" dirty="0"/>
+              <a:t> all </a:t>
+            </a:r>
+            <a:r>
+              <a:rPr lang="fr-FR" sz="3600" dirty="0" err="1"/>
+              <a:t>project</a:t>
+            </a:r>
+            <a:endParaRPr lang="fr-FR" sz="3600" dirty="0"/>
+          </a:p>
+        </p:txBody>
+      </p:sp>
+      <p:sp>
+        <p:nvSpPr>
+          <p:cNvPr id="10" name="Espace réservé du contenu 2">
+            <a:extLst>
+              <a:ext uri="{FF2B5EF4-FFF2-40B4-BE49-F238E27FC236}">
+                <a16:creationId xmlns:a16="http://schemas.microsoft.com/office/drawing/2014/main" id="{ACD012F7-FBC2-4202-8CA3-18EBC6680F7F}"/>
+              </a:ext>
+            </a:extLst>
+          </p:cNvPr>
+          <p:cNvSpPr txBox="1">
+            <a:spLocks/>
+          </p:cNvSpPr>
+          <p:nvPr/>
+        </p:nvSpPr>
+        <p:spPr>
+          <a:xfrm>
+            <a:off x="25901" y="6131351"/>
+            <a:ext cx="988105" cy="788419"/>
+          </a:xfrm>
+          <a:prstGeom prst="rect">
+            <a:avLst/>
+          </a:prstGeom>
+        </p:spPr>
+        <p:txBody>
+          <a:bodyPr vert="horz" lIns="91440" tIns="45720" rIns="91440" bIns="45720" rtlCol="0" anchor="ctr">
+            <a:normAutofit/>
+          </a:bodyPr>
+          <a:lstStyle>
+            <a:lvl1pPr marL="285750" indent="-285750" algn="l" defTabSz="457200" rtl="0" eaLnBrk="1" latinLnBrk="0" hangingPunct="1">
+              <a:spcBef>
+                <a:spcPct val="20000"/>
+              </a:spcBef>
+              <a:spcAft>
+                <a:spcPts val="600"/>
+              </a:spcAft>
+              <a:buClr>
+                <a:schemeClr val="tx1"/>
+              </a:buClr>
+              <a:buSzPct val="80000"/>
+              <a:buFont typeface="Wingdings 3" panose="05040102010807070707" pitchFamily="18" charset="2"/>
+              <a:buChar char=""/>
+              <a:defRPr sz="2000" kern="1200" cap="none">
+                <a:solidFill>
+                  <a:schemeClr val="bg2">
+                    <a:lumMod val="75000"/>
+                  </a:schemeClr>
+                </a:solidFill>
+                <a:effectLst/>
+                <a:latin typeface="+mn-lt"/>
+                <a:ea typeface="+mn-ea"/>
+                <a:cs typeface="+mn-cs"/>
+              </a:defRPr>
+            </a:lvl1pPr>
+            <a:lvl2pPr marL="742950" indent="-285750" algn="l" defTabSz="457200" rtl="0" eaLnBrk="1" latinLnBrk="0" hangingPunct="1">
+              <a:spcBef>
+                <a:spcPct val="20000"/>
+              </a:spcBef>
+              <a:spcAft>
+                <a:spcPts val="600"/>
+              </a:spcAft>
+              <a:buClr>
+                <a:schemeClr val="tx1"/>
+              </a:buClr>
+              <a:buSzPct val="80000"/>
+              <a:buFont typeface="Wingdings 3" panose="05040102010807070707" pitchFamily="18" charset="2"/>
+              <a:buChar char=""/>
+              <a:defRPr sz="1800" kern="1200" cap="none">
+                <a:solidFill>
+                  <a:schemeClr val="bg2">
+                    <a:lumMod val="75000"/>
+                  </a:schemeClr>
+                </a:solidFill>
+                <a:effectLst/>
+                <a:latin typeface="+mn-lt"/>
+                <a:ea typeface="+mn-ea"/>
+                <a:cs typeface="+mn-cs"/>
+              </a:defRPr>
+            </a:lvl2pPr>
+            <a:lvl3pPr marL="1200150" indent="-285750" algn="l" defTabSz="457200" rtl="0" eaLnBrk="1" latinLnBrk="0" hangingPunct="1">
+              <a:spcBef>
+                <a:spcPct val="20000"/>
+              </a:spcBef>
+              <a:spcAft>
+                <a:spcPts val="600"/>
+              </a:spcAft>
+              <a:buClr>
+                <a:schemeClr val="tx1"/>
+              </a:buClr>
+              <a:buSzPct val="80000"/>
+              <a:buFont typeface="Wingdings 3" panose="05040102010807070707" pitchFamily="18" charset="2"/>
+              <a:buChar char=""/>
+              <a:defRPr sz="1600" kern="1200" cap="none">
+                <a:solidFill>
+                  <a:schemeClr val="bg2">
+                    <a:lumMod val="75000"/>
+                  </a:schemeClr>
+                </a:solidFill>
+                <a:effectLst/>
+                <a:latin typeface="+mn-lt"/>
+                <a:ea typeface="+mn-ea"/>
+                <a:cs typeface="+mn-cs"/>
+              </a:defRPr>
+            </a:lvl3pPr>
+            <a:lvl4pPr marL="1543050" indent="-171450" algn="l" defTabSz="457200" rtl="0" eaLnBrk="1" latinLnBrk="0" hangingPunct="1">
+              <a:spcBef>
+                <a:spcPct val="20000"/>
+              </a:spcBef>
+              <a:spcAft>
+                <a:spcPts val="600"/>
+              </a:spcAft>
+              <a:buClr>
+                <a:schemeClr val="tx1"/>
+              </a:buClr>
+              <a:buSzPct val="80000"/>
+              <a:buFont typeface="Wingdings 3" panose="05040102010807070707" pitchFamily="18" charset="2"/>
+              <a:buChar char=""/>
+              <a:defRPr sz="1400" kern="1200" cap="none">
+                <a:solidFill>
+                  <a:schemeClr val="bg2">
+                    <a:lumMod val="75000"/>
+                  </a:schemeClr>
+                </a:solidFill>
+                <a:effectLst/>
+                <a:latin typeface="+mn-lt"/>
+                <a:ea typeface="+mn-ea"/>
+                <a:cs typeface="+mn-cs"/>
+              </a:defRPr>
+            </a:lvl4pPr>
+            <a:lvl5pPr marL="2000250" indent="-171450" algn="l" defTabSz="457200" rtl="0" eaLnBrk="1" latinLnBrk="0" hangingPunct="1">
+              <a:spcBef>
+                <a:spcPct val="20000"/>
+              </a:spcBef>
+              <a:spcAft>
+                <a:spcPts val="600"/>
+              </a:spcAft>
+              <a:buClr>
+                <a:schemeClr val="tx1"/>
+              </a:buClr>
+              <a:buSzPct val="80000"/>
+              <a:buFont typeface="Wingdings 3" panose="05040102010807070707" pitchFamily="18" charset="2"/>
+              <a:buChar char=""/>
+              <a:defRPr sz="1400" kern="1200" cap="none">
+                <a:solidFill>
+                  <a:schemeClr val="bg2">
+                    <a:lumMod val="75000"/>
+                  </a:schemeClr>
+                </a:solidFill>
+                <a:effectLst/>
+                <a:latin typeface="+mn-lt"/>
+                <a:ea typeface="+mn-ea"/>
+                <a:cs typeface="+mn-cs"/>
+              </a:defRPr>
+            </a:lvl5pPr>
+            <a:lvl6pPr marL="2514600" indent="-228600" algn="l" defTabSz="457200" rtl="0" eaLnBrk="1" latinLnBrk="0" hangingPunct="1">
+              <a:spcBef>
+                <a:spcPct val="20000"/>
+              </a:spcBef>
+              <a:spcAft>
+                <a:spcPts val="600"/>
+              </a:spcAft>
+              <a:buClr>
+                <a:schemeClr val="tx1"/>
+              </a:buClr>
+              <a:buSzPct val="80000"/>
+              <a:buFont typeface="Wingdings 3" panose="05040102010807070707" pitchFamily="18" charset="2"/>
+              <a:buChar char=""/>
+              <a:defRPr sz="1400" kern="1200" cap="none">
+                <a:solidFill>
+                  <a:schemeClr val="bg2">
+                    <a:lumMod val="75000"/>
+                  </a:schemeClr>
+                </a:solidFill>
+                <a:effectLst/>
+                <a:latin typeface="+mn-lt"/>
+                <a:ea typeface="+mn-ea"/>
+                <a:cs typeface="+mn-cs"/>
+              </a:defRPr>
+            </a:lvl6pPr>
+            <a:lvl7pPr marL="2971800" indent="-228600" algn="l" defTabSz="457200" rtl="0" eaLnBrk="1" latinLnBrk="0" hangingPunct="1">
+              <a:spcBef>
+                <a:spcPct val="20000"/>
+              </a:spcBef>
+              <a:spcAft>
+                <a:spcPts val="600"/>
+              </a:spcAft>
+              <a:buClr>
+                <a:schemeClr val="tx1"/>
+              </a:buClr>
+              <a:buSzPct val="80000"/>
+              <a:buFont typeface="Wingdings 3" panose="05040102010807070707" pitchFamily="18" charset="2"/>
+              <a:buChar char=""/>
+              <a:defRPr sz="1400" kern="1200" cap="none">
+                <a:solidFill>
+                  <a:schemeClr val="bg2">
+                    <a:lumMod val="75000"/>
+                  </a:schemeClr>
+                </a:solidFill>
+                <a:effectLst/>
+                <a:latin typeface="+mn-lt"/>
+                <a:ea typeface="+mn-ea"/>
+                <a:cs typeface="+mn-cs"/>
+              </a:defRPr>
+            </a:lvl7pPr>
+            <a:lvl8pPr marL="3429000" indent="-228600" algn="l" defTabSz="457200" rtl="0" eaLnBrk="1" latinLnBrk="0" hangingPunct="1">
+              <a:spcBef>
+                <a:spcPct val="20000"/>
+              </a:spcBef>
+              <a:spcAft>
+                <a:spcPts val="600"/>
+              </a:spcAft>
+              <a:buClr>
+                <a:schemeClr val="tx1"/>
+              </a:buClr>
+              <a:buSzPct val="80000"/>
+              <a:buFont typeface="Wingdings 3" panose="05040102010807070707" pitchFamily="18" charset="2"/>
+              <a:buChar char=""/>
+              <a:defRPr sz="1400" kern="1200" cap="none">
+                <a:solidFill>
+                  <a:schemeClr val="bg2">
+                    <a:lumMod val="75000"/>
+                  </a:schemeClr>
+                </a:solidFill>
+                <a:effectLst/>
+                <a:latin typeface="+mn-lt"/>
+                <a:ea typeface="+mn-ea"/>
+                <a:cs typeface="+mn-cs"/>
+              </a:defRPr>
+            </a:lvl8pPr>
+            <a:lvl9pPr marL="3886200" indent="-228600" algn="l" defTabSz="457200" rtl="0" eaLnBrk="1" latinLnBrk="0" hangingPunct="1">
+              <a:spcBef>
+                <a:spcPct val="20000"/>
+              </a:spcBef>
+              <a:spcAft>
+                <a:spcPts val="600"/>
+              </a:spcAft>
+              <a:buClr>
+                <a:schemeClr val="tx1"/>
+              </a:buClr>
+              <a:buSzPct val="80000"/>
+              <a:buFont typeface="Wingdings 3" panose="05040102010807070707" pitchFamily="18" charset="2"/>
+              <a:buChar char=""/>
+              <a:defRPr sz="1400" kern="1200" cap="none">
+                <a:solidFill>
+                  <a:schemeClr val="bg2">
+                    <a:lumMod val="75000"/>
+                  </a:schemeClr>
+                </a:solidFill>
+                <a:effectLst/>
+                <a:latin typeface="+mn-lt"/>
+                <a:ea typeface="+mn-ea"/>
+                <a:cs typeface="+mn-cs"/>
+              </a:defRPr>
+            </a:lvl9pPr>
+          </a:lstStyle>
+          <a:p>
+            <a:pPr marL="0" indent="0">
+              <a:buFont typeface="Wingdings 3" panose="05040102010807070707" pitchFamily="18" charset="2"/>
+              <a:buNone/>
+            </a:pPr>
+            <a:r>
+              <a:rPr lang="fr-FR" sz="3200" b="1" dirty="0">
+                <a:solidFill>
+                  <a:schemeClr val="tx1">
+                    <a:lumMod val="95000"/>
+                  </a:schemeClr>
+                </a:solidFill>
+                <a:effectLst>
+                  <a:outerShdw blurRad="38100" dist="38100" dir="2700000" algn="tl">
+                    <a:srgbClr val="000000">
+                      <a:alpha val="43137"/>
+                    </a:srgbClr>
+                  </a:outerShdw>
+                </a:effectLst>
+              </a:rPr>
+              <a:t>17</a:t>
+            </a:r>
+            <a:endParaRPr lang="fr-FR" sz="4000" b="1" dirty="0">
+              <a:solidFill>
+                <a:schemeClr val="tx1">
+                  <a:lumMod val="95000"/>
+                </a:schemeClr>
+              </a:solidFill>
+              <a:effectLst>
+                <a:outerShdw blurRad="38100" dist="38100" dir="2700000" algn="tl">
+                  <a:srgbClr val="000000">
+                    <a:alpha val="43137"/>
+                  </a:srgbClr>
+                </a:outerShdw>
+              </a:effectLst>
+            </a:endParaRPr>
+          </a:p>
+        </p:txBody>
+      </p:sp>
+      <p:sp>
+        <p:nvSpPr>
+          <p:cNvPr id="11" name="TextBox 4">
+            <a:extLst>
+              <a:ext uri="{FF2B5EF4-FFF2-40B4-BE49-F238E27FC236}">
+                <a16:creationId xmlns:a16="http://schemas.microsoft.com/office/drawing/2014/main" id="{E5FEEBD5-E3D9-4B24-93A6-42B19A212E76}"/>
+              </a:ext>
+            </a:extLst>
+          </p:cNvPr>
+          <p:cNvSpPr txBox="1"/>
+          <p:nvPr/>
+        </p:nvSpPr>
+        <p:spPr>
+          <a:xfrm>
+            <a:off x="250505" y="3511547"/>
+            <a:ext cx="2260555" cy="646331"/>
+          </a:xfrm>
+          <a:prstGeom prst="rect">
+            <a:avLst/>
+          </a:prstGeom>
+          <a:noFill/>
+        </p:spPr>
+        <p:txBody>
+          <a:bodyPr wrap="none" rtlCol="0">
+            <a:spAutoFit/>
+          </a:bodyPr>
+          <a:lstStyle/>
+          <a:p>
+            <a:r>
+              <a:rPr lang="fr-FR" sz="3600" dirty="0" err="1"/>
+              <a:t>Datasets</a:t>
+            </a:r>
+            <a:r>
+              <a:rPr lang="fr-FR" sz="3600" dirty="0"/>
+              <a:t>:</a:t>
+            </a:r>
+          </a:p>
+        </p:txBody>
+      </p:sp>
+      <p:sp>
+        <p:nvSpPr>
+          <p:cNvPr id="2" name="Rectangle 1">
+            <a:extLst>
+              <a:ext uri="{FF2B5EF4-FFF2-40B4-BE49-F238E27FC236}">
+                <a16:creationId xmlns:a16="http://schemas.microsoft.com/office/drawing/2014/main" id="{39FD7229-B6A6-4890-A692-03A1D8FC636B}"/>
+              </a:ext>
+            </a:extLst>
+          </p:cNvPr>
+          <p:cNvSpPr/>
+          <p:nvPr/>
+        </p:nvSpPr>
+        <p:spPr>
+          <a:xfrm>
+            <a:off x="575607" y="4029756"/>
+            <a:ext cx="1864659" cy="1569660"/>
+          </a:xfrm>
+          <a:prstGeom prst="rect">
+            <a:avLst/>
+          </a:prstGeom>
+        </p:spPr>
+        <p:txBody>
+          <a:bodyPr wrap="square">
+            <a:spAutoFit/>
+          </a:bodyPr>
+          <a:lstStyle/>
+          <a:p>
+            <a:r>
+              <a:rPr lang="fr-FR" sz="2400" i="1" u="sng" dirty="0">
+                <a:solidFill>
+                  <a:schemeClr val="accent1">
+                    <a:lumMod val="75000"/>
+                  </a:schemeClr>
+                </a:solidFill>
+              </a:rPr>
+              <a:t>Basics</a:t>
+            </a:r>
+          </a:p>
+          <a:p>
+            <a:r>
+              <a:rPr lang="fr-FR" sz="2400" i="1" u="sng" dirty="0">
+                <a:solidFill>
+                  <a:schemeClr val="accent1">
+                    <a:lumMod val="75000"/>
+                  </a:schemeClr>
+                </a:solidFill>
+              </a:rPr>
+              <a:t>Images</a:t>
+            </a:r>
+          </a:p>
+          <a:p>
+            <a:r>
+              <a:rPr lang="fr-FR" sz="2400" i="1" u="sng" dirty="0" err="1">
+                <a:solidFill>
+                  <a:schemeClr val="accent1">
+                    <a:lumMod val="75000"/>
+                  </a:schemeClr>
+                </a:solidFill>
+              </a:rPr>
+              <a:t>Loading</a:t>
+            </a:r>
+            <a:endParaRPr lang="fr-FR" sz="2400" i="1" u="sng" dirty="0">
+              <a:solidFill>
+                <a:schemeClr val="accent1">
+                  <a:lumMod val="75000"/>
+                </a:schemeClr>
+              </a:solidFill>
+            </a:endParaRPr>
+          </a:p>
+          <a:p>
+            <a:r>
+              <a:rPr lang="fr-FR" sz="2400" i="1" u="sng" dirty="0">
+                <a:solidFill>
+                  <a:schemeClr val="accent1">
+                    <a:lumMod val="75000"/>
+                  </a:schemeClr>
+                </a:solidFill>
+              </a:rPr>
+              <a:t>Building</a:t>
+            </a:r>
+          </a:p>
+        </p:txBody>
+      </p:sp>
+      <p:sp>
+        <p:nvSpPr>
+          <p:cNvPr id="12" name="TextBox 4">
+            <a:extLst>
+              <a:ext uri="{FF2B5EF4-FFF2-40B4-BE49-F238E27FC236}">
+                <a16:creationId xmlns:a16="http://schemas.microsoft.com/office/drawing/2014/main" id="{914C41B9-5A53-4544-A16D-406CB3DBED37}"/>
+              </a:ext>
+            </a:extLst>
+          </p:cNvPr>
+          <p:cNvSpPr txBox="1"/>
+          <p:nvPr/>
+        </p:nvSpPr>
+        <p:spPr>
+          <a:xfrm>
+            <a:off x="3518972" y="3516028"/>
+            <a:ext cx="950901" cy="646331"/>
+          </a:xfrm>
+          <a:prstGeom prst="rect">
+            <a:avLst/>
+          </a:prstGeom>
+          <a:noFill/>
+        </p:spPr>
+        <p:txBody>
+          <a:bodyPr wrap="none" rtlCol="0">
+            <a:spAutoFit/>
+          </a:bodyPr>
+          <a:lstStyle/>
+          <a:p>
+            <a:r>
+              <a:rPr lang="fr-FR" sz="3600" dirty="0"/>
+              <a:t>ML:</a:t>
+            </a:r>
+          </a:p>
+        </p:txBody>
+      </p:sp>
+      <p:sp>
+        <p:nvSpPr>
+          <p:cNvPr id="14" name="TextBox 4">
+            <a:extLst>
+              <a:ext uri="{FF2B5EF4-FFF2-40B4-BE49-F238E27FC236}">
+                <a16:creationId xmlns:a16="http://schemas.microsoft.com/office/drawing/2014/main" id="{78389E4E-6797-4695-AC69-9D0BC295BF93}"/>
+              </a:ext>
+            </a:extLst>
+          </p:cNvPr>
+          <p:cNvSpPr txBox="1"/>
+          <p:nvPr/>
+        </p:nvSpPr>
+        <p:spPr>
+          <a:xfrm>
+            <a:off x="6292002" y="3511547"/>
+            <a:ext cx="1781257" cy="646331"/>
+          </a:xfrm>
+          <a:prstGeom prst="rect">
+            <a:avLst/>
+          </a:prstGeom>
+          <a:noFill/>
+        </p:spPr>
+        <p:txBody>
+          <a:bodyPr wrap="none" rtlCol="0">
+            <a:spAutoFit/>
+          </a:bodyPr>
+          <a:lstStyle/>
+          <a:p>
+            <a:r>
+              <a:rPr lang="fr-FR" sz="3600" dirty="0"/>
+              <a:t>Theory:</a:t>
+            </a:r>
+          </a:p>
+        </p:txBody>
+      </p:sp>
+      <p:sp>
+        <p:nvSpPr>
+          <p:cNvPr id="15" name="TextBox 4">
+            <a:extLst>
+              <a:ext uri="{FF2B5EF4-FFF2-40B4-BE49-F238E27FC236}">
+                <a16:creationId xmlns:a16="http://schemas.microsoft.com/office/drawing/2014/main" id="{75255AB8-0325-4C97-BF32-DDF8E593C61B}"/>
+              </a:ext>
+            </a:extLst>
+          </p:cNvPr>
+          <p:cNvSpPr txBox="1"/>
+          <p:nvPr/>
+        </p:nvSpPr>
+        <p:spPr>
+          <a:xfrm>
+            <a:off x="9095130" y="3511547"/>
+            <a:ext cx="2900153" cy="646331"/>
+          </a:xfrm>
+          <a:prstGeom prst="rect">
+            <a:avLst/>
+          </a:prstGeom>
+          <a:noFill/>
+        </p:spPr>
+        <p:txBody>
+          <a:bodyPr wrap="none" rtlCol="0">
+            <a:spAutoFit/>
+          </a:bodyPr>
+          <a:lstStyle/>
+          <a:p>
+            <a:r>
+              <a:rPr lang="fr-FR" sz="3600" dirty="0" err="1"/>
+              <a:t>Finetunning</a:t>
+            </a:r>
+            <a:r>
+              <a:rPr lang="fr-FR" sz="3600" dirty="0"/>
+              <a:t>:</a:t>
+            </a:r>
+          </a:p>
+        </p:txBody>
+      </p:sp>
+      <p:sp>
+        <p:nvSpPr>
+          <p:cNvPr id="16" name="Rectangle 15">
+            <a:extLst>
+              <a:ext uri="{FF2B5EF4-FFF2-40B4-BE49-F238E27FC236}">
+                <a16:creationId xmlns:a16="http://schemas.microsoft.com/office/drawing/2014/main" id="{5E8680B3-4BD1-4573-ABF5-11734422BE01}"/>
+              </a:ext>
+            </a:extLst>
+          </p:cNvPr>
+          <p:cNvSpPr/>
+          <p:nvPr/>
+        </p:nvSpPr>
+        <p:spPr>
+          <a:xfrm>
+            <a:off x="2779954" y="4047963"/>
+            <a:ext cx="3172360" cy="1200329"/>
+          </a:xfrm>
+          <a:prstGeom prst="rect">
+            <a:avLst/>
+          </a:prstGeom>
+        </p:spPr>
+        <p:txBody>
+          <a:bodyPr wrap="square">
+            <a:spAutoFit/>
+          </a:bodyPr>
+          <a:lstStyle/>
+          <a:p>
+            <a:r>
+              <a:rPr lang="fr-FR" sz="2400" i="1" u="sng" dirty="0">
+                <a:solidFill>
+                  <a:schemeClr val="accent1">
+                    <a:lumMod val="75000"/>
+                  </a:schemeClr>
+                </a:solidFill>
+              </a:rPr>
+              <a:t>Uses</a:t>
+            </a:r>
+          </a:p>
+          <a:p>
+            <a:r>
+              <a:rPr lang="fr-FR" sz="2400" i="1" u="sng" dirty="0">
+                <a:solidFill>
+                  <a:schemeClr val="accent1">
+                    <a:lumMod val="75000"/>
+                  </a:schemeClr>
+                </a:solidFill>
+              </a:rPr>
+              <a:t>Training time</a:t>
+            </a:r>
+          </a:p>
+          <a:p>
+            <a:r>
+              <a:rPr lang="fr-FR" sz="2400" i="1" u="sng" dirty="0" err="1">
+                <a:solidFill>
+                  <a:schemeClr val="accent1">
+                    <a:lumMod val="75000"/>
+                  </a:schemeClr>
+                </a:solidFill>
+              </a:rPr>
+              <a:t>Computer’s</a:t>
+            </a:r>
+            <a:r>
+              <a:rPr lang="fr-FR" sz="2400" i="1" u="sng" dirty="0">
+                <a:solidFill>
+                  <a:schemeClr val="accent1">
+                    <a:lumMod val="75000"/>
+                  </a:schemeClr>
+                </a:solidFill>
+              </a:rPr>
+              <a:t> power</a:t>
+            </a:r>
+          </a:p>
+        </p:txBody>
+      </p:sp>
+      <p:sp>
+        <p:nvSpPr>
+          <p:cNvPr id="18" name="Rectangle 17">
+            <a:extLst>
+              <a:ext uri="{FF2B5EF4-FFF2-40B4-BE49-F238E27FC236}">
+                <a16:creationId xmlns:a16="http://schemas.microsoft.com/office/drawing/2014/main" id="{78B1FCDD-3D1F-445B-A289-CC2B191F66C6}"/>
+              </a:ext>
+            </a:extLst>
+          </p:cNvPr>
+          <p:cNvSpPr/>
+          <p:nvPr/>
+        </p:nvSpPr>
+        <p:spPr>
+          <a:xfrm>
+            <a:off x="6292892" y="4047963"/>
+            <a:ext cx="2635955" cy="2308324"/>
+          </a:xfrm>
+          <a:prstGeom prst="rect">
+            <a:avLst/>
+          </a:prstGeom>
+        </p:spPr>
+        <p:txBody>
+          <a:bodyPr wrap="square">
+            <a:spAutoFit/>
+          </a:bodyPr>
+          <a:lstStyle/>
+          <a:p>
+            <a:r>
+              <a:rPr lang="fr-FR" sz="2400" i="1" u="sng" dirty="0" err="1">
+                <a:solidFill>
+                  <a:schemeClr val="accent1">
+                    <a:lumMod val="75000"/>
+                  </a:schemeClr>
+                </a:solidFill>
+              </a:rPr>
+              <a:t>GAs</a:t>
+            </a:r>
+            <a:endParaRPr lang="fr-FR" sz="2400" i="1" u="sng" dirty="0">
+              <a:solidFill>
+                <a:schemeClr val="accent1">
+                  <a:lumMod val="75000"/>
+                </a:schemeClr>
+              </a:solidFill>
+            </a:endParaRPr>
+          </a:p>
+          <a:p>
+            <a:r>
+              <a:rPr lang="fr-FR" sz="2400" i="1" u="sng" dirty="0" err="1">
+                <a:solidFill>
+                  <a:schemeClr val="accent1">
+                    <a:lumMod val="75000"/>
+                  </a:schemeClr>
+                </a:solidFill>
+              </a:rPr>
+              <a:t>Metrics</a:t>
+            </a:r>
+            <a:endParaRPr lang="fr-FR" sz="2400" i="1" u="sng" dirty="0">
+              <a:solidFill>
+                <a:schemeClr val="accent1">
+                  <a:lumMod val="75000"/>
+                </a:schemeClr>
+              </a:solidFill>
+            </a:endParaRPr>
+          </a:p>
+          <a:p>
+            <a:r>
+              <a:rPr lang="fr-FR" sz="2400" i="1" u="sng" dirty="0">
+                <a:solidFill>
+                  <a:schemeClr val="accent1">
+                    <a:lumMod val="75000"/>
+                  </a:schemeClr>
+                </a:solidFill>
+              </a:rPr>
+              <a:t>Datas</a:t>
+            </a:r>
+          </a:p>
+          <a:p>
+            <a:r>
+              <a:rPr lang="fr-FR" sz="2400" i="1" u="sng" dirty="0" err="1">
+                <a:solidFill>
+                  <a:schemeClr val="accent1">
+                    <a:lumMod val="75000"/>
+                  </a:schemeClr>
+                </a:solidFill>
+              </a:rPr>
+              <a:t>Torch</a:t>
+            </a:r>
+            <a:endParaRPr lang="fr-FR" sz="2400" i="1" u="sng" dirty="0">
+              <a:solidFill>
+                <a:schemeClr val="accent1">
+                  <a:lumMod val="75000"/>
+                </a:schemeClr>
+              </a:solidFill>
+            </a:endParaRPr>
+          </a:p>
+          <a:p>
+            <a:r>
+              <a:rPr lang="fr-FR" sz="2400" i="1" u="sng" dirty="0">
+                <a:solidFill>
+                  <a:schemeClr val="accent1">
+                    <a:lumMod val="75000"/>
+                  </a:schemeClr>
+                </a:solidFill>
+              </a:rPr>
+              <a:t>Transformers</a:t>
+            </a:r>
+          </a:p>
+          <a:p>
+            <a:r>
+              <a:rPr lang="fr-FR" sz="2400" i="1" u="sng" dirty="0" err="1">
+                <a:solidFill>
+                  <a:schemeClr val="accent1">
+                    <a:lumMod val="75000"/>
+                  </a:schemeClr>
+                </a:solidFill>
+              </a:rPr>
+              <a:t>Sklearn</a:t>
+            </a:r>
+            <a:endParaRPr lang="fr-FR" sz="2400" i="1" u="sng" dirty="0">
+              <a:solidFill>
+                <a:schemeClr val="accent1">
+                  <a:lumMod val="75000"/>
+                </a:schemeClr>
+              </a:solidFill>
+            </a:endParaRPr>
+          </a:p>
+        </p:txBody>
+      </p:sp>
+      <p:sp>
+        <p:nvSpPr>
+          <p:cNvPr id="19" name="Rectangle 18">
+            <a:extLst>
+              <a:ext uri="{FF2B5EF4-FFF2-40B4-BE49-F238E27FC236}">
+                <a16:creationId xmlns:a16="http://schemas.microsoft.com/office/drawing/2014/main" id="{1906071D-68AE-4D20-ABDB-06D7F637D969}"/>
+              </a:ext>
+            </a:extLst>
+          </p:cNvPr>
+          <p:cNvSpPr/>
+          <p:nvPr/>
+        </p:nvSpPr>
+        <p:spPr>
+          <a:xfrm>
+            <a:off x="9149894" y="4062281"/>
+            <a:ext cx="1864659" cy="1569660"/>
+          </a:xfrm>
+          <a:prstGeom prst="rect">
+            <a:avLst/>
+          </a:prstGeom>
+        </p:spPr>
+        <p:txBody>
+          <a:bodyPr wrap="square">
+            <a:spAutoFit/>
+          </a:bodyPr>
+          <a:lstStyle/>
+          <a:p>
+            <a:r>
+              <a:rPr lang="fr-FR" sz="2400" i="1" u="sng" dirty="0">
+                <a:solidFill>
+                  <a:schemeClr val="accent1">
+                    <a:lumMod val="75000"/>
+                  </a:schemeClr>
+                </a:solidFill>
+              </a:rPr>
+              <a:t>Set up</a:t>
+            </a:r>
+          </a:p>
+          <a:p>
+            <a:r>
+              <a:rPr lang="fr-FR" sz="2400" i="1" u="sng" dirty="0" err="1">
+                <a:solidFill>
+                  <a:schemeClr val="accent1">
+                    <a:lumMod val="75000"/>
+                  </a:schemeClr>
+                </a:solidFill>
+              </a:rPr>
+              <a:t>Preprocess</a:t>
+            </a:r>
+            <a:endParaRPr lang="fr-FR" sz="2400" i="1" u="sng" dirty="0">
+              <a:solidFill>
+                <a:schemeClr val="accent1">
+                  <a:lumMod val="75000"/>
+                </a:schemeClr>
+              </a:solidFill>
+            </a:endParaRPr>
+          </a:p>
+          <a:p>
+            <a:r>
+              <a:rPr lang="fr-FR" sz="2400" i="1" u="sng" dirty="0">
+                <a:solidFill>
+                  <a:schemeClr val="accent1">
+                    <a:lumMod val="75000"/>
+                  </a:schemeClr>
+                </a:solidFill>
+              </a:rPr>
+              <a:t>Training</a:t>
+            </a:r>
+          </a:p>
+          <a:p>
+            <a:r>
+              <a:rPr lang="fr-FR" sz="2400" i="1" u="sng" dirty="0" err="1">
+                <a:solidFill>
+                  <a:schemeClr val="accent1">
+                    <a:lumMod val="75000"/>
+                  </a:schemeClr>
+                </a:solidFill>
+              </a:rPr>
+              <a:t>Results</a:t>
+            </a:r>
+            <a:endParaRPr lang="fr-FR" sz="2400" i="1" u="sng" dirty="0">
+              <a:solidFill>
+                <a:schemeClr val="accent1">
+                  <a:lumMod val="75000"/>
+                </a:schemeClr>
+              </a:solidFill>
+            </a:endParaRPr>
+          </a:p>
+        </p:txBody>
+      </p:sp>
+    </p:spTree>
+    <p:extLst>
+      <p:ext uri="{BB962C8B-B14F-4D97-AF65-F5344CB8AC3E}">
+        <p14:creationId xmlns:p14="http://schemas.microsoft.com/office/powerpoint/2010/main" val="1424285396"/>
+      </p:ext>
+    </p:extLst>
+  </p:cSld>
+  <p:clrMapOvr>
+    <a:masterClrMapping/>
+  </p:clrMapOvr>
+</p:sld>
+</file>
+
+<file path=ppt/slides/slide32.xml><?xml version="1.0" encoding="utf-8"?>
+<p:sld xmlns:a="http://schemas.openxmlformats.org/drawingml/2006/main" xmlns:r="http://schemas.openxmlformats.org/officeDocument/2006/relationships" xmlns:p="http://schemas.openxmlformats.org/presentationml/2006/main">
+  <p:cSld>
+    <p:spTree>
+      <p:nvGrpSpPr>
+        <p:cNvPr id="1" name="">
+          <a:extLst>
+            <a:ext uri="{FF2B5EF4-FFF2-40B4-BE49-F238E27FC236}">
+              <a16:creationId xmlns:a16="http://schemas.microsoft.com/office/drawing/2014/main" id="{9BA86989-CA52-919B-44DB-8ABE8DA1CC55}"/>
+            </a:ext>
+          </a:extLst>
+        </p:cNvPr>
+        <p:cNvGrpSpPr/>
+        <p:nvPr/>
+      </p:nvGrpSpPr>
+      <p:grpSpPr>
+        <a:xfrm>
+          <a:off x="0" y="0"/>
+          <a:ext cx="0" cy="0"/>
+          <a:chOff x="0" y="0"/>
+          <a:chExt cx="0" cy="0"/>
+        </a:xfrm>
+      </p:grpSpPr>
+      <p:sp>
+        <p:nvSpPr>
+          <p:cNvPr id="8" name="TextBox 4">
+            <a:extLst>
+              <a:ext uri="{FF2B5EF4-FFF2-40B4-BE49-F238E27FC236}">
+                <a16:creationId xmlns:a16="http://schemas.microsoft.com/office/drawing/2014/main" id="{CE6C2244-42A8-43D4-B68F-F1B6BCDFD419}"/>
+              </a:ext>
+            </a:extLst>
+          </p:cNvPr>
+          <p:cNvSpPr txBox="1"/>
+          <p:nvPr/>
+        </p:nvSpPr>
+        <p:spPr>
+          <a:xfrm>
+            <a:off x="771958" y="1133018"/>
+            <a:ext cx="9121408" cy="4591963"/>
+          </a:xfrm>
+          <a:prstGeom prst="rect">
+            <a:avLst/>
+          </a:prstGeom>
+          <a:noFill/>
+        </p:spPr>
+        <p:txBody>
+          <a:bodyPr wrap="none" rtlCol="0">
+            <a:spAutoFit/>
+          </a:bodyPr>
+          <a:lstStyle/>
+          <a:p>
+            <a:pPr marL="457200" indent="-457200">
+              <a:lnSpc>
+                <a:spcPct val="150000"/>
+              </a:lnSpc>
+              <a:buFontTx/>
+              <a:buChar char="-"/>
+            </a:pPr>
+            <a:r>
+              <a:rPr lang="en-US" sz="4000" dirty="0"/>
+              <a:t>Improve model performance</a:t>
+            </a:r>
+          </a:p>
+          <a:p>
+            <a:pPr marL="457200" indent="-457200">
+              <a:lnSpc>
+                <a:spcPct val="150000"/>
+              </a:lnSpc>
+              <a:buFontTx/>
+              <a:buChar char="-"/>
+            </a:pPr>
+            <a:r>
+              <a:rPr lang="en-US" sz="4000" dirty="0"/>
+              <a:t>Find best hyperparameters</a:t>
+            </a:r>
+          </a:p>
+          <a:p>
+            <a:pPr marL="457200" indent="-457200">
+              <a:lnSpc>
+                <a:spcPct val="150000"/>
+              </a:lnSpc>
+              <a:buFontTx/>
+              <a:buChar char="-"/>
+            </a:pPr>
+            <a:r>
+              <a:rPr lang="en-US" sz="4000" dirty="0"/>
+              <a:t>Extend to multiline formula</a:t>
+            </a:r>
+          </a:p>
+          <a:p>
+            <a:pPr marL="457200" indent="-457200">
+              <a:lnSpc>
+                <a:spcPct val="150000"/>
+              </a:lnSpc>
+              <a:buFontTx/>
+              <a:buChar char="-"/>
+            </a:pPr>
+            <a:r>
+              <a:rPr lang="en-US" sz="4000" dirty="0"/>
+              <a:t>Extend to the PDF to Latex tool</a:t>
+            </a:r>
+          </a:p>
+          <a:p>
+            <a:pPr marL="457200" indent="-457200">
+              <a:lnSpc>
+                <a:spcPct val="150000"/>
+              </a:lnSpc>
+              <a:buFontTx/>
+              <a:buChar char="-"/>
+            </a:pPr>
+            <a:r>
+              <a:rPr lang="en-US" sz="4000" dirty="0"/>
+              <a:t>Provide the associated notebooks</a:t>
+            </a:r>
+            <a:endParaRPr lang="fr-FR" sz="4000" dirty="0"/>
+          </a:p>
+        </p:txBody>
+      </p:sp>
+      <p:sp>
+        <p:nvSpPr>
+          <p:cNvPr id="10" name="Espace réservé du contenu 2">
+            <a:extLst>
+              <a:ext uri="{FF2B5EF4-FFF2-40B4-BE49-F238E27FC236}">
+                <a16:creationId xmlns:a16="http://schemas.microsoft.com/office/drawing/2014/main" id="{ACD012F7-FBC2-4202-8CA3-18EBC6680F7F}"/>
+              </a:ext>
+            </a:extLst>
+          </p:cNvPr>
+          <p:cNvSpPr txBox="1">
+            <a:spLocks/>
+          </p:cNvSpPr>
+          <p:nvPr/>
+        </p:nvSpPr>
+        <p:spPr>
+          <a:xfrm>
+            <a:off x="25901" y="6131351"/>
+            <a:ext cx="988105" cy="788419"/>
+          </a:xfrm>
+          <a:prstGeom prst="rect">
+            <a:avLst/>
+          </a:prstGeom>
+        </p:spPr>
+        <p:txBody>
+          <a:bodyPr vert="horz" lIns="91440" tIns="45720" rIns="91440" bIns="45720" rtlCol="0" anchor="ctr">
+            <a:normAutofit/>
+          </a:bodyPr>
+          <a:lstStyle>
+            <a:lvl1pPr marL="285750" indent="-285750" algn="l" defTabSz="457200" rtl="0" eaLnBrk="1" latinLnBrk="0" hangingPunct="1">
+              <a:spcBef>
+                <a:spcPct val="20000"/>
+              </a:spcBef>
+              <a:spcAft>
+                <a:spcPts val="600"/>
+              </a:spcAft>
+              <a:buClr>
+                <a:schemeClr val="tx1"/>
+              </a:buClr>
+              <a:buSzPct val="80000"/>
+              <a:buFont typeface="Wingdings 3" panose="05040102010807070707" pitchFamily="18" charset="2"/>
+              <a:buChar char=""/>
+              <a:defRPr sz="2000" kern="1200" cap="none">
+                <a:solidFill>
+                  <a:schemeClr val="bg2">
+                    <a:lumMod val="75000"/>
+                  </a:schemeClr>
+                </a:solidFill>
+                <a:effectLst/>
+                <a:latin typeface="+mn-lt"/>
+                <a:ea typeface="+mn-ea"/>
+                <a:cs typeface="+mn-cs"/>
+              </a:defRPr>
+            </a:lvl1pPr>
+            <a:lvl2pPr marL="742950" indent="-285750" algn="l" defTabSz="457200" rtl="0" eaLnBrk="1" latinLnBrk="0" hangingPunct="1">
+              <a:spcBef>
+                <a:spcPct val="20000"/>
+              </a:spcBef>
+              <a:spcAft>
+                <a:spcPts val="600"/>
+              </a:spcAft>
+              <a:buClr>
+                <a:schemeClr val="tx1"/>
+              </a:buClr>
+              <a:buSzPct val="80000"/>
+              <a:buFont typeface="Wingdings 3" panose="05040102010807070707" pitchFamily="18" charset="2"/>
+              <a:buChar char=""/>
+              <a:defRPr sz="1800" kern="1200" cap="none">
+                <a:solidFill>
+                  <a:schemeClr val="bg2">
+                    <a:lumMod val="75000"/>
+                  </a:schemeClr>
+                </a:solidFill>
+                <a:effectLst/>
+                <a:latin typeface="+mn-lt"/>
+                <a:ea typeface="+mn-ea"/>
+                <a:cs typeface="+mn-cs"/>
+              </a:defRPr>
+            </a:lvl2pPr>
+            <a:lvl3pPr marL="1200150" indent="-285750" algn="l" defTabSz="457200" rtl="0" eaLnBrk="1" latinLnBrk="0" hangingPunct="1">
+              <a:spcBef>
+                <a:spcPct val="20000"/>
+              </a:spcBef>
+              <a:spcAft>
+                <a:spcPts val="600"/>
+              </a:spcAft>
+              <a:buClr>
+                <a:schemeClr val="tx1"/>
+              </a:buClr>
+              <a:buSzPct val="80000"/>
+              <a:buFont typeface="Wingdings 3" panose="05040102010807070707" pitchFamily="18" charset="2"/>
+              <a:buChar char=""/>
+              <a:defRPr sz="1600" kern="1200" cap="none">
+                <a:solidFill>
+                  <a:schemeClr val="bg2">
+                    <a:lumMod val="75000"/>
+                  </a:schemeClr>
+                </a:solidFill>
+                <a:effectLst/>
+                <a:latin typeface="+mn-lt"/>
+                <a:ea typeface="+mn-ea"/>
+                <a:cs typeface="+mn-cs"/>
+              </a:defRPr>
+            </a:lvl3pPr>
+            <a:lvl4pPr marL="1543050" indent="-171450" algn="l" defTabSz="457200" rtl="0" eaLnBrk="1" latinLnBrk="0" hangingPunct="1">
+              <a:spcBef>
+                <a:spcPct val="20000"/>
+              </a:spcBef>
+              <a:spcAft>
+                <a:spcPts val="600"/>
+              </a:spcAft>
+              <a:buClr>
+                <a:schemeClr val="tx1"/>
+              </a:buClr>
+              <a:buSzPct val="80000"/>
+              <a:buFont typeface="Wingdings 3" panose="05040102010807070707" pitchFamily="18" charset="2"/>
+              <a:buChar char=""/>
+              <a:defRPr sz="1400" kern="1200" cap="none">
+                <a:solidFill>
+                  <a:schemeClr val="bg2">
+                    <a:lumMod val="75000"/>
+                  </a:schemeClr>
+                </a:solidFill>
+                <a:effectLst/>
+                <a:latin typeface="+mn-lt"/>
+                <a:ea typeface="+mn-ea"/>
+                <a:cs typeface="+mn-cs"/>
+              </a:defRPr>
+            </a:lvl4pPr>
+            <a:lvl5pPr marL="2000250" indent="-171450" algn="l" defTabSz="457200" rtl="0" eaLnBrk="1" latinLnBrk="0" hangingPunct="1">
+              <a:spcBef>
+                <a:spcPct val="20000"/>
+              </a:spcBef>
+              <a:spcAft>
+                <a:spcPts val="600"/>
+              </a:spcAft>
+              <a:buClr>
+                <a:schemeClr val="tx1"/>
+              </a:buClr>
+              <a:buSzPct val="80000"/>
+              <a:buFont typeface="Wingdings 3" panose="05040102010807070707" pitchFamily="18" charset="2"/>
+              <a:buChar char=""/>
+              <a:defRPr sz="1400" kern="1200" cap="none">
+                <a:solidFill>
+                  <a:schemeClr val="bg2">
+                    <a:lumMod val="75000"/>
+                  </a:schemeClr>
+                </a:solidFill>
+                <a:effectLst/>
+                <a:latin typeface="+mn-lt"/>
+                <a:ea typeface="+mn-ea"/>
+                <a:cs typeface="+mn-cs"/>
+              </a:defRPr>
+            </a:lvl5pPr>
+            <a:lvl6pPr marL="2514600" indent="-228600" algn="l" defTabSz="457200" rtl="0" eaLnBrk="1" latinLnBrk="0" hangingPunct="1">
+              <a:spcBef>
+                <a:spcPct val="20000"/>
+              </a:spcBef>
+              <a:spcAft>
+                <a:spcPts val="600"/>
+              </a:spcAft>
+              <a:buClr>
+                <a:schemeClr val="tx1"/>
+              </a:buClr>
+              <a:buSzPct val="80000"/>
+              <a:buFont typeface="Wingdings 3" panose="05040102010807070707" pitchFamily="18" charset="2"/>
+              <a:buChar char=""/>
+              <a:defRPr sz="1400" kern="1200" cap="none">
+                <a:solidFill>
+                  <a:schemeClr val="bg2">
+                    <a:lumMod val="75000"/>
+                  </a:schemeClr>
+                </a:solidFill>
+                <a:effectLst/>
+                <a:latin typeface="+mn-lt"/>
+                <a:ea typeface="+mn-ea"/>
+                <a:cs typeface="+mn-cs"/>
+              </a:defRPr>
+            </a:lvl6pPr>
+            <a:lvl7pPr marL="2971800" indent="-228600" algn="l" defTabSz="457200" rtl="0" eaLnBrk="1" latinLnBrk="0" hangingPunct="1">
+              <a:spcBef>
+                <a:spcPct val="20000"/>
+              </a:spcBef>
+              <a:spcAft>
+                <a:spcPts val="600"/>
+              </a:spcAft>
+              <a:buClr>
+                <a:schemeClr val="tx1"/>
+              </a:buClr>
+              <a:buSzPct val="80000"/>
+              <a:buFont typeface="Wingdings 3" panose="05040102010807070707" pitchFamily="18" charset="2"/>
+              <a:buChar char=""/>
+              <a:defRPr sz="1400" kern="1200" cap="none">
+                <a:solidFill>
+                  <a:schemeClr val="bg2">
+                    <a:lumMod val="75000"/>
+                  </a:schemeClr>
+                </a:solidFill>
+                <a:effectLst/>
+                <a:latin typeface="+mn-lt"/>
+                <a:ea typeface="+mn-ea"/>
+                <a:cs typeface="+mn-cs"/>
+              </a:defRPr>
+            </a:lvl7pPr>
+            <a:lvl8pPr marL="3429000" indent="-228600" algn="l" defTabSz="457200" rtl="0" eaLnBrk="1" latinLnBrk="0" hangingPunct="1">
+              <a:spcBef>
+                <a:spcPct val="20000"/>
+              </a:spcBef>
+              <a:spcAft>
+                <a:spcPts val="600"/>
+              </a:spcAft>
+              <a:buClr>
+                <a:schemeClr val="tx1"/>
+              </a:buClr>
+              <a:buSzPct val="80000"/>
+              <a:buFont typeface="Wingdings 3" panose="05040102010807070707" pitchFamily="18" charset="2"/>
+              <a:buChar char=""/>
+              <a:defRPr sz="1400" kern="1200" cap="none">
+                <a:solidFill>
+                  <a:schemeClr val="bg2">
+                    <a:lumMod val="75000"/>
+                  </a:schemeClr>
+                </a:solidFill>
+                <a:effectLst/>
+                <a:latin typeface="+mn-lt"/>
+                <a:ea typeface="+mn-ea"/>
+                <a:cs typeface="+mn-cs"/>
+              </a:defRPr>
+            </a:lvl8pPr>
+            <a:lvl9pPr marL="3886200" indent="-228600" algn="l" defTabSz="457200" rtl="0" eaLnBrk="1" latinLnBrk="0" hangingPunct="1">
+              <a:spcBef>
+                <a:spcPct val="20000"/>
+              </a:spcBef>
+              <a:spcAft>
+                <a:spcPts val="600"/>
+              </a:spcAft>
+              <a:buClr>
+                <a:schemeClr val="tx1"/>
+              </a:buClr>
+              <a:buSzPct val="80000"/>
+              <a:buFont typeface="Wingdings 3" panose="05040102010807070707" pitchFamily="18" charset="2"/>
+              <a:buChar char=""/>
+              <a:defRPr sz="1400" kern="1200" cap="none">
+                <a:solidFill>
+                  <a:schemeClr val="bg2">
+                    <a:lumMod val="75000"/>
+                  </a:schemeClr>
+                </a:solidFill>
+                <a:effectLst/>
+                <a:latin typeface="+mn-lt"/>
+                <a:ea typeface="+mn-ea"/>
+                <a:cs typeface="+mn-cs"/>
+              </a:defRPr>
+            </a:lvl9pPr>
+          </a:lstStyle>
+          <a:p>
+            <a:pPr marL="0" indent="0">
+              <a:buFont typeface="Wingdings 3" panose="05040102010807070707" pitchFamily="18" charset="2"/>
+              <a:buNone/>
+            </a:pPr>
+            <a:r>
+              <a:rPr lang="fr-FR" sz="3200" b="1" dirty="0">
+                <a:solidFill>
+                  <a:schemeClr val="tx1">
+                    <a:lumMod val="95000"/>
+                  </a:schemeClr>
+                </a:solidFill>
+                <a:effectLst>
+                  <a:outerShdw blurRad="38100" dist="38100" dir="2700000" algn="tl">
+                    <a:srgbClr val="000000">
+                      <a:alpha val="43137"/>
+                    </a:srgbClr>
+                  </a:outerShdw>
+                </a:effectLst>
+              </a:rPr>
+              <a:t>18</a:t>
+            </a:r>
+          </a:p>
+        </p:txBody>
+      </p:sp>
+      <p:sp>
+        <p:nvSpPr>
+          <p:cNvPr id="12" name="Espace réservé du contenu 2">
+            <a:extLst>
+              <a:ext uri="{FF2B5EF4-FFF2-40B4-BE49-F238E27FC236}">
+                <a16:creationId xmlns:a16="http://schemas.microsoft.com/office/drawing/2014/main" id="{D07D016D-1C69-4B88-98EB-D86C8310D3AC}"/>
+              </a:ext>
+            </a:extLst>
+          </p:cNvPr>
+          <p:cNvSpPr>
+            <a:spLocks noGrp="1"/>
+          </p:cNvSpPr>
+          <p:nvPr>
+            <p:ph idx="1"/>
+          </p:nvPr>
+        </p:nvSpPr>
+        <p:spPr>
+          <a:xfrm>
+            <a:off x="109728" y="49671"/>
+            <a:ext cx="9574306" cy="883024"/>
+          </a:xfrm>
+        </p:spPr>
+        <p:txBody>
+          <a:bodyPr>
+            <a:normAutofit/>
+          </a:bodyPr>
+          <a:lstStyle/>
+          <a:p>
+            <a:pPr marL="0" indent="0">
+              <a:buNone/>
+            </a:pPr>
+            <a:r>
+              <a:rPr lang="fr-FR" sz="4400" b="1" dirty="0">
+                <a:effectLst>
+                  <a:outerShdw blurRad="38100" dist="38100" dir="2700000" algn="tl">
+                    <a:srgbClr val="000000">
+                      <a:alpha val="43137"/>
+                    </a:srgbClr>
+                  </a:outerShdw>
+                </a:effectLst>
+              </a:rPr>
+              <a:t>Futur/ </a:t>
+            </a:r>
+            <a:r>
+              <a:rPr lang="fr-FR" sz="4400" b="1" dirty="0" err="1">
+                <a:effectLst>
+                  <a:outerShdw blurRad="38100" dist="38100" dir="2700000" algn="tl">
+                    <a:srgbClr val="000000">
+                      <a:alpha val="43137"/>
+                    </a:srgbClr>
+                  </a:outerShdw>
+                </a:effectLst>
+              </a:rPr>
+              <a:t>next</a:t>
+            </a:r>
+            <a:r>
+              <a:rPr lang="fr-FR" sz="4400" b="1" dirty="0">
+                <a:effectLst>
+                  <a:outerShdw blurRad="38100" dist="38100" dir="2700000" algn="tl">
+                    <a:srgbClr val="000000">
+                      <a:alpha val="43137"/>
+                    </a:srgbClr>
+                  </a:outerShdw>
+                </a:effectLst>
+              </a:rPr>
+              <a:t> </a:t>
+            </a:r>
+            <a:r>
+              <a:rPr lang="fr-FR" sz="4400" b="1" dirty="0" err="1">
+                <a:effectLst>
+                  <a:outerShdw blurRad="38100" dist="38100" dir="2700000" algn="tl">
+                    <a:srgbClr val="000000">
+                      <a:alpha val="43137"/>
+                    </a:srgbClr>
+                  </a:outerShdw>
+                </a:effectLst>
+              </a:rPr>
+              <a:t>steps</a:t>
+            </a:r>
+            <a:endParaRPr lang="fr-FR" sz="4400" b="1" dirty="0">
+              <a:effectLst>
+                <a:outerShdw blurRad="38100" dist="38100" dir="2700000" algn="tl">
+                  <a:srgbClr val="000000">
+                    <a:alpha val="43137"/>
+                  </a:srgbClr>
+                </a:outerShdw>
+              </a:effectLst>
+            </a:endParaRPr>
+          </a:p>
+        </p:txBody>
+      </p:sp>
+    </p:spTree>
+    <p:extLst>
+      <p:ext uri="{BB962C8B-B14F-4D97-AF65-F5344CB8AC3E}">
+        <p14:creationId xmlns:p14="http://schemas.microsoft.com/office/powerpoint/2010/main" val="734365234"/>
+      </p:ext>
+    </p:extLst>
+  </p:cSld>
+  <p:clrMapOvr>
+    <a:masterClrMapping/>
+  </p:clrMapOvr>
+</p:sld>
+</file>
+
+<file path=ppt/slides/slide33.xml><?xml version="1.0" encoding="utf-8"?>
 <p:sld xmlns:a="http://schemas.openxmlformats.org/drawingml/2006/main" xmlns:r="http://schemas.openxmlformats.org/officeDocument/2006/relationships" xmlns:p="http://schemas.openxmlformats.org/presentationml/2006/main">
   <p:cSld>
     <p:spTree>
@@ -22889,10 +24550,10 @@
       </p:grpSpPr>
       <p:sp>
         <p:nvSpPr>
-          <p:cNvPr id="2" name="Title 1">
+          <p:cNvPr id="2" name="Titre 1">
             <a:extLst>
               <a:ext uri="{FF2B5EF4-FFF2-40B4-BE49-F238E27FC236}">
-                <a16:creationId xmlns:a16="http://schemas.microsoft.com/office/drawing/2014/main" id="{C7334E86-4437-1CC0-7923-5B9A657F3EAB}"/>
+                <a16:creationId xmlns:a16="http://schemas.microsoft.com/office/drawing/2014/main" id="{5AE0DE15-79EE-42FB-9775-A9B4FB501C8A}"/>
               </a:ext>
             </a:extLst>
           </p:cNvPr>
@@ -22903,22 +24564,566 @@
             <p:ph type="title"/>
           </p:nvPr>
         </p:nvSpPr>
-        <p:spPr/>
+        <p:spPr>
+          <a:xfrm>
+            <a:off x="2141034" y="131294"/>
+            <a:ext cx="7909931" cy="1723139"/>
+          </a:xfrm>
+        </p:spPr>
         <p:txBody>
-          <a:bodyPr/>
+          <a:bodyPr>
+            <a:normAutofit fontScale="90000"/>
+          </a:bodyPr>
           <a:lstStyle/>
           <a:p>
-            <a:r>
-              <a:rPr lang="fr-FR" b="1" dirty="0"/>
-              <a:t>Appendix</a:t>
-            </a:r>
+            <a:pPr algn="ctr"/>
+            <a:r>
+              <a:rPr lang="fr-FR" sz="11500" b="1" u="sng" dirty="0">
+                <a:solidFill>
+                  <a:srgbClr val="FFC000"/>
+                </a:solidFill>
+                <a:effectLst>
+                  <a:outerShdw blurRad="38100" dist="38100" dir="2700000" algn="tl">
+                    <a:srgbClr val="000000">
+                      <a:alpha val="43137"/>
+                    </a:srgbClr>
+                  </a:outerShdw>
+                </a:effectLst>
+              </a:rPr>
+              <a:t>IPdf2Latex</a:t>
+            </a:r>
+          </a:p>
+        </p:txBody>
+      </p:sp>
+      <p:sp>
+        <p:nvSpPr>
+          <p:cNvPr id="3" name="Espace réservé du contenu 2">
+            <a:extLst>
+              <a:ext uri="{FF2B5EF4-FFF2-40B4-BE49-F238E27FC236}">
+                <a16:creationId xmlns:a16="http://schemas.microsoft.com/office/drawing/2014/main" id="{644217B5-B80B-44F0-9C15-7D702CBD4700}"/>
+              </a:ext>
+            </a:extLst>
+          </p:cNvPr>
+          <p:cNvSpPr>
+            <a:spLocks noGrp="1"/>
+          </p:cNvSpPr>
+          <p:nvPr>
+            <p:ph idx="1"/>
+          </p:nvPr>
+        </p:nvSpPr>
+        <p:spPr>
+          <a:xfrm>
+            <a:off x="2525458" y="5003567"/>
+            <a:ext cx="9474563" cy="761036"/>
+          </a:xfrm>
+        </p:spPr>
+        <p:txBody>
+          <a:bodyPr>
+            <a:normAutofit/>
+          </a:bodyPr>
+          <a:lstStyle/>
+          <a:p>
+            <a:pPr marL="0" indent="0">
+              <a:buNone/>
+            </a:pPr>
+            <a:r>
+              <a:rPr lang="fr-FR" sz="2400" b="1" dirty="0"/>
+              <a:t>Macéo Ottavy</a:t>
+            </a:r>
+            <a:r>
+              <a:rPr lang="fr-FR" sz="2400" dirty="0"/>
+              <a:t>,</a:t>
+            </a:r>
+            <a:r>
+              <a:rPr lang="fr-FR" sz="2400" b="1" dirty="0"/>
+              <a:t> Mathieu </a:t>
+            </a:r>
+            <a:r>
+              <a:rPr lang="fr-FR" sz="2400" b="1" dirty="0" err="1"/>
+              <a:t>Longatte</a:t>
+            </a:r>
+            <a:r>
+              <a:rPr lang="fr-FR" sz="2400" dirty="0"/>
+              <a:t>,</a:t>
+            </a:r>
+            <a:r>
+              <a:rPr lang="fr-FR" sz="2400" b="1" dirty="0"/>
+              <a:t> Louison </a:t>
+            </a:r>
+            <a:r>
+              <a:rPr lang="fr-FR" sz="2400" b="1" dirty="0" err="1"/>
+              <a:t>Mocq</a:t>
+            </a:r>
+            <a:r>
+              <a:rPr lang="fr-FR" sz="2400" dirty="0"/>
+              <a:t>,</a:t>
+            </a:r>
+            <a:r>
+              <a:rPr lang="fr-FR" sz="2400" b="1" dirty="0"/>
+              <a:t> </a:t>
+            </a:r>
+            <a:r>
+              <a:rPr lang="fr-FR" sz="2400" b="1" dirty="0" err="1"/>
+              <a:t>Ankit</a:t>
+            </a:r>
+            <a:r>
+              <a:rPr lang="fr-FR" sz="2400" b="1" dirty="0"/>
+              <a:t> </a:t>
+            </a:r>
+            <a:r>
+              <a:rPr lang="fr-FR" sz="2400" b="1" dirty="0" err="1"/>
+              <a:t>Gayen</a:t>
+            </a:r>
+            <a:endParaRPr lang="fr-FR" sz="2400" b="1" dirty="0"/>
+          </a:p>
+        </p:txBody>
+      </p:sp>
+      <p:sp>
+        <p:nvSpPr>
+          <p:cNvPr id="4" name="Rectangle 3">
+            <a:extLst>
+              <a:ext uri="{FF2B5EF4-FFF2-40B4-BE49-F238E27FC236}">
+                <a16:creationId xmlns:a16="http://schemas.microsoft.com/office/drawing/2014/main" id="{276747B0-25E5-4BD1-9CCC-BAB90F414AB0}"/>
+              </a:ext>
+            </a:extLst>
+          </p:cNvPr>
+          <p:cNvSpPr/>
+          <p:nvPr/>
+        </p:nvSpPr>
+        <p:spPr>
+          <a:xfrm>
+            <a:off x="7787300" y="5852339"/>
+            <a:ext cx="4061010" cy="430887"/>
+          </a:xfrm>
+          <a:prstGeom prst="rect">
+            <a:avLst/>
+          </a:prstGeom>
+        </p:spPr>
+        <p:txBody>
+          <a:bodyPr wrap="square">
+            <a:spAutoFit/>
+          </a:bodyPr>
+          <a:lstStyle/>
+          <a:p>
+            <a:r>
+              <a:rPr lang="fr-FR" dirty="0" err="1">
+                <a:solidFill>
+                  <a:schemeClr val="bg2">
+                    <a:lumMod val="75000"/>
+                  </a:schemeClr>
+                </a:solidFill>
+              </a:rPr>
+              <a:t>Supervised</a:t>
+            </a:r>
+            <a:r>
+              <a:rPr lang="fr-FR" dirty="0">
+                <a:solidFill>
+                  <a:schemeClr val="bg2">
+                    <a:lumMod val="75000"/>
+                  </a:schemeClr>
+                </a:solidFill>
+              </a:rPr>
+              <a:t> by </a:t>
+            </a:r>
+            <a:r>
+              <a:rPr lang="fr-FR" sz="2200" b="1" dirty="0">
+                <a:solidFill>
+                  <a:schemeClr val="bg2">
+                    <a:lumMod val="75000"/>
+                  </a:schemeClr>
+                </a:solidFill>
+              </a:rPr>
+              <a:t>Simon Delamare</a:t>
+            </a:r>
+          </a:p>
+        </p:txBody>
+      </p:sp>
+      <p:sp>
+        <p:nvSpPr>
+          <p:cNvPr id="6" name="TextBox 4">
+            <a:extLst>
+              <a:ext uri="{FF2B5EF4-FFF2-40B4-BE49-F238E27FC236}">
+                <a16:creationId xmlns:a16="http://schemas.microsoft.com/office/drawing/2014/main" id="{860C67E6-7AF4-4835-80D4-AD64786C4930}"/>
+              </a:ext>
+            </a:extLst>
+          </p:cNvPr>
+          <p:cNvSpPr txBox="1"/>
+          <p:nvPr/>
+        </p:nvSpPr>
+        <p:spPr>
+          <a:xfrm>
+            <a:off x="504566" y="2409309"/>
+            <a:ext cx="11495455" cy="1754326"/>
+          </a:xfrm>
+          <a:prstGeom prst="rect">
+            <a:avLst/>
+          </a:prstGeom>
+          <a:noFill/>
+        </p:spPr>
+        <p:txBody>
+          <a:bodyPr wrap="none" rtlCol="0">
+            <a:spAutoFit/>
+          </a:bodyPr>
+          <a:lstStyle/>
+          <a:p>
+            <a:r>
+              <a:rPr lang="fr-FR" sz="3600" dirty="0" err="1"/>
+              <a:t>Website</a:t>
+            </a:r>
+            <a:r>
+              <a:rPr lang="fr-FR" sz="3600" dirty="0"/>
+              <a:t>: </a:t>
+            </a:r>
+            <a:r>
+              <a:rPr lang="fr-FR" sz="3200" i="1" u="sng" dirty="0">
+                <a:solidFill>
+                  <a:schemeClr val="bg2">
+                    <a:lumMod val="75000"/>
+                  </a:schemeClr>
+                </a:solidFill>
+                <a:hlinkClick r:id="rId3">
+                  <a:extLst>
+                    <a:ext uri="{A12FA001-AC4F-418D-AE19-62706E023703}">
+                      <ahyp:hlinkClr xmlns:ahyp="http://schemas.microsoft.com/office/drawing/2018/hyperlinkcolor" val="tx"/>
+                    </a:ext>
+                  </a:extLst>
+                </a:hlinkClick>
+              </a:rPr>
+              <a:t>https://tutorial-ia-pe.readthedocs.io/en/latest/</a:t>
+            </a:r>
+            <a:endParaRPr lang="fr-FR" sz="3200" i="1" u="sng" dirty="0">
+              <a:solidFill>
+                <a:schemeClr val="bg2">
+                  <a:lumMod val="75000"/>
+                </a:schemeClr>
+              </a:solidFill>
+            </a:endParaRPr>
+          </a:p>
+          <a:p>
+            <a:endParaRPr lang="fr-FR" sz="3600" dirty="0"/>
+          </a:p>
+          <a:p>
+            <a:r>
+              <a:rPr lang="fr-FR" sz="3600" dirty="0"/>
+              <a:t>GitHub: </a:t>
+            </a:r>
+            <a:r>
+              <a:rPr lang="fr-FR" sz="3200" i="1" u="sng" dirty="0">
+                <a:solidFill>
+                  <a:schemeClr val="bg2">
+                    <a:lumMod val="75000"/>
+                  </a:schemeClr>
+                </a:solidFill>
+              </a:rPr>
+              <a:t>https://github.com/GeckSpy/IPdf2Latex</a:t>
+            </a:r>
+            <a:endParaRPr lang="fr-FR" sz="3600" i="1" u="sng" dirty="0">
+              <a:solidFill>
+                <a:schemeClr val="bg2">
+                  <a:lumMod val="75000"/>
+                </a:schemeClr>
+              </a:solidFill>
+            </a:endParaRPr>
+          </a:p>
+        </p:txBody>
+      </p:sp>
+      <p:sp>
+        <p:nvSpPr>
+          <p:cNvPr id="8" name="Espace réservé du contenu 2">
+            <a:extLst>
+              <a:ext uri="{FF2B5EF4-FFF2-40B4-BE49-F238E27FC236}">
+                <a16:creationId xmlns:a16="http://schemas.microsoft.com/office/drawing/2014/main" id="{5EDCE2C9-778C-424A-B37D-FA39276F12F8}"/>
+              </a:ext>
+            </a:extLst>
+          </p:cNvPr>
+          <p:cNvSpPr txBox="1">
+            <a:spLocks/>
+          </p:cNvSpPr>
+          <p:nvPr/>
+        </p:nvSpPr>
+        <p:spPr>
+          <a:xfrm>
+            <a:off x="25901" y="6131351"/>
+            <a:ext cx="988105" cy="788419"/>
+          </a:xfrm>
+          <a:prstGeom prst="rect">
+            <a:avLst/>
+          </a:prstGeom>
+        </p:spPr>
+        <p:txBody>
+          <a:bodyPr vert="horz" lIns="91440" tIns="45720" rIns="91440" bIns="45720" rtlCol="0" anchor="ctr">
+            <a:normAutofit/>
+          </a:bodyPr>
+          <a:lstStyle>
+            <a:lvl1pPr marL="285750" indent="-285750" algn="l" defTabSz="457200" rtl="0" eaLnBrk="1" latinLnBrk="0" hangingPunct="1">
+              <a:spcBef>
+                <a:spcPct val="20000"/>
+              </a:spcBef>
+              <a:spcAft>
+                <a:spcPts val="600"/>
+              </a:spcAft>
+              <a:buClr>
+                <a:schemeClr val="tx1"/>
+              </a:buClr>
+              <a:buSzPct val="80000"/>
+              <a:buFont typeface="Wingdings 3" panose="05040102010807070707" pitchFamily="18" charset="2"/>
+              <a:buChar char=""/>
+              <a:defRPr sz="2000" kern="1200" cap="none">
+                <a:solidFill>
+                  <a:schemeClr val="bg2">
+                    <a:lumMod val="75000"/>
+                  </a:schemeClr>
+                </a:solidFill>
+                <a:effectLst/>
+                <a:latin typeface="+mn-lt"/>
+                <a:ea typeface="+mn-ea"/>
+                <a:cs typeface="+mn-cs"/>
+              </a:defRPr>
+            </a:lvl1pPr>
+            <a:lvl2pPr marL="742950" indent="-285750" algn="l" defTabSz="457200" rtl="0" eaLnBrk="1" latinLnBrk="0" hangingPunct="1">
+              <a:spcBef>
+                <a:spcPct val="20000"/>
+              </a:spcBef>
+              <a:spcAft>
+                <a:spcPts val="600"/>
+              </a:spcAft>
+              <a:buClr>
+                <a:schemeClr val="tx1"/>
+              </a:buClr>
+              <a:buSzPct val="80000"/>
+              <a:buFont typeface="Wingdings 3" panose="05040102010807070707" pitchFamily="18" charset="2"/>
+              <a:buChar char=""/>
+              <a:defRPr sz="1800" kern="1200" cap="none">
+                <a:solidFill>
+                  <a:schemeClr val="bg2">
+                    <a:lumMod val="75000"/>
+                  </a:schemeClr>
+                </a:solidFill>
+                <a:effectLst/>
+                <a:latin typeface="+mn-lt"/>
+                <a:ea typeface="+mn-ea"/>
+                <a:cs typeface="+mn-cs"/>
+              </a:defRPr>
+            </a:lvl2pPr>
+            <a:lvl3pPr marL="1200150" indent="-285750" algn="l" defTabSz="457200" rtl="0" eaLnBrk="1" latinLnBrk="0" hangingPunct="1">
+              <a:spcBef>
+                <a:spcPct val="20000"/>
+              </a:spcBef>
+              <a:spcAft>
+                <a:spcPts val="600"/>
+              </a:spcAft>
+              <a:buClr>
+                <a:schemeClr val="tx1"/>
+              </a:buClr>
+              <a:buSzPct val="80000"/>
+              <a:buFont typeface="Wingdings 3" panose="05040102010807070707" pitchFamily="18" charset="2"/>
+              <a:buChar char=""/>
+              <a:defRPr sz="1600" kern="1200" cap="none">
+                <a:solidFill>
+                  <a:schemeClr val="bg2">
+                    <a:lumMod val="75000"/>
+                  </a:schemeClr>
+                </a:solidFill>
+                <a:effectLst/>
+                <a:latin typeface="+mn-lt"/>
+                <a:ea typeface="+mn-ea"/>
+                <a:cs typeface="+mn-cs"/>
+              </a:defRPr>
+            </a:lvl3pPr>
+            <a:lvl4pPr marL="1543050" indent="-171450" algn="l" defTabSz="457200" rtl="0" eaLnBrk="1" latinLnBrk="0" hangingPunct="1">
+              <a:spcBef>
+                <a:spcPct val="20000"/>
+              </a:spcBef>
+              <a:spcAft>
+                <a:spcPts val="600"/>
+              </a:spcAft>
+              <a:buClr>
+                <a:schemeClr val="tx1"/>
+              </a:buClr>
+              <a:buSzPct val="80000"/>
+              <a:buFont typeface="Wingdings 3" panose="05040102010807070707" pitchFamily="18" charset="2"/>
+              <a:buChar char=""/>
+              <a:defRPr sz="1400" kern="1200" cap="none">
+                <a:solidFill>
+                  <a:schemeClr val="bg2">
+                    <a:lumMod val="75000"/>
+                  </a:schemeClr>
+                </a:solidFill>
+                <a:effectLst/>
+                <a:latin typeface="+mn-lt"/>
+                <a:ea typeface="+mn-ea"/>
+                <a:cs typeface="+mn-cs"/>
+              </a:defRPr>
+            </a:lvl4pPr>
+            <a:lvl5pPr marL="2000250" indent="-171450" algn="l" defTabSz="457200" rtl="0" eaLnBrk="1" latinLnBrk="0" hangingPunct="1">
+              <a:spcBef>
+                <a:spcPct val="20000"/>
+              </a:spcBef>
+              <a:spcAft>
+                <a:spcPts val="600"/>
+              </a:spcAft>
+              <a:buClr>
+                <a:schemeClr val="tx1"/>
+              </a:buClr>
+              <a:buSzPct val="80000"/>
+              <a:buFont typeface="Wingdings 3" panose="05040102010807070707" pitchFamily="18" charset="2"/>
+              <a:buChar char=""/>
+              <a:defRPr sz="1400" kern="1200" cap="none">
+                <a:solidFill>
+                  <a:schemeClr val="bg2">
+                    <a:lumMod val="75000"/>
+                  </a:schemeClr>
+                </a:solidFill>
+                <a:effectLst/>
+                <a:latin typeface="+mn-lt"/>
+                <a:ea typeface="+mn-ea"/>
+                <a:cs typeface="+mn-cs"/>
+              </a:defRPr>
+            </a:lvl5pPr>
+            <a:lvl6pPr marL="2514600" indent="-228600" algn="l" defTabSz="457200" rtl="0" eaLnBrk="1" latinLnBrk="0" hangingPunct="1">
+              <a:spcBef>
+                <a:spcPct val="20000"/>
+              </a:spcBef>
+              <a:spcAft>
+                <a:spcPts val="600"/>
+              </a:spcAft>
+              <a:buClr>
+                <a:schemeClr val="tx1"/>
+              </a:buClr>
+              <a:buSzPct val="80000"/>
+              <a:buFont typeface="Wingdings 3" panose="05040102010807070707" pitchFamily="18" charset="2"/>
+              <a:buChar char=""/>
+              <a:defRPr sz="1400" kern="1200" cap="none">
+                <a:solidFill>
+                  <a:schemeClr val="bg2">
+                    <a:lumMod val="75000"/>
+                  </a:schemeClr>
+                </a:solidFill>
+                <a:effectLst/>
+                <a:latin typeface="+mn-lt"/>
+                <a:ea typeface="+mn-ea"/>
+                <a:cs typeface="+mn-cs"/>
+              </a:defRPr>
+            </a:lvl6pPr>
+            <a:lvl7pPr marL="2971800" indent="-228600" algn="l" defTabSz="457200" rtl="0" eaLnBrk="1" latinLnBrk="0" hangingPunct="1">
+              <a:spcBef>
+                <a:spcPct val="20000"/>
+              </a:spcBef>
+              <a:spcAft>
+                <a:spcPts val="600"/>
+              </a:spcAft>
+              <a:buClr>
+                <a:schemeClr val="tx1"/>
+              </a:buClr>
+              <a:buSzPct val="80000"/>
+              <a:buFont typeface="Wingdings 3" panose="05040102010807070707" pitchFamily="18" charset="2"/>
+              <a:buChar char=""/>
+              <a:defRPr sz="1400" kern="1200" cap="none">
+                <a:solidFill>
+                  <a:schemeClr val="bg2">
+                    <a:lumMod val="75000"/>
+                  </a:schemeClr>
+                </a:solidFill>
+                <a:effectLst/>
+                <a:latin typeface="+mn-lt"/>
+                <a:ea typeface="+mn-ea"/>
+                <a:cs typeface="+mn-cs"/>
+              </a:defRPr>
+            </a:lvl7pPr>
+            <a:lvl8pPr marL="3429000" indent="-228600" algn="l" defTabSz="457200" rtl="0" eaLnBrk="1" latinLnBrk="0" hangingPunct="1">
+              <a:spcBef>
+                <a:spcPct val="20000"/>
+              </a:spcBef>
+              <a:spcAft>
+                <a:spcPts val="600"/>
+              </a:spcAft>
+              <a:buClr>
+                <a:schemeClr val="tx1"/>
+              </a:buClr>
+              <a:buSzPct val="80000"/>
+              <a:buFont typeface="Wingdings 3" panose="05040102010807070707" pitchFamily="18" charset="2"/>
+              <a:buChar char=""/>
+              <a:defRPr sz="1400" kern="1200" cap="none">
+                <a:solidFill>
+                  <a:schemeClr val="bg2">
+                    <a:lumMod val="75000"/>
+                  </a:schemeClr>
+                </a:solidFill>
+                <a:effectLst/>
+                <a:latin typeface="+mn-lt"/>
+                <a:ea typeface="+mn-ea"/>
+                <a:cs typeface="+mn-cs"/>
+              </a:defRPr>
+            </a:lvl8pPr>
+            <a:lvl9pPr marL="3886200" indent="-228600" algn="l" defTabSz="457200" rtl="0" eaLnBrk="1" latinLnBrk="0" hangingPunct="1">
+              <a:spcBef>
+                <a:spcPct val="20000"/>
+              </a:spcBef>
+              <a:spcAft>
+                <a:spcPts val="600"/>
+              </a:spcAft>
+              <a:buClr>
+                <a:schemeClr val="tx1"/>
+              </a:buClr>
+              <a:buSzPct val="80000"/>
+              <a:buFont typeface="Wingdings 3" panose="05040102010807070707" pitchFamily="18" charset="2"/>
+              <a:buChar char=""/>
+              <a:defRPr sz="1400" kern="1200" cap="none">
+                <a:solidFill>
+                  <a:schemeClr val="bg2">
+                    <a:lumMod val="75000"/>
+                  </a:schemeClr>
+                </a:solidFill>
+                <a:effectLst/>
+                <a:latin typeface="+mn-lt"/>
+                <a:ea typeface="+mn-ea"/>
+                <a:cs typeface="+mn-cs"/>
+              </a:defRPr>
+            </a:lvl9pPr>
+          </a:lstStyle>
+          <a:p>
+            <a:pPr marL="0" indent="0">
+              <a:buFont typeface="Wingdings 3" panose="05040102010807070707" pitchFamily="18" charset="2"/>
+              <a:buNone/>
+            </a:pPr>
+            <a:r>
+              <a:rPr lang="fr-FR" sz="3200" b="1" dirty="0">
+                <a:solidFill>
+                  <a:schemeClr val="tx1">
+                    <a:lumMod val="95000"/>
+                  </a:schemeClr>
+                </a:solidFill>
+                <a:effectLst>
+                  <a:outerShdw blurRad="38100" dist="38100" dir="2700000" algn="tl">
+                    <a:srgbClr val="000000">
+                      <a:alpha val="43137"/>
+                    </a:srgbClr>
+                  </a:outerShdw>
+                </a:effectLst>
+              </a:rPr>
+              <a:t>18</a:t>
+            </a:r>
+            <a:endParaRPr lang="fr-FR" sz="4000" b="1" dirty="0">
+              <a:solidFill>
+                <a:schemeClr val="tx1">
+                  <a:lumMod val="95000"/>
+                </a:schemeClr>
+              </a:solidFill>
+              <a:effectLst>
+                <a:outerShdw blurRad="38100" dist="38100" dir="2700000" algn="tl">
+                  <a:srgbClr val="000000">
+                    <a:alpha val="43137"/>
+                  </a:srgbClr>
+                </a:outerShdw>
+              </a:effectLst>
+            </a:endParaRPr>
           </a:p>
         </p:txBody>
       </p:sp>
     </p:spTree>
     <p:extLst>
       <p:ext uri="{BB962C8B-B14F-4D97-AF65-F5344CB8AC3E}">
-        <p14:creationId xmlns:p14="http://schemas.microsoft.com/office/powerpoint/2010/main" val="3108497287"/>
+        <p14:creationId xmlns:p14="http://schemas.microsoft.com/office/powerpoint/2010/main" val="2469996262"/>
       </p:ext>
     </p:extLst>
   </p:cSld>
@@ -22928,7 +25133,7 @@
 </p:sld>
 </file>
 
-<file path=ppt/slides/slide32.xml><?xml version="1.0" encoding="utf-8"?>
+<file path=ppt/slides/slide34.xml><?xml version="1.0" encoding="utf-8"?>
 <p:sld xmlns:a="http://schemas.openxmlformats.org/drawingml/2006/main" xmlns:r="http://schemas.openxmlformats.org/officeDocument/2006/relationships" xmlns:p="http://schemas.openxmlformats.org/presentationml/2006/main">
   <p:cSld>
     <p:spTree>
@@ -23057,7 +25262,7 @@
 </p:sld>
 </file>
 
-<file path=ppt/slides/slide33.xml><?xml version="1.0" encoding="utf-8"?>
+<file path=ppt/slides/slide35.xml><?xml version="1.0" encoding="utf-8"?>
 <p:sld xmlns:a="http://schemas.openxmlformats.org/drawingml/2006/main" xmlns:r="http://schemas.openxmlformats.org/officeDocument/2006/relationships" xmlns:p="http://schemas.openxmlformats.org/presentationml/2006/main">
   <p:cSld>
     <p:spTree>
@@ -24202,7 +26407,7 @@
     </p:spTree>
     <p:extLst>
       <p:ext uri="{BB962C8B-B14F-4D97-AF65-F5344CB8AC3E}">
-        <p14:creationId xmlns:p14="http://schemas.microsoft.com/office/powerpoint/2010/main" val="1871144811"/>
+        <p14:creationId xmlns:p14="http://schemas.microsoft.com/office/powerpoint/2010/main" val="1570220997"/>
       </p:ext>
     </p:extLst>
   </p:cSld>
@@ -26226,7 +28431,7 @@
     </p:spTree>
     <p:extLst>
       <p:ext uri="{BB962C8B-B14F-4D97-AF65-F5344CB8AC3E}">
-        <p14:creationId xmlns:p14="http://schemas.microsoft.com/office/powerpoint/2010/main" val="30979687"/>
+        <p14:creationId xmlns:p14="http://schemas.microsoft.com/office/powerpoint/2010/main" val="2053196594"/>
       </p:ext>
     </p:extLst>
   </p:cSld>
@@ -28103,7 +30308,7 @@
     </p:spTree>
     <p:extLst>
       <p:ext uri="{BB962C8B-B14F-4D97-AF65-F5344CB8AC3E}">
-        <p14:creationId xmlns:p14="http://schemas.microsoft.com/office/powerpoint/2010/main" val="736087724"/>
+        <p14:creationId xmlns:p14="http://schemas.microsoft.com/office/powerpoint/2010/main" val="833538022"/>
       </p:ext>
     </p:extLst>
   </p:cSld>

--- a/Presentation/Final presentation anim.pptx
+++ b/Presentation/Final presentation anim.pptx
@@ -5,7 +5,7 @@
     <p:sldMasterId id="2147483766" r:id="rId1"/>
   </p:sldMasterIdLst>
   <p:notesMasterIdLst>
-    <p:notesMasterId r:id="rId37"/>
+    <p:notesMasterId r:id="rId36"/>
   </p:notesMasterIdLst>
   <p:sldIdLst>
     <p:sldId id="277" r:id="rId2"/>
@@ -27,22 +27,21 @@
     <p:sldId id="296" r:id="rId18"/>
     <p:sldId id="287" r:id="rId19"/>
     <p:sldId id="298" r:id="rId20"/>
-    <p:sldId id="288" r:id="rId21"/>
-    <p:sldId id="299" r:id="rId22"/>
-    <p:sldId id="267" r:id="rId23"/>
-    <p:sldId id="268" r:id="rId24"/>
-    <p:sldId id="272" r:id="rId25"/>
-    <p:sldId id="270" r:id="rId26"/>
-    <p:sldId id="283" r:id="rId27"/>
-    <p:sldId id="284" r:id="rId28"/>
-    <p:sldId id="303" r:id="rId29"/>
-    <p:sldId id="302" r:id="rId30"/>
-    <p:sldId id="301" r:id="rId31"/>
-    <p:sldId id="300" r:id="rId32"/>
-    <p:sldId id="290" r:id="rId33"/>
-    <p:sldId id="285" r:id="rId34"/>
-    <p:sldId id="289" r:id="rId35"/>
-    <p:sldId id="282" r:id="rId36"/>
+    <p:sldId id="299" r:id="rId21"/>
+    <p:sldId id="267" r:id="rId22"/>
+    <p:sldId id="268" r:id="rId23"/>
+    <p:sldId id="272" r:id="rId24"/>
+    <p:sldId id="270" r:id="rId25"/>
+    <p:sldId id="283" r:id="rId26"/>
+    <p:sldId id="284" r:id="rId27"/>
+    <p:sldId id="303" r:id="rId28"/>
+    <p:sldId id="302" r:id="rId29"/>
+    <p:sldId id="301" r:id="rId30"/>
+    <p:sldId id="300" r:id="rId31"/>
+    <p:sldId id="290" r:id="rId32"/>
+    <p:sldId id="285" r:id="rId33"/>
+    <p:sldId id="289" r:id="rId34"/>
+    <p:sldId id="282" r:id="rId35"/>
   </p:sldIdLst>
   <p:sldSz cx="12192000" cy="6858000"/>
   <p:notesSz cx="6858000" cy="9144000"/>
@@ -231,7 +230,7 @@
           <a:p>
             <a:fld id="{4EB363BB-F7AF-A242-B335-207FB1BAC411}" type="datetimeFigureOut">
               <a:rPr lang="fr-FR" smtClean="0"/>
-              <a:t>15/02/2025</a:t>
+              <a:t>17/02/2025</a:t>
             </a:fld>
             <a:endParaRPr lang="fr-FR"/>
           </a:p>
@@ -1065,7 +1064,7 @@
           <a:p>
             <a:fld id="{D1E64696-99C8-3D43-8756-83E7D8AF2A44}" type="slidenum">
               <a:rPr lang="fr-FR" smtClean="0"/>
-              <a:t>22</a:t>
+              <a:t>21</a:t>
             </a:fld>
             <a:endParaRPr lang="fr-FR"/>
           </a:p>
@@ -1149,7 +1148,7 @@
           <a:p>
             <a:fld id="{D1E64696-99C8-3D43-8756-83E7D8AF2A44}" type="slidenum">
               <a:rPr lang="fr-FR" smtClean="0"/>
-              <a:t>24</a:t>
+              <a:t>23</a:t>
             </a:fld>
             <a:endParaRPr lang="fr-FR"/>
           </a:p>
@@ -1233,7 +1232,7 @@
           <a:p>
             <a:fld id="{D1E64696-99C8-3D43-8756-83E7D8AF2A44}" type="slidenum">
               <a:rPr lang="fr-FR" smtClean="0"/>
-              <a:t>33</a:t>
+              <a:t>32</a:t>
             </a:fld>
             <a:endParaRPr lang="fr-FR"/>
           </a:p>
@@ -1443,7 +1442,7 @@
           <a:p>
             <a:fld id="{2616AA14-A50A-6F42-8D80-B13DBABE446C}" type="datetimeFigureOut">
               <a:rPr lang="fr-FR" smtClean="0"/>
-              <a:t>15/02/2025</a:t>
+              <a:t>17/02/2025</a:t>
             </a:fld>
             <a:endParaRPr lang="fr-FR"/>
           </a:p>
@@ -1879,7 +1878,7 @@
           <a:p>
             <a:fld id="{2616AA14-A50A-6F42-8D80-B13DBABE446C}" type="datetimeFigureOut">
               <a:rPr lang="fr-FR" smtClean="0"/>
-              <a:t>15/02/2025</a:t>
+              <a:t>17/02/2025</a:t>
             </a:fld>
             <a:endParaRPr lang="fr-FR"/>
           </a:p>
@@ -2129,7 +2128,7 @@
           <a:p>
             <a:fld id="{2616AA14-A50A-6F42-8D80-B13DBABE446C}" type="datetimeFigureOut">
               <a:rPr lang="fr-FR" smtClean="0"/>
-              <a:t>15/02/2025</a:t>
+              <a:t>17/02/2025</a:t>
             </a:fld>
             <a:endParaRPr lang="fr-FR"/>
           </a:p>
@@ -2437,7 +2436,7 @@
           <a:p>
             <a:fld id="{2616AA14-A50A-6F42-8D80-B13DBABE446C}" type="datetimeFigureOut">
               <a:rPr lang="fr-FR" smtClean="0"/>
-              <a:t>15/02/2025</a:t>
+              <a:t>17/02/2025</a:t>
             </a:fld>
             <a:endParaRPr lang="fr-FR"/>
           </a:p>
@@ -2755,7 +2754,7 @@
           <a:p>
             <a:fld id="{2616AA14-A50A-6F42-8D80-B13DBABE446C}" type="datetimeFigureOut">
               <a:rPr lang="fr-FR" smtClean="0"/>
-              <a:t>15/02/2025</a:t>
+              <a:t>17/02/2025</a:t>
             </a:fld>
             <a:endParaRPr lang="fr-FR"/>
           </a:p>
@@ -3057,7 +3056,7 @@
           <a:p>
             <a:fld id="{2616AA14-A50A-6F42-8D80-B13DBABE446C}" type="datetimeFigureOut">
               <a:rPr lang="fr-FR" smtClean="0"/>
-              <a:t>15/02/2025</a:t>
+              <a:t>17/02/2025</a:t>
             </a:fld>
             <a:endParaRPr lang="fr-FR"/>
           </a:p>
@@ -3424,7 +3423,7 @@
           <a:p>
             <a:fld id="{2616AA14-A50A-6F42-8D80-B13DBABE446C}" type="datetimeFigureOut">
               <a:rPr lang="fr-FR" smtClean="0"/>
-              <a:t>15/02/2025</a:t>
+              <a:t>17/02/2025</a:t>
             </a:fld>
             <a:endParaRPr lang="fr-FR"/>
           </a:p>
@@ -3598,7 +3597,7 @@
           <a:p>
             <a:fld id="{2616AA14-A50A-6F42-8D80-B13DBABE446C}" type="datetimeFigureOut">
               <a:rPr lang="fr-FR" smtClean="0"/>
-              <a:t>15/02/2025</a:t>
+              <a:t>17/02/2025</a:t>
             </a:fld>
             <a:endParaRPr lang="fr-FR"/>
           </a:p>
@@ -3778,7 +3777,7 @@
           <a:p>
             <a:fld id="{2616AA14-A50A-6F42-8D80-B13DBABE446C}" type="datetimeFigureOut">
               <a:rPr lang="fr-FR" smtClean="0"/>
-              <a:t>15/02/2025</a:t>
+              <a:t>17/02/2025</a:t>
             </a:fld>
             <a:endParaRPr lang="fr-FR"/>
           </a:p>
@@ -3948,7 +3947,7 @@
           <a:p>
             <a:fld id="{2616AA14-A50A-6F42-8D80-B13DBABE446C}" type="datetimeFigureOut">
               <a:rPr lang="fr-FR" smtClean="0"/>
-              <a:t>15/02/2025</a:t>
+              <a:t>17/02/2025</a:t>
             </a:fld>
             <a:endParaRPr lang="fr-FR"/>
           </a:p>
@@ -4198,7 +4197,7 @@
           <a:p>
             <a:fld id="{2616AA14-A50A-6F42-8D80-B13DBABE446C}" type="datetimeFigureOut">
               <a:rPr lang="fr-FR" smtClean="0"/>
-              <a:t>15/02/2025</a:t>
+              <a:t>17/02/2025</a:t>
             </a:fld>
             <a:endParaRPr lang="fr-FR"/>
           </a:p>
@@ -4434,7 +4433,7 @@
           <a:p>
             <a:fld id="{2616AA14-A50A-6F42-8D80-B13DBABE446C}" type="datetimeFigureOut">
               <a:rPr lang="fr-FR" smtClean="0"/>
-              <a:t>15/02/2025</a:t>
+              <a:t>17/02/2025</a:t>
             </a:fld>
             <a:endParaRPr lang="fr-FR"/>
           </a:p>
@@ -4816,7 +4815,7 @@
           <a:p>
             <a:fld id="{2616AA14-A50A-6F42-8D80-B13DBABE446C}" type="datetimeFigureOut">
               <a:rPr lang="fr-FR" smtClean="0"/>
-              <a:t>15/02/2025</a:t>
+              <a:t>17/02/2025</a:t>
             </a:fld>
             <a:endParaRPr lang="fr-FR"/>
           </a:p>
@@ -4934,7 +4933,7 @@
           <a:p>
             <a:fld id="{2616AA14-A50A-6F42-8D80-B13DBABE446C}" type="datetimeFigureOut">
               <a:rPr lang="fr-FR" smtClean="0"/>
-              <a:t>15/02/2025</a:t>
+              <a:t>17/02/2025</a:t>
             </a:fld>
             <a:endParaRPr lang="fr-FR"/>
           </a:p>
@@ -5029,7 +5028,7 @@
           <a:p>
             <a:fld id="{2616AA14-A50A-6F42-8D80-B13DBABE446C}" type="datetimeFigureOut">
               <a:rPr lang="fr-FR" smtClean="0"/>
-              <a:t>15/02/2025</a:t>
+              <a:t>17/02/2025</a:t>
             </a:fld>
             <a:endParaRPr lang="fr-FR"/>
           </a:p>
@@ -5284,7 +5283,7 @@
           <a:p>
             <a:fld id="{2616AA14-A50A-6F42-8D80-B13DBABE446C}" type="datetimeFigureOut">
               <a:rPr lang="fr-FR" smtClean="0"/>
-              <a:t>15/02/2025</a:t>
+              <a:t>17/02/2025</a:t>
             </a:fld>
             <a:endParaRPr lang="fr-FR"/>
           </a:p>
@@ -5567,7 +5566,7 @@
           <a:p>
             <a:fld id="{2616AA14-A50A-6F42-8D80-B13DBABE446C}" type="datetimeFigureOut">
               <a:rPr lang="fr-FR" smtClean="0"/>
-              <a:t>15/02/2025</a:t>
+              <a:t>17/02/2025</a:t>
             </a:fld>
             <a:endParaRPr lang="fr-FR"/>
           </a:p>
@@ -5990,7 +5989,7 @@
           <a:p>
             <a:fld id="{2616AA14-A50A-6F42-8D80-B13DBABE446C}" type="datetimeFigureOut">
               <a:rPr lang="fr-FR" smtClean="0"/>
-              <a:t>15/02/2025</a:t>
+              <a:t>17/02/2025</a:t>
             </a:fld>
             <a:endParaRPr lang="fr-FR"/>
           </a:p>
@@ -15431,12 +15430,305 @@
           </a:p>
         </p:txBody>
       </p:sp>
+      <p:sp>
+        <p:nvSpPr>
+          <p:cNvPr id="10" name="Espace réservé du contenu 2">
+            <a:extLst>
+              <a:ext uri="{FF2B5EF4-FFF2-40B4-BE49-F238E27FC236}">
+                <a16:creationId xmlns:a16="http://schemas.microsoft.com/office/drawing/2014/main" id="{FF6270B1-3E06-4FF4-BEAE-48100346298C}"/>
+              </a:ext>
+            </a:extLst>
+          </p:cNvPr>
+          <p:cNvSpPr txBox="1">
+            <a:spLocks/>
+          </p:cNvSpPr>
+          <p:nvPr/>
+        </p:nvSpPr>
+        <p:spPr>
+          <a:xfrm>
+            <a:off x="25901" y="6131351"/>
+            <a:ext cx="988105" cy="788419"/>
+          </a:xfrm>
+          <a:prstGeom prst="rect">
+            <a:avLst/>
+          </a:prstGeom>
+        </p:spPr>
+        <p:txBody>
+          <a:bodyPr vert="horz" lIns="91440" tIns="45720" rIns="91440" bIns="45720" rtlCol="0" anchor="ctr">
+            <a:normAutofit/>
+          </a:bodyPr>
+          <a:lstStyle>
+            <a:lvl1pPr marL="285750" indent="-285750" algn="l" defTabSz="457200" rtl="0" eaLnBrk="1" latinLnBrk="0" hangingPunct="1">
+              <a:spcBef>
+                <a:spcPct val="20000"/>
+              </a:spcBef>
+              <a:spcAft>
+                <a:spcPts val="600"/>
+              </a:spcAft>
+              <a:buClr>
+                <a:schemeClr val="tx1"/>
+              </a:buClr>
+              <a:buSzPct val="80000"/>
+              <a:buFont typeface="Wingdings 3" panose="05040102010807070707" pitchFamily="18" charset="2"/>
+              <a:buChar char=""/>
+              <a:defRPr sz="2000" kern="1200" cap="none">
+                <a:solidFill>
+                  <a:schemeClr val="bg2">
+                    <a:lumMod val="75000"/>
+                  </a:schemeClr>
+                </a:solidFill>
+                <a:effectLst/>
+                <a:latin typeface="+mn-lt"/>
+                <a:ea typeface="+mn-ea"/>
+                <a:cs typeface="+mn-cs"/>
+              </a:defRPr>
+            </a:lvl1pPr>
+            <a:lvl2pPr marL="742950" indent="-285750" algn="l" defTabSz="457200" rtl="0" eaLnBrk="1" latinLnBrk="0" hangingPunct="1">
+              <a:spcBef>
+                <a:spcPct val="20000"/>
+              </a:spcBef>
+              <a:spcAft>
+                <a:spcPts val="600"/>
+              </a:spcAft>
+              <a:buClr>
+                <a:schemeClr val="tx1"/>
+              </a:buClr>
+              <a:buSzPct val="80000"/>
+              <a:buFont typeface="Wingdings 3" panose="05040102010807070707" pitchFamily="18" charset="2"/>
+              <a:buChar char=""/>
+              <a:defRPr sz="1800" kern="1200" cap="none">
+                <a:solidFill>
+                  <a:schemeClr val="bg2">
+                    <a:lumMod val="75000"/>
+                  </a:schemeClr>
+                </a:solidFill>
+                <a:effectLst/>
+                <a:latin typeface="+mn-lt"/>
+                <a:ea typeface="+mn-ea"/>
+                <a:cs typeface="+mn-cs"/>
+              </a:defRPr>
+            </a:lvl2pPr>
+            <a:lvl3pPr marL="1200150" indent="-285750" algn="l" defTabSz="457200" rtl="0" eaLnBrk="1" latinLnBrk="0" hangingPunct="1">
+              <a:spcBef>
+                <a:spcPct val="20000"/>
+              </a:spcBef>
+              <a:spcAft>
+                <a:spcPts val="600"/>
+              </a:spcAft>
+              <a:buClr>
+                <a:schemeClr val="tx1"/>
+              </a:buClr>
+              <a:buSzPct val="80000"/>
+              <a:buFont typeface="Wingdings 3" panose="05040102010807070707" pitchFamily="18" charset="2"/>
+              <a:buChar char=""/>
+              <a:defRPr sz="1600" kern="1200" cap="none">
+                <a:solidFill>
+                  <a:schemeClr val="bg2">
+                    <a:lumMod val="75000"/>
+                  </a:schemeClr>
+                </a:solidFill>
+                <a:effectLst/>
+                <a:latin typeface="+mn-lt"/>
+                <a:ea typeface="+mn-ea"/>
+                <a:cs typeface="+mn-cs"/>
+              </a:defRPr>
+            </a:lvl3pPr>
+            <a:lvl4pPr marL="1543050" indent="-171450" algn="l" defTabSz="457200" rtl="0" eaLnBrk="1" latinLnBrk="0" hangingPunct="1">
+              <a:spcBef>
+                <a:spcPct val="20000"/>
+              </a:spcBef>
+              <a:spcAft>
+                <a:spcPts val="600"/>
+              </a:spcAft>
+              <a:buClr>
+                <a:schemeClr val="tx1"/>
+              </a:buClr>
+              <a:buSzPct val="80000"/>
+              <a:buFont typeface="Wingdings 3" panose="05040102010807070707" pitchFamily="18" charset="2"/>
+              <a:buChar char=""/>
+              <a:defRPr sz="1400" kern="1200" cap="none">
+                <a:solidFill>
+                  <a:schemeClr val="bg2">
+                    <a:lumMod val="75000"/>
+                  </a:schemeClr>
+                </a:solidFill>
+                <a:effectLst/>
+                <a:latin typeface="+mn-lt"/>
+                <a:ea typeface="+mn-ea"/>
+                <a:cs typeface="+mn-cs"/>
+              </a:defRPr>
+            </a:lvl4pPr>
+            <a:lvl5pPr marL="2000250" indent="-171450" algn="l" defTabSz="457200" rtl="0" eaLnBrk="1" latinLnBrk="0" hangingPunct="1">
+              <a:spcBef>
+                <a:spcPct val="20000"/>
+              </a:spcBef>
+              <a:spcAft>
+                <a:spcPts val="600"/>
+              </a:spcAft>
+              <a:buClr>
+                <a:schemeClr val="tx1"/>
+              </a:buClr>
+              <a:buSzPct val="80000"/>
+              <a:buFont typeface="Wingdings 3" panose="05040102010807070707" pitchFamily="18" charset="2"/>
+              <a:buChar char=""/>
+              <a:defRPr sz="1400" kern="1200" cap="none">
+                <a:solidFill>
+                  <a:schemeClr val="bg2">
+                    <a:lumMod val="75000"/>
+                  </a:schemeClr>
+                </a:solidFill>
+                <a:effectLst/>
+                <a:latin typeface="+mn-lt"/>
+                <a:ea typeface="+mn-ea"/>
+                <a:cs typeface="+mn-cs"/>
+              </a:defRPr>
+            </a:lvl5pPr>
+            <a:lvl6pPr marL="2514600" indent="-228600" algn="l" defTabSz="457200" rtl="0" eaLnBrk="1" latinLnBrk="0" hangingPunct="1">
+              <a:spcBef>
+                <a:spcPct val="20000"/>
+              </a:spcBef>
+              <a:spcAft>
+                <a:spcPts val="600"/>
+              </a:spcAft>
+              <a:buClr>
+                <a:schemeClr val="tx1"/>
+              </a:buClr>
+              <a:buSzPct val="80000"/>
+              <a:buFont typeface="Wingdings 3" panose="05040102010807070707" pitchFamily="18" charset="2"/>
+              <a:buChar char=""/>
+              <a:defRPr sz="1400" kern="1200" cap="none">
+                <a:solidFill>
+                  <a:schemeClr val="bg2">
+                    <a:lumMod val="75000"/>
+                  </a:schemeClr>
+                </a:solidFill>
+                <a:effectLst/>
+                <a:latin typeface="+mn-lt"/>
+                <a:ea typeface="+mn-ea"/>
+                <a:cs typeface="+mn-cs"/>
+              </a:defRPr>
+            </a:lvl6pPr>
+            <a:lvl7pPr marL="2971800" indent="-228600" algn="l" defTabSz="457200" rtl="0" eaLnBrk="1" latinLnBrk="0" hangingPunct="1">
+              <a:spcBef>
+                <a:spcPct val="20000"/>
+              </a:spcBef>
+              <a:spcAft>
+                <a:spcPts val="600"/>
+              </a:spcAft>
+              <a:buClr>
+                <a:schemeClr val="tx1"/>
+              </a:buClr>
+              <a:buSzPct val="80000"/>
+              <a:buFont typeface="Wingdings 3" panose="05040102010807070707" pitchFamily="18" charset="2"/>
+              <a:buChar char=""/>
+              <a:defRPr sz="1400" kern="1200" cap="none">
+                <a:solidFill>
+                  <a:schemeClr val="bg2">
+                    <a:lumMod val="75000"/>
+                  </a:schemeClr>
+                </a:solidFill>
+                <a:effectLst/>
+                <a:latin typeface="+mn-lt"/>
+                <a:ea typeface="+mn-ea"/>
+                <a:cs typeface="+mn-cs"/>
+              </a:defRPr>
+            </a:lvl7pPr>
+            <a:lvl8pPr marL="3429000" indent="-228600" algn="l" defTabSz="457200" rtl="0" eaLnBrk="1" latinLnBrk="0" hangingPunct="1">
+              <a:spcBef>
+                <a:spcPct val="20000"/>
+              </a:spcBef>
+              <a:spcAft>
+                <a:spcPts val="600"/>
+              </a:spcAft>
+              <a:buClr>
+                <a:schemeClr val="tx1"/>
+              </a:buClr>
+              <a:buSzPct val="80000"/>
+              <a:buFont typeface="Wingdings 3" panose="05040102010807070707" pitchFamily="18" charset="2"/>
+              <a:buChar char=""/>
+              <a:defRPr sz="1400" kern="1200" cap="none">
+                <a:solidFill>
+                  <a:schemeClr val="bg2">
+                    <a:lumMod val="75000"/>
+                  </a:schemeClr>
+                </a:solidFill>
+                <a:effectLst/>
+                <a:latin typeface="+mn-lt"/>
+                <a:ea typeface="+mn-ea"/>
+                <a:cs typeface="+mn-cs"/>
+              </a:defRPr>
+            </a:lvl8pPr>
+            <a:lvl9pPr marL="3886200" indent="-228600" algn="l" defTabSz="457200" rtl="0" eaLnBrk="1" latinLnBrk="0" hangingPunct="1">
+              <a:spcBef>
+                <a:spcPct val="20000"/>
+              </a:spcBef>
+              <a:spcAft>
+                <a:spcPts val="600"/>
+              </a:spcAft>
+              <a:buClr>
+                <a:schemeClr val="tx1"/>
+              </a:buClr>
+              <a:buSzPct val="80000"/>
+              <a:buFont typeface="Wingdings 3" panose="05040102010807070707" pitchFamily="18" charset="2"/>
+              <a:buChar char=""/>
+              <a:defRPr sz="1400" kern="1200" cap="none">
+                <a:solidFill>
+                  <a:schemeClr val="bg2">
+                    <a:lumMod val="75000"/>
+                  </a:schemeClr>
+                </a:solidFill>
+                <a:effectLst/>
+                <a:latin typeface="+mn-lt"/>
+                <a:ea typeface="+mn-ea"/>
+                <a:cs typeface="+mn-cs"/>
+              </a:defRPr>
+            </a:lvl9pPr>
+          </a:lstStyle>
+          <a:p>
+            <a:pPr marL="0" indent="0">
+              <a:buFont typeface="Wingdings 3" panose="05040102010807070707" pitchFamily="18" charset="2"/>
+              <a:buNone/>
+            </a:pPr>
+            <a:r>
+              <a:rPr lang="fr-FR" sz="3200" b="1" dirty="0">
+                <a:solidFill>
+                  <a:schemeClr val="tx1">
+                    <a:lumMod val="95000"/>
+                  </a:schemeClr>
+                </a:solidFill>
+                <a:effectLst>
+                  <a:outerShdw blurRad="38100" dist="38100" dir="2700000" algn="tl">
+                    <a:srgbClr val="000000">
+                      <a:alpha val="43137"/>
+                    </a:srgbClr>
+                  </a:outerShdw>
+                </a:effectLst>
+              </a:rPr>
+              <a:t>12</a:t>
+            </a:r>
+            <a:endParaRPr lang="fr-FR" sz="4000" b="1" dirty="0">
+              <a:solidFill>
+                <a:schemeClr val="tx1">
+                  <a:lumMod val="95000"/>
+                </a:schemeClr>
+              </a:solidFill>
+              <a:effectLst>
+                <a:outerShdw blurRad="38100" dist="38100" dir="2700000" algn="tl">
+                  <a:srgbClr val="000000">
+                    <a:alpha val="43137"/>
+                  </a:srgbClr>
+                </a:outerShdw>
+              </a:effectLst>
+            </a:endParaRPr>
+          </a:p>
+        </p:txBody>
+      </p:sp>
       <p:pic>
         <p:nvPicPr>
-          <p:cNvPr id="8" name="Picture 6">
+          <p:cNvPr id="4" name="Image 3">
             <a:extLst>
               <a:ext uri="{FF2B5EF4-FFF2-40B4-BE49-F238E27FC236}">
-                <a16:creationId xmlns:a16="http://schemas.microsoft.com/office/drawing/2014/main" id="{5008A6FC-7AA0-85AD-F082-1845F5082B19}"/>
+                <a16:creationId xmlns:a16="http://schemas.microsoft.com/office/drawing/2014/main" id="{3BB1F3D6-AFD7-484A-8729-73EE6E77201F}"/>
               </a:ext>
             </a:extLst>
           </p:cNvPr>
@@ -15445,21 +15737,16 @@
           </p:cNvPicPr>
           <p:nvPr/>
         </p:nvPicPr>
-        <p:blipFill rotWithShape="1">
-          <a:blip r:embed="rId2">
-            <a:extLst>
-              <a:ext uri="{28A0092B-C50C-407E-A947-70E740481C1C}">
-                <a14:useLocalDpi xmlns:a14="http://schemas.microsoft.com/office/drawing/2010/main" val="0"/>
-              </a:ext>
-            </a:extLst>
-          </a:blip>
-          <a:srcRect t="3432"/>
-          <a:stretch/>
+        <p:blipFill>
+          <a:blip r:embed="rId2"/>
+          <a:stretch>
+            <a:fillRect/>
+          </a:stretch>
         </p:blipFill>
         <p:spPr>
           <a:xfrm>
-            <a:off x="466165" y="1094060"/>
-            <a:ext cx="6333652" cy="4284764"/>
+            <a:off x="979529" y="1668581"/>
+            <a:ext cx="10232941" cy="2624368"/>
           </a:xfrm>
           <a:prstGeom prst="rect">
             <a:avLst/>
@@ -15482,780 +15769,100 @@
       </p:pic>
       <p:sp>
         <p:nvSpPr>
-          <p:cNvPr id="10" name="Espace réservé du contenu 2">
+          <p:cNvPr id="6" name="TextBox 4">
             <a:extLst>
               <a:ext uri="{FF2B5EF4-FFF2-40B4-BE49-F238E27FC236}">
-                <a16:creationId xmlns:a16="http://schemas.microsoft.com/office/drawing/2014/main" id="{FF6270B1-3E06-4FF4-BEAE-48100346298C}"/>
+                <a16:creationId xmlns:a16="http://schemas.microsoft.com/office/drawing/2014/main" id="{DF85C7DC-0562-46B3-80E2-FED5DF94C45F}"/>
               </a:ext>
             </a:extLst>
           </p:cNvPr>
-          <p:cNvSpPr txBox="1">
-            <a:spLocks/>
-          </p:cNvSpPr>
+          <p:cNvSpPr txBox="1"/>
           <p:nvPr/>
         </p:nvSpPr>
         <p:spPr>
           <a:xfrm>
-            <a:off x="25901" y="6131351"/>
-            <a:ext cx="988105" cy="788419"/>
+            <a:off x="979529" y="4700507"/>
+            <a:ext cx="9413366" cy="737318"/>
           </a:xfrm>
           <a:prstGeom prst="rect">
             <a:avLst/>
           </a:prstGeom>
+          <a:noFill/>
         </p:spPr>
         <p:txBody>
-          <a:bodyPr vert="horz" lIns="91440" tIns="45720" rIns="91440" bIns="45720" rtlCol="0" anchor="ctr">
-            <a:normAutofit/>
+          <a:bodyPr wrap="square" rtlCol="0">
+            <a:spAutoFit/>
           </a:bodyPr>
-          <a:lstStyle>
-            <a:lvl1pPr marL="285750" indent="-285750" algn="l" defTabSz="457200" rtl="0" eaLnBrk="1" latinLnBrk="0" hangingPunct="1">
-              <a:spcBef>
-                <a:spcPct val="20000"/>
-              </a:spcBef>
-              <a:spcAft>
-                <a:spcPts val="600"/>
-              </a:spcAft>
-              <a:buClr>
-                <a:schemeClr val="tx1"/>
-              </a:buClr>
-              <a:buSzPct val="80000"/>
-              <a:buFont typeface="Wingdings 3" panose="05040102010807070707" pitchFamily="18" charset="2"/>
-              <a:buChar char=""/>
-              <a:defRPr sz="2000" kern="1200" cap="none">
-                <a:solidFill>
-                  <a:schemeClr val="bg2">
-                    <a:lumMod val="75000"/>
-                  </a:schemeClr>
-                </a:solidFill>
-                <a:effectLst/>
-                <a:latin typeface="+mn-lt"/>
-                <a:ea typeface="+mn-ea"/>
-                <a:cs typeface="+mn-cs"/>
-              </a:defRPr>
-            </a:lvl1pPr>
-            <a:lvl2pPr marL="742950" indent="-285750" algn="l" defTabSz="457200" rtl="0" eaLnBrk="1" latinLnBrk="0" hangingPunct="1">
-              <a:spcBef>
-                <a:spcPct val="20000"/>
-              </a:spcBef>
-              <a:spcAft>
-                <a:spcPts val="600"/>
-              </a:spcAft>
-              <a:buClr>
-                <a:schemeClr val="tx1"/>
-              </a:buClr>
-              <a:buSzPct val="80000"/>
-              <a:buFont typeface="Wingdings 3" panose="05040102010807070707" pitchFamily="18" charset="2"/>
-              <a:buChar char=""/>
-              <a:defRPr sz="1800" kern="1200" cap="none">
-                <a:solidFill>
-                  <a:schemeClr val="bg2">
-                    <a:lumMod val="75000"/>
-                  </a:schemeClr>
-                </a:solidFill>
-                <a:effectLst/>
-                <a:latin typeface="+mn-lt"/>
-                <a:ea typeface="+mn-ea"/>
-                <a:cs typeface="+mn-cs"/>
-              </a:defRPr>
-            </a:lvl2pPr>
-            <a:lvl3pPr marL="1200150" indent="-285750" algn="l" defTabSz="457200" rtl="0" eaLnBrk="1" latinLnBrk="0" hangingPunct="1">
-              <a:spcBef>
-                <a:spcPct val="20000"/>
-              </a:spcBef>
-              <a:spcAft>
-                <a:spcPts val="600"/>
-              </a:spcAft>
-              <a:buClr>
-                <a:schemeClr val="tx1"/>
-              </a:buClr>
-              <a:buSzPct val="80000"/>
-              <a:buFont typeface="Wingdings 3" panose="05040102010807070707" pitchFamily="18" charset="2"/>
-              <a:buChar char=""/>
-              <a:defRPr sz="1600" kern="1200" cap="none">
-                <a:solidFill>
-                  <a:schemeClr val="bg2">
-                    <a:lumMod val="75000"/>
-                  </a:schemeClr>
-                </a:solidFill>
-                <a:effectLst/>
-                <a:latin typeface="+mn-lt"/>
-                <a:ea typeface="+mn-ea"/>
-                <a:cs typeface="+mn-cs"/>
-              </a:defRPr>
-            </a:lvl3pPr>
-            <a:lvl4pPr marL="1543050" indent="-171450" algn="l" defTabSz="457200" rtl="0" eaLnBrk="1" latinLnBrk="0" hangingPunct="1">
-              <a:spcBef>
-                <a:spcPct val="20000"/>
-              </a:spcBef>
-              <a:spcAft>
-                <a:spcPts val="600"/>
-              </a:spcAft>
-              <a:buClr>
-                <a:schemeClr val="tx1"/>
-              </a:buClr>
-              <a:buSzPct val="80000"/>
-              <a:buFont typeface="Wingdings 3" panose="05040102010807070707" pitchFamily="18" charset="2"/>
-              <a:buChar char=""/>
-              <a:defRPr sz="1400" kern="1200" cap="none">
-                <a:solidFill>
-                  <a:schemeClr val="bg2">
-                    <a:lumMod val="75000"/>
-                  </a:schemeClr>
-                </a:solidFill>
-                <a:effectLst/>
-                <a:latin typeface="+mn-lt"/>
-                <a:ea typeface="+mn-ea"/>
-                <a:cs typeface="+mn-cs"/>
-              </a:defRPr>
-            </a:lvl4pPr>
-            <a:lvl5pPr marL="2000250" indent="-171450" algn="l" defTabSz="457200" rtl="0" eaLnBrk="1" latinLnBrk="0" hangingPunct="1">
-              <a:spcBef>
-                <a:spcPct val="20000"/>
-              </a:spcBef>
-              <a:spcAft>
-                <a:spcPts val="600"/>
-              </a:spcAft>
-              <a:buClr>
-                <a:schemeClr val="tx1"/>
-              </a:buClr>
-              <a:buSzPct val="80000"/>
-              <a:buFont typeface="Wingdings 3" panose="05040102010807070707" pitchFamily="18" charset="2"/>
-              <a:buChar char=""/>
-              <a:defRPr sz="1400" kern="1200" cap="none">
-                <a:solidFill>
-                  <a:schemeClr val="bg2">
-                    <a:lumMod val="75000"/>
-                  </a:schemeClr>
-                </a:solidFill>
-                <a:effectLst/>
-                <a:latin typeface="+mn-lt"/>
-                <a:ea typeface="+mn-ea"/>
-                <a:cs typeface="+mn-cs"/>
-              </a:defRPr>
-            </a:lvl5pPr>
-            <a:lvl6pPr marL="2514600" indent="-228600" algn="l" defTabSz="457200" rtl="0" eaLnBrk="1" latinLnBrk="0" hangingPunct="1">
-              <a:spcBef>
-                <a:spcPct val="20000"/>
-              </a:spcBef>
-              <a:spcAft>
-                <a:spcPts val="600"/>
-              </a:spcAft>
-              <a:buClr>
-                <a:schemeClr val="tx1"/>
-              </a:buClr>
-              <a:buSzPct val="80000"/>
-              <a:buFont typeface="Wingdings 3" panose="05040102010807070707" pitchFamily="18" charset="2"/>
-              <a:buChar char=""/>
-              <a:defRPr sz="1400" kern="1200" cap="none">
-                <a:solidFill>
-                  <a:schemeClr val="bg2">
-                    <a:lumMod val="75000"/>
-                  </a:schemeClr>
-                </a:solidFill>
-                <a:effectLst/>
-                <a:latin typeface="+mn-lt"/>
-                <a:ea typeface="+mn-ea"/>
-                <a:cs typeface="+mn-cs"/>
-              </a:defRPr>
-            </a:lvl6pPr>
-            <a:lvl7pPr marL="2971800" indent="-228600" algn="l" defTabSz="457200" rtl="0" eaLnBrk="1" latinLnBrk="0" hangingPunct="1">
-              <a:spcBef>
-                <a:spcPct val="20000"/>
-              </a:spcBef>
-              <a:spcAft>
-                <a:spcPts val="600"/>
-              </a:spcAft>
-              <a:buClr>
-                <a:schemeClr val="tx1"/>
-              </a:buClr>
-              <a:buSzPct val="80000"/>
-              <a:buFont typeface="Wingdings 3" panose="05040102010807070707" pitchFamily="18" charset="2"/>
-              <a:buChar char=""/>
-              <a:defRPr sz="1400" kern="1200" cap="none">
-                <a:solidFill>
-                  <a:schemeClr val="bg2">
-                    <a:lumMod val="75000"/>
-                  </a:schemeClr>
-                </a:solidFill>
-                <a:effectLst/>
-                <a:latin typeface="+mn-lt"/>
-                <a:ea typeface="+mn-ea"/>
-                <a:cs typeface="+mn-cs"/>
-              </a:defRPr>
-            </a:lvl7pPr>
-            <a:lvl8pPr marL="3429000" indent="-228600" algn="l" defTabSz="457200" rtl="0" eaLnBrk="1" latinLnBrk="0" hangingPunct="1">
-              <a:spcBef>
-                <a:spcPct val="20000"/>
-              </a:spcBef>
-              <a:spcAft>
-                <a:spcPts val="600"/>
-              </a:spcAft>
-              <a:buClr>
-                <a:schemeClr val="tx1"/>
-              </a:buClr>
-              <a:buSzPct val="80000"/>
-              <a:buFont typeface="Wingdings 3" panose="05040102010807070707" pitchFamily="18" charset="2"/>
-              <a:buChar char=""/>
-              <a:defRPr sz="1400" kern="1200" cap="none">
-                <a:solidFill>
-                  <a:schemeClr val="bg2">
-                    <a:lumMod val="75000"/>
-                  </a:schemeClr>
-                </a:solidFill>
-                <a:effectLst/>
-                <a:latin typeface="+mn-lt"/>
-                <a:ea typeface="+mn-ea"/>
-                <a:cs typeface="+mn-cs"/>
-              </a:defRPr>
-            </a:lvl8pPr>
-            <a:lvl9pPr marL="3886200" indent="-228600" algn="l" defTabSz="457200" rtl="0" eaLnBrk="1" latinLnBrk="0" hangingPunct="1">
-              <a:spcBef>
-                <a:spcPct val="20000"/>
-              </a:spcBef>
-              <a:spcAft>
-                <a:spcPts val="600"/>
-              </a:spcAft>
-              <a:buClr>
-                <a:schemeClr val="tx1"/>
-              </a:buClr>
-              <a:buSzPct val="80000"/>
-              <a:buFont typeface="Wingdings 3" panose="05040102010807070707" pitchFamily="18" charset="2"/>
-              <a:buChar char=""/>
-              <a:defRPr sz="1400" kern="1200" cap="none">
-                <a:solidFill>
-                  <a:schemeClr val="bg2">
-                    <a:lumMod val="75000"/>
-                  </a:schemeClr>
-                </a:solidFill>
-                <a:effectLst/>
-                <a:latin typeface="+mn-lt"/>
-                <a:ea typeface="+mn-ea"/>
-                <a:cs typeface="+mn-cs"/>
-              </a:defRPr>
-            </a:lvl9pPr>
-          </a:lstStyle>
-          <a:p>
-            <a:pPr marL="0" indent="0">
-              <a:buFont typeface="Wingdings 3" panose="05040102010807070707" pitchFamily="18" charset="2"/>
-              <a:buNone/>
+          <a:lstStyle/>
+          <a:p>
+            <a:pPr>
+              <a:lnSpc>
+                <a:spcPct val="150000"/>
+              </a:lnSpc>
             </a:pPr>
             <a:r>
-              <a:rPr lang="fr-FR" sz="3200" b="1" dirty="0">
-                <a:solidFill>
-                  <a:schemeClr val="tx1">
-                    <a:lumMod val="95000"/>
-                  </a:schemeClr>
-                </a:solidFill>
-                <a:effectLst>
-                  <a:outerShdw blurRad="38100" dist="38100" dir="2700000" algn="tl">
-                    <a:srgbClr val="000000">
-                      <a:alpha val="43137"/>
-                    </a:srgbClr>
-                  </a:outerShdw>
-                </a:effectLst>
-              </a:rPr>
-              <a:t>12</a:t>
-            </a:r>
-            <a:endParaRPr lang="fr-FR" sz="4000" b="1" dirty="0">
-              <a:solidFill>
-                <a:schemeClr val="tx1">
-                  <a:lumMod val="95000"/>
-                </a:schemeClr>
-              </a:solidFill>
-              <a:effectLst>
-                <a:outerShdw blurRad="38100" dist="38100" dir="2700000" algn="tl">
-                  <a:srgbClr val="000000">
-                    <a:alpha val="43137"/>
-                  </a:srgbClr>
-                </a:outerShdw>
-              </a:effectLst>
-            </a:endParaRPr>
-          </a:p>
-        </p:txBody>
-      </p:sp>
-    </p:spTree>
-    <p:extLst>
-      <p:ext uri="{BB962C8B-B14F-4D97-AF65-F5344CB8AC3E}">
-        <p14:creationId xmlns:p14="http://schemas.microsoft.com/office/powerpoint/2010/main" val="355239421"/>
-      </p:ext>
-    </p:extLst>
-  </p:cSld>
-  <p:clrMapOvr>
-    <a:masterClrMapping/>
-  </p:clrMapOvr>
-</p:sld>
-</file>
-
-<file path=ppt/slides/slide21.xml><?xml version="1.0" encoding="utf-8"?>
-<p:sld xmlns:a="http://schemas.openxmlformats.org/drawingml/2006/main" xmlns:r="http://schemas.openxmlformats.org/officeDocument/2006/relationships" xmlns:p="http://schemas.openxmlformats.org/presentationml/2006/main">
-  <p:cSld>
-    <p:spTree>
-      <p:nvGrpSpPr>
-        <p:cNvPr id="1" name=""/>
-        <p:cNvGrpSpPr/>
-        <p:nvPr/>
-      </p:nvGrpSpPr>
-      <p:grpSpPr>
-        <a:xfrm>
-          <a:off x="0" y="0"/>
-          <a:ext cx="0" cy="0"/>
-          <a:chOff x="0" y="0"/>
-          <a:chExt cx="0" cy="0"/>
-        </a:xfrm>
-      </p:grpSpPr>
-      <p:sp>
-        <p:nvSpPr>
-          <p:cNvPr id="3" name="Espace réservé du contenu 2">
+              <a:rPr lang="en-GB" sz="3200" dirty="0"/>
+              <a:t>n-gram precision decrease exponentially</a:t>
+            </a:r>
+          </a:p>
+        </p:txBody>
+      </p:sp>
+      <p:sp>
+        <p:nvSpPr>
+          <p:cNvPr id="2" name="Flèche : angle droit 1">
             <a:extLst>
               <a:ext uri="{FF2B5EF4-FFF2-40B4-BE49-F238E27FC236}">
-                <a16:creationId xmlns:a16="http://schemas.microsoft.com/office/drawing/2014/main" id="{628EF695-0FDB-4AAB-93F1-CB7CBA3402BC}"/>
+                <a16:creationId xmlns:a16="http://schemas.microsoft.com/office/drawing/2014/main" id="{4E86621B-A25B-4BD0-8056-2E75635EF22D}"/>
               </a:ext>
             </a:extLst>
           </p:cNvPr>
-          <p:cNvSpPr>
-            <a:spLocks noGrp="1"/>
-          </p:cNvSpPr>
-          <p:nvPr>
-            <p:ph idx="1"/>
-          </p:nvPr>
+          <p:cNvSpPr/>
+          <p:nvPr/>
         </p:nvSpPr>
         <p:spPr>
           <a:xfrm>
-            <a:off x="109728" y="49671"/>
-            <a:ext cx="9574306" cy="883024"/>
+            <a:off x="9245951" y="3429000"/>
+            <a:ext cx="1000707" cy="1838495"/>
           </a:xfrm>
+          <a:prstGeom prst="bentUpArrow">
+            <a:avLst>
+              <a:gd name="adj1" fmla="val 25000"/>
+              <a:gd name="adj2" fmla="val 23904"/>
+              <a:gd name="adj3" fmla="val 25000"/>
+            </a:avLst>
+          </a:prstGeom>
+          <a:solidFill>
+            <a:schemeClr val="bg1"/>
+          </a:solidFill>
+          <a:ln>
+            <a:noFill/>
+          </a:ln>
         </p:spPr>
-        <p:txBody>
-          <a:bodyPr>
-            <a:normAutofit/>
-          </a:bodyPr>
+        <p:style>
+          <a:lnRef idx="2">
+            <a:schemeClr val="accent1">
+              <a:shade val="50000"/>
+            </a:schemeClr>
+          </a:lnRef>
+          <a:fillRef idx="1">
+            <a:schemeClr val="accent1"/>
+          </a:fillRef>
+          <a:effectRef idx="0">
+            <a:schemeClr val="accent1"/>
+          </a:effectRef>
+          <a:fontRef idx="minor">
+            <a:schemeClr val="lt1"/>
+          </a:fontRef>
+        </p:style>
+        <p:txBody>
+          <a:bodyPr rtlCol="0" anchor="ctr"/>
           <a:lstStyle/>
           <a:p>
-            <a:pPr marL="0" indent="0">
-              <a:buNone/>
-            </a:pPr>
-            <a:r>
-              <a:rPr lang="fr-FR" sz="4400" b="1" dirty="0">
-                <a:effectLst>
-                  <a:outerShdw blurRad="38100" dist="38100" dir="2700000" algn="tl">
-                    <a:srgbClr val="000000">
-                      <a:alpha val="43137"/>
-                    </a:srgbClr>
-                  </a:outerShdw>
-                </a:effectLst>
-              </a:rPr>
-              <a:t>BLEU </a:t>
-            </a:r>
-            <a:r>
-              <a:rPr lang="fr-FR" sz="4400" b="1" dirty="0" err="1">
-                <a:effectLst>
-                  <a:outerShdw blurRad="38100" dist="38100" dir="2700000" algn="tl">
-                    <a:srgbClr val="000000">
-                      <a:alpha val="43137"/>
-                    </a:srgbClr>
-                  </a:outerShdw>
-                </a:effectLst>
-              </a:rPr>
-              <a:t>metric</a:t>
-            </a:r>
-            <a:endParaRPr lang="fr-FR" sz="4400" b="1" dirty="0">
-              <a:effectLst>
-                <a:outerShdw blurRad="38100" dist="38100" dir="2700000" algn="tl">
-                  <a:srgbClr val="000000">
-                    <a:alpha val="43137"/>
-                  </a:srgbClr>
-                </a:outerShdw>
-              </a:effectLst>
-            </a:endParaRPr>
-          </a:p>
-        </p:txBody>
-      </p:sp>
-      <p:pic>
-        <p:nvPicPr>
-          <p:cNvPr id="8" name="Picture 6">
-            <a:extLst>
-              <a:ext uri="{FF2B5EF4-FFF2-40B4-BE49-F238E27FC236}">
-                <a16:creationId xmlns:a16="http://schemas.microsoft.com/office/drawing/2014/main" id="{5008A6FC-7AA0-85AD-F082-1845F5082B19}"/>
-              </a:ext>
-            </a:extLst>
-          </p:cNvPr>
-          <p:cNvPicPr>
-            <a:picLocks noChangeAspect="1"/>
-          </p:cNvPicPr>
-          <p:nvPr/>
-        </p:nvPicPr>
-        <p:blipFill rotWithShape="1">
-          <a:blip r:embed="rId2">
-            <a:extLst>
-              <a:ext uri="{28A0092B-C50C-407E-A947-70E740481C1C}">
-                <a14:useLocalDpi xmlns:a14="http://schemas.microsoft.com/office/drawing/2010/main" val="0"/>
-              </a:ext>
-            </a:extLst>
-          </a:blip>
-          <a:srcRect t="3432"/>
-          <a:stretch/>
-        </p:blipFill>
-        <p:spPr>
-          <a:xfrm>
-            <a:off x="466165" y="1094060"/>
-            <a:ext cx="6333652" cy="4284764"/>
-          </a:xfrm>
-          <a:prstGeom prst="rect">
-            <a:avLst/>
-          </a:prstGeom>
-          <a:ln w="38100" cap="sq">
-            <a:solidFill>
-              <a:srgbClr val="000000"/>
-            </a:solidFill>
-            <a:prstDash val="solid"/>
-            <a:miter lim="800000"/>
-          </a:ln>
-          <a:effectLst>
-            <a:outerShdw blurRad="50800" dist="38100" dir="2700000" algn="tl" rotWithShape="0">
-              <a:srgbClr val="000000">
-                <a:alpha val="43000"/>
-              </a:srgbClr>
-            </a:outerShdw>
-          </a:effectLst>
-        </p:spPr>
-      </p:pic>
-      <p:sp>
-        <p:nvSpPr>
-          <p:cNvPr id="10" name="Espace réservé du contenu 2">
-            <a:extLst>
-              <a:ext uri="{FF2B5EF4-FFF2-40B4-BE49-F238E27FC236}">
-                <a16:creationId xmlns:a16="http://schemas.microsoft.com/office/drawing/2014/main" id="{FF6270B1-3E06-4FF4-BEAE-48100346298C}"/>
-              </a:ext>
-            </a:extLst>
-          </p:cNvPr>
-          <p:cNvSpPr txBox="1">
-            <a:spLocks/>
-          </p:cNvSpPr>
-          <p:nvPr/>
-        </p:nvSpPr>
-        <p:spPr>
-          <a:xfrm>
-            <a:off x="25901" y="6131351"/>
-            <a:ext cx="988105" cy="788419"/>
-          </a:xfrm>
-          <a:prstGeom prst="rect">
-            <a:avLst/>
-          </a:prstGeom>
-        </p:spPr>
-        <p:txBody>
-          <a:bodyPr vert="horz" lIns="91440" tIns="45720" rIns="91440" bIns="45720" rtlCol="0" anchor="ctr">
-            <a:normAutofit/>
-          </a:bodyPr>
-          <a:lstStyle>
-            <a:lvl1pPr marL="285750" indent="-285750" algn="l" defTabSz="457200" rtl="0" eaLnBrk="1" latinLnBrk="0" hangingPunct="1">
-              <a:spcBef>
-                <a:spcPct val="20000"/>
-              </a:spcBef>
-              <a:spcAft>
-                <a:spcPts val="600"/>
-              </a:spcAft>
-              <a:buClr>
-                <a:schemeClr val="tx1"/>
-              </a:buClr>
-              <a:buSzPct val="80000"/>
-              <a:buFont typeface="Wingdings 3" panose="05040102010807070707" pitchFamily="18" charset="2"/>
-              <a:buChar char=""/>
-              <a:defRPr sz="2000" kern="1200" cap="none">
-                <a:solidFill>
-                  <a:schemeClr val="bg2">
-                    <a:lumMod val="75000"/>
-                  </a:schemeClr>
-                </a:solidFill>
-                <a:effectLst/>
-                <a:latin typeface="+mn-lt"/>
-                <a:ea typeface="+mn-ea"/>
-                <a:cs typeface="+mn-cs"/>
-              </a:defRPr>
-            </a:lvl1pPr>
-            <a:lvl2pPr marL="742950" indent="-285750" algn="l" defTabSz="457200" rtl="0" eaLnBrk="1" latinLnBrk="0" hangingPunct="1">
-              <a:spcBef>
-                <a:spcPct val="20000"/>
-              </a:spcBef>
-              <a:spcAft>
-                <a:spcPts val="600"/>
-              </a:spcAft>
-              <a:buClr>
-                <a:schemeClr val="tx1"/>
-              </a:buClr>
-              <a:buSzPct val="80000"/>
-              <a:buFont typeface="Wingdings 3" panose="05040102010807070707" pitchFamily="18" charset="2"/>
-              <a:buChar char=""/>
-              <a:defRPr sz="1800" kern="1200" cap="none">
-                <a:solidFill>
-                  <a:schemeClr val="bg2">
-                    <a:lumMod val="75000"/>
-                  </a:schemeClr>
-                </a:solidFill>
-                <a:effectLst/>
-                <a:latin typeface="+mn-lt"/>
-                <a:ea typeface="+mn-ea"/>
-                <a:cs typeface="+mn-cs"/>
-              </a:defRPr>
-            </a:lvl2pPr>
-            <a:lvl3pPr marL="1200150" indent="-285750" algn="l" defTabSz="457200" rtl="0" eaLnBrk="1" latinLnBrk="0" hangingPunct="1">
-              <a:spcBef>
-                <a:spcPct val="20000"/>
-              </a:spcBef>
-              <a:spcAft>
-                <a:spcPts val="600"/>
-              </a:spcAft>
-              <a:buClr>
-                <a:schemeClr val="tx1"/>
-              </a:buClr>
-              <a:buSzPct val="80000"/>
-              <a:buFont typeface="Wingdings 3" panose="05040102010807070707" pitchFamily="18" charset="2"/>
-              <a:buChar char=""/>
-              <a:defRPr sz="1600" kern="1200" cap="none">
-                <a:solidFill>
-                  <a:schemeClr val="bg2">
-                    <a:lumMod val="75000"/>
-                  </a:schemeClr>
-                </a:solidFill>
-                <a:effectLst/>
-                <a:latin typeface="+mn-lt"/>
-                <a:ea typeface="+mn-ea"/>
-                <a:cs typeface="+mn-cs"/>
-              </a:defRPr>
-            </a:lvl3pPr>
-            <a:lvl4pPr marL="1543050" indent="-171450" algn="l" defTabSz="457200" rtl="0" eaLnBrk="1" latinLnBrk="0" hangingPunct="1">
-              <a:spcBef>
-                <a:spcPct val="20000"/>
-              </a:spcBef>
-              <a:spcAft>
-                <a:spcPts val="600"/>
-              </a:spcAft>
-              <a:buClr>
-                <a:schemeClr val="tx1"/>
-              </a:buClr>
-              <a:buSzPct val="80000"/>
-              <a:buFont typeface="Wingdings 3" panose="05040102010807070707" pitchFamily="18" charset="2"/>
-              <a:buChar char=""/>
-              <a:defRPr sz="1400" kern="1200" cap="none">
-                <a:solidFill>
-                  <a:schemeClr val="bg2">
-                    <a:lumMod val="75000"/>
-                  </a:schemeClr>
-                </a:solidFill>
-                <a:effectLst/>
-                <a:latin typeface="+mn-lt"/>
-                <a:ea typeface="+mn-ea"/>
-                <a:cs typeface="+mn-cs"/>
-              </a:defRPr>
-            </a:lvl4pPr>
-            <a:lvl5pPr marL="2000250" indent="-171450" algn="l" defTabSz="457200" rtl="0" eaLnBrk="1" latinLnBrk="0" hangingPunct="1">
-              <a:spcBef>
-                <a:spcPct val="20000"/>
-              </a:spcBef>
-              <a:spcAft>
-                <a:spcPts val="600"/>
-              </a:spcAft>
-              <a:buClr>
-                <a:schemeClr val="tx1"/>
-              </a:buClr>
-              <a:buSzPct val="80000"/>
-              <a:buFont typeface="Wingdings 3" panose="05040102010807070707" pitchFamily="18" charset="2"/>
-              <a:buChar char=""/>
-              <a:defRPr sz="1400" kern="1200" cap="none">
-                <a:solidFill>
-                  <a:schemeClr val="bg2">
-                    <a:lumMod val="75000"/>
-                  </a:schemeClr>
-                </a:solidFill>
-                <a:effectLst/>
-                <a:latin typeface="+mn-lt"/>
-                <a:ea typeface="+mn-ea"/>
-                <a:cs typeface="+mn-cs"/>
-              </a:defRPr>
-            </a:lvl5pPr>
-            <a:lvl6pPr marL="2514600" indent="-228600" algn="l" defTabSz="457200" rtl="0" eaLnBrk="1" latinLnBrk="0" hangingPunct="1">
-              <a:spcBef>
-                <a:spcPct val="20000"/>
-              </a:spcBef>
-              <a:spcAft>
-                <a:spcPts val="600"/>
-              </a:spcAft>
-              <a:buClr>
-                <a:schemeClr val="tx1"/>
-              </a:buClr>
-              <a:buSzPct val="80000"/>
-              <a:buFont typeface="Wingdings 3" panose="05040102010807070707" pitchFamily="18" charset="2"/>
-              <a:buChar char=""/>
-              <a:defRPr sz="1400" kern="1200" cap="none">
-                <a:solidFill>
-                  <a:schemeClr val="bg2">
-                    <a:lumMod val="75000"/>
-                  </a:schemeClr>
-                </a:solidFill>
-                <a:effectLst/>
-                <a:latin typeface="+mn-lt"/>
-                <a:ea typeface="+mn-ea"/>
-                <a:cs typeface="+mn-cs"/>
-              </a:defRPr>
-            </a:lvl6pPr>
-            <a:lvl7pPr marL="2971800" indent="-228600" algn="l" defTabSz="457200" rtl="0" eaLnBrk="1" latinLnBrk="0" hangingPunct="1">
-              <a:spcBef>
-                <a:spcPct val="20000"/>
-              </a:spcBef>
-              <a:spcAft>
-                <a:spcPts val="600"/>
-              </a:spcAft>
-              <a:buClr>
-                <a:schemeClr val="tx1"/>
-              </a:buClr>
-              <a:buSzPct val="80000"/>
-              <a:buFont typeface="Wingdings 3" panose="05040102010807070707" pitchFamily="18" charset="2"/>
-              <a:buChar char=""/>
-              <a:defRPr sz="1400" kern="1200" cap="none">
-                <a:solidFill>
-                  <a:schemeClr val="bg2">
-                    <a:lumMod val="75000"/>
-                  </a:schemeClr>
-                </a:solidFill>
-                <a:effectLst/>
-                <a:latin typeface="+mn-lt"/>
-                <a:ea typeface="+mn-ea"/>
-                <a:cs typeface="+mn-cs"/>
-              </a:defRPr>
-            </a:lvl7pPr>
-            <a:lvl8pPr marL="3429000" indent="-228600" algn="l" defTabSz="457200" rtl="0" eaLnBrk="1" latinLnBrk="0" hangingPunct="1">
-              <a:spcBef>
-                <a:spcPct val="20000"/>
-              </a:spcBef>
-              <a:spcAft>
-                <a:spcPts val="600"/>
-              </a:spcAft>
-              <a:buClr>
-                <a:schemeClr val="tx1"/>
-              </a:buClr>
-              <a:buSzPct val="80000"/>
-              <a:buFont typeface="Wingdings 3" panose="05040102010807070707" pitchFamily="18" charset="2"/>
-              <a:buChar char=""/>
-              <a:defRPr sz="1400" kern="1200" cap="none">
-                <a:solidFill>
-                  <a:schemeClr val="bg2">
-                    <a:lumMod val="75000"/>
-                  </a:schemeClr>
-                </a:solidFill>
-                <a:effectLst/>
-                <a:latin typeface="+mn-lt"/>
-                <a:ea typeface="+mn-ea"/>
-                <a:cs typeface="+mn-cs"/>
-              </a:defRPr>
-            </a:lvl8pPr>
-            <a:lvl9pPr marL="3886200" indent="-228600" algn="l" defTabSz="457200" rtl="0" eaLnBrk="1" latinLnBrk="0" hangingPunct="1">
-              <a:spcBef>
-                <a:spcPct val="20000"/>
-              </a:spcBef>
-              <a:spcAft>
-                <a:spcPts val="600"/>
-              </a:spcAft>
-              <a:buClr>
-                <a:schemeClr val="tx1"/>
-              </a:buClr>
-              <a:buSzPct val="80000"/>
-              <a:buFont typeface="Wingdings 3" panose="05040102010807070707" pitchFamily="18" charset="2"/>
-              <a:buChar char=""/>
-              <a:defRPr sz="1400" kern="1200" cap="none">
-                <a:solidFill>
-                  <a:schemeClr val="bg2">
-                    <a:lumMod val="75000"/>
-                  </a:schemeClr>
-                </a:solidFill>
-                <a:effectLst/>
-                <a:latin typeface="+mn-lt"/>
-                <a:ea typeface="+mn-ea"/>
-                <a:cs typeface="+mn-cs"/>
-              </a:defRPr>
-            </a:lvl9pPr>
-          </a:lstStyle>
-          <a:p>
-            <a:pPr marL="0" indent="0">
-              <a:buFont typeface="Wingdings 3" panose="05040102010807070707" pitchFamily="18" charset="2"/>
-              <a:buNone/>
-            </a:pPr>
-            <a:r>
-              <a:rPr lang="fr-FR" sz="3200" b="1" dirty="0">
-                <a:solidFill>
-                  <a:schemeClr val="tx1">
-                    <a:lumMod val="95000"/>
-                  </a:schemeClr>
-                </a:solidFill>
-                <a:effectLst>
-                  <a:outerShdw blurRad="38100" dist="38100" dir="2700000" algn="tl">
-                    <a:srgbClr val="000000">
-                      <a:alpha val="43137"/>
-                    </a:srgbClr>
-                  </a:outerShdw>
-                </a:effectLst>
-              </a:rPr>
-              <a:t>12</a:t>
-            </a:r>
-            <a:endParaRPr lang="fr-FR" sz="4000" b="1" dirty="0">
-              <a:solidFill>
-                <a:schemeClr val="tx1">
-                  <a:lumMod val="95000"/>
-                </a:schemeClr>
-              </a:solidFill>
-              <a:effectLst>
-                <a:outerShdw blurRad="38100" dist="38100" dir="2700000" algn="tl">
-                  <a:srgbClr val="000000">
-                    <a:alpha val="43137"/>
-                  </a:srgbClr>
-                </a:outerShdw>
-              </a:effectLst>
-            </a:endParaRPr>
-          </a:p>
-        </p:txBody>
-      </p:sp>
-      <p:pic>
-        <p:nvPicPr>
-          <p:cNvPr id="4" name="Image 3">
-            <a:extLst>
-              <a:ext uri="{FF2B5EF4-FFF2-40B4-BE49-F238E27FC236}">
-                <a16:creationId xmlns:a16="http://schemas.microsoft.com/office/drawing/2014/main" id="{3BB1F3D6-AFD7-484A-8729-73EE6E77201F}"/>
-              </a:ext>
-            </a:extLst>
-          </p:cNvPr>
-          <p:cNvPicPr>
-            <a:picLocks noChangeAspect="1"/>
-          </p:cNvPicPr>
-          <p:nvPr/>
-        </p:nvPicPr>
-        <p:blipFill>
-          <a:blip r:embed="rId3"/>
-          <a:stretch>
-            <a:fillRect/>
-          </a:stretch>
-        </p:blipFill>
-        <p:spPr>
-          <a:xfrm>
-            <a:off x="6053174" y="4760259"/>
-            <a:ext cx="5758673" cy="1476885"/>
-          </a:xfrm>
-          <a:prstGeom prst="rect">
-            <a:avLst/>
-          </a:prstGeom>
-          <a:ln w="38100" cap="sq">
-            <a:solidFill>
-              <a:srgbClr val="000000"/>
-            </a:solidFill>
-            <a:prstDash val="solid"/>
-            <a:miter lim="800000"/>
-          </a:ln>
-          <a:effectLst>
-            <a:outerShdw blurRad="50800" dist="38100" dir="2700000" algn="tl" rotWithShape="0">
-              <a:srgbClr val="000000">
-                <a:alpha val="43000"/>
-              </a:srgbClr>
-            </a:outerShdw>
-          </a:effectLst>
-        </p:spPr>
-      </p:pic>
+            <a:pPr algn="ctr"/>
+            <a:endParaRPr lang="fr-FR"/>
+          </a:p>
+        </p:txBody>
+      </p:sp>
     </p:spTree>
     <p:extLst>
       <p:ext uri="{BB962C8B-B14F-4D97-AF65-F5344CB8AC3E}">
@@ -16269,7 +15876,7 @@
 </p:sld>
 </file>
 
-<file path=ppt/slides/slide22.xml><?xml version="1.0" encoding="utf-8"?>
+<file path=ppt/slides/slide21.xml><?xml version="1.0" encoding="utf-8"?>
 <p:sld xmlns:a="http://schemas.openxmlformats.org/drawingml/2006/main" xmlns:r="http://schemas.openxmlformats.org/officeDocument/2006/relationships" xmlns:p="http://schemas.openxmlformats.org/presentationml/2006/main">
   <p:cSld>
     <p:spTree>
@@ -16960,7 +16567,7 @@
 </p:sld>
 </file>
 
-<file path=ppt/slides/slide23.xml><?xml version="1.0" encoding="utf-8"?>
+<file path=ppt/slides/slide22.xml><?xml version="1.0" encoding="utf-8"?>
 <p:sld xmlns:a="http://schemas.openxmlformats.org/drawingml/2006/main" xmlns:r="http://schemas.openxmlformats.org/officeDocument/2006/relationships" xmlns:p="http://schemas.openxmlformats.org/presentationml/2006/main">
   <p:cSld>
     <p:spTree>
@@ -17581,7 +17188,7 @@
 </p:sld>
 </file>
 
-<file path=ppt/slides/slide24.xml><?xml version="1.0" encoding="utf-8"?>
+<file path=ppt/slides/slide23.xml><?xml version="1.0" encoding="utf-8"?>
 <p:sld xmlns:a="http://schemas.openxmlformats.org/drawingml/2006/main" xmlns:r="http://schemas.openxmlformats.org/officeDocument/2006/relationships" xmlns:p="http://schemas.openxmlformats.org/presentationml/2006/main">
   <p:cSld>
     <p:spTree>
@@ -18261,7 +17868,7 @@
 </p:sld>
 </file>
 
-<file path=ppt/slides/slide25.xml><?xml version="1.0" encoding="utf-8"?>
+<file path=ppt/slides/slide24.xml><?xml version="1.0" encoding="utf-8"?>
 <p:sld xmlns:a="http://schemas.openxmlformats.org/drawingml/2006/main" xmlns:r="http://schemas.openxmlformats.org/officeDocument/2006/relationships" xmlns:p="http://schemas.openxmlformats.org/presentationml/2006/main">
   <p:cSld>
     <p:spTree>
@@ -18983,7 +18590,7 @@
 </p:sld>
 </file>
 
-<file path=ppt/slides/slide26.xml><?xml version="1.0" encoding="utf-8"?>
+<file path=ppt/slides/slide25.xml><?xml version="1.0" encoding="utf-8"?>
 <p:sld xmlns:a="http://schemas.openxmlformats.org/drawingml/2006/main" xmlns:r="http://schemas.openxmlformats.org/officeDocument/2006/relationships" xmlns:p="http://schemas.openxmlformats.org/presentationml/2006/main">
   <p:cSld>
     <p:spTree>
@@ -20039,6 +19646,466 @@
 </p:sld>
 </file>
 
+<file path=ppt/slides/slide26.xml><?xml version="1.0" encoding="utf-8"?>
+<p:sld xmlns:a="http://schemas.openxmlformats.org/drawingml/2006/main" xmlns:r="http://schemas.openxmlformats.org/officeDocument/2006/relationships" xmlns:p="http://schemas.openxmlformats.org/presentationml/2006/main">
+  <p:cSld>
+    <p:spTree>
+      <p:nvGrpSpPr>
+        <p:cNvPr id="1" name="">
+          <a:extLst>
+            <a:ext uri="{FF2B5EF4-FFF2-40B4-BE49-F238E27FC236}">
+              <a16:creationId xmlns:a16="http://schemas.microsoft.com/office/drawing/2014/main" id="{9BA86989-CA52-919B-44DB-8ABE8DA1CC55}"/>
+            </a:ext>
+          </a:extLst>
+        </p:cNvPr>
+        <p:cNvGrpSpPr/>
+        <p:nvPr/>
+      </p:nvGrpSpPr>
+      <p:grpSpPr>
+        <a:xfrm>
+          <a:off x="0" y="0"/>
+          <a:ext cx="0" cy="0"/>
+          <a:chOff x="0" y="0"/>
+          <a:chExt cx="0" cy="0"/>
+        </a:xfrm>
+      </p:grpSpPr>
+      <p:sp>
+        <p:nvSpPr>
+          <p:cNvPr id="7" name="Espace réservé du contenu 2">
+            <a:extLst>
+              <a:ext uri="{FF2B5EF4-FFF2-40B4-BE49-F238E27FC236}">
+                <a16:creationId xmlns:a16="http://schemas.microsoft.com/office/drawing/2014/main" id="{A5C36824-B6A4-4210-9179-7724AF774D1A}"/>
+              </a:ext>
+            </a:extLst>
+          </p:cNvPr>
+          <p:cNvSpPr>
+            <a:spLocks noGrp="1"/>
+          </p:cNvSpPr>
+          <p:nvPr>
+            <p:ph idx="1"/>
+          </p:nvPr>
+        </p:nvSpPr>
+        <p:spPr>
+          <a:xfrm>
+            <a:off x="109728" y="49671"/>
+            <a:ext cx="9574306" cy="883024"/>
+          </a:xfrm>
+        </p:spPr>
+        <p:txBody>
+          <a:bodyPr>
+            <a:normAutofit/>
+          </a:bodyPr>
+          <a:lstStyle/>
+          <a:p>
+            <a:pPr marL="0" indent="0">
+              <a:buNone/>
+            </a:pPr>
+            <a:r>
+              <a:rPr lang="fr-FR" sz="4400" b="1" dirty="0" err="1">
+                <a:effectLst>
+                  <a:outerShdw blurRad="38100" dist="38100" dir="2700000" algn="tl">
+                    <a:srgbClr val="000000">
+                      <a:alpha val="43137"/>
+                    </a:srgbClr>
+                  </a:outerShdw>
+                </a:effectLst>
+              </a:rPr>
+              <a:t>Conlusion</a:t>
+            </a:r>
+            <a:endParaRPr lang="fr-FR" sz="4400" b="1" dirty="0">
+              <a:effectLst>
+                <a:outerShdw blurRad="38100" dist="38100" dir="2700000" algn="tl">
+                  <a:srgbClr val="000000">
+                    <a:alpha val="43137"/>
+                  </a:srgbClr>
+                </a:outerShdw>
+              </a:effectLst>
+            </a:endParaRPr>
+          </a:p>
+        </p:txBody>
+      </p:sp>
+      <p:sp>
+        <p:nvSpPr>
+          <p:cNvPr id="9" name="TextBox 4">
+            <a:extLst>
+              <a:ext uri="{FF2B5EF4-FFF2-40B4-BE49-F238E27FC236}">
+                <a16:creationId xmlns:a16="http://schemas.microsoft.com/office/drawing/2014/main" id="{2D0935EA-8CBF-4A7D-A5BE-6F079C4C16CF}"/>
+              </a:ext>
+            </a:extLst>
+          </p:cNvPr>
+          <p:cNvSpPr txBox="1"/>
+          <p:nvPr/>
+        </p:nvSpPr>
+        <p:spPr>
+          <a:xfrm>
+            <a:off x="771457" y="816154"/>
+            <a:ext cx="10987303" cy="2308324"/>
+          </a:xfrm>
+          <a:prstGeom prst="rect">
+            <a:avLst/>
+          </a:prstGeom>
+          <a:noFill/>
+        </p:spPr>
+        <p:txBody>
+          <a:bodyPr wrap="none" rtlCol="0">
+            <a:spAutoFit/>
+          </a:bodyPr>
+          <a:lstStyle/>
+          <a:p>
+            <a:r>
+              <a:rPr lang="fr-FR" sz="3600" dirty="0"/>
+              <a:t>- Model </a:t>
+            </a:r>
+            <a:r>
+              <a:rPr lang="fr-FR" sz="3600" dirty="0" err="1"/>
+              <a:t>generalizing</a:t>
+            </a:r>
+            <a:r>
+              <a:rPr lang="fr-FR" sz="3600" dirty="0"/>
+              <a:t> </a:t>
+            </a:r>
+            <a:r>
+              <a:rPr lang="fr-FR" sz="3600" dirty="0" err="1"/>
+              <a:t>well</a:t>
+            </a:r>
+            <a:endParaRPr lang="fr-FR" sz="3600" dirty="0"/>
+          </a:p>
+          <a:p>
+            <a:r>
+              <a:rPr lang="fr-FR" sz="3600" dirty="0"/>
+              <a:t>	Limitations: Training times, computation power</a:t>
+            </a:r>
+          </a:p>
+          <a:p>
+            <a:endParaRPr lang="fr-FR" sz="3600" dirty="0"/>
+          </a:p>
+          <a:p>
+            <a:r>
+              <a:rPr lang="fr-FR" sz="3600" dirty="0"/>
+              <a:t>- Notebooks </a:t>
+            </a:r>
+            <a:r>
+              <a:rPr lang="fr-FR" sz="3600" dirty="0" err="1"/>
+              <a:t>covering</a:t>
+            </a:r>
+            <a:r>
+              <a:rPr lang="fr-FR" sz="3600" dirty="0"/>
+              <a:t> all </a:t>
+            </a:r>
+            <a:r>
+              <a:rPr lang="fr-FR" sz="3600" dirty="0" err="1"/>
+              <a:t>project</a:t>
+            </a:r>
+            <a:endParaRPr lang="fr-FR" sz="3600" dirty="0"/>
+          </a:p>
+        </p:txBody>
+      </p:sp>
+      <p:sp>
+        <p:nvSpPr>
+          <p:cNvPr id="10" name="Espace réservé du contenu 2">
+            <a:extLst>
+              <a:ext uri="{FF2B5EF4-FFF2-40B4-BE49-F238E27FC236}">
+                <a16:creationId xmlns:a16="http://schemas.microsoft.com/office/drawing/2014/main" id="{ACD012F7-FBC2-4202-8CA3-18EBC6680F7F}"/>
+              </a:ext>
+            </a:extLst>
+          </p:cNvPr>
+          <p:cNvSpPr txBox="1">
+            <a:spLocks/>
+          </p:cNvSpPr>
+          <p:nvPr/>
+        </p:nvSpPr>
+        <p:spPr>
+          <a:xfrm>
+            <a:off x="25901" y="6131351"/>
+            <a:ext cx="988105" cy="788419"/>
+          </a:xfrm>
+          <a:prstGeom prst="rect">
+            <a:avLst/>
+          </a:prstGeom>
+        </p:spPr>
+        <p:txBody>
+          <a:bodyPr vert="horz" lIns="91440" tIns="45720" rIns="91440" bIns="45720" rtlCol="0" anchor="ctr">
+            <a:normAutofit/>
+          </a:bodyPr>
+          <a:lstStyle>
+            <a:lvl1pPr marL="285750" indent="-285750" algn="l" defTabSz="457200" rtl="0" eaLnBrk="1" latinLnBrk="0" hangingPunct="1">
+              <a:spcBef>
+                <a:spcPct val="20000"/>
+              </a:spcBef>
+              <a:spcAft>
+                <a:spcPts val="600"/>
+              </a:spcAft>
+              <a:buClr>
+                <a:schemeClr val="tx1"/>
+              </a:buClr>
+              <a:buSzPct val="80000"/>
+              <a:buFont typeface="Wingdings 3" panose="05040102010807070707" pitchFamily="18" charset="2"/>
+              <a:buChar char=""/>
+              <a:defRPr sz="2000" kern="1200" cap="none">
+                <a:solidFill>
+                  <a:schemeClr val="bg2">
+                    <a:lumMod val="75000"/>
+                  </a:schemeClr>
+                </a:solidFill>
+                <a:effectLst/>
+                <a:latin typeface="+mn-lt"/>
+                <a:ea typeface="+mn-ea"/>
+                <a:cs typeface="+mn-cs"/>
+              </a:defRPr>
+            </a:lvl1pPr>
+            <a:lvl2pPr marL="742950" indent="-285750" algn="l" defTabSz="457200" rtl="0" eaLnBrk="1" latinLnBrk="0" hangingPunct="1">
+              <a:spcBef>
+                <a:spcPct val="20000"/>
+              </a:spcBef>
+              <a:spcAft>
+                <a:spcPts val="600"/>
+              </a:spcAft>
+              <a:buClr>
+                <a:schemeClr val="tx1"/>
+              </a:buClr>
+              <a:buSzPct val="80000"/>
+              <a:buFont typeface="Wingdings 3" panose="05040102010807070707" pitchFamily="18" charset="2"/>
+              <a:buChar char=""/>
+              <a:defRPr sz="1800" kern="1200" cap="none">
+                <a:solidFill>
+                  <a:schemeClr val="bg2">
+                    <a:lumMod val="75000"/>
+                  </a:schemeClr>
+                </a:solidFill>
+                <a:effectLst/>
+                <a:latin typeface="+mn-lt"/>
+                <a:ea typeface="+mn-ea"/>
+                <a:cs typeface="+mn-cs"/>
+              </a:defRPr>
+            </a:lvl2pPr>
+            <a:lvl3pPr marL="1200150" indent="-285750" algn="l" defTabSz="457200" rtl="0" eaLnBrk="1" latinLnBrk="0" hangingPunct="1">
+              <a:spcBef>
+                <a:spcPct val="20000"/>
+              </a:spcBef>
+              <a:spcAft>
+                <a:spcPts val="600"/>
+              </a:spcAft>
+              <a:buClr>
+                <a:schemeClr val="tx1"/>
+              </a:buClr>
+              <a:buSzPct val="80000"/>
+              <a:buFont typeface="Wingdings 3" panose="05040102010807070707" pitchFamily="18" charset="2"/>
+              <a:buChar char=""/>
+              <a:defRPr sz="1600" kern="1200" cap="none">
+                <a:solidFill>
+                  <a:schemeClr val="bg2">
+                    <a:lumMod val="75000"/>
+                  </a:schemeClr>
+                </a:solidFill>
+                <a:effectLst/>
+                <a:latin typeface="+mn-lt"/>
+                <a:ea typeface="+mn-ea"/>
+                <a:cs typeface="+mn-cs"/>
+              </a:defRPr>
+            </a:lvl3pPr>
+            <a:lvl4pPr marL="1543050" indent="-171450" algn="l" defTabSz="457200" rtl="0" eaLnBrk="1" latinLnBrk="0" hangingPunct="1">
+              <a:spcBef>
+                <a:spcPct val="20000"/>
+              </a:spcBef>
+              <a:spcAft>
+                <a:spcPts val="600"/>
+              </a:spcAft>
+              <a:buClr>
+                <a:schemeClr val="tx1"/>
+              </a:buClr>
+              <a:buSzPct val="80000"/>
+              <a:buFont typeface="Wingdings 3" panose="05040102010807070707" pitchFamily="18" charset="2"/>
+              <a:buChar char=""/>
+              <a:defRPr sz="1400" kern="1200" cap="none">
+                <a:solidFill>
+                  <a:schemeClr val="bg2">
+                    <a:lumMod val="75000"/>
+                  </a:schemeClr>
+                </a:solidFill>
+                <a:effectLst/>
+                <a:latin typeface="+mn-lt"/>
+                <a:ea typeface="+mn-ea"/>
+                <a:cs typeface="+mn-cs"/>
+              </a:defRPr>
+            </a:lvl4pPr>
+            <a:lvl5pPr marL="2000250" indent="-171450" algn="l" defTabSz="457200" rtl="0" eaLnBrk="1" latinLnBrk="0" hangingPunct="1">
+              <a:spcBef>
+                <a:spcPct val="20000"/>
+              </a:spcBef>
+              <a:spcAft>
+                <a:spcPts val="600"/>
+              </a:spcAft>
+              <a:buClr>
+                <a:schemeClr val="tx1"/>
+              </a:buClr>
+              <a:buSzPct val="80000"/>
+              <a:buFont typeface="Wingdings 3" panose="05040102010807070707" pitchFamily="18" charset="2"/>
+              <a:buChar char=""/>
+              <a:defRPr sz="1400" kern="1200" cap="none">
+                <a:solidFill>
+                  <a:schemeClr val="bg2">
+                    <a:lumMod val="75000"/>
+                  </a:schemeClr>
+                </a:solidFill>
+                <a:effectLst/>
+                <a:latin typeface="+mn-lt"/>
+                <a:ea typeface="+mn-ea"/>
+                <a:cs typeface="+mn-cs"/>
+              </a:defRPr>
+            </a:lvl5pPr>
+            <a:lvl6pPr marL="2514600" indent="-228600" algn="l" defTabSz="457200" rtl="0" eaLnBrk="1" latinLnBrk="0" hangingPunct="1">
+              <a:spcBef>
+                <a:spcPct val="20000"/>
+              </a:spcBef>
+              <a:spcAft>
+                <a:spcPts val="600"/>
+              </a:spcAft>
+              <a:buClr>
+                <a:schemeClr val="tx1"/>
+              </a:buClr>
+              <a:buSzPct val="80000"/>
+              <a:buFont typeface="Wingdings 3" panose="05040102010807070707" pitchFamily="18" charset="2"/>
+              <a:buChar char=""/>
+              <a:defRPr sz="1400" kern="1200" cap="none">
+                <a:solidFill>
+                  <a:schemeClr val="bg2">
+                    <a:lumMod val="75000"/>
+                  </a:schemeClr>
+                </a:solidFill>
+                <a:effectLst/>
+                <a:latin typeface="+mn-lt"/>
+                <a:ea typeface="+mn-ea"/>
+                <a:cs typeface="+mn-cs"/>
+              </a:defRPr>
+            </a:lvl6pPr>
+            <a:lvl7pPr marL="2971800" indent="-228600" algn="l" defTabSz="457200" rtl="0" eaLnBrk="1" latinLnBrk="0" hangingPunct="1">
+              <a:spcBef>
+                <a:spcPct val="20000"/>
+              </a:spcBef>
+              <a:spcAft>
+                <a:spcPts val="600"/>
+              </a:spcAft>
+              <a:buClr>
+                <a:schemeClr val="tx1"/>
+              </a:buClr>
+              <a:buSzPct val="80000"/>
+              <a:buFont typeface="Wingdings 3" panose="05040102010807070707" pitchFamily="18" charset="2"/>
+              <a:buChar char=""/>
+              <a:defRPr sz="1400" kern="1200" cap="none">
+                <a:solidFill>
+                  <a:schemeClr val="bg2">
+                    <a:lumMod val="75000"/>
+                  </a:schemeClr>
+                </a:solidFill>
+                <a:effectLst/>
+                <a:latin typeface="+mn-lt"/>
+                <a:ea typeface="+mn-ea"/>
+                <a:cs typeface="+mn-cs"/>
+              </a:defRPr>
+            </a:lvl7pPr>
+            <a:lvl8pPr marL="3429000" indent="-228600" algn="l" defTabSz="457200" rtl="0" eaLnBrk="1" latinLnBrk="0" hangingPunct="1">
+              <a:spcBef>
+                <a:spcPct val="20000"/>
+              </a:spcBef>
+              <a:spcAft>
+                <a:spcPts val="600"/>
+              </a:spcAft>
+              <a:buClr>
+                <a:schemeClr val="tx1"/>
+              </a:buClr>
+              <a:buSzPct val="80000"/>
+              <a:buFont typeface="Wingdings 3" panose="05040102010807070707" pitchFamily="18" charset="2"/>
+              <a:buChar char=""/>
+              <a:defRPr sz="1400" kern="1200" cap="none">
+                <a:solidFill>
+                  <a:schemeClr val="bg2">
+                    <a:lumMod val="75000"/>
+                  </a:schemeClr>
+                </a:solidFill>
+                <a:effectLst/>
+                <a:latin typeface="+mn-lt"/>
+                <a:ea typeface="+mn-ea"/>
+                <a:cs typeface="+mn-cs"/>
+              </a:defRPr>
+            </a:lvl8pPr>
+            <a:lvl9pPr marL="3886200" indent="-228600" algn="l" defTabSz="457200" rtl="0" eaLnBrk="1" latinLnBrk="0" hangingPunct="1">
+              <a:spcBef>
+                <a:spcPct val="20000"/>
+              </a:spcBef>
+              <a:spcAft>
+                <a:spcPts val="600"/>
+              </a:spcAft>
+              <a:buClr>
+                <a:schemeClr val="tx1"/>
+              </a:buClr>
+              <a:buSzPct val="80000"/>
+              <a:buFont typeface="Wingdings 3" panose="05040102010807070707" pitchFamily="18" charset="2"/>
+              <a:buChar char=""/>
+              <a:defRPr sz="1400" kern="1200" cap="none">
+                <a:solidFill>
+                  <a:schemeClr val="bg2">
+                    <a:lumMod val="75000"/>
+                  </a:schemeClr>
+                </a:solidFill>
+                <a:effectLst/>
+                <a:latin typeface="+mn-lt"/>
+                <a:ea typeface="+mn-ea"/>
+                <a:cs typeface="+mn-cs"/>
+              </a:defRPr>
+            </a:lvl9pPr>
+          </a:lstStyle>
+          <a:p>
+            <a:pPr marL="0" indent="0">
+              <a:buFont typeface="Wingdings 3" panose="05040102010807070707" pitchFamily="18" charset="2"/>
+              <a:buNone/>
+            </a:pPr>
+            <a:r>
+              <a:rPr lang="fr-FR" sz="3200" b="1" dirty="0">
+                <a:solidFill>
+                  <a:schemeClr val="tx1">
+                    <a:lumMod val="95000"/>
+                  </a:schemeClr>
+                </a:solidFill>
+                <a:effectLst>
+                  <a:outerShdw blurRad="38100" dist="38100" dir="2700000" algn="tl">
+                    <a:srgbClr val="000000">
+                      <a:alpha val="43137"/>
+                    </a:srgbClr>
+                  </a:outerShdw>
+                </a:effectLst>
+              </a:rPr>
+              <a:t>17</a:t>
+            </a:r>
+            <a:endParaRPr lang="fr-FR" sz="4000" b="1" dirty="0">
+              <a:solidFill>
+                <a:schemeClr val="tx1">
+                  <a:lumMod val="95000"/>
+                </a:schemeClr>
+              </a:solidFill>
+              <a:effectLst>
+                <a:outerShdw blurRad="38100" dist="38100" dir="2700000" algn="tl">
+                  <a:srgbClr val="000000">
+                    <a:alpha val="43137"/>
+                  </a:srgbClr>
+                </a:outerShdw>
+              </a:effectLst>
+            </a:endParaRPr>
+          </a:p>
+        </p:txBody>
+      </p:sp>
+    </p:spTree>
+    <p:extLst>
+      <p:ext uri="{BB962C8B-B14F-4D97-AF65-F5344CB8AC3E}">
+        <p14:creationId xmlns:p14="http://schemas.microsoft.com/office/powerpoint/2010/main" val="1328385268"/>
+      </p:ext>
+    </p:extLst>
+  </p:cSld>
+  <p:clrMapOvr>
+    <a:masterClrMapping/>
+  </p:clrMapOvr>
+</p:sld>
+</file>
+
 <file path=ppt/slides/slide27.xml><?xml version="1.0" encoding="utf-8"?>
 <p:sld xmlns:a="http://schemas.openxmlformats.org/drawingml/2006/main" xmlns:r="http://schemas.openxmlformats.org/officeDocument/2006/relationships" xmlns:p="http://schemas.openxmlformats.org/presentationml/2006/main">
   <p:cSld>
@@ -20486,10 +20553,132 @@
           </a:p>
         </p:txBody>
       </p:sp>
+      <p:sp>
+        <p:nvSpPr>
+          <p:cNvPr id="11" name="TextBox 4">
+            <a:extLst>
+              <a:ext uri="{FF2B5EF4-FFF2-40B4-BE49-F238E27FC236}">
+                <a16:creationId xmlns:a16="http://schemas.microsoft.com/office/drawing/2014/main" id="{E5FEEBD5-E3D9-4B24-93A6-42B19A212E76}"/>
+              </a:ext>
+            </a:extLst>
+          </p:cNvPr>
+          <p:cNvSpPr txBox="1"/>
+          <p:nvPr/>
+        </p:nvSpPr>
+        <p:spPr>
+          <a:xfrm>
+            <a:off x="250505" y="3511547"/>
+            <a:ext cx="2260555" cy="646331"/>
+          </a:xfrm>
+          <a:prstGeom prst="rect">
+            <a:avLst/>
+          </a:prstGeom>
+          <a:noFill/>
+        </p:spPr>
+        <p:txBody>
+          <a:bodyPr wrap="none" rtlCol="0">
+            <a:spAutoFit/>
+          </a:bodyPr>
+          <a:lstStyle/>
+          <a:p>
+            <a:r>
+              <a:rPr lang="fr-FR" sz="3600" dirty="0" err="1"/>
+              <a:t>Datasets</a:t>
+            </a:r>
+            <a:r>
+              <a:rPr lang="fr-FR" sz="3600" dirty="0"/>
+              <a:t>:</a:t>
+            </a:r>
+          </a:p>
+        </p:txBody>
+      </p:sp>
+      <p:sp>
+        <p:nvSpPr>
+          <p:cNvPr id="2" name="Rectangle 1">
+            <a:extLst>
+              <a:ext uri="{FF2B5EF4-FFF2-40B4-BE49-F238E27FC236}">
+                <a16:creationId xmlns:a16="http://schemas.microsoft.com/office/drawing/2014/main" id="{39FD7229-B6A6-4890-A692-03A1D8FC636B}"/>
+              </a:ext>
+            </a:extLst>
+          </p:cNvPr>
+          <p:cNvSpPr/>
+          <p:nvPr/>
+        </p:nvSpPr>
+        <p:spPr>
+          <a:xfrm>
+            <a:off x="575607" y="4029756"/>
+            <a:ext cx="1864659" cy="1569660"/>
+          </a:xfrm>
+          <a:prstGeom prst="rect">
+            <a:avLst/>
+          </a:prstGeom>
+        </p:spPr>
+        <p:txBody>
+          <a:bodyPr wrap="square">
+            <a:spAutoFit/>
+          </a:bodyPr>
+          <a:lstStyle/>
+          <a:p>
+            <a:r>
+              <a:rPr lang="fr-FR" sz="2400" i="1" u="sng" dirty="0">
+                <a:solidFill>
+                  <a:schemeClr val="accent1">
+                    <a:lumMod val="75000"/>
+                  </a:schemeClr>
+                </a:solidFill>
+              </a:rPr>
+              <a:t>Basics</a:t>
+            </a:r>
+          </a:p>
+          <a:p>
+            <a:r>
+              <a:rPr lang="fr-FR" sz="2400" i="1" u="sng" dirty="0">
+                <a:solidFill>
+                  <a:schemeClr val="accent1">
+                    <a:lumMod val="75000"/>
+                  </a:schemeClr>
+                </a:solidFill>
+              </a:rPr>
+              <a:t>Images</a:t>
+            </a:r>
+          </a:p>
+          <a:p>
+            <a:r>
+              <a:rPr lang="fr-FR" sz="2400" i="1" u="sng" dirty="0" err="1">
+                <a:solidFill>
+                  <a:schemeClr val="accent1">
+                    <a:lumMod val="75000"/>
+                  </a:schemeClr>
+                </a:solidFill>
+              </a:rPr>
+              <a:t>Loading</a:t>
+            </a:r>
+            <a:endParaRPr lang="fr-FR" sz="2400" i="1" u="sng" dirty="0">
+              <a:solidFill>
+                <a:schemeClr val="accent1">
+                  <a:lumMod val="75000"/>
+                </a:schemeClr>
+              </a:solidFill>
+            </a:endParaRPr>
+          </a:p>
+          <a:p>
+            <a:r>
+              <a:rPr lang="fr-FR" sz="2400" i="1" u="sng" dirty="0">
+                <a:solidFill>
+                  <a:schemeClr val="accent1">
+                    <a:lumMod val="75000"/>
+                  </a:schemeClr>
+                </a:solidFill>
+              </a:rPr>
+              <a:t>Building</a:t>
+            </a:r>
+          </a:p>
+        </p:txBody>
+      </p:sp>
     </p:spTree>
     <p:extLst>
       <p:ext uri="{BB962C8B-B14F-4D97-AF65-F5344CB8AC3E}">
-        <p14:creationId xmlns:p14="http://schemas.microsoft.com/office/powerpoint/2010/main" val="1328385268"/>
+        <p14:creationId xmlns:p14="http://schemas.microsoft.com/office/powerpoint/2010/main" val="1619512318"/>
       </p:ext>
     </p:extLst>
   </p:cSld>
@@ -21068,10 +21257,119 @@
           </a:p>
         </p:txBody>
       </p:sp>
+      <p:sp>
+        <p:nvSpPr>
+          <p:cNvPr id="12" name="TextBox 4">
+            <a:extLst>
+              <a:ext uri="{FF2B5EF4-FFF2-40B4-BE49-F238E27FC236}">
+                <a16:creationId xmlns:a16="http://schemas.microsoft.com/office/drawing/2014/main" id="{914C41B9-5A53-4544-A16D-406CB3DBED37}"/>
+              </a:ext>
+            </a:extLst>
+          </p:cNvPr>
+          <p:cNvSpPr txBox="1"/>
+          <p:nvPr/>
+        </p:nvSpPr>
+        <p:spPr>
+          <a:xfrm>
+            <a:off x="3518972" y="3516028"/>
+            <a:ext cx="950901" cy="646331"/>
+          </a:xfrm>
+          <a:prstGeom prst="rect">
+            <a:avLst/>
+          </a:prstGeom>
+          <a:noFill/>
+        </p:spPr>
+        <p:txBody>
+          <a:bodyPr wrap="none" rtlCol="0">
+            <a:spAutoFit/>
+          </a:bodyPr>
+          <a:lstStyle/>
+          <a:p>
+            <a:r>
+              <a:rPr lang="fr-FR" sz="3600" dirty="0"/>
+              <a:t>ML:</a:t>
+            </a:r>
+          </a:p>
+        </p:txBody>
+      </p:sp>
+      <p:sp>
+        <p:nvSpPr>
+          <p:cNvPr id="16" name="Rectangle 15">
+            <a:extLst>
+              <a:ext uri="{FF2B5EF4-FFF2-40B4-BE49-F238E27FC236}">
+                <a16:creationId xmlns:a16="http://schemas.microsoft.com/office/drawing/2014/main" id="{5E8680B3-4BD1-4573-ABF5-11734422BE01}"/>
+              </a:ext>
+            </a:extLst>
+          </p:cNvPr>
+          <p:cNvSpPr/>
+          <p:nvPr/>
+        </p:nvSpPr>
+        <p:spPr>
+          <a:xfrm>
+            <a:off x="2779954" y="4047963"/>
+            <a:ext cx="3172360" cy="1200329"/>
+          </a:xfrm>
+          <a:prstGeom prst="rect">
+            <a:avLst/>
+          </a:prstGeom>
+        </p:spPr>
+        <p:txBody>
+          <a:bodyPr wrap="square">
+            <a:spAutoFit/>
+          </a:bodyPr>
+          <a:lstStyle/>
+          <a:p>
+            <a:r>
+              <a:rPr lang="fr-FR" sz="2400" i="1" u="sng" dirty="0">
+                <a:solidFill>
+                  <a:schemeClr val="accent1">
+                    <a:lumMod val="75000"/>
+                  </a:schemeClr>
+                </a:solidFill>
+              </a:rPr>
+              <a:t>Uses</a:t>
+            </a:r>
+          </a:p>
+          <a:p>
+            <a:r>
+              <a:rPr lang="fr-FR" sz="2400" i="1" u="sng" dirty="0">
+                <a:solidFill>
+                  <a:schemeClr val="accent1">
+                    <a:lumMod val="75000"/>
+                  </a:schemeClr>
+                </a:solidFill>
+              </a:rPr>
+              <a:t>Training time</a:t>
+            </a:r>
+          </a:p>
+          <a:p>
+            <a:r>
+              <a:rPr lang="fr-FR" sz="2400" i="1" u="sng" dirty="0" err="1">
+                <a:solidFill>
+                  <a:schemeClr val="accent1">
+                    <a:lumMod val="75000"/>
+                  </a:schemeClr>
+                </a:solidFill>
+              </a:rPr>
+              <a:t>Computer’s</a:t>
+            </a:r>
+            <a:r>
+              <a:rPr lang="fr-FR" sz="2400" i="1" u="sng" dirty="0">
+                <a:solidFill>
+                  <a:schemeClr val="accent1">
+                    <a:lumMod val="75000"/>
+                  </a:schemeClr>
+                </a:solidFill>
+              </a:rPr>
+              <a:t> power</a:t>
+            </a:r>
+          </a:p>
+        </p:txBody>
+      </p:sp>
     </p:spTree>
     <p:extLst>
       <p:ext uri="{BB962C8B-B14F-4D97-AF65-F5344CB8AC3E}">
-        <p14:creationId xmlns:p14="http://schemas.microsoft.com/office/powerpoint/2010/main" val="1619512318"/>
+        <p14:creationId xmlns:p14="http://schemas.microsoft.com/office/powerpoint/2010/main" val="3392077030"/>
       </p:ext>
     </p:extLst>
   </p:cSld>
@@ -21687,6 +21985,41 @@
       </p:sp>
       <p:sp>
         <p:nvSpPr>
+          <p:cNvPr id="14" name="TextBox 4">
+            <a:extLst>
+              <a:ext uri="{FF2B5EF4-FFF2-40B4-BE49-F238E27FC236}">
+                <a16:creationId xmlns:a16="http://schemas.microsoft.com/office/drawing/2014/main" id="{78389E4E-6797-4695-AC69-9D0BC295BF93}"/>
+              </a:ext>
+            </a:extLst>
+          </p:cNvPr>
+          <p:cNvSpPr txBox="1"/>
+          <p:nvPr/>
+        </p:nvSpPr>
+        <p:spPr>
+          <a:xfrm>
+            <a:off x="6292002" y="3511547"/>
+            <a:ext cx="1781257" cy="646331"/>
+          </a:xfrm>
+          <a:prstGeom prst="rect">
+            <a:avLst/>
+          </a:prstGeom>
+          <a:noFill/>
+        </p:spPr>
+        <p:txBody>
+          <a:bodyPr wrap="none" rtlCol="0">
+            <a:spAutoFit/>
+          </a:bodyPr>
+          <a:lstStyle/>
+          <a:p>
+            <a:r>
+              <a:rPr lang="fr-FR" sz="3600" dirty="0"/>
+              <a:t>Theory:</a:t>
+            </a:r>
+          </a:p>
+        </p:txBody>
+      </p:sp>
+      <p:sp>
+        <p:nvSpPr>
           <p:cNvPr id="16" name="Rectangle 15">
             <a:extLst>
               <a:ext uri="{FF2B5EF4-FFF2-40B4-BE49-F238E27FC236}">
@@ -21759,10 +22092,138 @@
           </a:p>
         </p:txBody>
       </p:sp>
+      <p:sp>
+        <p:nvSpPr>
+          <p:cNvPr id="18" name="Rectangle 17">
+            <a:extLst>
+              <a:ext uri="{FF2B5EF4-FFF2-40B4-BE49-F238E27FC236}">
+                <a16:creationId xmlns:a16="http://schemas.microsoft.com/office/drawing/2014/main" id="{78B1FCDD-3D1F-445B-A289-CC2B191F66C6}"/>
+              </a:ext>
+            </a:extLst>
+          </p:cNvPr>
+          <p:cNvSpPr/>
+          <p:nvPr/>
+        </p:nvSpPr>
+        <p:spPr>
+          <a:xfrm>
+            <a:off x="6292892" y="4047963"/>
+            <a:ext cx="2635955" cy="2308324"/>
+          </a:xfrm>
+          <a:prstGeom prst="rect">
+            <a:avLst/>
+          </a:prstGeom>
+        </p:spPr>
+        <p:txBody>
+          <a:bodyPr wrap="square">
+            <a:spAutoFit/>
+          </a:bodyPr>
+          <a:lstStyle/>
+          <a:p>
+            <a:r>
+              <a:rPr lang="fr-FR" sz="2400" i="1" u="sng" dirty="0" err="1">
+                <a:solidFill>
+                  <a:schemeClr val="accent1">
+                    <a:lumMod val="75000"/>
+                  </a:schemeClr>
+                </a:solidFill>
+              </a:rPr>
+              <a:t>GAs</a:t>
+            </a:r>
+            <a:endParaRPr lang="fr-FR" sz="2400" i="1" u="sng" dirty="0">
+              <a:solidFill>
+                <a:schemeClr val="accent1">
+                  <a:lumMod val="75000"/>
+                </a:schemeClr>
+              </a:solidFill>
+            </a:endParaRPr>
+          </a:p>
+          <a:p>
+            <a:r>
+              <a:rPr lang="fr-FR" sz="2400" i="1" u="sng" dirty="0" err="1">
+                <a:solidFill>
+                  <a:schemeClr val="accent1">
+                    <a:lumMod val="75000"/>
+                  </a:schemeClr>
+                </a:solidFill>
+              </a:rPr>
+              <a:t>Metrics</a:t>
+            </a:r>
+            <a:endParaRPr lang="fr-FR" sz="2400" i="1" u="sng" dirty="0">
+              <a:solidFill>
+                <a:schemeClr val="accent1">
+                  <a:lumMod val="75000"/>
+                </a:schemeClr>
+              </a:solidFill>
+            </a:endParaRPr>
+          </a:p>
+          <a:p>
+            <a:r>
+              <a:rPr lang="fr-FR" sz="2400" i="1" u="sng" dirty="0">
+                <a:solidFill>
+                  <a:schemeClr val="accent1">
+                    <a:lumMod val="75000"/>
+                  </a:schemeClr>
+                </a:solidFill>
+              </a:rPr>
+              <a:t>Datas</a:t>
+            </a:r>
+          </a:p>
+          <a:p>
+            <a:r>
+              <a:rPr lang="fr-FR" sz="2400" i="1" u="sng" dirty="0" err="1">
+                <a:solidFill>
+                  <a:schemeClr val="accent1">
+                    <a:lumMod val="75000"/>
+                  </a:schemeClr>
+                </a:solidFill>
+              </a:rPr>
+              <a:t>Torch</a:t>
+            </a:r>
+            <a:endParaRPr lang="fr-FR" sz="2400" i="1" u="sng" dirty="0">
+              <a:solidFill>
+                <a:schemeClr val="accent1">
+                  <a:lumMod val="75000"/>
+                </a:schemeClr>
+              </a:solidFill>
+            </a:endParaRPr>
+          </a:p>
+          <a:p>
+            <a:r>
+              <a:rPr lang="fr-FR" sz="2400" i="1" u="sng" dirty="0">
+                <a:solidFill>
+                  <a:schemeClr val="accent1">
+                    <a:lumMod val="75000"/>
+                  </a:schemeClr>
+                </a:solidFill>
+              </a:rPr>
+              <a:t>Transformers</a:t>
+            </a:r>
+          </a:p>
+          <a:p>
+            <a:r>
+              <a:rPr lang="fr-FR" sz="2400" i="1" u="sng" dirty="0" err="1">
+                <a:solidFill>
+                  <a:schemeClr val="accent1">
+                    <a:lumMod val="75000"/>
+                  </a:schemeClr>
+                </a:solidFill>
+              </a:rPr>
+              <a:t>Sklearn</a:t>
+            </a:r>
+            <a:endParaRPr lang="fr-FR" sz="2400" i="1" u="sng" dirty="0">
+              <a:solidFill>
+                <a:schemeClr val="accent1">
+                  <a:lumMod val="75000"/>
+                </a:schemeClr>
+              </a:solidFill>
+            </a:endParaRPr>
+          </a:p>
+        </p:txBody>
+      </p:sp>
     </p:spTree>
     <p:extLst>
       <p:ext uri="{BB962C8B-B14F-4D97-AF65-F5344CB8AC3E}">
-        <p14:creationId xmlns:p14="http://schemas.microsoft.com/office/powerpoint/2010/main" val="3392077030"/>
+        <p14:creationId xmlns:p14="http://schemas.microsoft.com/office/powerpoint/2010/main" val="647256766"/>
       </p:ext>
     </p:extLst>
   </p:cSld>
@@ -22834,6 +23295,45 @@
       </p:sp>
       <p:sp>
         <p:nvSpPr>
+          <p:cNvPr id="15" name="TextBox 4">
+            <a:extLst>
+              <a:ext uri="{FF2B5EF4-FFF2-40B4-BE49-F238E27FC236}">
+                <a16:creationId xmlns:a16="http://schemas.microsoft.com/office/drawing/2014/main" id="{75255AB8-0325-4C97-BF32-DDF8E593C61B}"/>
+              </a:ext>
+            </a:extLst>
+          </p:cNvPr>
+          <p:cNvSpPr txBox="1"/>
+          <p:nvPr/>
+        </p:nvSpPr>
+        <p:spPr>
+          <a:xfrm>
+            <a:off x="9095130" y="3511547"/>
+            <a:ext cx="2900153" cy="646331"/>
+          </a:xfrm>
+          <a:prstGeom prst="rect">
+            <a:avLst/>
+          </a:prstGeom>
+          <a:noFill/>
+        </p:spPr>
+        <p:txBody>
+          <a:bodyPr wrap="none" rtlCol="0">
+            <a:spAutoFit/>
+          </a:bodyPr>
+          <a:lstStyle/>
+          <a:p>
+            <a:r>
+              <a:rPr lang="fr-FR" sz="3600" dirty="0" err="1"/>
+              <a:t>Finetunning</a:t>
+            </a:r>
+            <a:r>
+              <a:rPr lang="fr-FR" sz="3600" dirty="0"/>
+              <a:t>:</a:t>
+            </a:r>
+          </a:p>
+        </p:txBody>
+      </p:sp>
+      <p:sp>
+        <p:nvSpPr>
           <p:cNvPr id="16" name="Rectangle 15">
             <a:extLst>
               <a:ext uri="{FF2B5EF4-FFF2-40B4-BE49-F238E27FC236}">
@@ -23034,10 +23534,100 @@
           </a:p>
         </p:txBody>
       </p:sp>
+      <p:sp>
+        <p:nvSpPr>
+          <p:cNvPr id="19" name="Rectangle 18">
+            <a:extLst>
+              <a:ext uri="{FF2B5EF4-FFF2-40B4-BE49-F238E27FC236}">
+                <a16:creationId xmlns:a16="http://schemas.microsoft.com/office/drawing/2014/main" id="{1906071D-68AE-4D20-ABDB-06D7F637D969}"/>
+              </a:ext>
+            </a:extLst>
+          </p:cNvPr>
+          <p:cNvSpPr/>
+          <p:nvPr/>
+        </p:nvSpPr>
+        <p:spPr>
+          <a:xfrm>
+            <a:off x="9149894" y="4062281"/>
+            <a:ext cx="1864659" cy="1569660"/>
+          </a:xfrm>
+          <a:prstGeom prst="rect">
+            <a:avLst/>
+          </a:prstGeom>
+        </p:spPr>
+        <p:txBody>
+          <a:bodyPr wrap="square">
+            <a:spAutoFit/>
+          </a:bodyPr>
+          <a:lstStyle/>
+          <a:p>
+            <a:r>
+              <a:rPr lang="fr-FR" sz="2400" i="1" u="sng" dirty="0">
+                <a:solidFill>
+                  <a:schemeClr val="accent1">
+                    <a:lumMod val="75000"/>
+                  </a:schemeClr>
+                </a:solidFill>
+              </a:rPr>
+              <a:t>Set up</a:t>
+            </a:r>
+          </a:p>
+          <a:p>
+            <a:r>
+              <a:rPr lang="fr-FR" sz="2400" i="1" u="sng" dirty="0" err="1">
+                <a:solidFill>
+                  <a:schemeClr val="accent1">
+                    <a:lumMod val="75000"/>
+                  </a:schemeClr>
+                </a:solidFill>
+              </a:rPr>
+              <a:t>Preprocess</a:t>
+            </a:r>
+            <a:endParaRPr lang="fr-FR" sz="2400" i="1" u="sng" dirty="0">
+              <a:solidFill>
+                <a:schemeClr val="accent1">
+                  <a:lumMod val="75000"/>
+                </a:schemeClr>
+              </a:solidFill>
+            </a:endParaRPr>
+          </a:p>
+          <a:p>
+            <a:r>
+              <a:rPr lang="fr-FR" sz="2400" i="1" u="sng" dirty="0">
+                <a:solidFill>
+                  <a:schemeClr val="accent1">
+                    <a:lumMod val="75000"/>
+                  </a:schemeClr>
+                </a:solidFill>
+              </a:rPr>
+              <a:t>Training</a:t>
+            </a:r>
+          </a:p>
+          <a:p>
+            <a:r>
+              <a:rPr lang="fr-FR" sz="2400" i="1" u="sng" dirty="0" err="1">
+                <a:solidFill>
+                  <a:schemeClr val="accent1">
+                    <a:lumMod val="75000"/>
+                  </a:schemeClr>
+                </a:solidFill>
+              </a:rPr>
+              <a:t>Results</a:t>
+            </a:r>
+            <a:endParaRPr lang="fr-FR" sz="2400" i="1" u="sng" dirty="0">
+              <a:solidFill>
+                <a:schemeClr val="accent1">
+                  <a:lumMod val="75000"/>
+                </a:schemeClr>
+              </a:solidFill>
+            </a:endParaRPr>
+          </a:p>
+        </p:txBody>
+      </p:sp>
     </p:spTree>
     <p:extLst>
       <p:ext uri="{BB962C8B-B14F-4D97-AF65-F5344CB8AC3E}">
-        <p14:creationId xmlns:p14="http://schemas.microsoft.com/office/powerpoint/2010/main" val="647256766"/>
+        <p14:creationId xmlns:p14="http://schemas.microsoft.com/office/powerpoint/2010/main" val="1424285396"/>
       </p:ext>
     </p:extLst>
   </p:cSld>
@@ -23072,989 +23662,6 @@
       </p:grpSpPr>
       <p:sp>
         <p:nvSpPr>
-          <p:cNvPr id="7" name="Espace réservé du contenu 2">
-            <a:extLst>
-              <a:ext uri="{FF2B5EF4-FFF2-40B4-BE49-F238E27FC236}">
-                <a16:creationId xmlns:a16="http://schemas.microsoft.com/office/drawing/2014/main" id="{A5C36824-B6A4-4210-9179-7724AF774D1A}"/>
-              </a:ext>
-            </a:extLst>
-          </p:cNvPr>
-          <p:cNvSpPr>
-            <a:spLocks noGrp="1"/>
-          </p:cNvSpPr>
-          <p:nvPr>
-            <p:ph idx="1"/>
-          </p:nvPr>
-        </p:nvSpPr>
-        <p:spPr>
-          <a:xfrm>
-            <a:off x="109728" y="49671"/>
-            <a:ext cx="9574306" cy="883024"/>
-          </a:xfrm>
-        </p:spPr>
-        <p:txBody>
-          <a:bodyPr>
-            <a:normAutofit/>
-          </a:bodyPr>
-          <a:lstStyle/>
-          <a:p>
-            <a:pPr marL="0" indent="0">
-              <a:buNone/>
-            </a:pPr>
-            <a:r>
-              <a:rPr lang="fr-FR" sz="4400" b="1" dirty="0" err="1">
-                <a:effectLst>
-                  <a:outerShdw blurRad="38100" dist="38100" dir="2700000" algn="tl">
-                    <a:srgbClr val="000000">
-                      <a:alpha val="43137"/>
-                    </a:srgbClr>
-                  </a:outerShdw>
-                </a:effectLst>
-              </a:rPr>
-              <a:t>Conlusion</a:t>
-            </a:r>
-            <a:endParaRPr lang="fr-FR" sz="4400" b="1" dirty="0">
-              <a:effectLst>
-                <a:outerShdw blurRad="38100" dist="38100" dir="2700000" algn="tl">
-                  <a:srgbClr val="000000">
-                    <a:alpha val="43137"/>
-                  </a:srgbClr>
-                </a:outerShdw>
-              </a:effectLst>
-            </a:endParaRPr>
-          </a:p>
-        </p:txBody>
-      </p:sp>
-      <p:sp>
-        <p:nvSpPr>
-          <p:cNvPr id="9" name="TextBox 4">
-            <a:extLst>
-              <a:ext uri="{FF2B5EF4-FFF2-40B4-BE49-F238E27FC236}">
-                <a16:creationId xmlns:a16="http://schemas.microsoft.com/office/drawing/2014/main" id="{2D0935EA-8CBF-4A7D-A5BE-6F079C4C16CF}"/>
-              </a:ext>
-            </a:extLst>
-          </p:cNvPr>
-          <p:cNvSpPr txBox="1"/>
-          <p:nvPr/>
-        </p:nvSpPr>
-        <p:spPr>
-          <a:xfrm>
-            <a:off x="771457" y="816154"/>
-            <a:ext cx="10987303" cy="2308324"/>
-          </a:xfrm>
-          <a:prstGeom prst="rect">
-            <a:avLst/>
-          </a:prstGeom>
-          <a:noFill/>
-        </p:spPr>
-        <p:txBody>
-          <a:bodyPr wrap="none" rtlCol="0">
-            <a:spAutoFit/>
-          </a:bodyPr>
-          <a:lstStyle/>
-          <a:p>
-            <a:r>
-              <a:rPr lang="fr-FR" sz="3600" dirty="0"/>
-              <a:t>- Model </a:t>
-            </a:r>
-            <a:r>
-              <a:rPr lang="fr-FR" sz="3600" dirty="0" err="1"/>
-              <a:t>generalizing</a:t>
-            </a:r>
-            <a:r>
-              <a:rPr lang="fr-FR" sz="3600" dirty="0"/>
-              <a:t> </a:t>
-            </a:r>
-            <a:r>
-              <a:rPr lang="fr-FR" sz="3600" dirty="0" err="1"/>
-              <a:t>well</a:t>
-            </a:r>
-            <a:endParaRPr lang="fr-FR" sz="3600" dirty="0"/>
-          </a:p>
-          <a:p>
-            <a:r>
-              <a:rPr lang="fr-FR" sz="3600" dirty="0"/>
-              <a:t>	Limitations: Training times, computation power</a:t>
-            </a:r>
-          </a:p>
-          <a:p>
-            <a:endParaRPr lang="fr-FR" sz="3600" dirty="0"/>
-          </a:p>
-          <a:p>
-            <a:r>
-              <a:rPr lang="fr-FR" sz="3600" dirty="0"/>
-              <a:t>- Notebooks </a:t>
-            </a:r>
-            <a:r>
-              <a:rPr lang="fr-FR" sz="3600" dirty="0" err="1"/>
-              <a:t>covering</a:t>
-            </a:r>
-            <a:r>
-              <a:rPr lang="fr-FR" sz="3600" dirty="0"/>
-              <a:t> all </a:t>
-            </a:r>
-            <a:r>
-              <a:rPr lang="fr-FR" sz="3600" dirty="0" err="1"/>
-              <a:t>project</a:t>
-            </a:r>
-            <a:endParaRPr lang="fr-FR" sz="3600" dirty="0"/>
-          </a:p>
-        </p:txBody>
-      </p:sp>
-      <p:sp>
-        <p:nvSpPr>
-          <p:cNvPr id="10" name="Espace réservé du contenu 2">
-            <a:extLst>
-              <a:ext uri="{FF2B5EF4-FFF2-40B4-BE49-F238E27FC236}">
-                <a16:creationId xmlns:a16="http://schemas.microsoft.com/office/drawing/2014/main" id="{ACD012F7-FBC2-4202-8CA3-18EBC6680F7F}"/>
-              </a:ext>
-            </a:extLst>
-          </p:cNvPr>
-          <p:cNvSpPr txBox="1">
-            <a:spLocks/>
-          </p:cNvSpPr>
-          <p:nvPr/>
-        </p:nvSpPr>
-        <p:spPr>
-          <a:xfrm>
-            <a:off x="25901" y="6131351"/>
-            <a:ext cx="988105" cy="788419"/>
-          </a:xfrm>
-          <a:prstGeom prst="rect">
-            <a:avLst/>
-          </a:prstGeom>
-        </p:spPr>
-        <p:txBody>
-          <a:bodyPr vert="horz" lIns="91440" tIns="45720" rIns="91440" bIns="45720" rtlCol="0" anchor="ctr">
-            <a:normAutofit/>
-          </a:bodyPr>
-          <a:lstStyle>
-            <a:lvl1pPr marL="285750" indent="-285750" algn="l" defTabSz="457200" rtl="0" eaLnBrk="1" latinLnBrk="0" hangingPunct="1">
-              <a:spcBef>
-                <a:spcPct val="20000"/>
-              </a:spcBef>
-              <a:spcAft>
-                <a:spcPts val="600"/>
-              </a:spcAft>
-              <a:buClr>
-                <a:schemeClr val="tx1"/>
-              </a:buClr>
-              <a:buSzPct val="80000"/>
-              <a:buFont typeface="Wingdings 3" panose="05040102010807070707" pitchFamily="18" charset="2"/>
-              <a:buChar char=""/>
-              <a:defRPr sz="2000" kern="1200" cap="none">
-                <a:solidFill>
-                  <a:schemeClr val="bg2">
-                    <a:lumMod val="75000"/>
-                  </a:schemeClr>
-                </a:solidFill>
-                <a:effectLst/>
-                <a:latin typeface="+mn-lt"/>
-                <a:ea typeface="+mn-ea"/>
-                <a:cs typeface="+mn-cs"/>
-              </a:defRPr>
-            </a:lvl1pPr>
-            <a:lvl2pPr marL="742950" indent="-285750" algn="l" defTabSz="457200" rtl="0" eaLnBrk="1" latinLnBrk="0" hangingPunct="1">
-              <a:spcBef>
-                <a:spcPct val="20000"/>
-              </a:spcBef>
-              <a:spcAft>
-                <a:spcPts val="600"/>
-              </a:spcAft>
-              <a:buClr>
-                <a:schemeClr val="tx1"/>
-              </a:buClr>
-              <a:buSzPct val="80000"/>
-              <a:buFont typeface="Wingdings 3" panose="05040102010807070707" pitchFamily="18" charset="2"/>
-              <a:buChar char=""/>
-              <a:defRPr sz="1800" kern="1200" cap="none">
-                <a:solidFill>
-                  <a:schemeClr val="bg2">
-                    <a:lumMod val="75000"/>
-                  </a:schemeClr>
-                </a:solidFill>
-                <a:effectLst/>
-                <a:latin typeface="+mn-lt"/>
-                <a:ea typeface="+mn-ea"/>
-                <a:cs typeface="+mn-cs"/>
-              </a:defRPr>
-            </a:lvl2pPr>
-            <a:lvl3pPr marL="1200150" indent="-285750" algn="l" defTabSz="457200" rtl="0" eaLnBrk="1" latinLnBrk="0" hangingPunct="1">
-              <a:spcBef>
-                <a:spcPct val="20000"/>
-              </a:spcBef>
-              <a:spcAft>
-                <a:spcPts val="600"/>
-              </a:spcAft>
-              <a:buClr>
-                <a:schemeClr val="tx1"/>
-              </a:buClr>
-              <a:buSzPct val="80000"/>
-              <a:buFont typeface="Wingdings 3" panose="05040102010807070707" pitchFamily="18" charset="2"/>
-              <a:buChar char=""/>
-              <a:defRPr sz="1600" kern="1200" cap="none">
-                <a:solidFill>
-                  <a:schemeClr val="bg2">
-                    <a:lumMod val="75000"/>
-                  </a:schemeClr>
-                </a:solidFill>
-                <a:effectLst/>
-                <a:latin typeface="+mn-lt"/>
-                <a:ea typeface="+mn-ea"/>
-                <a:cs typeface="+mn-cs"/>
-              </a:defRPr>
-            </a:lvl3pPr>
-            <a:lvl4pPr marL="1543050" indent="-171450" algn="l" defTabSz="457200" rtl="0" eaLnBrk="1" latinLnBrk="0" hangingPunct="1">
-              <a:spcBef>
-                <a:spcPct val="20000"/>
-              </a:spcBef>
-              <a:spcAft>
-                <a:spcPts val="600"/>
-              </a:spcAft>
-              <a:buClr>
-                <a:schemeClr val="tx1"/>
-              </a:buClr>
-              <a:buSzPct val="80000"/>
-              <a:buFont typeface="Wingdings 3" panose="05040102010807070707" pitchFamily="18" charset="2"/>
-              <a:buChar char=""/>
-              <a:defRPr sz="1400" kern="1200" cap="none">
-                <a:solidFill>
-                  <a:schemeClr val="bg2">
-                    <a:lumMod val="75000"/>
-                  </a:schemeClr>
-                </a:solidFill>
-                <a:effectLst/>
-                <a:latin typeface="+mn-lt"/>
-                <a:ea typeface="+mn-ea"/>
-                <a:cs typeface="+mn-cs"/>
-              </a:defRPr>
-            </a:lvl4pPr>
-            <a:lvl5pPr marL="2000250" indent="-171450" algn="l" defTabSz="457200" rtl="0" eaLnBrk="1" latinLnBrk="0" hangingPunct="1">
-              <a:spcBef>
-                <a:spcPct val="20000"/>
-              </a:spcBef>
-              <a:spcAft>
-                <a:spcPts val="600"/>
-              </a:spcAft>
-              <a:buClr>
-                <a:schemeClr val="tx1"/>
-              </a:buClr>
-              <a:buSzPct val="80000"/>
-              <a:buFont typeface="Wingdings 3" panose="05040102010807070707" pitchFamily="18" charset="2"/>
-              <a:buChar char=""/>
-              <a:defRPr sz="1400" kern="1200" cap="none">
-                <a:solidFill>
-                  <a:schemeClr val="bg2">
-                    <a:lumMod val="75000"/>
-                  </a:schemeClr>
-                </a:solidFill>
-                <a:effectLst/>
-                <a:latin typeface="+mn-lt"/>
-                <a:ea typeface="+mn-ea"/>
-                <a:cs typeface="+mn-cs"/>
-              </a:defRPr>
-            </a:lvl5pPr>
-            <a:lvl6pPr marL="2514600" indent="-228600" algn="l" defTabSz="457200" rtl="0" eaLnBrk="1" latinLnBrk="0" hangingPunct="1">
-              <a:spcBef>
-                <a:spcPct val="20000"/>
-              </a:spcBef>
-              <a:spcAft>
-                <a:spcPts val="600"/>
-              </a:spcAft>
-              <a:buClr>
-                <a:schemeClr val="tx1"/>
-              </a:buClr>
-              <a:buSzPct val="80000"/>
-              <a:buFont typeface="Wingdings 3" panose="05040102010807070707" pitchFamily="18" charset="2"/>
-              <a:buChar char=""/>
-              <a:defRPr sz="1400" kern="1200" cap="none">
-                <a:solidFill>
-                  <a:schemeClr val="bg2">
-                    <a:lumMod val="75000"/>
-                  </a:schemeClr>
-                </a:solidFill>
-                <a:effectLst/>
-                <a:latin typeface="+mn-lt"/>
-                <a:ea typeface="+mn-ea"/>
-                <a:cs typeface="+mn-cs"/>
-              </a:defRPr>
-            </a:lvl6pPr>
-            <a:lvl7pPr marL="2971800" indent="-228600" algn="l" defTabSz="457200" rtl="0" eaLnBrk="1" latinLnBrk="0" hangingPunct="1">
-              <a:spcBef>
-                <a:spcPct val="20000"/>
-              </a:spcBef>
-              <a:spcAft>
-                <a:spcPts val="600"/>
-              </a:spcAft>
-              <a:buClr>
-                <a:schemeClr val="tx1"/>
-              </a:buClr>
-              <a:buSzPct val="80000"/>
-              <a:buFont typeface="Wingdings 3" panose="05040102010807070707" pitchFamily="18" charset="2"/>
-              <a:buChar char=""/>
-              <a:defRPr sz="1400" kern="1200" cap="none">
-                <a:solidFill>
-                  <a:schemeClr val="bg2">
-                    <a:lumMod val="75000"/>
-                  </a:schemeClr>
-                </a:solidFill>
-                <a:effectLst/>
-                <a:latin typeface="+mn-lt"/>
-                <a:ea typeface="+mn-ea"/>
-                <a:cs typeface="+mn-cs"/>
-              </a:defRPr>
-            </a:lvl7pPr>
-            <a:lvl8pPr marL="3429000" indent="-228600" algn="l" defTabSz="457200" rtl="0" eaLnBrk="1" latinLnBrk="0" hangingPunct="1">
-              <a:spcBef>
-                <a:spcPct val="20000"/>
-              </a:spcBef>
-              <a:spcAft>
-                <a:spcPts val="600"/>
-              </a:spcAft>
-              <a:buClr>
-                <a:schemeClr val="tx1"/>
-              </a:buClr>
-              <a:buSzPct val="80000"/>
-              <a:buFont typeface="Wingdings 3" panose="05040102010807070707" pitchFamily="18" charset="2"/>
-              <a:buChar char=""/>
-              <a:defRPr sz="1400" kern="1200" cap="none">
-                <a:solidFill>
-                  <a:schemeClr val="bg2">
-                    <a:lumMod val="75000"/>
-                  </a:schemeClr>
-                </a:solidFill>
-                <a:effectLst/>
-                <a:latin typeface="+mn-lt"/>
-                <a:ea typeface="+mn-ea"/>
-                <a:cs typeface="+mn-cs"/>
-              </a:defRPr>
-            </a:lvl8pPr>
-            <a:lvl9pPr marL="3886200" indent="-228600" algn="l" defTabSz="457200" rtl="0" eaLnBrk="1" latinLnBrk="0" hangingPunct="1">
-              <a:spcBef>
-                <a:spcPct val="20000"/>
-              </a:spcBef>
-              <a:spcAft>
-                <a:spcPts val="600"/>
-              </a:spcAft>
-              <a:buClr>
-                <a:schemeClr val="tx1"/>
-              </a:buClr>
-              <a:buSzPct val="80000"/>
-              <a:buFont typeface="Wingdings 3" panose="05040102010807070707" pitchFamily="18" charset="2"/>
-              <a:buChar char=""/>
-              <a:defRPr sz="1400" kern="1200" cap="none">
-                <a:solidFill>
-                  <a:schemeClr val="bg2">
-                    <a:lumMod val="75000"/>
-                  </a:schemeClr>
-                </a:solidFill>
-                <a:effectLst/>
-                <a:latin typeface="+mn-lt"/>
-                <a:ea typeface="+mn-ea"/>
-                <a:cs typeface="+mn-cs"/>
-              </a:defRPr>
-            </a:lvl9pPr>
-          </a:lstStyle>
-          <a:p>
-            <a:pPr marL="0" indent="0">
-              <a:buFont typeface="Wingdings 3" panose="05040102010807070707" pitchFamily="18" charset="2"/>
-              <a:buNone/>
-            </a:pPr>
-            <a:r>
-              <a:rPr lang="fr-FR" sz="3200" b="1" dirty="0">
-                <a:solidFill>
-                  <a:schemeClr val="tx1">
-                    <a:lumMod val="95000"/>
-                  </a:schemeClr>
-                </a:solidFill>
-                <a:effectLst>
-                  <a:outerShdw blurRad="38100" dist="38100" dir="2700000" algn="tl">
-                    <a:srgbClr val="000000">
-                      <a:alpha val="43137"/>
-                    </a:srgbClr>
-                  </a:outerShdw>
-                </a:effectLst>
-              </a:rPr>
-              <a:t>17</a:t>
-            </a:r>
-            <a:endParaRPr lang="fr-FR" sz="4000" b="1" dirty="0">
-              <a:solidFill>
-                <a:schemeClr val="tx1">
-                  <a:lumMod val="95000"/>
-                </a:schemeClr>
-              </a:solidFill>
-              <a:effectLst>
-                <a:outerShdw blurRad="38100" dist="38100" dir="2700000" algn="tl">
-                  <a:srgbClr val="000000">
-                    <a:alpha val="43137"/>
-                  </a:srgbClr>
-                </a:outerShdw>
-              </a:effectLst>
-            </a:endParaRPr>
-          </a:p>
-        </p:txBody>
-      </p:sp>
-      <p:sp>
-        <p:nvSpPr>
-          <p:cNvPr id="11" name="TextBox 4">
-            <a:extLst>
-              <a:ext uri="{FF2B5EF4-FFF2-40B4-BE49-F238E27FC236}">
-                <a16:creationId xmlns:a16="http://schemas.microsoft.com/office/drawing/2014/main" id="{E5FEEBD5-E3D9-4B24-93A6-42B19A212E76}"/>
-              </a:ext>
-            </a:extLst>
-          </p:cNvPr>
-          <p:cNvSpPr txBox="1"/>
-          <p:nvPr/>
-        </p:nvSpPr>
-        <p:spPr>
-          <a:xfrm>
-            <a:off x="250505" y="3511547"/>
-            <a:ext cx="2260555" cy="646331"/>
-          </a:xfrm>
-          <a:prstGeom prst="rect">
-            <a:avLst/>
-          </a:prstGeom>
-          <a:noFill/>
-        </p:spPr>
-        <p:txBody>
-          <a:bodyPr wrap="none" rtlCol="0">
-            <a:spAutoFit/>
-          </a:bodyPr>
-          <a:lstStyle/>
-          <a:p>
-            <a:r>
-              <a:rPr lang="fr-FR" sz="3600" dirty="0" err="1"/>
-              <a:t>Datasets</a:t>
-            </a:r>
-            <a:r>
-              <a:rPr lang="fr-FR" sz="3600" dirty="0"/>
-              <a:t>:</a:t>
-            </a:r>
-          </a:p>
-        </p:txBody>
-      </p:sp>
-      <p:sp>
-        <p:nvSpPr>
-          <p:cNvPr id="2" name="Rectangle 1">
-            <a:extLst>
-              <a:ext uri="{FF2B5EF4-FFF2-40B4-BE49-F238E27FC236}">
-                <a16:creationId xmlns:a16="http://schemas.microsoft.com/office/drawing/2014/main" id="{39FD7229-B6A6-4890-A692-03A1D8FC636B}"/>
-              </a:ext>
-            </a:extLst>
-          </p:cNvPr>
-          <p:cNvSpPr/>
-          <p:nvPr/>
-        </p:nvSpPr>
-        <p:spPr>
-          <a:xfrm>
-            <a:off x="575607" y="4029756"/>
-            <a:ext cx="1864659" cy="1569660"/>
-          </a:xfrm>
-          <a:prstGeom prst="rect">
-            <a:avLst/>
-          </a:prstGeom>
-        </p:spPr>
-        <p:txBody>
-          <a:bodyPr wrap="square">
-            <a:spAutoFit/>
-          </a:bodyPr>
-          <a:lstStyle/>
-          <a:p>
-            <a:r>
-              <a:rPr lang="fr-FR" sz="2400" i="1" u="sng" dirty="0">
-                <a:solidFill>
-                  <a:schemeClr val="accent1">
-                    <a:lumMod val="75000"/>
-                  </a:schemeClr>
-                </a:solidFill>
-              </a:rPr>
-              <a:t>Basics</a:t>
-            </a:r>
-          </a:p>
-          <a:p>
-            <a:r>
-              <a:rPr lang="fr-FR" sz="2400" i="1" u="sng" dirty="0">
-                <a:solidFill>
-                  <a:schemeClr val="accent1">
-                    <a:lumMod val="75000"/>
-                  </a:schemeClr>
-                </a:solidFill>
-              </a:rPr>
-              <a:t>Images</a:t>
-            </a:r>
-          </a:p>
-          <a:p>
-            <a:r>
-              <a:rPr lang="fr-FR" sz="2400" i="1" u="sng" dirty="0" err="1">
-                <a:solidFill>
-                  <a:schemeClr val="accent1">
-                    <a:lumMod val="75000"/>
-                  </a:schemeClr>
-                </a:solidFill>
-              </a:rPr>
-              <a:t>Loading</a:t>
-            </a:r>
-            <a:endParaRPr lang="fr-FR" sz="2400" i="1" u="sng" dirty="0">
-              <a:solidFill>
-                <a:schemeClr val="accent1">
-                  <a:lumMod val="75000"/>
-                </a:schemeClr>
-              </a:solidFill>
-            </a:endParaRPr>
-          </a:p>
-          <a:p>
-            <a:r>
-              <a:rPr lang="fr-FR" sz="2400" i="1" u="sng" dirty="0">
-                <a:solidFill>
-                  <a:schemeClr val="accent1">
-                    <a:lumMod val="75000"/>
-                  </a:schemeClr>
-                </a:solidFill>
-              </a:rPr>
-              <a:t>Building</a:t>
-            </a:r>
-          </a:p>
-        </p:txBody>
-      </p:sp>
-      <p:sp>
-        <p:nvSpPr>
-          <p:cNvPr id="12" name="TextBox 4">
-            <a:extLst>
-              <a:ext uri="{FF2B5EF4-FFF2-40B4-BE49-F238E27FC236}">
-                <a16:creationId xmlns:a16="http://schemas.microsoft.com/office/drawing/2014/main" id="{914C41B9-5A53-4544-A16D-406CB3DBED37}"/>
-              </a:ext>
-            </a:extLst>
-          </p:cNvPr>
-          <p:cNvSpPr txBox="1"/>
-          <p:nvPr/>
-        </p:nvSpPr>
-        <p:spPr>
-          <a:xfrm>
-            <a:off x="3518972" y="3516028"/>
-            <a:ext cx="950901" cy="646331"/>
-          </a:xfrm>
-          <a:prstGeom prst="rect">
-            <a:avLst/>
-          </a:prstGeom>
-          <a:noFill/>
-        </p:spPr>
-        <p:txBody>
-          <a:bodyPr wrap="none" rtlCol="0">
-            <a:spAutoFit/>
-          </a:bodyPr>
-          <a:lstStyle/>
-          <a:p>
-            <a:r>
-              <a:rPr lang="fr-FR" sz="3600" dirty="0"/>
-              <a:t>ML:</a:t>
-            </a:r>
-          </a:p>
-        </p:txBody>
-      </p:sp>
-      <p:sp>
-        <p:nvSpPr>
-          <p:cNvPr id="14" name="TextBox 4">
-            <a:extLst>
-              <a:ext uri="{FF2B5EF4-FFF2-40B4-BE49-F238E27FC236}">
-                <a16:creationId xmlns:a16="http://schemas.microsoft.com/office/drawing/2014/main" id="{78389E4E-6797-4695-AC69-9D0BC295BF93}"/>
-              </a:ext>
-            </a:extLst>
-          </p:cNvPr>
-          <p:cNvSpPr txBox="1"/>
-          <p:nvPr/>
-        </p:nvSpPr>
-        <p:spPr>
-          <a:xfrm>
-            <a:off x="6292002" y="3511547"/>
-            <a:ext cx="1781257" cy="646331"/>
-          </a:xfrm>
-          <a:prstGeom prst="rect">
-            <a:avLst/>
-          </a:prstGeom>
-          <a:noFill/>
-        </p:spPr>
-        <p:txBody>
-          <a:bodyPr wrap="none" rtlCol="0">
-            <a:spAutoFit/>
-          </a:bodyPr>
-          <a:lstStyle/>
-          <a:p>
-            <a:r>
-              <a:rPr lang="fr-FR" sz="3600" dirty="0"/>
-              <a:t>Theory:</a:t>
-            </a:r>
-          </a:p>
-        </p:txBody>
-      </p:sp>
-      <p:sp>
-        <p:nvSpPr>
-          <p:cNvPr id="15" name="TextBox 4">
-            <a:extLst>
-              <a:ext uri="{FF2B5EF4-FFF2-40B4-BE49-F238E27FC236}">
-                <a16:creationId xmlns:a16="http://schemas.microsoft.com/office/drawing/2014/main" id="{75255AB8-0325-4C97-BF32-DDF8E593C61B}"/>
-              </a:ext>
-            </a:extLst>
-          </p:cNvPr>
-          <p:cNvSpPr txBox="1"/>
-          <p:nvPr/>
-        </p:nvSpPr>
-        <p:spPr>
-          <a:xfrm>
-            <a:off x="9095130" y="3511547"/>
-            <a:ext cx="2900153" cy="646331"/>
-          </a:xfrm>
-          <a:prstGeom prst="rect">
-            <a:avLst/>
-          </a:prstGeom>
-          <a:noFill/>
-        </p:spPr>
-        <p:txBody>
-          <a:bodyPr wrap="none" rtlCol="0">
-            <a:spAutoFit/>
-          </a:bodyPr>
-          <a:lstStyle/>
-          <a:p>
-            <a:r>
-              <a:rPr lang="fr-FR" sz="3600" dirty="0" err="1"/>
-              <a:t>Finetunning</a:t>
-            </a:r>
-            <a:r>
-              <a:rPr lang="fr-FR" sz="3600" dirty="0"/>
-              <a:t>:</a:t>
-            </a:r>
-          </a:p>
-        </p:txBody>
-      </p:sp>
-      <p:sp>
-        <p:nvSpPr>
-          <p:cNvPr id="16" name="Rectangle 15">
-            <a:extLst>
-              <a:ext uri="{FF2B5EF4-FFF2-40B4-BE49-F238E27FC236}">
-                <a16:creationId xmlns:a16="http://schemas.microsoft.com/office/drawing/2014/main" id="{5E8680B3-4BD1-4573-ABF5-11734422BE01}"/>
-              </a:ext>
-            </a:extLst>
-          </p:cNvPr>
-          <p:cNvSpPr/>
-          <p:nvPr/>
-        </p:nvSpPr>
-        <p:spPr>
-          <a:xfrm>
-            <a:off x="2779954" y="4047963"/>
-            <a:ext cx="3172360" cy="1200329"/>
-          </a:xfrm>
-          <a:prstGeom prst="rect">
-            <a:avLst/>
-          </a:prstGeom>
-        </p:spPr>
-        <p:txBody>
-          <a:bodyPr wrap="square">
-            <a:spAutoFit/>
-          </a:bodyPr>
-          <a:lstStyle/>
-          <a:p>
-            <a:r>
-              <a:rPr lang="fr-FR" sz="2400" i="1" u="sng" dirty="0">
-                <a:solidFill>
-                  <a:schemeClr val="accent1">
-                    <a:lumMod val="75000"/>
-                  </a:schemeClr>
-                </a:solidFill>
-              </a:rPr>
-              <a:t>Uses</a:t>
-            </a:r>
-          </a:p>
-          <a:p>
-            <a:r>
-              <a:rPr lang="fr-FR" sz="2400" i="1" u="sng" dirty="0">
-                <a:solidFill>
-                  <a:schemeClr val="accent1">
-                    <a:lumMod val="75000"/>
-                  </a:schemeClr>
-                </a:solidFill>
-              </a:rPr>
-              <a:t>Training time</a:t>
-            </a:r>
-          </a:p>
-          <a:p>
-            <a:r>
-              <a:rPr lang="fr-FR" sz="2400" i="1" u="sng" dirty="0" err="1">
-                <a:solidFill>
-                  <a:schemeClr val="accent1">
-                    <a:lumMod val="75000"/>
-                  </a:schemeClr>
-                </a:solidFill>
-              </a:rPr>
-              <a:t>Computer’s</a:t>
-            </a:r>
-            <a:r>
-              <a:rPr lang="fr-FR" sz="2400" i="1" u="sng" dirty="0">
-                <a:solidFill>
-                  <a:schemeClr val="accent1">
-                    <a:lumMod val="75000"/>
-                  </a:schemeClr>
-                </a:solidFill>
-              </a:rPr>
-              <a:t> power</a:t>
-            </a:r>
-          </a:p>
-        </p:txBody>
-      </p:sp>
-      <p:sp>
-        <p:nvSpPr>
-          <p:cNvPr id="18" name="Rectangle 17">
-            <a:extLst>
-              <a:ext uri="{FF2B5EF4-FFF2-40B4-BE49-F238E27FC236}">
-                <a16:creationId xmlns:a16="http://schemas.microsoft.com/office/drawing/2014/main" id="{78B1FCDD-3D1F-445B-A289-CC2B191F66C6}"/>
-              </a:ext>
-            </a:extLst>
-          </p:cNvPr>
-          <p:cNvSpPr/>
-          <p:nvPr/>
-        </p:nvSpPr>
-        <p:spPr>
-          <a:xfrm>
-            <a:off x="6292892" y="4047963"/>
-            <a:ext cx="2635955" cy="2308324"/>
-          </a:xfrm>
-          <a:prstGeom prst="rect">
-            <a:avLst/>
-          </a:prstGeom>
-        </p:spPr>
-        <p:txBody>
-          <a:bodyPr wrap="square">
-            <a:spAutoFit/>
-          </a:bodyPr>
-          <a:lstStyle/>
-          <a:p>
-            <a:r>
-              <a:rPr lang="fr-FR" sz="2400" i="1" u="sng" dirty="0" err="1">
-                <a:solidFill>
-                  <a:schemeClr val="accent1">
-                    <a:lumMod val="75000"/>
-                  </a:schemeClr>
-                </a:solidFill>
-              </a:rPr>
-              <a:t>GAs</a:t>
-            </a:r>
-            <a:endParaRPr lang="fr-FR" sz="2400" i="1" u="sng" dirty="0">
-              <a:solidFill>
-                <a:schemeClr val="accent1">
-                  <a:lumMod val="75000"/>
-                </a:schemeClr>
-              </a:solidFill>
-            </a:endParaRPr>
-          </a:p>
-          <a:p>
-            <a:r>
-              <a:rPr lang="fr-FR" sz="2400" i="1" u="sng" dirty="0" err="1">
-                <a:solidFill>
-                  <a:schemeClr val="accent1">
-                    <a:lumMod val="75000"/>
-                  </a:schemeClr>
-                </a:solidFill>
-              </a:rPr>
-              <a:t>Metrics</a:t>
-            </a:r>
-            <a:endParaRPr lang="fr-FR" sz="2400" i="1" u="sng" dirty="0">
-              <a:solidFill>
-                <a:schemeClr val="accent1">
-                  <a:lumMod val="75000"/>
-                </a:schemeClr>
-              </a:solidFill>
-            </a:endParaRPr>
-          </a:p>
-          <a:p>
-            <a:r>
-              <a:rPr lang="fr-FR" sz="2400" i="1" u="sng" dirty="0">
-                <a:solidFill>
-                  <a:schemeClr val="accent1">
-                    <a:lumMod val="75000"/>
-                  </a:schemeClr>
-                </a:solidFill>
-              </a:rPr>
-              <a:t>Datas</a:t>
-            </a:r>
-          </a:p>
-          <a:p>
-            <a:r>
-              <a:rPr lang="fr-FR" sz="2400" i="1" u="sng" dirty="0" err="1">
-                <a:solidFill>
-                  <a:schemeClr val="accent1">
-                    <a:lumMod val="75000"/>
-                  </a:schemeClr>
-                </a:solidFill>
-              </a:rPr>
-              <a:t>Torch</a:t>
-            </a:r>
-            <a:endParaRPr lang="fr-FR" sz="2400" i="1" u="sng" dirty="0">
-              <a:solidFill>
-                <a:schemeClr val="accent1">
-                  <a:lumMod val="75000"/>
-                </a:schemeClr>
-              </a:solidFill>
-            </a:endParaRPr>
-          </a:p>
-          <a:p>
-            <a:r>
-              <a:rPr lang="fr-FR" sz="2400" i="1" u="sng" dirty="0">
-                <a:solidFill>
-                  <a:schemeClr val="accent1">
-                    <a:lumMod val="75000"/>
-                  </a:schemeClr>
-                </a:solidFill>
-              </a:rPr>
-              <a:t>Transformers</a:t>
-            </a:r>
-          </a:p>
-          <a:p>
-            <a:r>
-              <a:rPr lang="fr-FR" sz="2400" i="1" u="sng" dirty="0" err="1">
-                <a:solidFill>
-                  <a:schemeClr val="accent1">
-                    <a:lumMod val="75000"/>
-                  </a:schemeClr>
-                </a:solidFill>
-              </a:rPr>
-              <a:t>Sklearn</a:t>
-            </a:r>
-            <a:endParaRPr lang="fr-FR" sz="2400" i="1" u="sng" dirty="0">
-              <a:solidFill>
-                <a:schemeClr val="accent1">
-                  <a:lumMod val="75000"/>
-                </a:schemeClr>
-              </a:solidFill>
-            </a:endParaRPr>
-          </a:p>
-        </p:txBody>
-      </p:sp>
-      <p:sp>
-        <p:nvSpPr>
-          <p:cNvPr id="19" name="Rectangle 18">
-            <a:extLst>
-              <a:ext uri="{FF2B5EF4-FFF2-40B4-BE49-F238E27FC236}">
-                <a16:creationId xmlns:a16="http://schemas.microsoft.com/office/drawing/2014/main" id="{1906071D-68AE-4D20-ABDB-06D7F637D969}"/>
-              </a:ext>
-            </a:extLst>
-          </p:cNvPr>
-          <p:cNvSpPr/>
-          <p:nvPr/>
-        </p:nvSpPr>
-        <p:spPr>
-          <a:xfrm>
-            <a:off x="9149894" y="4062281"/>
-            <a:ext cx="1864659" cy="1569660"/>
-          </a:xfrm>
-          <a:prstGeom prst="rect">
-            <a:avLst/>
-          </a:prstGeom>
-        </p:spPr>
-        <p:txBody>
-          <a:bodyPr wrap="square">
-            <a:spAutoFit/>
-          </a:bodyPr>
-          <a:lstStyle/>
-          <a:p>
-            <a:r>
-              <a:rPr lang="fr-FR" sz="2400" i="1" u="sng" dirty="0">
-                <a:solidFill>
-                  <a:schemeClr val="accent1">
-                    <a:lumMod val="75000"/>
-                  </a:schemeClr>
-                </a:solidFill>
-              </a:rPr>
-              <a:t>Set up</a:t>
-            </a:r>
-          </a:p>
-          <a:p>
-            <a:r>
-              <a:rPr lang="fr-FR" sz="2400" i="1" u="sng" dirty="0" err="1">
-                <a:solidFill>
-                  <a:schemeClr val="accent1">
-                    <a:lumMod val="75000"/>
-                  </a:schemeClr>
-                </a:solidFill>
-              </a:rPr>
-              <a:t>Preprocess</a:t>
-            </a:r>
-            <a:endParaRPr lang="fr-FR" sz="2400" i="1" u="sng" dirty="0">
-              <a:solidFill>
-                <a:schemeClr val="accent1">
-                  <a:lumMod val="75000"/>
-                </a:schemeClr>
-              </a:solidFill>
-            </a:endParaRPr>
-          </a:p>
-          <a:p>
-            <a:r>
-              <a:rPr lang="fr-FR" sz="2400" i="1" u="sng" dirty="0">
-                <a:solidFill>
-                  <a:schemeClr val="accent1">
-                    <a:lumMod val="75000"/>
-                  </a:schemeClr>
-                </a:solidFill>
-              </a:rPr>
-              <a:t>Training</a:t>
-            </a:r>
-          </a:p>
-          <a:p>
-            <a:r>
-              <a:rPr lang="fr-FR" sz="2400" i="1" u="sng" dirty="0" err="1">
-                <a:solidFill>
-                  <a:schemeClr val="accent1">
-                    <a:lumMod val="75000"/>
-                  </a:schemeClr>
-                </a:solidFill>
-              </a:rPr>
-              <a:t>Results</a:t>
-            </a:r>
-            <a:endParaRPr lang="fr-FR" sz="2400" i="1" u="sng" dirty="0">
-              <a:solidFill>
-                <a:schemeClr val="accent1">
-                  <a:lumMod val="75000"/>
-                </a:schemeClr>
-              </a:solidFill>
-            </a:endParaRPr>
-          </a:p>
-        </p:txBody>
-      </p:sp>
-    </p:spTree>
-    <p:extLst>
-      <p:ext uri="{BB962C8B-B14F-4D97-AF65-F5344CB8AC3E}">
-        <p14:creationId xmlns:p14="http://schemas.microsoft.com/office/powerpoint/2010/main" val="1424285396"/>
-      </p:ext>
-    </p:extLst>
-  </p:cSld>
-  <p:clrMapOvr>
-    <a:masterClrMapping/>
-  </p:clrMapOvr>
-</p:sld>
-</file>
-
-<file path=ppt/slides/slide32.xml><?xml version="1.0" encoding="utf-8"?>
-<p:sld xmlns:a="http://schemas.openxmlformats.org/drawingml/2006/main" xmlns:r="http://schemas.openxmlformats.org/officeDocument/2006/relationships" xmlns:p="http://schemas.openxmlformats.org/presentationml/2006/main">
-  <p:cSld>
-    <p:spTree>
-      <p:nvGrpSpPr>
-        <p:cNvPr id="1" name="">
-          <a:extLst>
-            <a:ext uri="{FF2B5EF4-FFF2-40B4-BE49-F238E27FC236}">
-              <a16:creationId xmlns:a16="http://schemas.microsoft.com/office/drawing/2014/main" id="{9BA86989-CA52-919B-44DB-8ABE8DA1CC55}"/>
-            </a:ext>
-          </a:extLst>
-        </p:cNvPr>
-        <p:cNvGrpSpPr/>
-        <p:nvPr/>
-      </p:nvGrpSpPr>
-      <p:grpSpPr>
-        <a:xfrm>
-          <a:off x="0" y="0"/>
-          <a:ext cx="0" cy="0"/>
-          <a:chOff x="0" y="0"/>
-          <a:chExt cx="0" cy="0"/>
-        </a:xfrm>
-      </p:grpSpPr>
-      <p:sp>
-        <p:nvSpPr>
           <p:cNvPr id="8" name="TextBox 4">
             <a:extLst>
               <a:ext uri="{FF2B5EF4-FFF2-40B4-BE49-F238E27FC236}">
@@ -24068,7 +23675,7 @@
         <p:spPr>
           <a:xfrm>
             <a:off x="771958" y="1133018"/>
-            <a:ext cx="9121408" cy="4591963"/>
+            <a:ext cx="9961381" cy="3010568"/>
           </a:xfrm>
           <a:prstGeom prst="rect">
             <a:avLst/>
@@ -24089,7 +23696,7 @@
               <a:buChar char="-"/>
             </a:pPr>
             <a:r>
-              <a:rPr lang="en-US" sz="4000" dirty="0"/>
+              <a:rPr lang="en-US" sz="4400" dirty="0"/>
               <a:t>Improve model performance</a:t>
             </a:r>
           </a:p>
@@ -24102,8 +23709,8 @@
               <a:buChar char="-"/>
             </a:pPr>
             <a:r>
-              <a:rPr lang="en-US" sz="4000" dirty="0"/>
-              <a:t>Find best hyperparameters</a:t>
+              <a:rPr lang="en-US" sz="4400" dirty="0"/>
+              <a:t>Extend to the PDF to Latex tool</a:t>
             </a:r>
           </a:p>
           <a:p>
@@ -24115,36 +23722,10 @@
               <a:buChar char="-"/>
             </a:pPr>
             <a:r>
-              <a:rPr lang="en-US" sz="4000" dirty="0"/>
-              <a:t>Extend to multiline formula</a:t>
-            </a:r>
-          </a:p>
-          <a:p>
-            <a:pPr marL="457200" indent="-457200">
-              <a:lnSpc>
-                <a:spcPct val="150000"/>
-              </a:lnSpc>
-              <a:buFontTx/>
-              <a:buChar char="-"/>
-            </a:pPr>
-            <a:r>
-              <a:rPr lang="en-US" sz="4000" dirty="0"/>
-              <a:t>Extend to the PDF to Latex tool</a:t>
-            </a:r>
-          </a:p>
-          <a:p>
-            <a:pPr marL="457200" indent="-457200">
-              <a:lnSpc>
-                <a:spcPct val="150000"/>
-              </a:lnSpc>
-              <a:buFontTx/>
-              <a:buChar char="-"/>
-            </a:pPr>
-            <a:r>
-              <a:rPr lang="en-US" sz="4000" dirty="0"/>
+              <a:rPr lang="en-US" sz="4400" dirty="0"/>
               <a:t>Provide the associated notebooks</a:t>
             </a:r>
-            <a:endParaRPr lang="fr-FR" sz="4000" dirty="0"/>
+            <a:endParaRPr lang="fr-FR" sz="4400" dirty="0"/>
           </a:p>
         </p:txBody>
       </p:sp>
@@ -24531,7 +24112,7 @@
 </p:sld>
 </file>
 
-<file path=ppt/slides/slide33.xml><?xml version="1.0" encoding="utf-8"?>
+<file path=ppt/slides/slide32.xml><?xml version="1.0" encoding="utf-8"?>
 <p:sld xmlns:a="http://schemas.openxmlformats.org/drawingml/2006/main" xmlns:r="http://schemas.openxmlformats.org/officeDocument/2006/relationships" xmlns:p="http://schemas.openxmlformats.org/presentationml/2006/main">
   <p:cSld>
     <p:spTree>
@@ -25133,7 +24714,7 @@
 </p:sld>
 </file>
 
-<file path=ppt/slides/slide34.xml><?xml version="1.0" encoding="utf-8"?>
+<file path=ppt/slides/slide33.xml><?xml version="1.0" encoding="utf-8"?>
 <p:sld xmlns:a="http://schemas.openxmlformats.org/drawingml/2006/main" xmlns:r="http://schemas.openxmlformats.org/officeDocument/2006/relationships" xmlns:p="http://schemas.openxmlformats.org/presentationml/2006/main">
   <p:cSld>
     <p:spTree>
@@ -25262,7 +24843,7 @@
 </p:sld>
 </file>
 
-<file path=ppt/slides/slide35.xml><?xml version="1.0" encoding="utf-8"?>
+<file path=ppt/slides/slide34.xml><?xml version="1.0" encoding="utf-8"?>
 <p:sld xmlns:a="http://schemas.openxmlformats.org/drawingml/2006/main" xmlns:r="http://schemas.openxmlformats.org/officeDocument/2006/relationships" xmlns:p="http://schemas.openxmlformats.org/presentationml/2006/main">
   <p:cSld>
     <p:spTree>
